--- a/report_computer_vision.pptx
+++ b/report_computer_vision.pptx
@@ -5,10 +5,10 @@
     <p:sldMasterId id="2147483658" r:id="rId4"/>
   </p:sldMasterIdLst>
   <p:notesMasterIdLst>
-    <p:notesMasterId r:id="rId29"/>
+    <p:notesMasterId r:id="rId31"/>
   </p:notesMasterIdLst>
   <p:handoutMasterIdLst>
-    <p:handoutMasterId r:id="rId30"/>
+    <p:handoutMasterId r:id="rId32"/>
   </p:handoutMasterIdLst>
   <p:sldIdLst>
     <p:sldId id="410" r:id="rId5"/>
@@ -21,20 +21,22 @@
     <p:sldId id="416" r:id="rId12"/>
     <p:sldId id="423" r:id="rId13"/>
     <p:sldId id="417" r:id="rId14"/>
-    <p:sldId id="418" r:id="rId15"/>
-    <p:sldId id="420" r:id="rId16"/>
-    <p:sldId id="411" r:id="rId17"/>
-    <p:sldId id="421" r:id="rId18"/>
-    <p:sldId id="389" r:id="rId19"/>
-    <p:sldId id="412" r:id="rId20"/>
-    <p:sldId id="413" r:id="rId21"/>
-    <p:sldId id="407" r:id="rId22"/>
-    <p:sldId id="406" r:id="rId23"/>
-    <p:sldId id="405" r:id="rId24"/>
-    <p:sldId id="404" r:id="rId25"/>
-    <p:sldId id="403" r:id="rId26"/>
-    <p:sldId id="409" r:id="rId27"/>
-    <p:sldId id="398" r:id="rId28"/>
+    <p:sldId id="424" r:id="rId15"/>
+    <p:sldId id="425" r:id="rId16"/>
+    <p:sldId id="418" r:id="rId17"/>
+    <p:sldId id="420" r:id="rId18"/>
+    <p:sldId id="411" r:id="rId19"/>
+    <p:sldId id="421" r:id="rId20"/>
+    <p:sldId id="389" r:id="rId21"/>
+    <p:sldId id="412" r:id="rId22"/>
+    <p:sldId id="413" r:id="rId23"/>
+    <p:sldId id="407" r:id="rId24"/>
+    <p:sldId id="406" r:id="rId25"/>
+    <p:sldId id="405" r:id="rId26"/>
+    <p:sldId id="404" r:id="rId27"/>
+    <p:sldId id="403" r:id="rId28"/>
+    <p:sldId id="409" r:id="rId29"/>
+    <p:sldId id="398" r:id="rId30"/>
   </p:sldIdLst>
   <p:sldSz cx="12192000" cy="6858000"/>
   <p:notesSz cx="6858000" cy="9144000"/>
@@ -213,7 +215,7 @@
           <a:p>
             <a:fld id="{1EBEDD12-BCD5-485B-BCBC-34BB01D7923C}" type="datetimeFigureOut">
               <a:rPr lang="en-US" smtClean="0"/>
-              <a:t>2/9/2025</a:t>
+              <a:t>2/11/2025</a:t>
             </a:fld>
             <a:endParaRPr lang="en-US" dirty="0"/>
           </a:p>
@@ -427,7 +429,7 @@
           <a:p>
             <a:fld id="{6EE7A52F-9D89-7442-A8E9-48D1527B5F6B}" type="datetimeFigureOut">
               <a:rPr lang="en-US" smtClean="0"/>
-              <a:t>2/9/2025</a:t>
+              <a:t>2/11/2025</a:t>
             </a:fld>
             <a:endParaRPr lang="en-US" dirty="0"/>
           </a:p>
@@ -894,6 +896,222 @@
         <p:cNvPr id="1" name="">
           <a:extLst>
             <a:ext uri="{FF2B5EF4-FFF2-40B4-BE49-F238E27FC236}">
+              <a16:creationId xmlns:a16="http://schemas.microsoft.com/office/drawing/2014/main" id="{D36CD97B-4F8B-F578-5A7E-19215326EFCC}"/>
+            </a:ext>
+          </a:extLst>
+        </p:cNvPr>
+        <p:cNvGrpSpPr/>
+        <p:nvPr/>
+      </p:nvGrpSpPr>
+      <p:grpSpPr>
+        <a:xfrm>
+          <a:off x="0" y="0"/>
+          <a:ext cx="0" cy="0"/>
+          <a:chOff x="0" y="0"/>
+          <a:chExt cx="0" cy="0"/>
+        </a:xfrm>
+      </p:grpSpPr>
+      <p:sp>
+        <p:nvSpPr>
+          <p:cNvPr id="2" name="Slide Image Placeholder 1">
+            <a:extLst>
+              <a:ext uri="{FF2B5EF4-FFF2-40B4-BE49-F238E27FC236}">
+                <a16:creationId xmlns:a16="http://schemas.microsoft.com/office/drawing/2014/main" id="{44AB4288-4428-2676-9222-E1A6DB538E57}"/>
+              </a:ext>
+            </a:extLst>
+          </p:cNvPr>
+          <p:cNvSpPr>
+            <a:spLocks noGrp="1" noRot="1" noChangeAspect="1"/>
+          </p:cNvSpPr>
+          <p:nvPr>
+            <p:ph type="sldImg"/>
+          </p:nvPr>
+        </p:nvSpPr>
+        <p:spPr/>
+      </p:sp>
+      <p:sp>
+        <p:nvSpPr>
+          <p:cNvPr id="3" name="Notes Placeholder 2">
+            <a:extLst>
+              <a:ext uri="{FF2B5EF4-FFF2-40B4-BE49-F238E27FC236}">
+                <a16:creationId xmlns:a16="http://schemas.microsoft.com/office/drawing/2014/main" id="{3241314F-79A0-3F3E-BDE5-AD96F626FDC5}"/>
+              </a:ext>
+            </a:extLst>
+          </p:cNvPr>
+          <p:cNvSpPr>
+            <a:spLocks noGrp="1"/>
+          </p:cNvSpPr>
+          <p:nvPr>
+            <p:ph type="body" idx="1"/>
+          </p:nvPr>
+        </p:nvSpPr>
+        <p:spPr/>
+        <p:txBody>
+          <a:bodyPr/>
+          <a:lstStyle/>
+          <a:p>
+            <a:endParaRPr lang="en-US" dirty="0"/>
+          </a:p>
+        </p:txBody>
+      </p:sp>
+      <p:sp>
+        <p:nvSpPr>
+          <p:cNvPr id="4" name="Slide Number Placeholder 3">
+            <a:extLst>
+              <a:ext uri="{FF2B5EF4-FFF2-40B4-BE49-F238E27FC236}">
+                <a16:creationId xmlns:a16="http://schemas.microsoft.com/office/drawing/2014/main" id="{FE217DD1-0DD4-D162-5DAA-1E31D88B16B5}"/>
+              </a:ext>
+            </a:extLst>
+          </p:cNvPr>
+          <p:cNvSpPr>
+            <a:spLocks noGrp="1"/>
+          </p:cNvSpPr>
+          <p:nvPr>
+            <p:ph type="sldNum" sz="quarter" idx="5"/>
+          </p:nvPr>
+        </p:nvSpPr>
+        <p:spPr/>
+        <p:txBody>
+          <a:bodyPr/>
+          <a:lstStyle/>
+          <a:p>
+            <a:fld id="{A89C7E07-3C67-C64C-8DA0-0404F6303970}" type="slidenum">
+              <a:rPr lang="en-US" smtClean="0"/>
+              <a:t>11</a:t>
+            </a:fld>
+            <a:endParaRPr lang="en-US" dirty="0"/>
+          </a:p>
+        </p:txBody>
+      </p:sp>
+    </p:spTree>
+    <p:extLst>
+      <p:ext uri="{BB962C8B-B14F-4D97-AF65-F5344CB8AC3E}">
+        <p14:creationId xmlns:p14="http://schemas.microsoft.com/office/powerpoint/2010/main" val="3466539548"/>
+      </p:ext>
+    </p:extLst>
+  </p:cSld>
+  <p:clrMapOvr>
+    <a:masterClrMapping/>
+  </p:clrMapOvr>
+</p:notes>
+</file>
+
+<file path=ppt/notesSlides/notesSlide12.xml><?xml version="1.0" encoding="utf-8"?>
+<p:notes xmlns:a="http://schemas.openxmlformats.org/drawingml/2006/main" xmlns:r="http://schemas.openxmlformats.org/officeDocument/2006/relationships" xmlns:p="http://schemas.openxmlformats.org/presentationml/2006/main">
+  <p:cSld>
+    <p:spTree>
+      <p:nvGrpSpPr>
+        <p:cNvPr id="1" name="">
+          <a:extLst>
+            <a:ext uri="{FF2B5EF4-FFF2-40B4-BE49-F238E27FC236}">
+              <a16:creationId xmlns:a16="http://schemas.microsoft.com/office/drawing/2014/main" id="{28208732-621A-D23F-6782-E3356BA6761F}"/>
+            </a:ext>
+          </a:extLst>
+        </p:cNvPr>
+        <p:cNvGrpSpPr/>
+        <p:nvPr/>
+      </p:nvGrpSpPr>
+      <p:grpSpPr>
+        <a:xfrm>
+          <a:off x="0" y="0"/>
+          <a:ext cx="0" cy="0"/>
+          <a:chOff x="0" y="0"/>
+          <a:chExt cx="0" cy="0"/>
+        </a:xfrm>
+      </p:grpSpPr>
+      <p:sp>
+        <p:nvSpPr>
+          <p:cNvPr id="2" name="Slide Image Placeholder 1">
+            <a:extLst>
+              <a:ext uri="{FF2B5EF4-FFF2-40B4-BE49-F238E27FC236}">
+                <a16:creationId xmlns:a16="http://schemas.microsoft.com/office/drawing/2014/main" id="{08E4D864-D2A5-8D15-8192-4CA4F6E4D00C}"/>
+              </a:ext>
+            </a:extLst>
+          </p:cNvPr>
+          <p:cNvSpPr>
+            <a:spLocks noGrp="1" noRot="1" noChangeAspect="1"/>
+          </p:cNvSpPr>
+          <p:nvPr>
+            <p:ph type="sldImg"/>
+          </p:nvPr>
+        </p:nvSpPr>
+        <p:spPr/>
+      </p:sp>
+      <p:sp>
+        <p:nvSpPr>
+          <p:cNvPr id="3" name="Notes Placeholder 2">
+            <a:extLst>
+              <a:ext uri="{FF2B5EF4-FFF2-40B4-BE49-F238E27FC236}">
+                <a16:creationId xmlns:a16="http://schemas.microsoft.com/office/drawing/2014/main" id="{878C5B2D-1CA2-529F-76BF-9738E0ACDBEE}"/>
+              </a:ext>
+            </a:extLst>
+          </p:cNvPr>
+          <p:cNvSpPr>
+            <a:spLocks noGrp="1"/>
+          </p:cNvSpPr>
+          <p:nvPr>
+            <p:ph type="body" idx="1"/>
+          </p:nvPr>
+        </p:nvSpPr>
+        <p:spPr/>
+        <p:txBody>
+          <a:bodyPr/>
+          <a:lstStyle/>
+          <a:p>
+            <a:endParaRPr lang="en-US" dirty="0"/>
+          </a:p>
+        </p:txBody>
+      </p:sp>
+      <p:sp>
+        <p:nvSpPr>
+          <p:cNvPr id="4" name="Slide Number Placeholder 3">
+            <a:extLst>
+              <a:ext uri="{FF2B5EF4-FFF2-40B4-BE49-F238E27FC236}">
+                <a16:creationId xmlns:a16="http://schemas.microsoft.com/office/drawing/2014/main" id="{99974155-E848-7C4A-D78A-F61E94DB852C}"/>
+              </a:ext>
+            </a:extLst>
+          </p:cNvPr>
+          <p:cNvSpPr>
+            <a:spLocks noGrp="1"/>
+          </p:cNvSpPr>
+          <p:nvPr>
+            <p:ph type="sldNum" sz="quarter" idx="5"/>
+          </p:nvPr>
+        </p:nvSpPr>
+        <p:spPr/>
+        <p:txBody>
+          <a:bodyPr/>
+          <a:lstStyle/>
+          <a:p>
+            <a:fld id="{A89C7E07-3C67-C64C-8DA0-0404F6303970}" type="slidenum">
+              <a:rPr lang="en-US" smtClean="0"/>
+              <a:t>12</a:t>
+            </a:fld>
+            <a:endParaRPr lang="en-US" dirty="0"/>
+          </a:p>
+        </p:txBody>
+      </p:sp>
+    </p:spTree>
+    <p:extLst>
+      <p:ext uri="{BB962C8B-B14F-4D97-AF65-F5344CB8AC3E}">
+        <p14:creationId xmlns:p14="http://schemas.microsoft.com/office/powerpoint/2010/main" val="3875225093"/>
+      </p:ext>
+    </p:extLst>
+  </p:cSld>
+  <p:clrMapOvr>
+    <a:masterClrMapping/>
+  </p:clrMapOvr>
+</p:notes>
+</file>
+
+<file path=ppt/notesSlides/notesSlide13.xml><?xml version="1.0" encoding="utf-8"?>
+<p:notes xmlns:a="http://schemas.openxmlformats.org/drawingml/2006/main" xmlns:r="http://schemas.openxmlformats.org/officeDocument/2006/relationships" xmlns:p="http://schemas.openxmlformats.org/presentationml/2006/main">
+  <p:cSld>
+    <p:spTree>
+      <p:nvGrpSpPr>
+        <p:cNvPr id="1" name="">
+          <a:extLst>
+            <a:ext uri="{FF2B5EF4-FFF2-40B4-BE49-F238E27FC236}">
               <a16:creationId xmlns:a16="http://schemas.microsoft.com/office/drawing/2014/main" id="{0A9D3E80-BA18-E0C7-A34A-888DDC86A189}"/>
             </a:ext>
           </a:extLst>
@@ -975,7 +1193,7 @@
           <a:p>
             <a:fld id="{A89C7E07-3C67-C64C-8DA0-0404F6303970}" type="slidenum">
               <a:rPr lang="en-US" smtClean="0"/>
-              <a:t>11</a:t>
+              <a:t>13</a:t>
             </a:fld>
             <a:endParaRPr lang="en-US" dirty="0"/>
           </a:p>
@@ -994,7 +1212,7 @@
 </p:notes>
 </file>
 
-<file path=ppt/notesSlides/notesSlide12.xml><?xml version="1.0" encoding="utf-8"?>
+<file path=ppt/notesSlides/notesSlide14.xml><?xml version="1.0" encoding="utf-8"?>
 <p:notes xmlns:a="http://schemas.openxmlformats.org/drawingml/2006/main" xmlns:r="http://schemas.openxmlformats.org/officeDocument/2006/relationships" xmlns:p="http://schemas.openxmlformats.org/presentationml/2006/main">
   <p:cSld>
     <p:spTree>
@@ -1083,7 +1301,7 @@
           <a:p>
             <a:fld id="{A89C7E07-3C67-C64C-8DA0-0404F6303970}" type="slidenum">
               <a:rPr lang="en-US" smtClean="0"/>
-              <a:t>12</a:t>
+              <a:t>14</a:t>
             </a:fld>
             <a:endParaRPr lang="en-US" dirty="0"/>
           </a:p>
@@ -1102,7 +1320,7 @@
 </p:notes>
 </file>
 
-<file path=ppt/notesSlides/notesSlide13.xml><?xml version="1.0" encoding="utf-8"?>
+<file path=ppt/notesSlides/notesSlide15.xml><?xml version="1.0" encoding="utf-8"?>
 <p:notes xmlns:a="http://schemas.openxmlformats.org/drawingml/2006/main" xmlns:r="http://schemas.openxmlformats.org/officeDocument/2006/relationships" xmlns:p="http://schemas.openxmlformats.org/presentationml/2006/main">
   <p:cSld>
     <p:spTree>
@@ -1191,7 +1409,7 @@
           <a:p>
             <a:fld id="{A89C7E07-3C67-C64C-8DA0-0404F6303970}" type="slidenum">
               <a:rPr lang="en-US" smtClean="0"/>
-              <a:t>13</a:t>
+              <a:t>15</a:t>
             </a:fld>
             <a:endParaRPr lang="en-US" dirty="0"/>
           </a:p>
@@ -1210,7 +1428,7 @@
 </p:notes>
 </file>
 
-<file path=ppt/notesSlides/notesSlide14.xml><?xml version="1.0" encoding="utf-8"?>
+<file path=ppt/notesSlides/notesSlide16.xml><?xml version="1.0" encoding="utf-8"?>
 <p:notes xmlns:a="http://schemas.openxmlformats.org/drawingml/2006/main" xmlns:r="http://schemas.openxmlformats.org/officeDocument/2006/relationships" xmlns:p="http://schemas.openxmlformats.org/presentationml/2006/main">
   <p:cSld>
     <p:spTree>
@@ -1299,7 +1517,7 @@
           <a:p>
             <a:fld id="{A89C7E07-3C67-C64C-8DA0-0404F6303970}" type="slidenum">
               <a:rPr lang="en-US" smtClean="0"/>
-              <a:t>14</a:t>
+              <a:t>16</a:t>
             </a:fld>
             <a:endParaRPr lang="en-US" dirty="0"/>
           </a:p>
@@ -1318,7 +1536,7 @@
 </p:notes>
 </file>
 
-<file path=ppt/notesSlides/notesSlide15.xml><?xml version="1.0" encoding="utf-8"?>
+<file path=ppt/notesSlides/notesSlide17.xml><?xml version="1.0" encoding="utf-8"?>
 <p:notes xmlns:a="http://schemas.openxmlformats.org/drawingml/2006/main" xmlns:r="http://schemas.openxmlformats.org/officeDocument/2006/relationships" xmlns:p="http://schemas.openxmlformats.org/presentationml/2006/main">
   <p:cSld>
     <p:spTree>
@@ -1383,7 +1601,7 @@
           <a:p>
             <a:fld id="{A89C7E07-3C67-C64C-8DA0-0404F6303970}" type="slidenum">
               <a:rPr lang="en-US" smtClean="0"/>
-              <a:t>15</a:t>
+              <a:t>17</a:t>
             </a:fld>
             <a:endParaRPr lang="en-US" dirty="0"/>
           </a:p>
@@ -1402,7 +1620,7 @@
 </p:notes>
 </file>
 
-<file path=ppt/notesSlides/notesSlide16.xml><?xml version="1.0" encoding="utf-8"?>
+<file path=ppt/notesSlides/notesSlide18.xml><?xml version="1.0" encoding="utf-8"?>
 <p:notes xmlns:a="http://schemas.openxmlformats.org/drawingml/2006/main" xmlns:r="http://schemas.openxmlformats.org/officeDocument/2006/relationships" xmlns:p="http://schemas.openxmlformats.org/presentationml/2006/main">
   <p:cSld>
     <p:spTree>
@@ -1491,7 +1709,7 @@
           <a:p>
             <a:fld id="{A89C7E07-3C67-C64C-8DA0-0404F6303970}" type="slidenum">
               <a:rPr lang="en-US" smtClean="0"/>
-              <a:t>16</a:t>
+              <a:t>18</a:t>
             </a:fld>
             <a:endParaRPr lang="en-US" dirty="0"/>
           </a:p>
@@ -1510,7 +1728,7 @@
 </p:notes>
 </file>
 
-<file path=ppt/notesSlides/notesSlide17.xml><?xml version="1.0" encoding="utf-8"?>
+<file path=ppt/notesSlides/notesSlide19.xml><?xml version="1.0" encoding="utf-8"?>
 <p:notes xmlns:a="http://schemas.openxmlformats.org/drawingml/2006/main" xmlns:r="http://schemas.openxmlformats.org/officeDocument/2006/relationships" xmlns:p="http://schemas.openxmlformats.org/presentationml/2006/main">
   <p:cSld>
     <p:spTree>
@@ -1599,7 +1817,7 @@
           <a:p>
             <a:fld id="{A89C7E07-3C67-C64C-8DA0-0404F6303970}" type="slidenum">
               <a:rPr lang="en-US" smtClean="0"/>
-              <a:t>17</a:t>
+              <a:t>19</a:t>
             </a:fld>
             <a:endParaRPr lang="en-US" dirty="0"/>
           </a:p>
@@ -1609,174 +1827,6 @@
     <p:extLst>
       <p:ext uri="{BB962C8B-B14F-4D97-AF65-F5344CB8AC3E}">
         <p14:creationId xmlns:p14="http://schemas.microsoft.com/office/powerpoint/2010/main" val="3674883064"/>
-      </p:ext>
-    </p:extLst>
-  </p:cSld>
-  <p:clrMapOvr>
-    <a:masterClrMapping/>
-  </p:clrMapOvr>
-</p:notes>
-</file>
-
-<file path=ppt/notesSlides/notesSlide18.xml><?xml version="1.0" encoding="utf-8"?>
-<p:notes xmlns:a="http://schemas.openxmlformats.org/drawingml/2006/main" xmlns:r="http://schemas.openxmlformats.org/officeDocument/2006/relationships" xmlns:p="http://schemas.openxmlformats.org/presentationml/2006/main">
-  <p:cSld>
-    <p:spTree>
-      <p:nvGrpSpPr>
-        <p:cNvPr id="1" name=""/>
-        <p:cNvGrpSpPr/>
-        <p:nvPr/>
-      </p:nvGrpSpPr>
-      <p:grpSpPr>
-        <a:xfrm>
-          <a:off x="0" y="0"/>
-          <a:ext cx="0" cy="0"/>
-          <a:chOff x="0" y="0"/>
-          <a:chExt cx="0" cy="0"/>
-        </a:xfrm>
-      </p:grpSpPr>
-      <p:sp>
-        <p:nvSpPr>
-          <p:cNvPr id="2" name="Slide Image Placeholder 1"/>
-          <p:cNvSpPr>
-            <a:spLocks noGrp="1" noRot="1" noChangeAspect="1"/>
-          </p:cNvSpPr>
-          <p:nvPr>
-            <p:ph type="sldImg"/>
-          </p:nvPr>
-        </p:nvSpPr>
-        <p:spPr/>
-      </p:sp>
-      <p:sp>
-        <p:nvSpPr>
-          <p:cNvPr id="3" name="Notes Placeholder 2"/>
-          <p:cNvSpPr>
-            <a:spLocks noGrp="1"/>
-          </p:cNvSpPr>
-          <p:nvPr>
-            <p:ph type="body" idx="1"/>
-          </p:nvPr>
-        </p:nvSpPr>
-        <p:spPr/>
-        <p:txBody>
-          <a:bodyPr/>
-          <a:lstStyle/>
-          <a:p>
-            <a:endParaRPr lang="en-US" dirty="0"/>
-          </a:p>
-        </p:txBody>
-      </p:sp>
-      <p:sp>
-        <p:nvSpPr>
-          <p:cNvPr id="4" name="Slide Number Placeholder 3"/>
-          <p:cNvSpPr>
-            <a:spLocks noGrp="1"/>
-          </p:cNvSpPr>
-          <p:nvPr>
-            <p:ph type="sldNum" sz="quarter" idx="5"/>
-          </p:nvPr>
-        </p:nvSpPr>
-        <p:spPr/>
-        <p:txBody>
-          <a:bodyPr/>
-          <a:lstStyle/>
-          <a:p>
-            <a:fld id="{A89C7E07-3C67-C64C-8DA0-0404F6303970}" type="slidenum">
-              <a:rPr lang="en-US" smtClean="0"/>
-              <a:t>18</a:t>
-            </a:fld>
-            <a:endParaRPr lang="en-US" dirty="0"/>
-          </a:p>
-        </p:txBody>
-      </p:sp>
-    </p:spTree>
-    <p:extLst>
-      <p:ext uri="{BB962C8B-B14F-4D97-AF65-F5344CB8AC3E}">
-        <p14:creationId xmlns:p14="http://schemas.microsoft.com/office/powerpoint/2010/main" val="501160436"/>
-      </p:ext>
-    </p:extLst>
-  </p:cSld>
-  <p:clrMapOvr>
-    <a:masterClrMapping/>
-  </p:clrMapOvr>
-</p:notes>
-</file>
-
-<file path=ppt/notesSlides/notesSlide19.xml><?xml version="1.0" encoding="utf-8"?>
-<p:notes xmlns:a="http://schemas.openxmlformats.org/drawingml/2006/main" xmlns:r="http://schemas.openxmlformats.org/officeDocument/2006/relationships" xmlns:p="http://schemas.openxmlformats.org/presentationml/2006/main">
-  <p:cSld>
-    <p:spTree>
-      <p:nvGrpSpPr>
-        <p:cNvPr id="1" name=""/>
-        <p:cNvGrpSpPr/>
-        <p:nvPr/>
-      </p:nvGrpSpPr>
-      <p:grpSpPr>
-        <a:xfrm>
-          <a:off x="0" y="0"/>
-          <a:ext cx="0" cy="0"/>
-          <a:chOff x="0" y="0"/>
-          <a:chExt cx="0" cy="0"/>
-        </a:xfrm>
-      </p:grpSpPr>
-      <p:sp>
-        <p:nvSpPr>
-          <p:cNvPr id="2" name="Slide Image Placeholder 1"/>
-          <p:cNvSpPr>
-            <a:spLocks noGrp="1" noRot="1" noChangeAspect="1"/>
-          </p:cNvSpPr>
-          <p:nvPr>
-            <p:ph type="sldImg"/>
-          </p:nvPr>
-        </p:nvSpPr>
-        <p:spPr/>
-      </p:sp>
-      <p:sp>
-        <p:nvSpPr>
-          <p:cNvPr id="3" name="Notes Placeholder 2"/>
-          <p:cNvSpPr>
-            <a:spLocks noGrp="1"/>
-          </p:cNvSpPr>
-          <p:nvPr>
-            <p:ph type="body" idx="1"/>
-          </p:nvPr>
-        </p:nvSpPr>
-        <p:spPr/>
-        <p:txBody>
-          <a:bodyPr/>
-          <a:lstStyle/>
-          <a:p>
-            <a:endParaRPr lang="en-US" dirty="0"/>
-          </a:p>
-        </p:txBody>
-      </p:sp>
-      <p:sp>
-        <p:nvSpPr>
-          <p:cNvPr id="4" name="Slide Number Placeholder 3"/>
-          <p:cNvSpPr>
-            <a:spLocks noGrp="1"/>
-          </p:cNvSpPr>
-          <p:nvPr>
-            <p:ph type="sldNum" sz="quarter" idx="5"/>
-          </p:nvPr>
-        </p:nvSpPr>
-        <p:spPr/>
-        <p:txBody>
-          <a:bodyPr/>
-          <a:lstStyle/>
-          <a:p>
-            <a:fld id="{A89C7E07-3C67-C64C-8DA0-0404F6303970}" type="slidenum">
-              <a:rPr lang="en-US" smtClean="0"/>
-              <a:t>19</a:t>
-            </a:fld>
-            <a:endParaRPr lang="en-US" dirty="0"/>
-          </a:p>
-        </p:txBody>
-      </p:sp>
-    </p:spTree>
-    <p:extLst>
-      <p:ext uri="{BB962C8B-B14F-4D97-AF65-F5344CB8AC3E}">
-        <p14:creationId xmlns:p14="http://schemas.microsoft.com/office/powerpoint/2010/main" val="2994759380"/>
       </p:ext>
     </p:extLst>
   </p:cSld>
@@ -1944,7 +1994,7 @@
     </p:spTree>
     <p:extLst>
       <p:ext uri="{BB962C8B-B14F-4D97-AF65-F5344CB8AC3E}">
-        <p14:creationId xmlns:p14="http://schemas.microsoft.com/office/powerpoint/2010/main" val="4050233131"/>
+        <p14:creationId xmlns:p14="http://schemas.microsoft.com/office/powerpoint/2010/main" val="501160436"/>
       </p:ext>
     </p:extLst>
   </p:cSld>
@@ -2028,7 +2078,7 @@
     </p:spTree>
     <p:extLst>
       <p:ext uri="{BB962C8B-B14F-4D97-AF65-F5344CB8AC3E}">
-        <p14:creationId xmlns:p14="http://schemas.microsoft.com/office/powerpoint/2010/main" val="634596896"/>
+        <p14:creationId xmlns:p14="http://schemas.microsoft.com/office/powerpoint/2010/main" val="2994759380"/>
       </p:ext>
     </p:extLst>
   </p:cSld>
@@ -2112,7 +2162,7 @@
     </p:spTree>
     <p:extLst>
       <p:ext uri="{BB962C8B-B14F-4D97-AF65-F5344CB8AC3E}">
-        <p14:creationId xmlns:p14="http://schemas.microsoft.com/office/powerpoint/2010/main" val="514488140"/>
+        <p14:creationId xmlns:p14="http://schemas.microsoft.com/office/powerpoint/2010/main" val="4050233131"/>
       </p:ext>
     </p:extLst>
   </p:cSld>
@@ -2196,7 +2246,7 @@
     </p:spTree>
     <p:extLst>
       <p:ext uri="{BB962C8B-B14F-4D97-AF65-F5344CB8AC3E}">
-        <p14:creationId xmlns:p14="http://schemas.microsoft.com/office/powerpoint/2010/main" val="2730433110"/>
+        <p14:creationId xmlns:p14="http://schemas.microsoft.com/office/powerpoint/2010/main" val="634596896"/>
       </p:ext>
     </p:extLst>
   </p:cSld>
@@ -2272,6 +2322,174 @@
             <a:fld id="{A89C7E07-3C67-C64C-8DA0-0404F6303970}" type="slidenum">
               <a:rPr lang="en-US" smtClean="0"/>
               <a:t>24</a:t>
+            </a:fld>
+            <a:endParaRPr lang="en-US" dirty="0"/>
+          </a:p>
+        </p:txBody>
+      </p:sp>
+    </p:spTree>
+    <p:extLst>
+      <p:ext uri="{BB962C8B-B14F-4D97-AF65-F5344CB8AC3E}">
+        <p14:creationId xmlns:p14="http://schemas.microsoft.com/office/powerpoint/2010/main" val="514488140"/>
+      </p:ext>
+    </p:extLst>
+  </p:cSld>
+  <p:clrMapOvr>
+    <a:masterClrMapping/>
+  </p:clrMapOvr>
+</p:notes>
+</file>
+
+<file path=ppt/notesSlides/notesSlide25.xml><?xml version="1.0" encoding="utf-8"?>
+<p:notes xmlns:a="http://schemas.openxmlformats.org/drawingml/2006/main" xmlns:r="http://schemas.openxmlformats.org/officeDocument/2006/relationships" xmlns:p="http://schemas.openxmlformats.org/presentationml/2006/main">
+  <p:cSld>
+    <p:spTree>
+      <p:nvGrpSpPr>
+        <p:cNvPr id="1" name=""/>
+        <p:cNvGrpSpPr/>
+        <p:nvPr/>
+      </p:nvGrpSpPr>
+      <p:grpSpPr>
+        <a:xfrm>
+          <a:off x="0" y="0"/>
+          <a:ext cx="0" cy="0"/>
+          <a:chOff x="0" y="0"/>
+          <a:chExt cx="0" cy="0"/>
+        </a:xfrm>
+      </p:grpSpPr>
+      <p:sp>
+        <p:nvSpPr>
+          <p:cNvPr id="2" name="Slide Image Placeholder 1"/>
+          <p:cNvSpPr>
+            <a:spLocks noGrp="1" noRot="1" noChangeAspect="1"/>
+          </p:cNvSpPr>
+          <p:nvPr>
+            <p:ph type="sldImg"/>
+          </p:nvPr>
+        </p:nvSpPr>
+        <p:spPr/>
+      </p:sp>
+      <p:sp>
+        <p:nvSpPr>
+          <p:cNvPr id="3" name="Notes Placeholder 2"/>
+          <p:cNvSpPr>
+            <a:spLocks noGrp="1"/>
+          </p:cNvSpPr>
+          <p:nvPr>
+            <p:ph type="body" idx="1"/>
+          </p:nvPr>
+        </p:nvSpPr>
+        <p:spPr/>
+        <p:txBody>
+          <a:bodyPr/>
+          <a:lstStyle/>
+          <a:p>
+            <a:endParaRPr lang="en-US" dirty="0"/>
+          </a:p>
+        </p:txBody>
+      </p:sp>
+      <p:sp>
+        <p:nvSpPr>
+          <p:cNvPr id="4" name="Slide Number Placeholder 3"/>
+          <p:cNvSpPr>
+            <a:spLocks noGrp="1"/>
+          </p:cNvSpPr>
+          <p:nvPr>
+            <p:ph type="sldNum" sz="quarter" idx="5"/>
+          </p:nvPr>
+        </p:nvSpPr>
+        <p:spPr/>
+        <p:txBody>
+          <a:bodyPr/>
+          <a:lstStyle/>
+          <a:p>
+            <a:fld id="{A89C7E07-3C67-C64C-8DA0-0404F6303970}" type="slidenum">
+              <a:rPr lang="en-US" smtClean="0"/>
+              <a:t>25</a:t>
+            </a:fld>
+            <a:endParaRPr lang="en-US" dirty="0"/>
+          </a:p>
+        </p:txBody>
+      </p:sp>
+    </p:spTree>
+    <p:extLst>
+      <p:ext uri="{BB962C8B-B14F-4D97-AF65-F5344CB8AC3E}">
+        <p14:creationId xmlns:p14="http://schemas.microsoft.com/office/powerpoint/2010/main" val="2730433110"/>
+      </p:ext>
+    </p:extLst>
+  </p:cSld>
+  <p:clrMapOvr>
+    <a:masterClrMapping/>
+  </p:clrMapOvr>
+</p:notes>
+</file>
+
+<file path=ppt/notesSlides/notesSlide26.xml><?xml version="1.0" encoding="utf-8"?>
+<p:notes xmlns:a="http://schemas.openxmlformats.org/drawingml/2006/main" xmlns:r="http://schemas.openxmlformats.org/officeDocument/2006/relationships" xmlns:p="http://schemas.openxmlformats.org/presentationml/2006/main">
+  <p:cSld>
+    <p:spTree>
+      <p:nvGrpSpPr>
+        <p:cNvPr id="1" name=""/>
+        <p:cNvGrpSpPr/>
+        <p:nvPr/>
+      </p:nvGrpSpPr>
+      <p:grpSpPr>
+        <a:xfrm>
+          <a:off x="0" y="0"/>
+          <a:ext cx="0" cy="0"/>
+          <a:chOff x="0" y="0"/>
+          <a:chExt cx="0" cy="0"/>
+        </a:xfrm>
+      </p:grpSpPr>
+      <p:sp>
+        <p:nvSpPr>
+          <p:cNvPr id="2" name="Slide Image Placeholder 1"/>
+          <p:cNvSpPr>
+            <a:spLocks noGrp="1" noRot="1" noChangeAspect="1"/>
+          </p:cNvSpPr>
+          <p:nvPr>
+            <p:ph type="sldImg"/>
+          </p:nvPr>
+        </p:nvSpPr>
+        <p:spPr/>
+      </p:sp>
+      <p:sp>
+        <p:nvSpPr>
+          <p:cNvPr id="3" name="Notes Placeholder 2"/>
+          <p:cNvSpPr>
+            <a:spLocks noGrp="1"/>
+          </p:cNvSpPr>
+          <p:nvPr>
+            <p:ph type="body" idx="1"/>
+          </p:nvPr>
+        </p:nvSpPr>
+        <p:spPr/>
+        <p:txBody>
+          <a:bodyPr/>
+          <a:lstStyle/>
+          <a:p>
+            <a:endParaRPr lang="en-US" dirty="0"/>
+          </a:p>
+        </p:txBody>
+      </p:sp>
+      <p:sp>
+        <p:nvSpPr>
+          <p:cNvPr id="4" name="Slide Number Placeholder 3"/>
+          <p:cNvSpPr>
+            <a:spLocks noGrp="1"/>
+          </p:cNvSpPr>
+          <p:nvPr>
+            <p:ph type="sldNum" sz="quarter" idx="5"/>
+          </p:nvPr>
+        </p:nvSpPr>
+        <p:spPr/>
+        <p:txBody>
+          <a:bodyPr/>
+          <a:lstStyle/>
+          <a:p>
+            <a:fld id="{A89C7E07-3C67-C64C-8DA0-0404F6303970}" type="slidenum">
+              <a:rPr lang="en-US" smtClean="0"/>
+              <a:t>26</a:t>
             </a:fld>
             <a:endParaRPr lang="en-US" dirty="0"/>
           </a:p>
@@ -11483,7 +11701,7 @@
           <a:p>
             <a:r>
               <a:rPr lang="en-US" dirty="0"/>
-              <a:t>Score distillation sampling</a:t>
+              <a:t>Score distillation sampling (1)</a:t>
             </a:r>
           </a:p>
         </p:txBody>
@@ -11507,102 +11725,96 @@
         <p:spPr>
           <a:xfrm>
             <a:off x="594360" y="2676525"/>
-            <a:ext cx="4490827" cy="3597470"/>
+            <a:ext cx="4937760" cy="3077730"/>
           </a:xfrm>
         </p:spPr>
         <p:txBody>
-          <a:bodyPr/>
+          <a:bodyPr>
+            <a:normAutofit/>
+          </a:bodyPr>
           <a:lstStyle/>
           <a:p>
-            <a:r>
-              <a:rPr lang="en-US" dirty="0"/>
-              <a:t>This is a powerful tool in public speaking. It involves varying pitch, tone, and volume to convey emotion, emphasize points, and maintain interest:</a:t>
-            </a:r>
-          </a:p>
-          <a:p>
-            <a:pPr lvl="1"/>
-            <a:r>
-              <a:rPr lang="en-US" dirty="0"/>
-              <a:t>Pitch variation</a:t>
-            </a:r>
-          </a:p>
-          <a:p>
-            <a:pPr lvl="1"/>
-            <a:r>
-              <a:rPr lang="en-US" dirty="0"/>
-              <a:t>Tone inflection</a:t>
-            </a:r>
-          </a:p>
-          <a:p>
-            <a:pPr lvl="1"/>
-            <a:r>
-              <a:rPr lang="en-US" dirty="0"/>
-              <a:t>Volume control</a:t>
+            <a:pPr marL="342900" indent="-342900">
+              <a:buFont typeface="Arial" panose="020B0604020202020204" pitchFamily="34" charset="0"/>
+              <a:buChar char="•"/>
+            </a:pPr>
+            <a:r>
+              <a:rPr lang="en-US" dirty="0"/>
+              <a:t>Proposed in </a:t>
+            </a:r>
+            <a:r>
+              <a:rPr lang="en-US" b="1" dirty="0" err="1"/>
+              <a:t>Dreamfusion</a:t>
+            </a:r>
+            <a:r>
+              <a:rPr lang="en-US" b="1" dirty="0"/>
+              <a:t>: Text-to-3d using 2d diffusion </a:t>
+            </a:r>
+            <a:r>
+              <a:rPr lang="en-US" dirty="0"/>
+              <a:t>by Poole, B., Jain, A., Barron, J. T., &amp; Mildenhall, B. (2022).</a:t>
+            </a:r>
+          </a:p>
+          <a:p>
+            <a:pPr marL="342900" indent="-342900">
+              <a:buFont typeface="Arial" panose="020B0604020202020204" pitchFamily="34" charset="0"/>
+              <a:buChar char="•"/>
+            </a:pPr>
+            <a:r>
+              <a:rPr lang="en-US" dirty="0"/>
+              <a:t>Deal with the problem of </a:t>
+            </a:r>
+            <a:r>
+              <a:rPr lang="en-US" b="1" dirty="0"/>
+              <a:t>generating a 3D image from a text </a:t>
+            </a:r>
+            <a:r>
+              <a:rPr lang="en-US" dirty="0"/>
+              <a:t>without training data.</a:t>
+            </a:r>
+          </a:p>
+          <a:p>
+            <a:pPr marL="342900" indent="-342900">
+              <a:buFont typeface="Arial" panose="020B0604020202020204" pitchFamily="34" charset="0"/>
+              <a:buChar char="•"/>
+            </a:pPr>
+            <a:r>
+              <a:rPr lang="en-US" dirty="0"/>
+              <a:t>Showed that pretrained 2D image-text models may be used for 3D synthesis, though 3D objects produced by this approach tend to lack realism and accuracy.</a:t>
             </a:r>
           </a:p>
         </p:txBody>
       </p:sp>
-      <p:sp>
-        <p:nvSpPr>
-          <p:cNvPr id="4" name="Content Placeholder 3">
+      <p:pic>
+        <p:nvPicPr>
+          <p:cNvPr id="8" name="Picture 7">
             <a:extLst>
               <a:ext uri="{FF2B5EF4-FFF2-40B4-BE49-F238E27FC236}">
-                <a16:creationId xmlns:a16="http://schemas.microsoft.com/office/drawing/2014/main" id="{0DB0AAAD-B012-5BD3-6C53-B0D1A40014AF}"/>
+                <a16:creationId xmlns:a16="http://schemas.microsoft.com/office/drawing/2014/main" id="{140EBB6A-8F73-D1EE-5ED7-94EB136E7F02}"/>
               </a:ext>
             </a:extLst>
           </p:cNvPr>
-          <p:cNvSpPr>
-            <a:spLocks noGrp="1"/>
-          </p:cNvSpPr>
-          <p:nvPr>
-            <p:ph sz="quarter" idx="16"/>
-          </p:nvPr>
-        </p:nvSpPr>
+          <p:cNvPicPr>
+            <a:picLocks noChangeAspect="1"/>
+          </p:cNvPicPr>
+          <p:nvPr/>
+        </p:nvPicPr>
+        <p:blipFill>
+          <a:blip r:embed="rId3"/>
+          <a:stretch>
+            <a:fillRect/>
+          </a:stretch>
+        </p:blipFill>
         <p:spPr>
           <a:xfrm>
-            <a:off x="5881898" y="2676525"/>
-            <a:ext cx="4490827" cy="3597470"/>
+            <a:off x="5873865" y="3039311"/>
+            <a:ext cx="5234801" cy="2352157"/>
           </a:xfrm>
+          <a:prstGeom prst="rect">
+            <a:avLst/>
+          </a:prstGeom>
         </p:spPr>
-        <p:txBody>
-          <a:bodyPr/>
-          <a:lstStyle/>
-          <a:p>
-            <a:r>
-              <a:rPr lang="en-US" dirty="0"/>
-              <a:t>Effective body language enhances your message, making it more impactful and memorable:</a:t>
-            </a:r>
-          </a:p>
-          <a:p>
-            <a:pPr lvl="1"/>
-            <a:r>
-              <a:rPr lang="en-US" dirty="0"/>
-              <a:t>Meaningful eye contact</a:t>
-            </a:r>
-          </a:p>
-          <a:p>
-            <a:pPr lvl="1"/>
-            <a:r>
-              <a:rPr lang="en-US" dirty="0"/>
-              <a:t>Purposeful gestures</a:t>
-            </a:r>
-          </a:p>
-          <a:p>
-            <a:pPr lvl="1"/>
-            <a:r>
-              <a:rPr lang="en-US" dirty="0"/>
-              <a:t>Maintain good posture</a:t>
-            </a:r>
-          </a:p>
-          <a:p>
-            <a:pPr lvl="1"/>
-            <a:r>
-              <a:rPr lang="en-US" dirty="0"/>
-              <a:t>Control your expressions</a:t>
-            </a:r>
-          </a:p>
-        </p:txBody>
-      </p:sp>
+      </p:pic>
     </p:spTree>
     <p:extLst>
       <p:ext uri="{BB962C8B-B14F-4D97-AF65-F5344CB8AC3E}">
@@ -11617,6 +11829,2224 @@
 </file>
 
 <file path=ppt/slides/slide11.xml><?xml version="1.0" encoding="utf-8"?>
+<p:sld xmlns:a="http://schemas.openxmlformats.org/drawingml/2006/main" xmlns:r="http://schemas.openxmlformats.org/officeDocument/2006/relationships" xmlns:p="http://schemas.openxmlformats.org/presentationml/2006/main">
+  <p:cSld>
+    <p:spTree>
+      <p:nvGrpSpPr>
+        <p:cNvPr id="1" name="">
+          <a:extLst>
+            <a:ext uri="{FF2B5EF4-FFF2-40B4-BE49-F238E27FC236}">
+              <a16:creationId xmlns:a16="http://schemas.microsoft.com/office/drawing/2014/main" id="{876E884B-AE72-67DA-C0F7-359CB3AD1E47}"/>
+            </a:ext>
+          </a:extLst>
+        </p:cNvPr>
+        <p:cNvGrpSpPr/>
+        <p:nvPr/>
+      </p:nvGrpSpPr>
+      <p:grpSpPr>
+        <a:xfrm>
+          <a:off x="0" y="0"/>
+          <a:ext cx="0" cy="0"/>
+          <a:chOff x="0" y="0"/>
+          <a:chExt cx="0" cy="0"/>
+        </a:xfrm>
+      </p:grpSpPr>
+      <p:sp>
+        <p:nvSpPr>
+          <p:cNvPr id="2" name="Title 1">
+            <a:extLst>
+              <a:ext uri="{FF2B5EF4-FFF2-40B4-BE49-F238E27FC236}">
+                <a16:creationId xmlns:a16="http://schemas.microsoft.com/office/drawing/2014/main" id="{06090D75-515F-FDBA-A591-9574646565A8}"/>
+              </a:ext>
+            </a:extLst>
+          </p:cNvPr>
+          <p:cNvSpPr>
+            <a:spLocks noGrp="1"/>
+          </p:cNvSpPr>
+          <p:nvPr>
+            <p:ph type="title"/>
+          </p:nvPr>
+        </p:nvSpPr>
+        <p:spPr>
+          <a:xfrm>
+            <a:off x="594360" y="278129"/>
+            <a:ext cx="9778365" cy="1494596"/>
+          </a:xfrm>
+        </p:spPr>
+        <p:txBody>
+          <a:bodyPr/>
+          <a:lstStyle/>
+          <a:p>
+            <a:r>
+              <a:rPr lang="en-US" dirty="0"/>
+              <a:t>Score distillation sampling (2)</a:t>
+            </a:r>
+          </a:p>
+        </p:txBody>
+      </p:sp>
+      <p:grpSp>
+        <p:nvGrpSpPr>
+          <p:cNvPr id="56" name="Group 55">
+            <a:extLst>
+              <a:ext uri="{FF2B5EF4-FFF2-40B4-BE49-F238E27FC236}">
+                <a16:creationId xmlns:a16="http://schemas.microsoft.com/office/drawing/2014/main" id="{FAFD15E1-483A-BB75-2440-0B04F61D15E8}"/>
+              </a:ext>
+            </a:extLst>
+          </p:cNvPr>
+          <p:cNvGrpSpPr/>
+          <p:nvPr/>
+        </p:nvGrpSpPr>
+        <p:grpSpPr>
+          <a:xfrm>
+            <a:off x="3452226" y="2039480"/>
+            <a:ext cx="8304078" cy="4439919"/>
+            <a:chOff x="2733006" y="2306320"/>
+            <a:chExt cx="8304078" cy="4439919"/>
+          </a:xfrm>
+        </p:grpSpPr>
+        <p:sp>
+          <p:nvSpPr>
+            <p:cNvPr id="50" name="Rectangle: Rounded Corners 49">
+              <a:extLst>
+                <a:ext uri="{FF2B5EF4-FFF2-40B4-BE49-F238E27FC236}">
+                  <a16:creationId xmlns:a16="http://schemas.microsoft.com/office/drawing/2014/main" id="{5155B7F5-70EE-EDEC-57D0-6007DFEDEDB7}"/>
+                </a:ext>
+              </a:extLst>
+            </p:cNvPr>
+            <p:cNvSpPr/>
+            <p:nvPr/>
+          </p:nvSpPr>
+          <p:spPr>
+            <a:xfrm>
+              <a:off x="2733006" y="2306320"/>
+              <a:ext cx="8304078" cy="4439919"/>
+            </a:xfrm>
+            <a:prstGeom prst="roundRect">
+              <a:avLst>
+                <a:gd name="adj" fmla="val 7971"/>
+              </a:avLst>
+            </a:prstGeom>
+            <a:solidFill>
+              <a:schemeClr val="accent2">
+                <a:lumMod val="20000"/>
+                <a:lumOff val="80000"/>
+              </a:schemeClr>
+            </a:solidFill>
+            <a:ln>
+              <a:solidFill>
+                <a:srgbClr val="002060"/>
+              </a:solidFill>
+            </a:ln>
+          </p:spPr>
+          <p:style>
+            <a:lnRef idx="2">
+              <a:schemeClr val="accent1">
+                <a:shade val="15000"/>
+              </a:schemeClr>
+            </a:lnRef>
+            <a:fillRef idx="1">
+              <a:schemeClr val="accent1"/>
+            </a:fillRef>
+            <a:effectRef idx="0">
+              <a:schemeClr val="accent1"/>
+            </a:effectRef>
+            <a:fontRef idx="minor">
+              <a:schemeClr val="lt1"/>
+            </a:fontRef>
+          </p:style>
+          <p:txBody>
+            <a:bodyPr rtlCol="0" anchor="t"/>
+            <a:lstStyle/>
+            <a:p>
+              <a:r>
+                <a:rPr lang="en-US" b="1" dirty="0">
+                  <a:solidFill>
+                    <a:srgbClr val="FF0000"/>
+                  </a:solidFill>
+                  <a:latin typeface="Calibri" panose="020F0502020204030204" pitchFamily="34" charset="0"/>
+                  <a:cs typeface="Calibri" panose="020F0502020204030204" pitchFamily="34" charset="0"/>
+                </a:rPr>
+                <a:t>Loop N times</a:t>
+              </a:r>
+            </a:p>
+          </p:txBody>
+        </p:sp>
+        <p:grpSp>
+          <p:nvGrpSpPr>
+            <p:cNvPr id="47" name="Group 46">
+              <a:extLst>
+                <a:ext uri="{FF2B5EF4-FFF2-40B4-BE49-F238E27FC236}">
+                  <a16:creationId xmlns:a16="http://schemas.microsoft.com/office/drawing/2014/main" id="{89C26BDD-42FC-333B-3676-8EA687D34F3E}"/>
+                </a:ext>
+              </a:extLst>
+            </p:cNvPr>
+            <p:cNvGrpSpPr/>
+            <p:nvPr/>
+          </p:nvGrpSpPr>
+          <p:grpSpPr>
+            <a:xfrm>
+              <a:off x="2963224" y="2440009"/>
+              <a:ext cx="7978820" cy="4172541"/>
+              <a:chOff x="2786250" y="2353666"/>
+              <a:chExt cx="7978820" cy="4172541"/>
+            </a:xfrm>
+          </p:grpSpPr>
+          <mc:AlternateContent xmlns:mc="http://schemas.openxmlformats.org/markup-compatibility/2006">
+            <mc:Choice xmlns:a14="http://schemas.microsoft.com/office/drawing/2010/main" Requires="a14">
+              <p:sp>
+                <p:nvSpPr>
+                  <p:cNvPr id="13" name="Rectangle: Rounded Corners 12">
+                    <a:extLst>
+                      <a:ext uri="{FF2B5EF4-FFF2-40B4-BE49-F238E27FC236}">
+                        <a16:creationId xmlns:a16="http://schemas.microsoft.com/office/drawing/2014/main" id="{19DBA83B-334F-F2D9-58CC-05DADAEC98AB}"/>
+                      </a:ext>
+                    </a:extLst>
+                  </p:cNvPr>
+                  <p:cNvSpPr/>
+                  <p:nvPr/>
+                </p:nvSpPr>
+                <p:spPr>
+                  <a:xfrm>
+                    <a:off x="7862311" y="3982736"/>
+                    <a:ext cx="2902759" cy="914400"/>
+                  </a:xfrm>
+                  <a:prstGeom prst="roundRect">
+                    <a:avLst/>
+                  </a:prstGeom>
+                  <a:solidFill>
+                    <a:schemeClr val="accent2">
+                      <a:lumMod val="20000"/>
+                      <a:lumOff val="80000"/>
+                    </a:schemeClr>
+                  </a:solidFill>
+                  <a:ln>
+                    <a:solidFill>
+                      <a:schemeClr val="accent2">
+                        <a:lumMod val="20000"/>
+                        <a:lumOff val="80000"/>
+                      </a:schemeClr>
+                    </a:solidFill>
+                  </a:ln>
+                </p:spPr>
+                <p:style>
+                  <a:lnRef idx="2">
+                    <a:schemeClr val="accent1">
+                      <a:shade val="15000"/>
+                    </a:schemeClr>
+                  </a:lnRef>
+                  <a:fillRef idx="1">
+                    <a:schemeClr val="accent1"/>
+                  </a:fillRef>
+                  <a:effectRef idx="0">
+                    <a:schemeClr val="accent1"/>
+                  </a:effectRef>
+                  <a:fontRef idx="minor">
+                    <a:schemeClr val="lt1"/>
+                  </a:fontRef>
+                </p:style>
+                <p:txBody>
+                  <a:bodyPr rtlCol="0" anchor="ctr"/>
+                  <a:lstStyle/>
+                  <a:p>
+                    <a:pPr algn="ctr"/>
+                    <a14:m>
+                      <m:oMathPara xmlns:m="http://schemas.openxmlformats.org/officeDocument/2006/math">
+                        <m:oMathParaPr>
+                          <m:jc m:val="centerGroup"/>
+                        </m:oMathParaPr>
+                        <m:oMath xmlns:m="http://schemas.openxmlformats.org/officeDocument/2006/math">
+                          <m:acc>
+                            <m:accPr>
+                              <m:chr m:val="̂"/>
+                              <m:ctrlPr>
+                                <a:rPr lang="en-US" b="1" i="1" smtClean="0">
+                                  <a:solidFill>
+                                    <a:sysClr val="windowText" lastClr="000000"/>
+                                  </a:solidFill>
+                                  <a:latin typeface="Cambria Math" panose="02040503050406030204" pitchFamily="18" charset="0"/>
+                                </a:rPr>
+                              </m:ctrlPr>
+                            </m:accPr>
+                            <m:e>
+                              <m:r>
+                                <a:rPr lang="en-US" b="1" i="1" smtClean="0">
+                                  <a:solidFill>
+                                    <a:sysClr val="windowText" lastClr="000000"/>
+                                  </a:solidFill>
+                                  <a:latin typeface="Cambria Math" panose="02040503050406030204" pitchFamily="18" charset="0"/>
+                                </a:rPr>
+                                <m:t>𝝐</m:t>
+                              </m:r>
+                            </m:e>
+                          </m:acc>
+                          <m:r>
+                            <a:rPr lang="en-US" b="0" i="1" smtClean="0">
+                              <a:solidFill>
+                                <a:sysClr val="windowText" lastClr="000000"/>
+                              </a:solidFill>
+                              <a:latin typeface="Cambria Math" panose="02040503050406030204" pitchFamily="18" charset="0"/>
+                            </a:rPr>
+                            <m:t>=</m:t>
+                          </m:r>
+                          <m:sSub>
+                            <m:sSubPr>
+                              <m:ctrlPr>
+                                <a:rPr lang="en-US" b="0" i="1" smtClean="0">
+                                  <a:solidFill>
+                                    <a:sysClr val="windowText" lastClr="000000"/>
+                                  </a:solidFill>
+                                  <a:latin typeface="Cambria Math" panose="02040503050406030204" pitchFamily="18" charset="0"/>
+                                </a:rPr>
+                              </m:ctrlPr>
+                            </m:sSubPr>
+                            <m:e>
+                              <m:r>
+                                <a:rPr lang="en-US" b="0" i="1" smtClean="0">
+                                  <a:solidFill>
+                                    <a:sysClr val="windowText" lastClr="000000"/>
+                                  </a:solidFill>
+                                  <a:latin typeface="Cambria Math" panose="02040503050406030204" pitchFamily="18" charset="0"/>
+                                </a:rPr>
+                                <m:t>𝐹</m:t>
+                              </m:r>
+                            </m:e>
+                            <m:sub>
+                              <m:r>
+                                <a:rPr lang="en-US" b="0" i="1" smtClean="0">
+                                  <a:solidFill>
+                                    <a:sysClr val="windowText" lastClr="000000"/>
+                                  </a:solidFill>
+                                  <a:latin typeface="Cambria Math" panose="02040503050406030204" pitchFamily="18" charset="0"/>
+                                </a:rPr>
+                                <m:t>𝑑𝑖𝑓𝑓𝑢𝑠𝑖𝑜𝑛</m:t>
+                              </m:r>
+                            </m:sub>
+                          </m:sSub>
+                          <m:d>
+                            <m:dPr>
+                              <m:ctrlPr>
+                                <a:rPr lang="en-US" b="0" i="1" smtClean="0">
+                                  <a:solidFill>
+                                    <a:sysClr val="windowText" lastClr="000000"/>
+                                  </a:solidFill>
+                                  <a:latin typeface="Cambria Math" panose="02040503050406030204" pitchFamily="18" charset="0"/>
+                                </a:rPr>
+                              </m:ctrlPr>
+                            </m:dPr>
+                            <m:e>
+                              <m:sSub>
+                                <m:sSubPr>
+                                  <m:ctrlPr>
+                                    <a:rPr lang="en-US" b="1" i="1" smtClean="0">
+                                      <a:solidFill>
+                                        <a:sysClr val="windowText" lastClr="000000"/>
+                                      </a:solidFill>
+                                      <a:latin typeface="Cambria Math" panose="02040503050406030204" pitchFamily="18" charset="0"/>
+                                    </a:rPr>
+                                  </m:ctrlPr>
+                                </m:sSubPr>
+                                <m:e>
+                                  <m:r>
+                                    <a:rPr lang="en-US" b="1" i="1" smtClean="0">
+                                      <a:solidFill>
+                                        <a:sysClr val="windowText" lastClr="000000"/>
+                                      </a:solidFill>
+                                      <a:latin typeface="Cambria Math" panose="02040503050406030204" pitchFamily="18" charset="0"/>
+                                    </a:rPr>
+                                    <m:t>𝒛</m:t>
+                                  </m:r>
+                                </m:e>
+                                <m:sub>
+                                  <m:r>
+                                    <a:rPr lang="en-US" b="1" i="1" smtClean="0">
+                                      <a:solidFill>
+                                        <a:sysClr val="windowText" lastClr="000000"/>
+                                      </a:solidFill>
+                                      <a:latin typeface="Cambria Math" panose="02040503050406030204" pitchFamily="18" charset="0"/>
+                                    </a:rPr>
+                                    <m:t>𝒕</m:t>
+                                  </m:r>
+                                </m:sub>
+                              </m:sSub>
+                              <m:r>
+                                <a:rPr lang="en-US" b="0" i="1" smtClean="0">
+                                  <a:solidFill>
+                                    <a:sysClr val="windowText" lastClr="000000"/>
+                                  </a:solidFill>
+                                  <a:latin typeface="Cambria Math" panose="02040503050406030204" pitchFamily="18" charset="0"/>
+                                </a:rPr>
+                                <m:t>, </m:t>
+                              </m:r>
+                              <m:sSub>
+                                <m:sSubPr>
+                                  <m:ctrlPr>
+                                    <a:rPr lang="en-US" b="1" i="1" smtClean="0">
+                                      <a:solidFill>
+                                        <a:sysClr val="windowText" lastClr="000000"/>
+                                      </a:solidFill>
+                                      <a:latin typeface="Cambria Math" panose="02040503050406030204" pitchFamily="18" charset="0"/>
+                                    </a:rPr>
+                                  </m:ctrlPr>
+                                </m:sSubPr>
+                                <m:e>
+                                  <m:r>
+                                    <a:rPr lang="en-US" b="1" i="1" smtClean="0">
+                                      <a:solidFill>
+                                        <a:sysClr val="windowText" lastClr="000000"/>
+                                      </a:solidFill>
+                                      <a:latin typeface="Cambria Math" panose="02040503050406030204" pitchFamily="18" charset="0"/>
+                                    </a:rPr>
+                                    <m:t>𝒚</m:t>
+                                  </m:r>
+                                </m:e>
+                                <m:sub>
+                                  <m:r>
+                                    <a:rPr lang="en-US" b="1" i="1" smtClean="0">
+                                      <a:solidFill>
+                                        <a:sysClr val="windowText" lastClr="000000"/>
+                                      </a:solidFill>
+                                      <a:latin typeface="Cambria Math" panose="02040503050406030204" pitchFamily="18" charset="0"/>
+                                    </a:rPr>
+                                    <m:t>𝒕𝒆𝒙𝒕</m:t>
+                                  </m:r>
+                                </m:sub>
+                              </m:sSub>
+                              <m:r>
+                                <a:rPr lang="en-US" b="0" i="1" smtClean="0">
+                                  <a:solidFill>
+                                    <a:sysClr val="windowText" lastClr="000000"/>
+                                  </a:solidFill>
+                                  <a:latin typeface="Cambria Math" panose="02040503050406030204" pitchFamily="18" charset="0"/>
+                                </a:rPr>
+                                <m:t>, </m:t>
+                              </m:r>
+                              <m:r>
+                                <a:rPr lang="en-US" b="0" i="1" smtClean="0">
+                                  <a:solidFill>
+                                    <a:sysClr val="windowText" lastClr="000000"/>
+                                  </a:solidFill>
+                                  <a:latin typeface="Cambria Math" panose="02040503050406030204" pitchFamily="18" charset="0"/>
+                                </a:rPr>
+                                <m:t>𝑡</m:t>
+                              </m:r>
+                            </m:e>
+                          </m:d>
+                        </m:oMath>
+                      </m:oMathPara>
+                    </a14:m>
+                    <a:endParaRPr lang="en-US" b="1" i="1" dirty="0">
+                      <a:solidFill>
+                        <a:sysClr val="windowText" lastClr="000000"/>
+                      </a:solidFill>
+                    </a:endParaRPr>
+                  </a:p>
+                </p:txBody>
+              </p:sp>
+            </mc:Choice>
+            <mc:Fallback>
+              <p:sp>
+                <p:nvSpPr>
+                  <p:cNvPr id="13" name="Rectangle: Rounded Corners 12">
+                    <a:extLst>
+                      <a:ext uri="{FF2B5EF4-FFF2-40B4-BE49-F238E27FC236}">
+                        <a16:creationId xmlns:a16="http://schemas.microsoft.com/office/drawing/2014/main" id="{19DBA83B-334F-F2D9-58CC-05DADAEC98AB}"/>
+                      </a:ext>
+                    </a:extLst>
+                  </p:cNvPr>
+                  <p:cNvSpPr>
+                    <a:spLocks noRot="1" noChangeAspect="1" noMove="1" noResize="1" noEditPoints="1" noAdjustHandles="1" noChangeArrowheads="1" noChangeShapeType="1" noTextEdit="1"/>
+                  </p:cNvSpPr>
+                  <p:nvPr/>
+                </p:nvSpPr>
+                <p:spPr>
+                  <a:xfrm>
+                    <a:off x="7862311" y="3982736"/>
+                    <a:ext cx="2902759" cy="914400"/>
+                  </a:xfrm>
+                  <a:prstGeom prst="roundRect">
+                    <a:avLst/>
+                  </a:prstGeom>
+                  <a:blipFill>
+                    <a:blip r:embed="rId3"/>
+                    <a:stretch>
+                      <a:fillRect/>
+                    </a:stretch>
+                  </a:blipFill>
+                  <a:ln>
+                    <a:solidFill>
+                      <a:schemeClr val="accent2">
+                        <a:lumMod val="20000"/>
+                        <a:lumOff val="80000"/>
+                      </a:schemeClr>
+                    </a:solidFill>
+                  </a:ln>
+                </p:spPr>
+                <p:txBody>
+                  <a:bodyPr/>
+                  <a:lstStyle/>
+                  <a:p>
+                    <a:r>
+                      <a:rPr lang="en-US">
+                        <a:noFill/>
+                      </a:rPr>
+                      <a:t> </a:t>
+                    </a:r>
+                  </a:p>
+                </p:txBody>
+              </p:sp>
+            </mc:Fallback>
+          </mc:AlternateContent>
+          <p:grpSp>
+            <p:nvGrpSpPr>
+              <p:cNvPr id="24" name="Group 23">
+                <a:extLst>
+                  <a:ext uri="{FF2B5EF4-FFF2-40B4-BE49-F238E27FC236}">
+                    <a16:creationId xmlns:a16="http://schemas.microsoft.com/office/drawing/2014/main" id="{405C3CA7-2ECF-3942-536E-6D20367FAA2B}"/>
+                  </a:ext>
+                </a:extLst>
+              </p:cNvPr>
+              <p:cNvGrpSpPr/>
+              <p:nvPr/>
+            </p:nvGrpSpPr>
+            <p:grpSpPr>
+              <a:xfrm>
+                <a:off x="5237537" y="2353666"/>
+                <a:ext cx="2902759" cy="4172541"/>
+                <a:chOff x="6338081" y="2353666"/>
+                <a:chExt cx="2902759" cy="4172541"/>
+              </a:xfrm>
+            </p:grpSpPr>
+            <mc:AlternateContent xmlns:mc="http://schemas.openxmlformats.org/markup-compatibility/2006" xmlns:a14="http://schemas.microsoft.com/office/drawing/2010/main">
+              <mc:Choice Requires="a14">
+                <p:sp>
+                  <p:nvSpPr>
+                    <p:cNvPr id="11" name="Rectangle: Rounded Corners 10">
+                      <a:extLst>
+                        <a:ext uri="{FF2B5EF4-FFF2-40B4-BE49-F238E27FC236}">
+                          <a16:creationId xmlns:a16="http://schemas.microsoft.com/office/drawing/2014/main" id="{13034F88-4C50-CE25-BBB8-1073FA6E14F5}"/>
+                        </a:ext>
+                      </a:extLst>
+                    </p:cNvPr>
+                    <p:cNvSpPr/>
+                    <p:nvPr/>
+                  </p:nvSpPr>
+                  <p:spPr>
+                    <a:xfrm>
+                      <a:off x="6338082" y="2353666"/>
+                      <a:ext cx="2902758" cy="914400"/>
+                    </a:xfrm>
+                    <a:prstGeom prst="roundRect">
+                      <a:avLst/>
+                    </a:prstGeom>
+                    <a:solidFill>
+                      <a:schemeClr val="accent2">
+                        <a:lumMod val="20000"/>
+                        <a:lumOff val="80000"/>
+                      </a:schemeClr>
+                    </a:solidFill>
+                    <a:ln>
+                      <a:solidFill>
+                        <a:schemeClr val="accent2">
+                          <a:lumMod val="20000"/>
+                          <a:lumOff val="80000"/>
+                        </a:schemeClr>
+                      </a:solidFill>
+                    </a:ln>
+                  </p:spPr>
+                  <p:style>
+                    <a:lnRef idx="2">
+                      <a:schemeClr val="accent1">
+                        <a:shade val="15000"/>
+                      </a:schemeClr>
+                    </a:lnRef>
+                    <a:fillRef idx="1">
+                      <a:schemeClr val="accent1"/>
+                    </a:fillRef>
+                    <a:effectRef idx="0">
+                      <a:schemeClr val="accent1"/>
+                    </a:effectRef>
+                    <a:fontRef idx="minor">
+                      <a:schemeClr val="lt1"/>
+                    </a:fontRef>
+                  </p:style>
+                  <p:txBody>
+                    <a:bodyPr rtlCol="0" anchor="ctr"/>
+                    <a:lstStyle/>
+                    <a:p>
+                      <a:pPr algn="ctr"/>
+                      <a14:m>
+                        <m:oMathPara xmlns:m="http://schemas.openxmlformats.org/officeDocument/2006/math">
+                          <m:oMathParaPr>
+                            <m:jc m:val="centerGroup"/>
+                          </m:oMathParaPr>
+                          <m:oMath xmlns:m="http://schemas.openxmlformats.org/officeDocument/2006/math">
+                            <m:r>
+                              <a:rPr lang="en-US" b="1" i="1" smtClean="0">
+                                <a:solidFill>
+                                  <a:sysClr val="windowText" lastClr="000000"/>
+                                </a:solidFill>
+                                <a:latin typeface="Cambria Math" panose="02040503050406030204" pitchFamily="18" charset="0"/>
+                              </a:rPr>
+                              <m:t>𝒙</m:t>
+                            </m:r>
+                            <m:r>
+                              <a:rPr lang="en-US" b="0" i="1" smtClean="0">
+                                <a:solidFill>
+                                  <a:sysClr val="windowText" lastClr="000000"/>
+                                </a:solidFill>
+                                <a:latin typeface="Cambria Math" panose="02040503050406030204" pitchFamily="18" charset="0"/>
+                              </a:rPr>
+                              <m:t>=</m:t>
+                            </m:r>
+                            <m:r>
+                              <a:rPr lang="en-US" b="0" i="1" smtClean="0">
+                                <a:solidFill>
+                                  <a:sysClr val="windowText" lastClr="000000"/>
+                                </a:solidFill>
+                                <a:latin typeface="Cambria Math" panose="02040503050406030204" pitchFamily="18" charset="0"/>
+                              </a:rPr>
+                              <m:t>𝐺</m:t>
+                            </m:r>
+                            <m:d>
+                              <m:dPr>
+                                <m:ctrlPr>
+                                  <a:rPr lang="en-US" b="0" i="1" smtClean="0">
+                                    <a:solidFill>
+                                      <a:sysClr val="windowText" lastClr="000000"/>
+                                    </a:solidFill>
+                                    <a:latin typeface="Cambria Math" panose="02040503050406030204" pitchFamily="18" charset="0"/>
+                                  </a:rPr>
+                                </m:ctrlPr>
+                              </m:dPr>
+                              <m:e>
+                                <m:r>
+                                  <a:rPr lang="en-US" b="0" i="1" smtClean="0">
+                                    <a:solidFill>
+                                      <a:sysClr val="windowText" lastClr="000000"/>
+                                    </a:solidFill>
+                                    <a:latin typeface="Cambria Math" panose="02040503050406030204" pitchFamily="18" charset="0"/>
+                                  </a:rPr>
+                                  <m:t>𝜃</m:t>
+                                </m:r>
+                              </m:e>
+                            </m:d>
+                          </m:oMath>
+                        </m:oMathPara>
+                      </a14:m>
+                      <a:endParaRPr lang="en-US" dirty="0">
+                        <a:solidFill>
+                          <a:sysClr val="windowText" lastClr="000000"/>
+                        </a:solidFill>
+                      </a:endParaRPr>
+                    </a:p>
+                    <a:p>
+                      <a:pPr algn="ctr"/>
+                      <a14:m>
+                        <m:oMathPara xmlns:m="http://schemas.openxmlformats.org/officeDocument/2006/math">
+                          <m:oMathParaPr>
+                            <m:jc m:val="centerGroup"/>
+                          </m:oMathParaPr>
+                          <m:oMath xmlns:m="http://schemas.openxmlformats.org/officeDocument/2006/math">
+                            <m:sSub>
+                              <m:sSubPr>
+                                <m:ctrlPr>
+                                  <a:rPr lang="en-US" b="1" i="1" smtClean="0">
+                                    <a:solidFill>
+                                      <a:sysClr val="windowText" lastClr="000000"/>
+                                    </a:solidFill>
+                                    <a:latin typeface="Cambria Math" panose="02040503050406030204" pitchFamily="18" charset="0"/>
+                                  </a:rPr>
+                                </m:ctrlPr>
+                              </m:sSubPr>
+                              <m:e>
+                                <m:r>
+                                  <a:rPr lang="en-US" b="1" i="1" smtClean="0">
+                                    <a:solidFill>
+                                      <a:sysClr val="windowText" lastClr="000000"/>
+                                    </a:solidFill>
+                                    <a:latin typeface="Cambria Math" panose="02040503050406030204" pitchFamily="18" charset="0"/>
+                                  </a:rPr>
+                                  <m:t>𝒛</m:t>
+                                </m:r>
+                              </m:e>
+                              <m:sub>
+                                <m:r>
+                                  <a:rPr lang="en-US" b="1" i="1" smtClean="0">
+                                    <a:solidFill>
+                                      <a:sysClr val="windowText" lastClr="000000"/>
+                                    </a:solidFill>
+                                    <a:latin typeface="Cambria Math" panose="02040503050406030204" pitchFamily="18" charset="0"/>
+                                  </a:rPr>
+                                  <m:t>𝒕</m:t>
+                                </m:r>
+                              </m:sub>
+                            </m:sSub>
+                            <m:r>
+                              <a:rPr lang="en-US" b="0" i="1" smtClean="0">
+                                <a:solidFill>
+                                  <a:sysClr val="windowText" lastClr="000000"/>
+                                </a:solidFill>
+                                <a:latin typeface="Cambria Math" panose="02040503050406030204" pitchFamily="18" charset="0"/>
+                              </a:rPr>
+                              <m:t>=</m:t>
+                            </m:r>
+                            <m:sSub>
+                              <m:sSubPr>
+                                <m:ctrlPr>
+                                  <a:rPr lang="en-US" b="0" i="1" smtClean="0">
+                                    <a:solidFill>
+                                      <a:sysClr val="windowText" lastClr="000000"/>
+                                    </a:solidFill>
+                                    <a:latin typeface="Cambria Math" panose="02040503050406030204" pitchFamily="18" charset="0"/>
+                                  </a:rPr>
+                                </m:ctrlPr>
+                              </m:sSubPr>
+                              <m:e>
+                                <m:r>
+                                  <a:rPr lang="en-US" b="0" i="1" smtClean="0">
+                                    <a:solidFill>
+                                      <a:sysClr val="windowText" lastClr="000000"/>
+                                    </a:solidFill>
+                                    <a:latin typeface="Cambria Math" panose="02040503050406030204" pitchFamily="18" charset="0"/>
+                                  </a:rPr>
+                                  <m:t>𝛼</m:t>
+                                </m:r>
+                              </m:e>
+                              <m:sub>
+                                <m:r>
+                                  <a:rPr lang="en-US" b="0" i="1" smtClean="0">
+                                    <a:solidFill>
+                                      <a:sysClr val="windowText" lastClr="000000"/>
+                                    </a:solidFill>
+                                    <a:latin typeface="Cambria Math" panose="02040503050406030204" pitchFamily="18" charset="0"/>
+                                  </a:rPr>
+                                  <m:t>𝑡</m:t>
+                                </m:r>
+                              </m:sub>
+                            </m:sSub>
+                            <m:r>
+                              <a:rPr lang="en-US" b="0" i="1" smtClean="0">
+                                <a:solidFill>
+                                  <a:sysClr val="windowText" lastClr="000000"/>
+                                </a:solidFill>
+                                <a:latin typeface="Cambria Math" panose="02040503050406030204" pitchFamily="18" charset="0"/>
+                              </a:rPr>
+                              <m:t>∙</m:t>
+                            </m:r>
+                            <m:r>
+                              <a:rPr lang="en-US" b="1" i="1" smtClean="0">
+                                <a:solidFill>
+                                  <a:sysClr val="windowText" lastClr="000000"/>
+                                </a:solidFill>
+                                <a:latin typeface="Cambria Math" panose="02040503050406030204" pitchFamily="18" charset="0"/>
+                              </a:rPr>
+                              <m:t>𝒙</m:t>
+                            </m:r>
+                            <m:r>
+                              <a:rPr lang="en-US" b="0" i="1" smtClean="0">
+                                <a:solidFill>
+                                  <a:sysClr val="windowText" lastClr="000000"/>
+                                </a:solidFill>
+                                <a:latin typeface="Cambria Math" panose="02040503050406030204" pitchFamily="18" charset="0"/>
+                              </a:rPr>
+                              <m:t>+</m:t>
+                            </m:r>
+                            <m:sSub>
+                              <m:sSubPr>
+                                <m:ctrlPr>
+                                  <a:rPr lang="en-US" b="0" i="1" smtClean="0">
+                                    <a:solidFill>
+                                      <a:sysClr val="windowText" lastClr="000000"/>
+                                    </a:solidFill>
+                                    <a:latin typeface="Cambria Math" panose="02040503050406030204" pitchFamily="18" charset="0"/>
+                                  </a:rPr>
+                                </m:ctrlPr>
+                              </m:sSubPr>
+                              <m:e>
+                                <m:r>
+                                  <a:rPr lang="en-US" b="0" i="1" smtClean="0">
+                                    <a:solidFill>
+                                      <a:sysClr val="windowText" lastClr="000000"/>
+                                    </a:solidFill>
+                                    <a:latin typeface="Cambria Math" panose="02040503050406030204" pitchFamily="18" charset="0"/>
+                                  </a:rPr>
+                                  <m:t>𝜎</m:t>
+                                </m:r>
+                              </m:e>
+                              <m:sub>
+                                <m:r>
+                                  <a:rPr lang="en-US" b="0" i="1" smtClean="0">
+                                    <a:solidFill>
+                                      <a:sysClr val="windowText" lastClr="000000"/>
+                                    </a:solidFill>
+                                    <a:latin typeface="Cambria Math" panose="02040503050406030204" pitchFamily="18" charset="0"/>
+                                  </a:rPr>
+                                  <m:t>𝑡</m:t>
+                                </m:r>
+                              </m:sub>
+                            </m:sSub>
+                            <m:r>
+                              <a:rPr lang="en-US" b="0" i="1" smtClean="0">
+                                <a:solidFill>
+                                  <a:sysClr val="windowText" lastClr="000000"/>
+                                </a:solidFill>
+                                <a:latin typeface="Cambria Math" panose="02040503050406030204" pitchFamily="18" charset="0"/>
+                              </a:rPr>
+                              <m:t>∙</m:t>
+                            </m:r>
+                            <m:r>
+                              <a:rPr lang="en-US" b="1" i="1" smtClean="0">
+                                <a:solidFill>
+                                  <a:sysClr val="windowText" lastClr="000000"/>
+                                </a:solidFill>
+                                <a:latin typeface="Cambria Math" panose="02040503050406030204" pitchFamily="18" charset="0"/>
+                              </a:rPr>
+                              <m:t>𝝐</m:t>
+                            </m:r>
+                          </m:oMath>
+                        </m:oMathPara>
+                      </a14:m>
+                      <a:endParaRPr lang="en-US" dirty="0">
+                        <a:solidFill>
+                          <a:sysClr val="windowText" lastClr="000000"/>
+                        </a:solidFill>
+                      </a:endParaRPr>
+                    </a:p>
+                  </p:txBody>
+                </p:sp>
+              </mc:Choice>
+              <mc:Fallback xmlns="">
+                <p:sp>
+                  <p:nvSpPr>
+                    <p:cNvPr id="11" name="Rectangle: Rounded Corners 10">
+                      <a:extLst>
+                        <a:ext uri="{FF2B5EF4-FFF2-40B4-BE49-F238E27FC236}">
+                          <a16:creationId xmlns:a16="http://schemas.microsoft.com/office/drawing/2014/main" id="{13034F88-4C50-CE25-BBB8-1073FA6E14F5}"/>
+                        </a:ext>
+                      </a:extLst>
+                    </p:cNvPr>
+                    <p:cNvSpPr>
+                      <a:spLocks noRot="1" noChangeAspect="1" noMove="1" noResize="1" noEditPoints="1" noAdjustHandles="1" noChangeArrowheads="1" noChangeShapeType="1" noTextEdit="1"/>
+                    </p:cNvSpPr>
+                    <p:nvPr/>
+                  </p:nvSpPr>
+                  <p:spPr>
+                    <a:xfrm>
+                      <a:off x="6338082" y="2353666"/>
+                      <a:ext cx="2902758" cy="914400"/>
+                    </a:xfrm>
+                    <a:prstGeom prst="roundRect">
+                      <a:avLst/>
+                    </a:prstGeom>
+                    <a:blipFill>
+                      <a:blip r:embed="rId4"/>
+                      <a:stretch>
+                        <a:fillRect/>
+                      </a:stretch>
+                    </a:blipFill>
+                    <a:ln>
+                      <a:solidFill>
+                        <a:schemeClr val="accent2">
+                          <a:lumMod val="20000"/>
+                          <a:lumOff val="80000"/>
+                        </a:schemeClr>
+                      </a:solidFill>
+                    </a:ln>
+                  </p:spPr>
+                  <p:txBody>
+                    <a:bodyPr/>
+                    <a:lstStyle/>
+                    <a:p>
+                      <a:r>
+                        <a:rPr lang="en-US">
+                          <a:noFill/>
+                        </a:rPr>
+                        <a:t> </a:t>
+                      </a:r>
+                    </a:p>
+                  </p:txBody>
+                </p:sp>
+              </mc:Fallback>
+            </mc:AlternateContent>
+            <mc:AlternateContent xmlns:mc="http://schemas.openxmlformats.org/markup-compatibility/2006" xmlns:a14="http://schemas.microsoft.com/office/drawing/2010/main">
+              <mc:Choice Requires="a14">
+                <p:sp>
+                  <p:nvSpPr>
+                    <p:cNvPr id="14" name="Rectangle: Rounded Corners 13">
+                      <a:extLst>
+                        <a:ext uri="{FF2B5EF4-FFF2-40B4-BE49-F238E27FC236}">
+                          <a16:creationId xmlns:a16="http://schemas.microsoft.com/office/drawing/2014/main" id="{C085B4A2-1D3D-1887-A8D7-E30E8F6F43E0}"/>
+                        </a:ext>
+                      </a:extLst>
+                    </p:cNvPr>
+                    <p:cNvSpPr/>
+                    <p:nvPr/>
+                  </p:nvSpPr>
+                  <p:spPr>
+                    <a:xfrm>
+                      <a:off x="6338081" y="5611807"/>
+                      <a:ext cx="2902759" cy="914400"/>
+                    </a:xfrm>
+                    <a:prstGeom prst="roundRect">
+                      <a:avLst/>
+                    </a:prstGeom>
+                    <a:solidFill>
+                      <a:schemeClr val="accent2">
+                        <a:lumMod val="20000"/>
+                        <a:lumOff val="80000"/>
+                      </a:schemeClr>
+                    </a:solidFill>
+                    <a:ln>
+                      <a:solidFill>
+                        <a:schemeClr val="accent2">
+                          <a:lumMod val="20000"/>
+                          <a:lumOff val="80000"/>
+                        </a:schemeClr>
+                      </a:solidFill>
+                    </a:ln>
+                  </p:spPr>
+                  <p:style>
+                    <a:lnRef idx="2">
+                      <a:schemeClr val="accent1">
+                        <a:shade val="15000"/>
+                      </a:schemeClr>
+                    </a:lnRef>
+                    <a:fillRef idx="1">
+                      <a:schemeClr val="accent1"/>
+                    </a:fillRef>
+                    <a:effectRef idx="0">
+                      <a:schemeClr val="accent1"/>
+                    </a:effectRef>
+                    <a:fontRef idx="minor">
+                      <a:schemeClr val="lt1"/>
+                    </a:fontRef>
+                  </p:style>
+                  <p:txBody>
+                    <a:bodyPr rtlCol="0" anchor="ctr"/>
+                    <a:lstStyle/>
+                    <a:p>
+                      <a:pPr algn="ctr"/>
+                      <a14:m>
+                        <m:oMathPara xmlns:m="http://schemas.openxmlformats.org/officeDocument/2006/math">
+                          <m:oMathParaPr>
+                            <m:jc m:val="centerGroup"/>
+                          </m:oMathParaPr>
+                          <m:oMath xmlns:m="http://schemas.openxmlformats.org/officeDocument/2006/math">
+                            <m:sSub>
+                              <m:sSubPr>
+                                <m:ctrlPr>
+                                  <a:rPr lang="en-US" b="0" i="1" smtClean="0">
+                                    <a:solidFill>
+                                      <a:sysClr val="windowText" lastClr="000000"/>
+                                    </a:solidFill>
+                                    <a:latin typeface="Cambria Math" panose="02040503050406030204" pitchFamily="18" charset="0"/>
+                                    <a:ea typeface="Cambria Math" panose="02040503050406030204" pitchFamily="18" charset="0"/>
+                                  </a:rPr>
+                                </m:ctrlPr>
+                              </m:sSubPr>
+                              <m:e>
+                                <m:r>
+                                  <m:rPr>
+                                    <m:sty m:val="p"/>
+                                  </m:rPr>
+                                  <a:rPr lang="en-US" i="1" smtClean="0">
+                                    <a:solidFill>
+                                      <a:sysClr val="windowText" lastClr="000000"/>
+                                    </a:solidFill>
+                                    <a:latin typeface="Cambria Math" panose="02040503050406030204" pitchFamily="18" charset="0"/>
+                                    <a:ea typeface="Cambria Math" panose="02040503050406030204" pitchFamily="18" charset="0"/>
+                                  </a:rPr>
+                                  <m:t>∇</m:t>
+                                </m:r>
+                              </m:e>
+                              <m:sub>
+                                <m:r>
+                                  <a:rPr lang="en-US" b="0" i="1" smtClean="0">
+                                    <a:solidFill>
+                                      <a:sysClr val="windowText" lastClr="000000"/>
+                                    </a:solidFill>
+                                    <a:latin typeface="Cambria Math" panose="02040503050406030204" pitchFamily="18" charset="0"/>
+                                    <a:ea typeface="Cambria Math" panose="02040503050406030204" pitchFamily="18" charset="0"/>
+                                  </a:rPr>
+                                  <m:t>𝜃</m:t>
+                                </m:r>
+                              </m:sub>
+                            </m:sSub>
+                            <m:r>
+                              <a:rPr lang="en-US" b="0" i="1" smtClean="0">
+                                <a:solidFill>
+                                  <a:sysClr val="windowText" lastClr="000000"/>
+                                </a:solidFill>
+                                <a:latin typeface="Cambria Math" panose="02040503050406030204" pitchFamily="18" charset="0"/>
+                                <a:ea typeface="Cambria Math" panose="02040503050406030204" pitchFamily="18" charset="0"/>
+                              </a:rPr>
+                              <m:t>𝐺</m:t>
+                            </m:r>
+                            <m:r>
+                              <a:rPr lang="en-US" b="0" i="1" smtClean="0">
+                                <a:solidFill>
+                                  <a:sysClr val="windowText" lastClr="000000"/>
+                                </a:solidFill>
+                                <a:latin typeface="Cambria Math" panose="02040503050406030204" pitchFamily="18" charset="0"/>
+                                <a:ea typeface="Cambria Math" panose="02040503050406030204" pitchFamily="18" charset="0"/>
+                              </a:rPr>
+                              <m:t>=</m:t>
+                            </m:r>
+                            <m:d>
+                              <m:dPr>
+                                <m:begChr m:val="⟨"/>
+                                <m:endChr m:val="⟩"/>
+                                <m:ctrlPr>
+                                  <a:rPr lang="en-US" b="0" i="1" smtClean="0">
+                                    <a:solidFill>
+                                      <a:sysClr val="windowText" lastClr="000000"/>
+                                    </a:solidFill>
+                                    <a:latin typeface="Cambria Math" panose="02040503050406030204" pitchFamily="18" charset="0"/>
+                                    <a:ea typeface="Cambria Math" panose="02040503050406030204" pitchFamily="18" charset="0"/>
+                                  </a:rPr>
+                                </m:ctrlPr>
+                              </m:dPr>
+                              <m:e>
+                                <m:r>
+                                  <a:rPr lang="en-US" i="1">
+                                    <a:solidFill>
+                                      <a:sysClr val="windowText" lastClr="000000"/>
+                                    </a:solidFill>
+                                    <a:latin typeface="Cambria Math" panose="02040503050406030204" pitchFamily="18" charset="0"/>
+                                    <a:ea typeface="Cambria Math" panose="02040503050406030204" pitchFamily="18" charset="0"/>
+                                  </a:rPr>
+                                  <m:t>𝑤</m:t>
+                                </m:r>
+                                <m:d>
+                                  <m:dPr>
+                                    <m:ctrlPr>
+                                      <a:rPr lang="en-US" i="1">
+                                        <a:solidFill>
+                                          <a:sysClr val="windowText" lastClr="000000"/>
+                                        </a:solidFill>
+                                        <a:latin typeface="Cambria Math" panose="02040503050406030204" pitchFamily="18" charset="0"/>
+                                        <a:ea typeface="Cambria Math" panose="02040503050406030204" pitchFamily="18" charset="0"/>
+                                      </a:rPr>
+                                    </m:ctrlPr>
+                                  </m:dPr>
+                                  <m:e>
+                                    <m:r>
+                                      <a:rPr lang="en-US" i="1">
+                                        <a:solidFill>
+                                          <a:sysClr val="windowText" lastClr="000000"/>
+                                        </a:solidFill>
+                                        <a:latin typeface="Cambria Math" panose="02040503050406030204" pitchFamily="18" charset="0"/>
+                                        <a:ea typeface="Cambria Math" panose="02040503050406030204" pitchFamily="18" charset="0"/>
+                                      </a:rPr>
+                                      <m:t>𝑡</m:t>
+                                    </m:r>
+                                  </m:e>
+                                </m:d>
+                                <m:r>
+                                  <a:rPr lang="en-US" b="0" i="1" smtClean="0">
+                                    <a:solidFill>
+                                      <a:sysClr val="windowText" lastClr="000000"/>
+                                    </a:solidFill>
+                                    <a:latin typeface="Cambria Math" panose="02040503050406030204" pitchFamily="18" charset="0"/>
+                                    <a:ea typeface="Cambria Math" panose="02040503050406030204" pitchFamily="18" charset="0"/>
+                                  </a:rPr>
+                                  <m:t>∙</m:t>
+                                </m:r>
+                                <m:d>
+                                  <m:dPr>
+                                    <m:ctrlPr>
+                                      <a:rPr lang="en-US" i="1">
+                                        <a:solidFill>
+                                          <a:sysClr val="windowText" lastClr="000000"/>
+                                        </a:solidFill>
+                                        <a:latin typeface="Cambria Math" panose="02040503050406030204" pitchFamily="18" charset="0"/>
+                                        <a:ea typeface="Cambria Math" panose="02040503050406030204" pitchFamily="18" charset="0"/>
+                                      </a:rPr>
+                                    </m:ctrlPr>
+                                  </m:dPr>
+                                  <m:e>
+                                    <m:acc>
+                                      <m:accPr>
+                                        <m:chr m:val="̂"/>
+                                        <m:ctrlPr>
+                                          <a:rPr lang="en-US" b="1" i="1">
+                                            <a:solidFill>
+                                              <a:sysClr val="windowText" lastClr="000000"/>
+                                            </a:solidFill>
+                                            <a:latin typeface="Cambria Math" panose="02040503050406030204" pitchFamily="18" charset="0"/>
+                                            <a:ea typeface="Cambria Math" panose="02040503050406030204" pitchFamily="18" charset="0"/>
+                                          </a:rPr>
+                                        </m:ctrlPr>
+                                      </m:accPr>
+                                      <m:e>
+                                        <m:r>
+                                          <a:rPr lang="en-US" b="1" i="1">
+                                            <a:solidFill>
+                                              <a:sysClr val="windowText" lastClr="000000"/>
+                                            </a:solidFill>
+                                            <a:latin typeface="Cambria Math" panose="02040503050406030204" pitchFamily="18" charset="0"/>
+                                            <a:ea typeface="Cambria Math" panose="02040503050406030204" pitchFamily="18" charset="0"/>
+                                          </a:rPr>
+                                          <m:t>𝝐</m:t>
+                                        </m:r>
+                                      </m:e>
+                                    </m:acc>
+                                    <m:r>
+                                      <a:rPr lang="en-US" i="1">
+                                        <a:solidFill>
+                                          <a:sysClr val="windowText" lastClr="000000"/>
+                                        </a:solidFill>
+                                        <a:latin typeface="Cambria Math" panose="02040503050406030204" pitchFamily="18" charset="0"/>
+                                        <a:ea typeface="Cambria Math" panose="02040503050406030204" pitchFamily="18" charset="0"/>
+                                      </a:rPr>
+                                      <m:t>−</m:t>
+                                    </m:r>
+                                    <m:r>
+                                      <a:rPr lang="en-US" b="1" i="1">
+                                        <a:solidFill>
+                                          <a:sysClr val="windowText" lastClr="000000"/>
+                                        </a:solidFill>
+                                        <a:latin typeface="Cambria Math" panose="02040503050406030204" pitchFamily="18" charset="0"/>
+                                        <a:ea typeface="Cambria Math" panose="02040503050406030204" pitchFamily="18" charset="0"/>
+                                      </a:rPr>
+                                      <m:t>𝝐</m:t>
+                                    </m:r>
+                                  </m:e>
+                                </m:d>
+                                <m:r>
+                                  <a:rPr lang="en-US" b="0" i="1" smtClean="0">
+                                    <a:solidFill>
+                                      <a:sysClr val="windowText" lastClr="000000"/>
+                                    </a:solidFill>
+                                    <a:latin typeface="Cambria Math" panose="02040503050406030204" pitchFamily="18" charset="0"/>
+                                    <a:ea typeface="Cambria Math" panose="02040503050406030204" pitchFamily="18" charset="0"/>
+                                  </a:rPr>
+                                  <m:t>,</m:t>
+                                </m:r>
+                                <m:f>
+                                  <m:fPr>
+                                    <m:ctrlPr>
+                                      <a:rPr lang="en-US" i="1">
+                                        <a:solidFill>
+                                          <a:sysClr val="windowText" lastClr="000000"/>
+                                        </a:solidFill>
+                                        <a:latin typeface="Cambria Math" panose="02040503050406030204" pitchFamily="18" charset="0"/>
+                                        <a:ea typeface="Cambria Math" panose="02040503050406030204" pitchFamily="18" charset="0"/>
+                                      </a:rPr>
+                                    </m:ctrlPr>
+                                  </m:fPr>
+                                  <m:num>
+                                    <m:r>
+                                      <a:rPr lang="en-US" i="1">
+                                        <a:solidFill>
+                                          <a:sysClr val="windowText" lastClr="000000"/>
+                                        </a:solidFill>
+                                        <a:latin typeface="Cambria Math" panose="02040503050406030204" pitchFamily="18" charset="0"/>
+                                        <a:ea typeface="Cambria Math" panose="02040503050406030204" pitchFamily="18" charset="0"/>
+                                      </a:rPr>
+                                      <m:t>𝜕</m:t>
+                                    </m:r>
+                                    <m:r>
+                                      <a:rPr lang="en-US" b="1" i="1">
+                                        <a:solidFill>
+                                          <a:sysClr val="windowText" lastClr="000000"/>
+                                        </a:solidFill>
+                                        <a:latin typeface="Cambria Math" panose="02040503050406030204" pitchFamily="18" charset="0"/>
+                                        <a:ea typeface="Cambria Math" panose="02040503050406030204" pitchFamily="18" charset="0"/>
+                                      </a:rPr>
+                                      <m:t>𝒙</m:t>
+                                    </m:r>
+                                  </m:num>
+                                  <m:den>
+                                    <m:r>
+                                      <a:rPr lang="en-US" i="1">
+                                        <a:solidFill>
+                                          <a:sysClr val="windowText" lastClr="000000"/>
+                                        </a:solidFill>
+                                        <a:latin typeface="Cambria Math" panose="02040503050406030204" pitchFamily="18" charset="0"/>
+                                        <a:ea typeface="Cambria Math" panose="02040503050406030204" pitchFamily="18" charset="0"/>
+                                      </a:rPr>
+                                      <m:t>𝜕𝜃</m:t>
+                                    </m:r>
+                                  </m:den>
+                                </m:f>
+                              </m:e>
+                            </m:d>
+                          </m:oMath>
+                        </m:oMathPara>
+                      </a14:m>
+                      <a:endParaRPr lang="en-US" dirty="0">
+                        <a:solidFill>
+                          <a:sysClr val="windowText" lastClr="000000"/>
+                        </a:solidFill>
+                      </a:endParaRPr>
+                    </a:p>
+                  </p:txBody>
+                </p:sp>
+              </mc:Choice>
+              <mc:Fallback xmlns="">
+                <p:sp>
+                  <p:nvSpPr>
+                    <p:cNvPr id="14" name="Rectangle: Rounded Corners 13">
+                      <a:extLst>
+                        <a:ext uri="{FF2B5EF4-FFF2-40B4-BE49-F238E27FC236}">
+                          <a16:creationId xmlns:a16="http://schemas.microsoft.com/office/drawing/2014/main" id="{C085B4A2-1D3D-1887-A8D7-E30E8F6F43E0}"/>
+                        </a:ext>
+                      </a:extLst>
+                    </p:cNvPr>
+                    <p:cNvSpPr>
+                      <a:spLocks noRot="1" noChangeAspect="1" noMove="1" noResize="1" noEditPoints="1" noAdjustHandles="1" noChangeArrowheads="1" noChangeShapeType="1" noTextEdit="1"/>
+                    </p:cNvSpPr>
+                    <p:nvPr/>
+                  </p:nvSpPr>
+                  <p:spPr>
+                    <a:xfrm>
+                      <a:off x="6338081" y="5611807"/>
+                      <a:ext cx="2902759" cy="914400"/>
+                    </a:xfrm>
+                    <a:prstGeom prst="roundRect">
+                      <a:avLst/>
+                    </a:prstGeom>
+                    <a:blipFill>
+                      <a:blip r:embed="rId5"/>
+                      <a:stretch>
+                        <a:fillRect/>
+                      </a:stretch>
+                    </a:blipFill>
+                    <a:ln>
+                      <a:solidFill>
+                        <a:schemeClr val="accent2">
+                          <a:lumMod val="20000"/>
+                          <a:lumOff val="80000"/>
+                        </a:schemeClr>
+                      </a:solidFill>
+                    </a:ln>
+                  </p:spPr>
+                  <p:txBody>
+                    <a:bodyPr/>
+                    <a:lstStyle/>
+                    <a:p>
+                      <a:r>
+                        <a:rPr lang="en-US">
+                          <a:noFill/>
+                        </a:rPr>
+                        <a:t> </a:t>
+                      </a:r>
+                    </a:p>
+                  </p:txBody>
+                </p:sp>
+              </mc:Fallback>
+            </mc:AlternateContent>
+          </p:grpSp>
+          <p:grpSp>
+            <p:nvGrpSpPr>
+              <p:cNvPr id="20" name="Group 19">
+                <a:extLst>
+                  <a:ext uri="{FF2B5EF4-FFF2-40B4-BE49-F238E27FC236}">
+                    <a16:creationId xmlns:a16="http://schemas.microsoft.com/office/drawing/2014/main" id="{410DC773-BFE4-D4EB-4FEC-B86EFA7C9781}"/>
+                  </a:ext>
+                </a:extLst>
+              </p:cNvPr>
+              <p:cNvGrpSpPr/>
+              <p:nvPr/>
+            </p:nvGrpSpPr>
+            <p:grpSpPr>
+              <a:xfrm>
+                <a:off x="2786250" y="3121213"/>
+                <a:ext cx="1834247" cy="2637446"/>
+                <a:chOff x="3601935" y="3608571"/>
+                <a:chExt cx="1834247" cy="2637446"/>
+              </a:xfrm>
+            </p:grpSpPr>
+            <mc:AlternateContent xmlns:mc="http://schemas.openxmlformats.org/markup-compatibility/2006" xmlns:a14="http://schemas.microsoft.com/office/drawing/2010/main">
+              <mc:Choice Requires="a14">
+                <p:sp>
+                  <p:nvSpPr>
+                    <p:cNvPr id="10" name="Rectangle: Rounded Corners 9">
+                      <a:extLst>
+                        <a:ext uri="{FF2B5EF4-FFF2-40B4-BE49-F238E27FC236}">
+                          <a16:creationId xmlns:a16="http://schemas.microsoft.com/office/drawing/2014/main" id="{81A84261-35E3-55EE-F785-57153C30C4EE}"/>
+                        </a:ext>
+                      </a:extLst>
+                    </p:cNvPr>
+                    <p:cNvSpPr/>
+                    <p:nvPr/>
+                  </p:nvSpPr>
+                  <p:spPr>
+                    <a:xfrm>
+                      <a:off x="3607382" y="3608571"/>
+                      <a:ext cx="1828800" cy="914400"/>
+                    </a:xfrm>
+                    <a:prstGeom prst="roundRect">
+                      <a:avLst/>
+                    </a:prstGeom>
+                    <a:solidFill>
+                      <a:schemeClr val="accent2">
+                        <a:lumMod val="20000"/>
+                        <a:lumOff val="80000"/>
+                      </a:schemeClr>
+                    </a:solidFill>
+                    <a:ln>
+                      <a:solidFill>
+                        <a:schemeClr val="accent2">
+                          <a:lumMod val="20000"/>
+                          <a:lumOff val="80000"/>
+                        </a:schemeClr>
+                      </a:solidFill>
+                    </a:ln>
+                  </p:spPr>
+                  <p:style>
+                    <a:lnRef idx="2">
+                      <a:schemeClr val="accent1">
+                        <a:shade val="15000"/>
+                      </a:schemeClr>
+                    </a:lnRef>
+                    <a:fillRef idx="1">
+                      <a:schemeClr val="accent1"/>
+                    </a:fillRef>
+                    <a:effectRef idx="0">
+                      <a:schemeClr val="accent1"/>
+                    </a:effectRef>
+                    <a:fontRef idx="minor">
+                      <a:schemeClr val="lt1"/>
+                    </a:fontRef>
+                  </p:style>
+                  <p:txBody>
+                    <a:bodyPr rtlCol="0" anchor="ctr"/>
+                    <a:lstStyle/>
+                    <a:p>
+                      <a:pPr algn="ctr"/>
+                      <a14:m>
+                        <m:oMathPara xmlns:m="http://schemas.openxmlformats.org/officeDocument/2006/math">
+                          <m:oMathParaPr>
+                            <m:jc m:val="centerGroup"/>
+                          </m:oMathParaPr>
+                          <m:oMath xmlns:m="http://schemas.openxmlformats.org/officeDocument/2006/math">
+                            <m:r>
+                              <a:rPr lang="en-US" b="1" i="1" smtClean="0">
+                                <a:solidFill>
+                                  <a:sysClr val="windowText" lastClr="000000"/>
+                                </a:solidFill>
+                                <a:latin typeface="Cambria Math" panose="02040503050406030204" pitchFamily="18" charset="0"/>
+                              </a:rPr>
+                              <m:t>𝝐</m:t>
+                            </m:r>
+                            <m:r>
+                              <a:rPr lang="en-US" b="0" i="1" smtClean="0">
+                                <a:solidFill>
+                                  <a:sysClr val="windowText" lastClr="000000"/>
+                                </a:solidFill>
+                                <a:latin typeface="Cambria Math" panose="02040503050406030204" pitchFamily="18" charset="0"/>
+                              </a:rPr>
+                              <m:t>~</m:t>
+                            </m:r>
+                            <m:r>
+                              <a:rPr lang="en-US" b="0" i="1" smtClean="0">
+                                <a:solidFill>
+                                  <a:sysClr val="windowText" lastClr="000000"/>
+                                </a:solidFill>
+                                <a:latin typeface="Cambria Math" panose="02040503050406030204" pitchFamily="18" charset="0"/>
+                                <a:ea typeface="Cambria Math" panose="02040503050406030204" pitchFamily="18" charset="0"/>
+                              </a:rPr>
+                              <m:t>𝒩</m:t>
+                            </m:r>
+                            <m:d>
+                              <m:dPr>
+                                <m:ctrlPr>
+                                  <a:rPr lang="en-US" b="1" i="1" smtClean="0">
+                                    <a:solidFill>
+                                      <a:sysClr val="windowText" lastClr="000000"/>
+                                    </a:solidFill>
+                                    <a:latin typeface="Cambria Math" panose="02040503050406030204" pitchFamily="18" charset="0"/>
+                                    <a:ea typeface="Cambria Math" panose="02040503050406030204" pitchFamily="18" charset="0"/>
+                                  </a:rPr>
+                                </m:ctrlPr>
+                              </m:dPr>
+                              <m:e>
+                                <m:r>
+                                  <a:rPr lang="en-US" b="1" i="0" smtClean="0">
+                                    <a:solidFill>
+                                      <a:sysClr val="windowText" lastClr="000000"/>
+                                    </a:solidFill>
+                                    <a:latin typeface="Cambria Math" panose="02040503050406030204" pitchFamily="18" charset="0"/>
+                                    <a:ea typeface="Cambria Math" panose="02040503050406030204" pitchFamily="18" charset="0"/>
+                                  </a:rPr>
+                                  <m:t>𝟎</m:t>
+                                </m:r>
+                                <m:r>
+                                  <a:rPr lang="en-US" b="1" i="0" smtClean="0">
+                                    <a:solidFill>
+                                      <a:sysClr val="windowText" lastClr="000000"/>
+                                    </a:solidFill>
+                                    <a:latin typeface="Cambria Math" panose="02040503050406030204" pitchFamily="18" charset="0"/>
+                                    <a:ea typeface="Cambria Math" panose="02040503050406030204" pitchFamily="18" charset="0"/>
+                                  </a:rPr>
+                                  <m:t>, </m:t>
+                                </m:r>
+                                <m:r>
+                                  <a:rPr lang="en-US" b="1" i="0" smtClean="0">
+                                    <a:solidFill>
+                                      <a:sysClr val="windowText" lastClr="000000"/>
+                                    </a:solidFill>
+                                    <a:latin typeface="Cambria Math" panose="02040503050406030204" pitchFamily="18" charset="0"/>
+                                    <a:ea typeface="Cambria Math" panose="02040503050406030204" pitchFamily="18" charset="0"/>
+                                  </a:rPr>
+                                  <m:t>𝐈</m:t>
+                                </m:r>
+                              </m:e>
+                            </m:d>
+                          </m:oMath>
+                        </m:oMathPara>
+                      </a14:m>
+                      <a:endParaRPr lang="en-US" b="1" dirty="0">
+                        <a:solidFill>
+                          <a:sysClr val="windowText" lastClr="000000"/>
+                        </a:solidFill>
+                      </a:endParaRPr>
+                    </a:p>
+                    <a:p>
+                      <a:pPr algn="ctr"/>
+                      <a14:m>
+                        <m:oMathPara xmlns:m="http://schemas.openxmlformats.org/officeDocument/2006/math">
+                          <m:oMathParaPr>
+                            <m:jc m:val="centerGroup"/>
+                          </m:oMathParaPr>
+                          <m:oMath xmlns:m="http://schemas.openxmlformats.org/officeDocument/2006/math">
+                            <m:r>
+                              <a:rPr lang="en-US" i="1" dirty="0" smtClean="0">
+                                <a:solidFill>
+                                  <a:sysClr val="windowText" lastClr="000000"/>
+                                </a:solidFill>
+                                <a:latin typeface="Cambria Math" panose="02040503050406030204" pitchFamily="18" charset="0"/>
+                              </a:rPr>
+                              <m:t>𝑡</m:t>
+                            </m:r>
+                            <m:r>
+                              <a:rPr lang="en-US" i="1" dirty="0" smtClean="0">
+                                <a:solidFill>
+                                  <a:sysClr val="windowText" lastClr="000000"/>
+                                </a:solidFill>
+                                <a:latin typeface="Cambria Math" panose="02040503050406030204" pitchFamily="18" charset="0"/>
+                              </a:rPr>
+                              <m:t>~</m:t>
+                            </m:r>
+                            <m:r>
+                              <a:rPr lang="en-US" i="1" dirty="0" smtClean="0">
+                                <a:solidFill>
+                                  <a:sysClr val="windowText" lastClr="000000"/>
+                                </a:solidFill>
+                                <a:latin typeface="Cambria Math" panose="02040503050406030204" pitchFamily="18" charset="0"/>
+                                <a:ea typeface="Cambria Math" panose="02040503050406030204" pitchFamily="18" charset="0"/>
+                              </a:rPr>
+                              <m:t>𝒰</m:t>
+                            </m:r>
+                            <m:d>
+                              <m:dPr>
+                                <m:ctrlPr>
+                                  <a:rPr lang="en-US" i="1" dirty="0" smtClean="0">
+                                    <a:solidFill>
+                                      <a:sysClr val="windowText" lastClr="000000"/>
+                                    </a:solidFill>
+                                    <a:latin typeface="Cambria Math" panose="02040503050406030204" pitchFamily="18" charset="0"/>
+                                    <a:ea typeface="Cambria Math" panose="02040503050406030204" pitchFamily="18" charset="0"/>
+                                  </a:rPr>
+                                </m:ctrlPr>
+                              </m:dPr>
+                              <m:e>
+                                <m:r>
+                                  <a:rPr lang="en-US" i="1" dirty="0">
+                                    <a:solidFill>
+                                      <a:sysClr val="windowText" lastClr="000000"/>
+                                    </a:solidFill>
+                                    <a:latin typeface="Cambria Math" panose="02040503050406030204" pitchFamily="18" charset="0"/>
+                                  </a:rPr>
+                                  <m:t>0,1</m:t>
+                                </m:r>
+                              </m:e>
+                            </m:d>
+                          </m:oMath>
+                        </m:oMathPara>
+                      </a14:m>
+                      <a:endParaRPr lang="en-US" dirty="0">
+                        <a:solidFill>
+                          <a:sysClr val="windowText" lastClr="000000"/>
+                        </a:solidFill>
+                      </a:endParaRPr>
+                    </a:p>
+                  </p:txBody>
+                </p:sp>
+              </mc:Choice>
+              <mc:Fallback xmlns="">
+                <p:sp>
+                  <p:nvSpPr>
+                    <p:cNvPr id="10" name="Rectangle: Rounded Corners 9">
+                      <a:extLst>
+                        <a:ext uri="{FF2B5EF4-FFF2-40B4-BE49-F238E27FC236}">
+                          <a16:creationId xmlns:a16="http://schemas.microsoft.com/office/drawing/2014/main" id="{81A84261-35E3-55EE-F785-57153C30C4EE}"/>
+                        </a:ext>
+                      </a:extLst>
+                    </p:cNvPr>
+                    <p:cNvSpPr>
+                      <a:spLocks noRot="1" noChangeAspect="1" noMove="1" noResize="1" noEditPoints="1" noAdjustHandles="1" noChangeArrowheads="1" noChangeShapeType="1" noTextEdit="1"/>
+                    </p:cNvSpPr>
+                    <p:nvPr/>
+                  </p:nvSpPr>
+                  <p:spPr>
+                    <a:xfrm>
+                      <a:off x="3607382" y="3608571"/>
+                      <a:ext cx="1828800" cy="914400"/>
+                    </a:xfrm>
+                    <a:prstGeom prst="roundRect">
+                      <a:avLst/>
+                    </a:prstGeom>
+                    <a:blipFill>
+                      <a:blip r:embed="rId6"/>
+                      <a:stretch>
+                        <a:fillRect/>
+                      </a:stretch>
+                    </a:blipFill>
+                    <a:ln>
+                      <a:solidFill>
+                        <a:schemeClr val="accent2">
+                          <a:lumMod val="20000"/>
+                          <a:lumOff val="80000"/>
+                        </a:schemeClr>
+                      </a:solidFill>
+                    </a:ln>
+                  </p:spPr>
+                  <p:txBody>
+                    <a:bodyPr/>
+                    <a:lstStyle/>
+                    <a:p>
+                      <a:r>
+                        <a:rPr lang="en-US">
+                          <a:noFill/>
+                        </a:rPr>
+                        <a:t> </a:t>
+                      </a:r>
+                    </a:p>
+                  </p:txBody>
+                </p:sp>
+              </mc:Fallback>
+            </mc:AlternateContent>
+            <mc:AlternateContent xmlns:mc="http://schemas.openxmlformats.org/markup-compatibility/2006" xmlns:a14="http://schemas.microsoft.com/office/drawing/2010/main">
+              <mc:Choice Requires="a14">
+                <p:sp>
+                  <p:nvSpPr>
+                    <p:cNvPr id="19" name="Rectangle: Rounded Corners 18">
+                      <a:extLst>
+                        <a:ext uri="{FF2B5EF4-FFF2-40B4-BE49-F238E27FC236}">
+                          <a16:creationId xmlns:a16="http://schemas.microsoft.com/office/drawing/2014/main" id="{AC82F805-7206-D255-300C-533835DBE39A}"/>
+                        </a:ext>
+                      </a:extLst>
+                    </p:cNvPr>
+                    <p:cNvSpPr/>
+                    <p:nvPr/>
+                  </p:nvSpPr>
+                  <p:spPr>
+                    <a:xfrm>
+                      <a:off x="3601935" y="5331617"/>
+                      <a:ext cx="1828800" cy="914400"/>
+                    </a:xfrm>
+                    <a:prstGeom prst="roundRect">
+                      <a:avLst/>
+                    </a:prstGeom>
+                    <a:solidFill>
+                      <a:schemeClr val="accent2">
+                        <a:lumMod val="20000"/>
+                        <a:lumOff val="80000"/>
+                      </a:schemeClr>
+                    </a:solidFill>
+                    <a:ln>
+                      <a:solidFill>
+                        <a:schemeClr val="accent2">
+                          <a:lumMod val="20000"/>
+                          <a:lumOff val="80000"/>
+                        </a:schemeClr>
+                      </a:solidFill>
+                    </a:ln>
+                  </p:spPr>
+                  <p:style>
+                    <a:lnRef idx="2">
+                      <a:schemeClr val="accent1">
+                        <a:shade val="15000"/>
+                      </a:schemeClr>
+                    </a:lnRef>
+                    <a:fillRef idx="1">
+                      <a:schemeClr val="accent1"/>
+                    </a:fillRef>
+                    <a:effectRef idx="0">
+                      <a:schemeClr val="accent1"/>
+                    </a:effectRef>
+                    <a:fontRef idx="minor">
+                      <a:schemeClr val="lt1"/>
+                    </a:fontRef>
+                  </p:style>
+                  <p:txBody>
+                    <a:bodyPr rtlCol="0" anchor="ctr"/>
+                    <a:lstStyle/>
+                    <a:p>
+                      <a:pPr algn="ctr"/>
+                      <a14:m>
+                        <m:oMathPara xmlns:m="http://schemas.openxmlformats.org/officeDocument/2006/math">
+                          <m:oMathParaPr>
+                            <m:jc m:val="centerGroup"/>
+                          </m:oMathParaPr>
+                          <m:oMath xmlns:m="http://schemas.openxmlformats.org/officeDocument/2006/math">
+                            <m:r>
+                              <a:rPr lang="en-US" b="0" i="1" smtClean="0">
+                                <a:solidFill>
+                                  <a:sysClr val="windowText" lastClr="000000"/>
+                                </a:solidFill>
+                                <a:latin typeface="Cambria Math" panose="02040503050406030204" pitchFamily="18" charset="0"/>
+                              </a:rPr>
+                              <m:t>𝜃</m:t>
+                            </m:r>
+                            <m:r>
+                              <a:rPr lang="en-US" b="0" i="1" smtClean="0">
+                                <a:solidFill>
+                                  <a:sysClr val="windowText" lastClr="000000"/>
+                                </a:solidFill>
+                                <a:latin typeface="Cambria Math" panose="02040503050406030204" pitchFamily="18" charset="0"/>
+                              </a:rPr>
+                              <m:t>=</m:t>
+                            </m:r>
+                            <m:r>
+                              <a:rPr lang="en-US" b="0" i="1" smtClean="0">
+                                <a:solidFill>
+                                  <a:sysClr val="windowText" lastClr="000000"/>
+                                </a:solidFill>
+                                <a:latin typeface="Cambria Math" panose="02040503050406030204" pitchFamily="18" charset="0"/>
+                              </a:rPr>
+                              <m:t>𝑈𝑝𝑑𝑎𝑡𝑒</m:t>
+                            </m:r>
+                            <m:d>
+                              <m:dPr>
+                                <m:ctrlPr>
+                                  <a:rPr lang="en-US" b="0" i="1" smtClean="0">
+                                    <a:solidFill>
+                                      <a:sysClr val="windowText" lastClr="000000"/>
+                                    </a:solidFill>
+                                    <a:latin typeface="Cambria Math" panose="02040503050406030204" pitchFamily="18" charset="0"/>
+                                  </a:rPr>
+                                </m:ctrlPr>
+                              </m:dPr>
+                              <m:e>
+                                <m:r>
+                                  <a:rPr lang="en-US" b="0" i="1" smtClean="0">
+                                    <a:solidFill>
+                                      <a:sysClr val="windowText" lastClr="000000"/>
+                                    </a:solidFill>
+                                    <a:latin typeface="Cambria Math" panose="02040503050406030204" pitchFamily="18" charset="0"/>
+                                  </a:rPr>
+                                  <m:t>𝜃</m:t>
+                                </m:r>
+                              </m:e>
+                            </m:d>
+                          </m:oMath>
+                        </m:oMathPara>
+                      </a14:m>
+                      <a:endParaRPr lang="en-US" dirty="0">
+                        <a:solidFill>
+                          <a:sysClr val="windowText" lastClr="000000"/>
+                        </a:solidFill>
+                      </a:endParaRPr>
+                    </a:p>
+                  </p:txBody>
+                </p:sp>
+              </mc:Choice>
+              <mc:Fallback xmlns="">
+                <p:sp>
+                  <p:nvSpPr>
+                    <p:cNvPr id="19" name="Rectangle: Rounded Corners 18">
+                      <a:extLst>
+                        <a:ext uri="{FF2B5EF4-FFF2-40B4-BE49-F238E27FC236}">
+                          <a16:creationId xmlns:a16="http://schemas.microsoft.com/office/drawing/2014/main" id="{AC82F805-7206-D255-300C-533835DBE39A}"/>
+                        </a:ext>
+                      </a:extLst>
+                    </p:cNvPr>
+                    <p:cNvSpPr>
+                      <a:spLocks noRot="1" noChangeAspect="1" noMove="1" noResize="1" noEditPoints="1" noAdjustHandles="1" noChangeArrowheads="1" noChangeShapeType="1" noTextEdit="1"/>
+                    </p:cNvSpPr>
+                    <p:nvPr/>
+                  </p:nvSpPr>
+                  <p:spPr>
+                    <a:xfrm>
+                      <a:off x="3601935" y="5331617"/>
+                      <a:ext cx="1828800" cy="914400"/>
+                    </a:xfrm>
+                    <a:prstGeom prst="roundRect">
+                      <a:avLst/>
+                    </a:prstGeom>
+                    <a:blipFill>
+                      <a:blip r:embed="rId7"/>
+                      <a:stretch>
+                        <a:fillRect/>
+                      </a:stretch>
+                    </a:blipFill>
+                    <a:ln>
+                      <a:solidFill>
+                        <a:schemeClr val="accent2">
+                          <a:lumMod val="20000"/>
+                          <a:lumOff val="80000"/>
+                        </a:schemeClr>
+                      </a:solidFill>
+                    </a:ln>
+                  </p:spPr>
+                  <p:txBody>
+                    <a:bodyPr/>
+                    <a:lstStyle/>
+                    <a:p>
+                      <a:r>
+                        <a:rPr lang="en-US">
+                          <a:noFill/>
+                        </a:rPr>
+                        <a:t> </a:t>
+                      </a:r>
+                    </a:p>
+                  </p:txBody>
+                </p:sp>
+              </mc:Fallback>
+            </mc:AlternateContent>
+          </p:grpSp>
+          <p:cxnSp>
+            <p:nvCxnSpPr>
+              <p:cNvPr id="26" name="Straight Arrow Connector 25">
+                <a:extLst>
+                  <a:ext uri="{FF2B5EF4-FFF2-40B4-BE49-F238E27FC236}">
+                    <a16:creationId xmlns:a16="http://schemas.microsoft.com/office/drawing/2014/main" id="{26E50A2D-B343-923C-D68B-649FC0608CBE}"/>
+                  </a:ext>
+                </a:extLst>
+              </p:cNvPr>
+              <p:cNvCxnSpPr>
+                <a:cxnSpLocks/>
+                <a:stCxn id="10" idx="0"/>
+                <a:endCxn id="11" idx="1"/>
+              </p:cNvCxnSpPr>
+              <p:nvPr/>
+            </p:nvCxnSpPr>
+            <p:spPr>
+              <a:xfrm flipV="1">
+                <a:off x="3706097" y="2810866"/>
+                <a:ext cx="1531441" cy="310347"/>
+              </a:xfrm>
+              <a:prstGeom prst="straightConnector1">
+                <a:avLst/>
+              </a:prstGeom>
+              <a:ln w="38100" cap="rnd">
+                <a:solidFill>
+                  <a:srgbClr val="7030A0"/>
+                </a:solidFill>
+                <a:round/>
+                <a:tailEnd type="triangle"/>
+              </a:ln>
+            </p:spPr>
+            <p:style>
+              <a:lnRef idx="1">
+                <a:schemeClr val="accent1"/>
+              </a:lnRef>
+              <a:fillRef idx="0">
+                <a:schemeClr val="accent1"/>
+              </a:fillRef>
+              <a:effectRef idx="0">
+                <a:schemeClr val="accent1"/>
+              </a:effectRef>
+              <a:fontRef idx="minor">
+                <a:schemeClr val="tx1"/>
+              </a:fontRef>
+            </p:style>
+          </p:cxnSp>
+          <p:cxnSp>
+            <p:nvCxnSpPr>
+              <p:cNvPr id="29" name="Straight Arrow Connector 28">
+                <a:extLst>
+                  <a:ext uri="{FF2B5EF4-FFF2-40B4-BE49-F238E27FC236}">
+                    <a16:creationId xmlns:a16="http://schemas.microsoft.com/office/drawing/2014/main" id="{A11507A5-FB9D-A306-5A68-952CF5A46537}"/>
+                  </a:ext>
+                </a:extLst>
+              </p:cNvPr>
+              <p:cNvCxnSpPr>
+                <a:cxnSpLocks/>
+                <a:stCxn id="11" idx="3"/>
+                <a:endCxn id="13" idx="0"/>
+              </p:cNvCxnSpPr>
+              <p:nvPr/>
+            </p:nvCxnSpPr>
+            <p:spPr>
+              <a:xfrm>
+                <a:off x="8140296" y="2810866"/>
+                <a:ext cx="1173395" cy="1171870"/>
+              </a:xfrm>
+              <a:prstGeom prst="straightConnector1">
+                <a:avLst/>
+              </a:prstGeom>
+              <a:ln w="38100" cap="rnd">
+                <a:solidFill>
+                  <a:srgbClr val="7030A0"/>
+                </a:solidFill>
+                <a:round/>
+                <a:tailEnd type="triangle"/>
+              </a:ln>
+            </p:spPr>
+            <p:style>
+              <a:lnRef idx="1">
+                <a:schemeClr val="accent1"/>
+              </a:lnRef>
+              <a:fillRef idx="0">
+                <a:schemeClr val="accent1"/>
+              </a:fillRef>
+              <a:effectRef idx="0">
+                <a:schemeClr val="accent1"/>
+              </a:effectRef>
+              <a:fontRef idx="minor">
+                <a:schemeClr val="tx1"/>
+              </a:fontRef>
+            </p:style>
+          </p:cxnSp>
+          <p:cxnSp>
+            <p:nvCxnSpPr>
+              <p:cNvPr id="32" name="Straight Arrow Connector 31">
+                <a:extLst>
+                  <a:ext uri="{FF2B5EF4-FFF2-40B4-BE49-F238E27FC236}">
+                    <a16:creationId xmlns:a16="http://schemas.microsoft.com/office/drawing/2014/main" id="{E3451B8B-14A7-9ECC-C187-4F6B245738A8}"/>
+                  </a:ext>
+                </a:extLst>
+              </p:cNvPr>
+              <p:cNvCxnSpPr>
+                <a:cxnSpLocks/>
+                <a:stCxn id="13" idx="2"/>
+                <a:endCxn id="14" idx="3"/>
+              </p:cNvCxnSpPr>
+              <p:nvPr/>
+            </p:nvCxnSpPr>
+            <p:spPr>
+              <a:xfrm flipH="1">
+                <a:off x="8140296" y="4897136"/>
+                <a:ext cx="1173395" cy="1171871"/>
+              </a:xfrm>
+              <a:prstGeom prst="straightConnector1">
+                <a:avLst/>
+              </a:prstGeom>
+              <a:ln w="38100" cap="rnd">
+                <a:solidFill>
+                  <a:srgbClr val="7030A0"/>
+                </a:solidFill>
+                <a:round/>
+                <a:tailEnd type="triangle"/>
+              </a:ln>
+            </p:spPr>
+            <p:style>
+              <a:lnRef idx="1">
+                <a:schemeClr val="accent1"/>
+              </a:lnRef>
+              <a:fillRef idx="0">
+                <a:schemeClr val="accent1"/>
+              </a:fillRef>
+              <a:effectRef idx="0">
+                <a:schemeClr val="accent1"/>
+              </a:effectRef>
+              <a:fontRef idx="minor">
+                <a:schemeClr val="tx1"/>
+              </a:fontRef>
+            </p:style>
+          </p:cxnSp>
+          <p:cxnSp>
+            <p:nvCxnSpPr>
+              <p:cNvPr id="39" name="Straight Arrow Connector 38">
+                <a:extLst>
+                  <a:ext uri="{FF2B5EF4-FFF2-40B4-BE49-F238E27FC236}">
+                    <a16:creationId xmlns:a16="http://schemas.microsoft.com/office/drawing/2014/main" id="{C104BC35-993B-450A-FA13-8BA8DAE79BFB}"/>
+                  </a:ext>
+                </a:extLst>
+              </p:cNvPr>
+              <p:cNvCxnSpPr>
+                <a:cxnSpLocks/>
+                <a:stCxn id="14" idx="1"/>
+                <a:endCxn id="19" idx="2"/>
+              </p:cNvCxnSpPr>
+              <p:nvPr/>
+            </p:nvCxnSpPr>
+            <p:spPr>
+              <a:xfrm flipH="1" flipV="1">
+                <a:off x="3700650" y="5758659"/>
+                <a:ext cx="1536887" cy="310348"/>
+              </a:xfrm>
+              <a:prstGeom prst="straightConnector1">
+                <a:avLst/>
+              </a:prstGeom>
+              <a:ln w="38100" cap="rnd">
+                <a:solidFill>
+                  <a:srgbClr val="7030A0"/>
+                </a:solidFill>
+                <a:round/>
+                <a:tailEnd type="triangle"/>
+              </a:ln>
+            </p:spPr>
+            <p:style>
+              <a:lnRef idx="1">
+                <a:schemeClr val="accent1"/>
+              </a:lnRef>
+              <a:fillRef idx="0">
+                <a:schemeClr val="accent1"/>
+              </a:fillRef>
+              <a:effectRef idx="0">
+                <a:schemeClr val="accent1"/>
+              </a:effectRef>
+              <a:fontRef idx="minor">
+                <a:schemeClr val="tx1"/>
+              </a:fontRef>
+            </p:style>
+          </p:cxnSp>
+          <p:cxnSp>
+            <p:nvCxnSpPr>
+              <p:cNvPr id="44" name="Straight Arrow Connector 43">
+                <a:extLst>
+                  <a:ext uri="{FF2B5EF4-FFF2-40B4-BE49-F238E27FC236}">
+                    <a16:creationId xmlns:a16="http://schemas.microsoft.com/office/drawing/2014/main" id="{A6EAAA05-9EE0-740E-75E0-81CF495DF26F}"/>
+                  </a:ext>
+                </a:extLst>
+              </p:cNvPr>
+              <p:cNvCxnSpPr>
+                <a:cxnSpLocks/>
+                <a:stCxn id="19" idx="0"/>
+                <a:endCxn id="10" idx="2"/>
+              </p:cNvCxnSpPr>
+              <p:nvPr/>
+            </p:nvCxnSpPr>
+            <p:spPr>
+              <a:xfrm flipV="1">
+                <a:off x="3700650" y="4035613"/>
+                <a:ext cx="5447" cy="808646"/>
+              </a:xfrm>
+              <a:prstGeom prst="straightConnector1">
+                <a:avLst/>
+              </a:prstGeom>
+              <a:ln w="38100" cap="rnd">
+                <a:solidFill>
+                  <a:srgbClr val="7030A0"/>
+                </a:solidFill>
+                <a:round/>
+                <a:tailEnd type="triangle"/>
+              </a:ln>
+            </p:spPr>
+            <p:style>
+              <a:lnRef idx="1">
+                <a:schemeClr val="accent1"/>
+              </a:lnRef>
+              <a:fillRef idx="0">
+                <a:schemeClr val="accent1"/>
+              </a:fillRef>
+              <a:effectRef idx="0">
+                <a:schemeClr val="accent1"/>
+              </a:effectRef>
+              <a:fontRef idx="minor">
+                <a:schemeClr val="tx1"/>
+              </a:fontRef>
+            </p:style>
+          </p:cxnSp>
+        </p:grpSp>
+      </p:grpSp>
+      <p:sp>
+        <p:nvSpPr>
+          <p:cNvPr id="65" name="TextBox 64">
+            <a:extLst>
+              <a:ext uri="{FF2B5EF4-FFF2-40B4-BE49-F238E27FC236}">
+                <a16:creationId xmlns:a16="http://schemas.microsoft.com/office/drawing/2014/main" id="{EFB15E87-22E7-2DDE-F088-3962D594D6D1}"/>
+              </a:ext>
+            </a:extLst>
+          </p:cNvPr>
+          <p:cNvSpPr txBox="1"/>
+          <p:nvPr/>
+        </p:nvSpPr>
+        <p:spPr>
+          <a:xfrm>
+            <a:off x="565005" y="2735946"/>
+            <a:ext cx="2757912" cy="3046988"/>
+          </a:xfrm>
+          <a:prstGeom prst="rect">
+            <a:avLst/>
+          </a:prstGeom>
+          <a:noFill/>
+        </p:spPr>
+        <p:txBody>
+          <a:bodyPr wrap="square">
+            <a:spAutoFit/>
+          </a:bodyPr>
+          <a:lstStyle/>
+          <a:p>
+            <a:pPr marL="342900" marR="0" lvl="0" indent="-342900" algn="l" defTabSz="914400" rtl="0" eaLnBrk="1" fontAlgn="auto" latinLnBrk="0" hangingPunct="1">
+              <a:lnSpc>
+                <a:spcPct val="90000"/>
+              </a:lnSpc>
+              <a:spcBef>
+                <a:spcPts val="1800"/>
+              </a:spcBef>
+              <a:spcAft>
+                <a:spcPts val="0"/>
+              </a:spcAft>
+              <a:buClrTx/>
+              <a:buSzTx/>
+              <a:buFont typeface="Arial" panose="020B0604020202020204" pitchFamily="34" charset="0"/>
+              <a:buChar char="•"/>
+              <a:tabLst/>
+              <a:defRPr/>
+            </a:pPr>
+            <a:r>
+              <a:rPr kumimoji="0" lang="en-US" sz="2000" b="0" i="0" u="none" strike="noStrike" kern="1200" cap="none" spc="0" normalizeH="0" baseline="0" noProof="0" dirty="0">
+                <a:ln>
+                  <a:noFill/>
+                </a:ln>
+                <a:solidFill>
+                  <a:srgbClr val="000000"/>
+                </a:solidFill>
+                <a:effectLst/>
+                <a:uLnTx/>
+                <a:uFillTx/>
+                <a:latin typeface="Calibri" panose="020F0502020204030204" pitchFamily="34" charset="0"/>
+                <a:ea typeface="+mn-ea"/>
+                <a:cs typeface="Calibri" panose="020F0502020204030204" pitchFamily="34" charset="0"/>
+              </a:rPr>
+              <a:t>For each text prompt, we </a:t>
+            </a:r>
+            <a:r>
+              <a:rPr kumimoji="0" lang="en-US" sz="2000" i="0" u="none" strike="noStrike" kern="1200" cap="none" spc="0" normalizeH="0" baseline="0" noProof="0" dirty="0">
+                <a:ln>
+                  <a:noFill/>
+                </a:ln>
+                <a:solidFill>
+                  <a:srgbClr val="000000"/>
+                </a:solidFill>
+                <a:effectLst/>
+                <a:uLnTx/>
+                <a:uFillTx/>
+                <a:latin typeface="Calibri" panose="020F0502020204030204" pitchFamily="34" charset="0"/>
+                <a:ea typeface="+mn-ea"/>
+                <a:cs typeface="Calibri" panose="020F0502020204030204" pitchFamily="34" charset="0"/>
+              </a:rPr>
+              <a:t>train a randomly initialized G </a:t>
+            </a:r>
+            <a:r>
+              <a:rPr kumimoji="0" lang="en-US" sz="2000" b="1" i="0" u="none" strike="noStrike" kern="1200" cap="none" spc="0" normalizeH="0" baseline="0" noProof="0" dirty="0">
+                <a:ln>
+                  <a:noFill/>
+                </a:ln>
+                <a:solidFill>
+                  <a:srgbClr val="000000"/>
+                </a:solidFill>
+                <a:effectLst/>
+                <a:uLnTx/>
+                <a:uFillTx/>
+                <a:latin typeface="Calibri" panose="020F0502020204030204" pitchFamily="34" charset="0"/>
+                <a:ea typeface="+mn-ea"/>
+                <a:cs typeface="Calibri" panose="020F0502020204030204" pitchFamily="34" charset="0"/>
+              </a:rPr>
+              <a:t>from scratch</a:t>
+            </a:r>
+            <a:r>
+              <a:rPr kumimoji="0" lang="en-US" sz="2000" b="0" i="0" u="none" strike="noStrike" kern="1200" cap="none" spc="0" normalizeH="0" baseline="0" noProof="0" dirty="0">
+                <a:ln>
+                  <a:noFill/>
+                </a:ln>
+                <a:solidFill>
+                  <a:srgbClr val="000000"/>
+                </a:solidFill>
+                <a:effectLst/>
+                <a:uLnTx/>
+                <a:uFillTx/>
+                <a:latin typeface="Calibri" panose="020F0502020204030204" pitchFamily="34" charset="0"/>
+                <a:ea typeface="+mn-ea"/>
+                <a:cs typeface="Calibri" panose="020F0502020204030204" pitchFamily="34" charset="0"/>
+              </a:rPr>
+              <a:t>.</a:t>
+            </a:r>
+          </a:p>
+          <a:p>
+            <a:pPr marL="342900" marR="0" lvl="0" indent="-342900" algn="l" defTabSz="914400" rtl="0" eaLnBrk="1" fontAlgn="auto" latinLnBrk="0" hangingPunct="1">
+              <a:lnSpc>
+                <a:spcPct val="90000"/>
+              </a:lnSpc>
+              <a:spcBef>
+                <a:spcPts val="1800"/>
+              </a:spcBef>
+              <a:spcAft>
+                <a:spcPts val="0"/>
+              </a:spcAft>
+              <a:buClrTx/>
+              <a:buSzTx/>
+              <a:buFont typeface="Arial" panose="020B0604020202020204" pitchFamily="34" charset="0"/>
+              <a:buChar char="•"/>
+              <a:tabLst/>
+              <a:defRPr/>
+            </a:pPr>
+            <a:r>
+              <a:rPr lang="en-US" sz="2000" dirty="0">
+                <a:solidFill>
+                  <a:srgbClr val="000000"/>
+                </a:solidFill>
+                <a:latin typeface="Calibri" panose="020F0502020204030204" pitchFamily="34" charset="0"/>
+                <a:cs typeface="Calibri" panose="020F0502020204030204" pitchFamily="34" charset="0"/>
+              </a:rPr>
+              <a:t>Don’t need to fine-tune diffusion model.</a:t>
+            </a:r>
+          </a:p>
+          <a:p>
+            <a:pPr marL="342900" marR="0" lvl="0" indent="-342900" algn="l" defTabSz="914400" rtl="0" eaLnBrk="1" fontAlgn="auto" latinLnBrk="0" hangingPunct="1">
+              <a:lnSpc>
+                <a:spcPct val="90000"/>
+              </a:lnSpc>
+              <a:spcBef>
+                <a:spcPts val="1800"/>
+              </a:spcBef>
+              <a:spcAft>
+                <a:spcPts val="0"/>
+              </a:spcAft>
+              <a:buClrTx/>
+              <a:buSzTx/>
+              <a:buFont typeface="Arial" panose="020B0604020202020204" pitchFamily="34" charset="0"/>
+              <a:buChar char="•"/>
+              <a:tabLst/>
+              <a:defRPr/>
+            </a:pPr>
+            <a:r>
+              <a:rPr lang="en-US" sz="2000" dirty="0">
+                <a:solidFill>
+                  <a:srgbClr val="000000"/>
+                </a:solidFill>
+                <a:latin typeface="Calibri" panose="020F0502020204030204" pitchFamily="34" charset="0"/>
+                <a:cs typeface="Calibri" panose="020F0502020204030204" pitchFamily="34" charset="0"/>
+              </a:rPr>
+              <a:t>Use diffusion model output as an additional loss</a:t>
+            </a:r>
+            <a:endParaRPr kumimoji="0" lang="en-US" sz="2000" b="0" i="0" u="none" strike="noStrike" kern="1200" cap="none" spc="0" normalizeH="0" baseline="0" noProof="0" dirty="0">
+              <a:ln>
+                <a:noFill/>
+              </a:ln>
+              <a:solidFill>
+                <a:srgbClr val="000000"/>
+              </a:solidFill>
+              <a:effectLst/>
+              <a:uLnTx/>
+              <a:uFillTx/>
+              <a:latin typeface="Calibri" panose="020F0502020204030204" pitchFamily="34" charset="0"/>
+              <a:ea typeface="+mn-ea"/>
+              <a:cs typeface="Calibri" panose="020F0502020204030204" pitchFamily="34" charset="0"/>
+            </a:endParaRPr>
+          </a:p>
+        </p:txBody>
+      </p:sp>
+    </p:spTree>
+    <p:extLst>
+      <p:ext uri="{BB962C8B-B14F-4D97-AF65-F5344CB8AC3E}">
+        <p14:creationId xmlns:p14="http://schemas.microsoft.com/office/powerpoint/2010/main" val="3669498710"/>
+      </p:ext>
+    </p:extLst>
+  </p:cSld>
+  <p:clrMapOvr>
+    <a:masterClrMapping/>
+  </p:clrMapOvr>
+</p:sld>
+</file>
+
+<file path=ppt/slides/slide12.xml><?xml version="1.0" encoding="utf-8"?>
+<p:sld xmlns:a="http://schemas.openxmlformats.org/drawingml/2006/main" xmlns:r="http://schemas.openxmlformats.org/officeDocument/2006/relationships" xmlns:p="http://schemas.openxmlformats.org/presentationml/2006/main">
+  <p:cSld>
+    <p:spTree>
+      <p:nvGrpSpPr>
+        <p:cNvPr id="1" name="">
+          <a:extLst>
+            <a:ext uri="{FF2B5EF4-FFF2-40B4-BE49-F238E27FC236}">
+              <a16:creationId xmlns:a16="http://schemas.microsoft.com/office/drawing/2014/main" id="{0A0B37A3-BCF5-F1F8-A122-981AC25779FF}"/>
+            </a:ext>
+          </a:extLst>
+        </p:cNvPr>
+        <p:cNvGrpSpPr/>
+        <p:nvPr/>
+      </p:nvGrpSpPr>
+      <p:grpSpPr>
+        <a:xfrm>
+          <a:off x="0" y="0"/>
+          <a:ext cx="0" cy="0"/>
+          <a:chOff x="0" y="0"/>
+          <a:chExt cx="0" cy="0"/>
+        </a:xfrm>
+      </p:grpSpPr>
+      <p:sp>
+        <p:nvSpPr>
+          <p:cNvPr id="2" name="Title 1">
+            <a:extLst>
+              <a:ext uri="{FF2B5EF4-FFF2-40B4-BE49-F238E27FC236}">
+                <a16:creationId xmlns:a16="http://schemas.microsoft.com/office/drawing/2014/main" id="{DBDB278F-404C-ECE1-4B87-FAFDFE195E74}"/>
+              </a:ext>
+            </a:extLst>
+          </p:cNvPr>
+          <p:cNvSpPr>
+            <a:spLocks noGrp="1"/>
+          </p:cNvSpPr>
+          <p:nvPr>
+            <p:ph type="title"/>
+          </p:nvPr>
+        </p:nvSpPr>
+        <p:spPr>
+          <a:xfrm>
+            <a:off x="594360" y="278129"/>
+            <a:ext cx="9778365" cy="1494596"/>
+          </a:xfrm>
+        </p:spPr>
+        <p:txBody>
+          <a:bodyPr/>
+          <a:lstStyle/>
+          <a:p>
+            <a:r>
+              <a:rPr lang="en-US" dirty="0"/>
+              <a:t>Score distillation sampling (3)</a:t>
+            </a:r>
+          </a:p>
+        </p:txBody>
+      </p:sp>
+      <p:pic>
+        <p:nvPicPr>
+          <p:cNvPr id="4" name="Picture 3">
+            <a:extLst>
+              <a:ext uri="{FF2B5EF4-FFF2-40B4-BE49-F238E27FC236}">
+                <a16:creationId xmlns:a16="http://schemas.microsoft.com/office/drawing/2014/main" id="{80D00709-6BE5-5B6D-2254-7FA2FF955206}"/>
+              </a:ext>
+            </a:extLst>
+          </p:cNvPr>
+          <p:cNvPicPr>
+            <a:picLocks noChangeAspect="1"/>
+          </p:cNvPicPr>
+          <p:nvPr/>
+        </p:nvPicPr>
+        <p:blipFill>
+          <a:blip r:embed="rId3"/>
+          <a:stretch>
+            <a:fillRect/>
+          </a:stretch>
+        </p:blipFill>
+        <p:spPr>
+          <a:xfrm>
+            <a:off x="229770" y="2418605"/>
+            <a:ext cx="11732461" cy="4196826"/>
+          </a:xfrm>
+          <a:prstGeom prst="rect">
+            <a:avLst/>
+          </a:prstGeom>
+        </p:spPr>
+      </p:pic>
+    </p:spTree>
+    <p:extLst>
+      <p:ext uri="{BB962C8B-B14F-4D97-AF65-F5344CB8AC3E}">
+        <p14:creationId xmlns:p14="http://schemas.microsoft.com/office/powerpoint/2010/main" val="1843215956"/>
+      </p:ext>
+    </p:extLst>
+  </p:cSld>
+  <p:clrMapOvr>
+    <a:masterClrMapping/>
+  </p:clrMapOvr>
+</p:sld>
+</file>
+
+<file path=ppt/slides/slide13.xml><?xml version="1.0" encoding="utf-8"?>
 <p:sld xmlns:a="http://schemas.openxmlformats.org/drawingml/2006/main" xmlns:r="http://schemas.openxmlformats.org/officeDocument/2006/relationships" xmlns:p="http://schemas.openxmlformats.org/presentationml/2006/main">
   <p:cSld>
     <p:spTree>
@@ -11800,7 +14230,7 @@
 </p:sld>
 </file>
 
-<file path=ppt/slides/slide12.xml><?xml version="1.0" encoding="utf-8"?>
+<file path=ppt/slides/slide14.xml><?xml version="1.0" encoding="utf-8"?>
 <p:sld xmlns:a="http://schemas.openxmlformats.org/drawingml/2006/main" xmlns:r="http://schemas.openxmlformats.org/officeDocument/2006/relationships" xmlns:p="http://schemas.openxmlformats.org/presentationml/2006/main">
   <p:cSld>
     <p:spTree>
@@ -12254,7 +14684,7 @@
 </p:sld>
 </file>
 
-<file path=ppt/slides/slide13.xml><?xml version="1.0" encoding="utf-8"?>
+<file path=ppt/slides/slide15.xml><?xml version="1.0" encoding="utf-8"?>
 <p:sld xmlns:a="http://schemas.openxmlformats.org/drawingml/2006/main" xmlns:r="http://schemas.openxmlformats.org/officeDocument/2006/relationships" xmlns:p="http://schemas.openxmlformats.org/presentationml/2006/main">
   <p:cSld>
     <p:spTree>
@@ -12714,7 +15144,7 @@
 </p:sld>
 </file>
 
-<file path=ppt/slides/slide14.xml><?xml version="1.0" encoding="utf-8"?>
+<file path=ppt/slides/slide16.xml><?xml version="1.0" encoding="utf-8"?>
 <p:sld xmlns:a="http://schemas.openxmlformats.org/drawingml/2006/main" xmlns:r="http://schemas.openxmlformats.org/officeDocument/2006/relationships" xmlns:p="http://schemas.openxmlformats.org/presentationml/2006/main">
   <p:cSld>
     <p:spTree>
@@ -13174,7 +15604,7 @@
 </p:sld>
 </file>
 
-<file path=ppt/slides/slide15.xml><?xml version="1.0" encoding="utf-8"?>
+<file path=ppt/slides/slide17.xml><?xml version="1.0" encoding="utf-8"?>
 <p:sld xmlns:a="http://schemas.openxmlformats.org/drawingml/2006/main" xmlns:r="http://schemas.openxmlformats.org/officeDocument/2006/relationships" xmlns:p="http://schemas.openxmlformats.org/presentationml/2006/main">
   <p:cSld>
     <p:spTree>
@@ -13316,7 +15746,7 @@
 </p:sld>
 </file>
 
-<file path=ppt/slides/slide16.xml><?xml version="1.0" encoding="utf-8"?>
+<file path=ppt/slides/slide18.xml><?xml version="1.0" encoding="utf-8"?>
 <p:sld xmlns:a="http://schemas.openxmlformats.org/drawingml/2006/main" xmlns:r="http://schemas.openxmlformats.org/officeDocument/2006/relationships" xmlns:p="http://schemas.openxmlformats.org/presentationml/2006/main">
   <p:cSld>
     <p:spTree>
@@ -13420,7 +15850,7 @@
 </p:sld>
 </file>
 
-<file path=ppt/slides/slide17.xml><?xml version="1.0" encoding="utf-8"?>
+<file path=ppt/slides/slide19.xml><?xml version="1.0" encoding="utf-8"?>
 <p:sld xmlns:a="http://schemas.openxmlformats.org/drawingml/2006/main" xmlns:r="http://schemas.openxmlformats.org/officeDocument/2006/relationships" xmlns:p="http://schemas.openxmlformats.org/presentationml/2006/main">
   <p:cSld>
     <p:spTree>
@@ -13595,318 +16025,6 @@
     <p:extLst>
       <p:ext uri="{BB962C8B-B14F-4D97-AF65-F5344CB8AC3E}">
         <p14:creationId xmlns:p14="http://schemas.microsoft.com/office/powerpoint/2010/main" val="1632862996"/>
-      </p:ext>
-    </p:extLst>
-  </p:cSld>
-  <p:clrMapOvr>
-    <a:masterClrMapping/>
-  </p:clrMapOvr>
-</p:sld>
-</file>
-
-<file path=ppt/slides/slide18.xml><?xml version="1.0" encoding="utf-8"?>
-<p:sld xmlns:a="http://schemas.openxmlformats.org/drawingml/2006/main" xmlns:r="http://schemas.openxmlformats.org/officeDocument/2006/relationships" xmlns:p="http://schemas.openxmlformats.org/presentationml/2006/main">
-  <p:cSld>
-    <p:spTree>
-      <p:nvGrpSpPr>
-        <p:cNvPr id="1" name=""/>
-        <p:cNvGrpSpPr/>
-        <p:nvPr/>
-      </p:nvGrpSpPr>
-      <p:grpSpPr>
-        <a:xfrm>
-          <a:off x="0" y="0"/>
-          <a:ext cx="0" cy="0"/>
-          <a:chOff x="0" y="0"/>
-          <a:chExt cx="0" cy="0"/>
-        </a:xfrm>
-      </p:grpSpPr>
-      <p:sp>
-        <p:nvSpPr>
-          <p:cNvPr id="2" name="Title 1">
-            <a:extLst>
-              <a:ext uri="{FF2B5EF4-FFF2-40B4-BE49-F238E27FC236}">
-                <a16:creationId xmlns:a16="http://schemas.microsoft.com/office/drawing/2014/main" id="{60BD29B5-1B58-809F-FEA7-B82105E94664}"/>
-              </a:ext>
-            </a:extLst>
-          </p:cNvPr>
-          <p:cNvSpPr>
-            <a:spLocks noGrp="1"/>
-          </p:cNvSpPr>
-          <p:nvPr>
-            <p:ph type="title"/>
-          </p:nvPr>
-        </p:nvSpPr>
-        <p:spPr>
-          <a:xfrm>
-            <a:off x="6318885" y="3499667"/>
-            <a:ext cx="4939666" cy="2542810"/>
-          </a:xfrm>
-        </p:spPr>
-        <p:txBody>
-          <a:bodyPr/>
-          <a:lstStyle/>
-          <a:p>
-            <a:r>
-              <a:rPr lang="en-US" dirty="0"/>
-              <a:t>Navigating Q&amp;A sessions</a:t>
-            </a:r>
-          </a:p>
-        </p:txBody>
-      </p:sp>
-      <p:sp>
-        <p:nvSpPr>
-          <p:cNvPr id="4" name="Content Placeholder 3">
-            <a:extLst>
-              <a:ext uri="{FF2B5EF4-FFF2-40B4-BE49-F238E27FC236}">
-                <a16:creationId xmlns:a16="http://schemas.microsoft.com/office/drawing/2014/main" id="{07C3632C-2D2E-7026-33B8-EE42DA4BDB5C}"/>
-              </a:ext>
-            </a:extLst>
-          </p:cNvPr>
-          <p:cNvSpPr>
-            <a:spLocks noGrp="1"/>
-          </p:cNvSpPr>
-          <p:nvPr>
-            <p:ph sz="quarter" idx="14"/>
-          </p:nvPr>
-        </p:nvSpPr>
-        <p:spPr>
-          <a:xfrm>
-            <a:off x="603885" y="457201"/>
-            <a:ext cx="5198269" cy="2305050"/>
-          </a:xfrm>
-        </p:spPr>
-        <p:txBody>
-          <a:bodyPr/>
-          <a:lstStyle/>
-          <a:p>
-            <a:r>
-              <a:rPr lang="en-US" dirty="0"/>
-              <a:t>Know your material in advance</a:t>
-            </a:r>
-          </a:p>
-          <a:p>
-            <a:r>
-              <a:rPr lang="en-US" dirty="0"/>
-              <a:t>Anticipate common questions</a:t>
-            </a:r>
-          </a:p>
-          <a:p>
-            <a:r>
-              <a:rPr lang="en-US" dirty="0"/>
-              <a:t>Rehearse your responses</a:t>
-            </a:r>
-          </a:p>
-        </p:txBody>
-      </p:sp>
-      <p:sp>
-        <p:nvSpPr>
-          <p:cNvPr id="3" name="Content Placeholder 2">
-            <a:extLst>
-              <a:ext uri="{FF2B5EF4-FFF2-40B4-BE49-F238E27FC236}">
-                <a16:creationId xmlns:a16="http://schemas.microsoft.com/office/drawing/2014/main" id="{8B599B60-BF79-A832-6AD4-6C6FC6CE4317}"/>
-              </a:ext>
-            </a:extLst>
-          </p:cNvPr>
-          <p:cNvSpPr>
-            <a:spLocks noGrp="1"/>
-          </p:cNvSpPr>
-          <p:nvPr>
-            <p:ph sz="quarter" idx="15"/>
-          </p:nvPr>
-        </p:nvSpPr>
-        <p:spPr>
-          <a:xfrm>
-            <a:off x="594360" y="2810595"/>
-            <a:ext cx="5198269" cy="3319513"/>
-          </a:xfrm>
-        </p:spPr>
-        <p:txBody>
-          <a:bodyPr>
-            <a:normAutofit/>
-          </a:bodyPr>
-          <a:lstStyle/>
-          <a:p>
-            <a:r>
-              <a:rPr lang="en-US" dirty="0"/>
-              <a:t>Maintaining composure during the Q&amp;A session is essential for projecting confidence and authority. Consider the following tips for staying composed:</a:t>
-            </a:r>
-          </a:p>
-          <a:p>
-            <a:pPr lvl="1"/>
-            <a:r>
-              <a:rPr lang="en-US" dirty="0"/>
-              <a:t>Stay calm</a:t>
-            </a:r>
-          </a:p>
-          <a:p>
-            <a:pPr lvl="1"/>
-            <a:r>
-              <a:rPr lang="en-US" dirty="0"/>
-              <a:t>Actively listen</a:t>
-            </a:r>
-          </a:p>
-          <a:p>
-            <a:pPr lvl="1"/>
-            <a:r>
-              <a:rPr lang="en-US" dirty="0"/>
-              <a:t>Pause and reflect</a:t>
-            </a:r>
-          </a:p>
-          <a:p>
-            <a:pPr lvl="1"/>
-            <a:r>
-              <a:rPr lang="en-US" dirty="0"/>
-              <a:t>Maintain eye contact</a:t>
-            </a:r>
-          </a:p>
-        </p:txBody>
-      </p:sp>
-    </p:spTree>
-    <p:extLst>
-      <p:ext uri="{BB962C8B-B14F-4D97-AF65-F5344CB8AC3E}">
-        <p14:creationId xmlns:p14="http://schemas.microsoft.com/office/powerpoint/2010/main" val="3088225330"/>
-      </p:ext>
-    </p:extLst>
-  </p:cSld>
-  <p:clrMapOvr>
-    <a:masterClrMapping/>
-  </p:clrMapOvr>
-</p:sld>
-</file>
-
-<file path=ppt/slides/slide19.xml><?xml version="1.0" encoding="utf-8"?>
-<p:sld xmlns:a="http://schemas.openxmlformats.org/drawingml/2006/main" xmlns:r="http://schemas.openxmlformats.org/officeDocument/2006/relationships" xmlns:p="http://schemas.openxmlformats.org/presentationml/2006/main">
-  <p:cSld>
-    <p:spTree>
-      <p:nvGrpSpPr>
-        <p:cNvPr id="1" name=""/>
-        <p:cNvGrpSpPr/>
-        <p:nvPr/>
-      </p:nvGrpSpPr>
-      <p:grpSpPr>
-        <a:xfrm>
-          <a:off x="0" y="0"/>
-          <a:ext cx="0" cy="0"/>
-          <a:chOff x="0" y="0"/>
-          <a:chExt cx="0" cy="0"/>
-        </a:xfrm>
-      </p:grpSpPr>
-      <p:sp>
-        <p:nvSpPr>
-          <p:cNvPr id="2" name="Title 1">
-            <a:extLst>
-              <a:ext uri="{FF2B5EF4-FFF2-40B4-BE49-F238E27FC236}">
-                <a16:creationId xmlns:a16="http://schemas.microsoft.com/office/drawing/2014/main" id="{F52A871D-B15E-C971-7C85-0AF173E38781}"/>
-              </a:ext>
-            </a:extLst>
-          </p:cNvPr>
-          <p:cNvSpPr>
-            <a:spLocks noGrp="1"/>
-          </p:cNvSpPr>
-          <p:nvPr>
-            <p:ph type="title"/>
-          </p:nvPr>
-        </p:nvSpPr>
-        <p:spPr>
-          <a:xfrm>
-            <a:off x="575310" y="278129"/>
-            <a:ext cx="5063490" cy="2354026"/>
-          </a:xfrm>
-        </p:spPr>
-        <p:txBody>
-          <a:bodyPr/>
-          <a:lstStyle/>
-          <a:p>
-            <a:r>
-              <a:rPr lang="en-US" dirty="0"/>
-              <a:t>Speaking impact</a:t>
-            </a:r>
-          </a:p>
-        </p:txBody>
-      </p:sp>
-      <p:sp>
-        <p:nvSpPr>
-          <p:cNvPr id="3" name="Content Placeholder 2">
-            <a:extLst>
-              <a:ext uri="{FF2B5EF4-FFF2-40B4-BE49-F238E27FC236}">
-                <a16:creationId xmlns:a16="http://schemas.microsoft.com/office/drawing/2014/main" id="{34F2E863-4A4C-76FE-444A-083F93043389}"/>
-              </a:ext>
-            </a:extLst>
-          </p:cNvPr>
-          <p:cNvSpPr>
-            <a:spLocks noGrp="1"/>
-          </p:cNvSpPr>
-          <p:nvPr>
-            <p:ph sz="quarter" idx="16"/>
-          </p:nvPr>
-        </p:nvSpPr>
-        <p:spPr>
-          <a:xfrm>
-            <a:off x="593725" y="3279775"/>
-            <a:ext cx="5045075" cy="2994025"/>
-          </a:xfrm>
-        </p:spPr>
-        <p:txBody>
-          <a:bodyPr>
-            <a:normAutofit/>
-          </a:bodyPr>
-          <a:lstStyle/>
-          <a:p>
-            <a:r>
-              <a:rPr lang="en-US" dirty="0"/>
-              <a:t>Your ability to communicate effectively will leave a lasting impact on your audience</a:t>
-            </a:r>
-          </a:p>
-          <a:p>
-            <a:r>
-              <a:rPr lang="en-US" dirty="0"/>
-              <a:t>Effectively communicating involves not only delivering a message but also resonating with the experiences, values, and emotions of those listening </a:t>
-            </a:r>
-          </a:p>
-          <a:p>
-            <a:endParaRPr lang="en-US" dirty="0"/>
-          </a:p>
-        </p:txBody>
-      </p:sp>
-      <p:pic>
-        <p:nvPicPr>
-          <p:cNvPr id="5" name="Picture Placeholder 52" descr="Hanging lightbulbs">
-            <a:extLst>
-              <a:ext uri="{FF2B5EF4-FFF2-40B4-BE49-F238E27FC236}">
-                <a16:creationId xmlns:a16="http://schemas.microsoft.com/office/drawing/2014/main" id="{F2B2501C-600C-11B3-1ECD-912D988906A5}"/>
-              </a:ext>
-            </a:extLst>
-          </p:cNvPr>
-          <p:cNvPicPr>
-            <a:picLocks noGrp="1" noChangeAspect="1"/>
-          </p:cNvPicPr>
-          <p:nvPr>
-            <p:ph type="pic" sz="quarter" idx="15"/>
-          </p:nvPr>
-        </p:nvPicPr>
-        <p:blipFill>
-          <a:blip r:embed="rId3">
-            <a:extLst>
-              <a:ext uri="{28A0092B-C50C-407E-A947-70E740481C1C}">
-                <a14:useLocalDpi xmlns:a14="http://schemas.microsoft.com/office/drawing/2010/main" val="0"/>
-              </a:ext>
-            </a:extLst>
-          </a:blip>
-          <a:srcRect l="16" r="16"/>
-          <a:stretch/>
-        </p:blipFill>
-        <p:spPr>
-          <a:xfrm>
-            <a:off x="6096000" y="0"/>
-            <a:ext cx="6118225" cy="6858000"/>
-          </a:xfrm>
-        </p:spPr>
-      </p:pic>
-    </p:spTree>
-    <p:extLst>
-      <p:ext uri="{BB962C8B-B14F-4D97-AF65-F5344CB8AC3E}">
-        <p14:creationId xmlns:p14="http://schemas.microsoft.com/office/powerpoint/2010/main" val="298364507"/>
       </p:ext>
     </p:extLst>
   </p:cSld>
@@ -14037,6 +16155,318 @@
 </file>
 
 <file path=ppt/slides/slide20.xml><?xml version="1.0" encoding="utf-8"?>
+<p:sld xmlns:a="http://schemas.openxmlformats.org/drawingml/2006/main" xmlns:r="http://schemas.openxmlformats.org/officeDocument/2006/relationships" xmlns:p="http://schemas.openxmlformats.org/presentationml/2006/main">
+  <p:cSld>
+    <p:spTree>
+      <p:nvGrpSpPr>
+        <p:cNvPr id="1" name=""/>
+        <p:cNvGrpSpPr/>
+        <p:nvPr/>
+      </p:nvGrpSpPr>
+      <p:grpSpPr>
+        <a:xfrm>
+          <a:off x="0" y="0"/>
+          <a:ext cx="0" cy="0"/>
+          <a:chOff x="0" y="0"/>
+          <a:chExt cx="0" cy="0"/>
+        </a:xfrm>
+      </p:grpSpPr>
+      <p:sp>
+        <p:nvSpPr>
+          <p:cNvPr id="2" name="Title 1">
+            <a:extLst>
+              <a:ext uri="{FF2B5EF4-FFF2-40B4-BE49-F238E27FC236}">
+                <a16:creationId xmlns:a16="http://schemas.microsoft.com/office/drawing/2014/main" id="{60BD29B5-1B58-809F-FEA7-B82105E94664}"/>
+              </a:ext>
+            </a:extLst>
+          </p:cNvPr>
+          <p:cNvSpPr>
+            <a:spLocks noGrp="1"/>
+          </p:cNvSpPr>
+          <p:nvPr>
+            <p:ph type="title"/>
+          </p:nvPr>
+        </p:nvSpPr>
+        <p:spPr>
+          <a:xfrm>
+            <a:off x="6318885" y="3499667"/>
+            <a:ext cx="4939666" cy="2542810"/>
+          </a:xfrm>
+        </p:spPr>
+        <p:txBody>
+          <a:bodyPr/>
+          <a:lstStyle/>
+          <a:p>
+            <a:r>
+              <a:rPr lang="en-US" dirty="0"/>
+              <a:t>Navigating Q&amp;A sessions</a:t>
+            </a:r>
+          </a:p>
+        </p:txBody>
+      </p:sp>
+      <p:sp>
+        <p:nvSpPr>
+          <p:cNvPr id="4" name="Content Placeholder 3">
+            <a:extLst>
+              <a:ext uri="{FF2B5EF4-FFF2-40B4-BE49-F238E27FC236}">
+                <a16:creationId xmlns:a16="http://schemas.microsoft.com/office/drawing/2014/main" id="{07C3632C-2D2E-7026-33B8-EE42DA4BDB5C}"/>
+              </a:ext>
+            </a:extLst>
+          </p:cNvPr>
+          <p:cNvSpPr>
+            <a:spLocks noGrp="1"/>
+          </p:cNvSpPr>
+          <p:nvPr>
+            <p:ph sz="quarter" idx="14"/>
+          </p:nvPr>
+        </p:nvSpPr>
+        <p:spPr>
+          <a:xfrm>
+            <a:off x="603885" y="457201"/>
+            <a:ext cx="5198269" cy="2305050"/>
+          </a:xfrm>
+        </p:spPr>
+        <p:txBody>
+          <a:bodyPr/>
+          <a:lstStyle/>
+          <a:p>
+            <a:r>
+              <a:rPr lang="en-US" dirty="0"/>
+              <a:t>Know your material in advance</a:t>
+            </a:r>
+          </a:p>
+          <a:p>
+            <a:r>
+              <a:rPr lang="en-US" dirty="0"/>
+              <a:t>Anticipate common questions</a:t>
+            </a:r>
+          </a:p>
+          <a:p>
+            <a:r>
+              <a:rPr lang="en-US" dirty="0"/>
+              <a:t>Rehearse your responses</a:t>
+            </a:r>
+          </a:p>
+        </p:txBody>
+      </p:sp>
+      <p:sp>
+        <p:nvSpPr>
+          <p:cNvPr id="3" name="Content Placeholder 2">
+            <a:extLst>
+              <a:ext uri="{FF2B5EF4-FFF2-40B4-BE49-F238E27FC236}">
+                <a16:creationId xmlns:a16="http://schemas.microsoft.com/office/drawing/2014/main" id="{8B599B60-BF79-A832-6AD4-6C6FC6CE4317}"/>
+              </a:ext>
+            </a:extLst>
+          </p:cNvPr>
+          <p:cNvSpPr>
+            <a:spLocks noGrp="1"/>
+          </p:cNvSpPr>
+          <p:nvPr>
+            <p:ph sz="quarter" idx="15"/>
+          </p:nvPr>
+        </p:nvSpPr>
+        <p:spPr>
+          <a:xfrm>
+            <a:off x="594360" y="2810595"/>
+            <a:ext cx="5198269" cy="3319513"/>
+          </a:xfrm>
+        </p:spPr>
+        <p:txBody>
+          <a:bodyPr>
+            <a:normAutofit/>
+          </a:bodyPr>
+          <a:lstStyle/>
+          <a:p>
+            <a:r>
+              <a:rPr lang="en-US" dirty="0"/>
+              <a:t>Maintaining composure during the Q&amp;A session is essential for projecting confidence and authority. Consider the following tips for staying composed:</a:t>
+            </a:r>
+          </a:p>
+          <a:p>
+            <a:pPr lvl="1"/>
+            <a:r>
+              <a:rPr lang="en-US" dirty="0"/>
+              <a:t>Stay calm</a:t>
+            </a:r>
+          </a:p>
+          <a:p>
+            <a:pPr lvl="1"/>
+            <a:r>
+              <a:rPr lang="en-US" dirty="0"/>
+              <a:t>Actively listen</a:t>
+            </a:r>
+          </a:p>
+          <a:p>
+            <a:pPr lvl="1"/>
+            <a:r>
+              <a:rPr lang="en-US" dirty="0"/>
+              <a:t>Pause and reflect</a:t>
+            </a:r>
+          </a:p>
+          <a:p>
+            <a:pPr lvl="1"/>
+            <a:r>
+              <a:rPr lang="en-US" dirty="0"/>
+              <a:t>Maintain eye contact</a:t>
+            </a:r>
+          </a:p>
+        </p:txBody>
+      </p:sp>
+    </p:spTree>
+    <p:extLst>
+      <p:ext uri="{BB962C8B-B14F-4D97-AF65-F5344CB8AC3E}">
+        <p14:creationId xmlns:p14="http://schemas.microsoft.com/office/powerpoint/2010/main" val="3088225330"/>
+      </p:ext>
+    </p:extLst>
+  </p:cSld>
+  <p:clrMapOvr>
+    <a:masterClrMapping/>
+  </p:clrMapOvr>
+</p:sld>
+</file>
+
+<file path=ppt/slides/slide21.xml><?xml version="1.0" encoding="utf-8"?>
+<p:sld xmlns:a="http://schemas.openxmlformats.org/drawingml/2006/main" xmlns:r="http://schemas.openxmlformats.org/officeDocument/2006/relationships" xmlns:p="http://schemas.openxmlformats.org/presentationml/2006/main">
+  <p:cSld>
+    <p:spTree>
+      <p:nvGrpSpPr>
+        <p:cNvPr id="1" name=""/>
+        <p:cNvGrpSpPr/>
+        <p:nvPr/>
+      </p:nvGrpSpPr>
+      <p:grpSpPr>
+        <a:xfrm>
+          <a:off x="0" y="0"/>
+          <a:ext cx="0" cy="0"/>
+          <a:chOff x="0" y="0"/>
+          <a:chExt cx="0" cy="0"/>
+        </a:xfrm>
+      </p:grpSpPr>
+      <p:sp>
+        <p:nvSpPr>
+          <p:cNvPr id="2" name="Title 1">
+            <a:extLst>
+              <a:ext uri="{FF2B5EF4-FFF2-40B4-BE49-F238E27FC236}">
+                <a16:creationId xmlns:a16="http://schemas.microsoft.com/office/drawing/2014/main" id="{F52A871D-B15E-C971-7C85-0AF173E38781}"/>
+              </a:ext>
+            </a:extLst>
+          </p:cNvPr>
+          <p:cNvSpPr>
+            <a:spLocks noGrp="1"/>
+          </p:cNvSpPr>
+          <p:nvPr>
+            <p:ph type="title"/>
+          </p:nvPr>
+        </p:nvSpPr>
+        <p:spPr>
+          <a:xfrm>
+            <a:off x="575310" y="278129"/>
+            <a:ext cx="5063490" cy="2354026"/>
+          </a:xfrm>
+        </p:spPr>
+        <p:txBody>
+          <a:bodyPr/>
+          <a:lstStyle/>
+          <a:p>
+            <a:r>
+              <a:rPr lang="en-US" dirty="0"/>
+              <a:t>Speaking impact</a:t>
+            </a:r>
+          </a:p>
+        </p:txBody>
+      </p:sp>
+      <p:sp>
+        <p:nvSpPr>
+          <p:cNvPr id="3" name="Content Placeholder 2">
+            <a:extLst>
+              <a:ext uri="{FF2B5EF4-FFF2-40B4-BE49-F238E27FC236}">
+                <a16:creationId xmlns:a16="http://schemas.microsoft.com/office/drawing/2014/main" id="{34F2E863-4A4C-76FE-444A-083F93043389}"/>
+              </a:ext>
+            </a:extLst>
+          </p:cNvPr>
+          <p:cNvSpPr>
+            <a:spLocks noGrp="1"/>
+          </p:cNvSpPr>
+          <p:nvPr>
+            <p:ph sz="quarter" idx="16"/>
+          </p:nvPr>
+        </p:nvSpPr>
+        <p:spPr>
+          <a:xfrm>
+            <a:off x="593725" y="3279775"/>
+            <a:ext cx="5045075" cy="2994025"/>
+          </a:xfrm>
+        </p:spPr>
+        <p:txBody>
+          <a:bodyPr>
+            <a:normAutofit/>
+          </a:bodyPr>
+          <a:lstStyle/>
+          <a:p>
+            <a:r>
+              <a:rPr lang="en-US" dirty="0"/>
+              <a:t>Your ability to communicate effectively will leave a lasting impact on your audience</a:t>
+            </a:r>
+          </a:p>
+          <a:p>
+            <a:r>
+              <a:rPr lang="en-US" dirty="0"/>
+              <a:t>Effectively communicating involves not only delivering a message but also resonating with the experiences, values, and emotions of those listening </a:t>
+            </a:r>
+          </a:p>
+          <a:p>
+            <a:endParaRPr lang="en-US" dirty="0"/>
+          </a:p>
+        </p:txBody>
+      </p:sp>
+      <p:pic>
+        <p:nvPicPr>
+          <p:cNvPr id="5" name="Picture Placeholder 52" descr="Hanging lightbulbs">
+            <a:extLst>
+              <a:ext uri="{FF2B5EF4-FFF2-40B4-BE49-F238E27FC236}">
+                <a16:creationId xmlns:a16="http://schemas.microsoft.com/office/drawing/2014/main" id="{F2B2501C-600C-11B3-1ECD-912D988906A5}"/>
+              </a:ext>
+            </a:extLst>
+          </p:cNvPr>
+          <p:cNvPicPr>
+            <a:picLocks noGrp="1" noChangeAspect="1"/>
+          </p:cNvPicPr>
+          <p:nvPr>
+            <p:ph type="pic" sz="quarter" idx="15"/>
+          </p:nvPr>
+        </p:nvPicPr>
+        <p:blipFill>
+          <a:blip r:embed="rId3">
+            <a:extLst>
+              <a:ext uri="{28A0092B-C50C-407E-A947-70E740481C1C}">
+                <a14:useLocalDpi xmlns:a14="http://schemas.microsoft.com/office/drawing/2010/main" val="0"/>
+              </a:ext>
+            </a:extLst>
+          </a:blip>
+          <a:srcRect l="16" r="16"/>
+          <a:stretch/>
+        </p:blipFill>
+        <p:spPr>
+          <a:xfrm>
+            <a:off x="6096000" y="0"/>
+            <a:ext cx="6118225" cy="6858000"/>
+          </a:xfrm>
+        </p:spPr>
+      </p:pic>
+    </p:spTree>
+    <p:extLst>
+      <p:ext uri="{BB962C8B-B14F-4D97-AF65-F5344CB8AC3E}">
+        <p14:creationId xmlns:p14="http://schemas.microsoft.com/office/powerpoint/2010/main" val="298364507"/>
+      </p:ext>
+    </p:extLst>
+  </p:cSld>
+  <p:clrMapOvr>
+    <a:masterClrMapping/>
+  </p:clrMapOvr>
+</p:sld>
+</file>
+
+<file path=ppt/slides/slide22.xml><?xml version="1.0" encoding="utf-8"?>
 <p:sld xmlns:a="http://schemas.openxmlformats.org/drawingml/2006/main" xmlns:r="http://schemas.openxmlformats.org/officeDocument/2006/relationships" xmlns:p="http://schemas.openxmlformats.org/presentationml/2006/main">
   <p:cSld>
     <p:spTree>
@@ -14589,7 +17019,7 @@
 </p:sld>
 </file>
 
-<file path=ppt/slides/slide21.xml><?xml version="1.0" encoding="utf-8"?>
+<file path=ppt/slides/slide23.xml><?xml version="1.0" encoding="utf-8"?>
 <p:sld xmlns:a="http://schemas.openxmlformats.org/drawingml/2006/main" xmlns:r="http://schemas.openxmlformats.org/officeDocument/2006/relationships" xmlns:p="http://schemas.openxmlformats.org/presentationml/2006/main">
   <p:cSld>
     <p:spTree>
@@ -14792,7 +17222,7 @@
 </p:sld>
 </file>
 
-<file path=ppt/slides/slide22.xml><?xml version="1.0" encoding="utf-8"?>
+<file path=ppt/slides/slide24.xml><?xml version="1.0" encoding="utf-8"?>
 <p:sld xmlns:a="http://schemas.openxmlformats.org/drawingml/2006/main" xmlns:r="http://schemas.openxmlformats.org/officeDocument/2006/relationships" xmlns:p="http://schemas.openxmlformats.org/presentationml/2006/main">
   <p:cSld>
     <p:spTree>
@@ -15318,7 +17748,7 @@
 </p:sld>
 </file>
 
-<file path=ppt/slides/slide23.xml><?xml version="1.0" encoding="utf-8"?>
+<file path=ppt/slides/slide25.xml><?xml version="1.0" encoding="utf-8"?>
 <p:sld xmlns:a="http://schemas.openxmlformats.org/drawingml/2006/main" xmlns:r="http://schemas.openxmlformats.org/officeDocument/2006/relationships" xmlns:p="http://schemas.openxmlformats.org/presentationml/2006/main">
   <p:cSld>
     <p:spTree>
@@ -15415,7 +17845,7 @@
 </p:sld>
 </file>
 
-<file path=ppt/slides/slide24.xml><?xml version="1.0" encoding="utf-8"?>
+<file path=ppt/slides/slide26.xml><?xml version="1.0" encoding="utf-8"?>
 <p:sld xmlns:a="http://schemas.openxmlformats.org/drawingml/2006/main" xmlns:r="http://schemas.openxmlformats.org/officeDocument/2006/relationships" xmlns:p="http://schemas.openxmlformats.org/presentationml/2006/main">
   <p:cSld>
     <p:spTree>
@@ -16868,7 +19298,7 @@
         <p:spPr>
           <a:xfrm>
             <a:off x="594360" y="2676525"/>
-            <a:ext cx="4902200" cy="3290165"/>
+            <a:ext cx="4937760" cy="3290165"/>
           </a:xfrm>
         </p:spPr>
         <p:txBody>
@@ -16976,7 +19406,7 @@
         </p:blipFill>
         <p:spPr bwMode="auto">
           <a:xfrm>
-            <a:off x="5881898" y="2401004"/>
+            <a:off x="5881898" y="2936711"/>
             <a:ext cx="4490827" cy="2769791"/>
           </a:xfrm>
           <a:prstGeom prst="rect">
@@ -16985,15 +19415,6 @@
           <a:solidFill>
             <a:srgbClr val="FFFFFF"/>
           </a:solidFill>
-          <a:extLst>
-            <a:ext uri="{909E8E84-426E-40DD-AFC4-6F175D3DCCD1}">
-              <a14:hiddenFill xmlns:a14="http://schemas.microsoft.com/office/drawing/2010/main">
-                <a:solidFill>
-                  <a:srgbClr val="FFFFFF"/>
-                </a:solidFill>
-              </a14:hiddenFill>
-            </a:ext>
-          </a:extLst>
         </p:spPr>
       </p:pic>
     </p:spTree>

--- a/report_computer_vision.pptx
+++ b/report_computer_vision.pptx
@@ -5,10 +5,10 @@
     <p:sldMasterId id="2147483658" r:id="rId4"/>
   </p:sldMasterIdLst>
   <p:notesMasterIdLst>
-    <p:notesMasterId r:id="rId31"/>
+    <p:notesMasterId r:id="rId33"/>
   </p:notesMasterIdLst>
   <p:handoutMasterIdLst>
-    <p:handoutMasterId r:id="rId32"/>
+    <p:handoutMasterId r:id="rId34"/>
   </p:handoutMasterIdLst>
   <p:sldIdLst>
     <p:sldId id="410" r:id="rId5"/>
@@ -20,23 +20,25 @@
     <p:sldId id="419" r:id="rId11"/>
     <p:sldId id="416" r:id="rId12"/>
     <p:sldId id="423" r:id="rId13"/>
-    <p:sldId id="417" r:id="rId14"/>
-    <p:sldId id="424" r:id="rId15"/>
-    <p:sldId id="425" r:id="rId16"/>
-    <p:sldId id="418" r:id="rId17"/>
-    <p:sldId id="420" r:id="rId18"/>
-    <p:sldId id="411" r:id="rId19"/>
-    <p:sldId id="421" r:id="rId20"/>
-    <p:sldId id="389" r:id="rId21"/>
-    <p:sldId id="412" r:id="rId22"/>
-    <p:sldId id="413" r:id="rId23"/>
-    <p:sldId id="407" r:id="rId24"/>
-    <p:sldId id="406" r:id="rId25"/>
-    <p:sldId id="405" r:id="rId26"/>
-    <p:sldId id="404" r:id="rId27"/>
-    <p:sldId id="403" r:id="rId28"/>
-    <p:sldId id="409" r:id="rId29"/>
-    <p:sldId id="398" r:id="rId30"/>
+    <p:sldId id="427" r:id="rId14"/>
+    <p:sldId id="417" r:id="rId15"/>
+    <p:sldId id="424" r:id="rId16"/>
+    <p:sldId id="425" r:id="rId17"/>
+    <p:sldId id="418" r:id="rId18"/>
+    <p:sldId id="420" r:id="rId19"/>
+    <p:sldId id="426" r:id="rId20"/>
+    <p:sldId id="411" r:id="rId21"/>
+    <p:sldId id="421" r:id="rId22"/>
+    <p:sldId id="389" r:id="rId23"/>
+    <p:sldId id="412" r:id="rId24"/>
+    <p:sldId id="413" r:id="rId25"/>
+    <p:sldId id="407" r:id="rId26"/>
+    <p:sldId id="406" r:id="rId27"/>
+    <p:sldId id="405" r:id="rId28"/>
+    <p:sldId id="404" r:id="rId29"/>
+    <p:sldId id="403" r:id="rId30"/>
+    <p:sldId id="409" r:id="rId31"/>
+    <p:sldId id="398" r:id="rId32"/>
   </p:sldIdLst>
   <p:sldSz cx="12192000" cy="6858000"/>
   <p:notesSz cx="6858000" cy="9144000"/>
@@ -215,7 +217,7 @@
           <a:p>
             <a:fld id="{1EBEDD12-BCD5-485B-BCBC-34BB01D7923C}" type="datetimeFigureOut">
               <a:rPr lang="en-US" smtClean="0"/>
-              <a:t>2/11/2025</a:t>
+              <a:t>2/16/2025</a:t>
             </a:fld>
             <a:endParaRPr lang="en-US" dirty="0"/>
           </a:p>
@@ -429,7 +431,7 @@
           <a:p>
             <a:fld id="{6EE7A52F-9D89-7442-A8E9-48D1527B5F6B}" type="datetimeFigureOut">
               <a:rPr lang="en-US" smtClean="0"/>
-              <a:t>2/11/2025</a:t>
+              <a:t>2/16/2025</a:t>
             </a:fld>
             <a:endParaRPr lang="en-US" dirty="0"/>
           </a:p>
@@ -788,6 +790,114 @@
         <p:cNvPr id="1" name="">
           <a:extLst>
             <a:ext uri="{FF2B5EF4-FFF2-40B4-BE49-F238E27FC236}">
+              <a16:creationId xmlns:a16="http://schemas.microsoft.com/office/drawing/2014/main" id="{8970AA44-15F2-5908-5E68-FAFA8B097E0D}"/>
+            </a:ext>
+          </a:extLst>
+        </p:cNvPr>
+        <p:cNvGrpSpPr/>
+        <p:nvPr/>
+      </p:nvGrpSpPr>
+      <p:grpSpPr>
+        <a:xfrm>
+          <a:off x="0" y="0"/>
+          <a:ext cx="0" cy="0"/>
+          <a:chOff x="0" y="0"/>
+          <a:chExt cx="0" cy="0"/>
+        </a:xfrm>
+      </p:grpSpPr>
+      <p:sp>
+        <p:nvSpPr>
+          <p:cNvPr id="2" name="Slide Image Placeholder 1">
+            <a:extLst>
+              <a:ext uri="{FF2B5EF4-FFF2-40B4-BE49-F238E27FC236}">
+                <a16:creationId xmlns:a16="http://schemas.microsoft.com/office/drawing/2014/main" id="{F1CB1503-189C-97DD-4920-8BC35EF24B0F}"/>
+              </a:ext>
+            </a:extLst>
+          </p:cNvPr>
+          <p:cNvSpPr>
+            <a:spLocks noGrp="1" noRot="1" noChangeAspect="1"/>
+          </p:cNvSpPr>
+          <p:nvPr>
+            <p:ph type="sldImg"/>
+          </p:nvPr>
+        </p:nvSpPr>
+        <p:spPr/>
+      </p:sp>
+      <p:sp>
+        <p:nvSpPr>
+          <p:cNvPr id="3" name="Notes Placeholder 2">
+            <a:extLst>
+              <a:ext uri="{FF2B5EF4-FFF2-40B4-BE49-F238E27FC236}">
+                <a16:creationId xmlns:a16="http://schemas.microsoft.com/office/drawing/2014/main" id="{D9166588-E1E4-AE91-AC3C-AE5AF4057030}"/>
+              </a:ext>
+            </a:extLst>
+          </p:cNvPr>
+          <p:cNvSpPr>
+            <a:spLocks noGrp="1"/>
+          </p:cNvSpPr>
+          <p:nvPr>
+            <p:ph type="body" idx="1"/>
+          </p:nvPr>
+        </p:nvSpPr>
+        <p:spPr/>
+        <p:txBody>
+          <a:bodyPr/>
+          <a:lstStyle/>
+          <a:p>
+            <a:endParaRPr lang="en-US" dirty="0"/>
+          </a:p>
+        </p:txBody>
+      </p:sp>
+      <p:sp>
+        <p:nvSpPr>
+          <p:cNvPr id="4" name="Slide Number Placeholder 3">
+            <a:extLst>
+              <a:ext uri="{FF2B5EF4-FFF2-40B4-BE49-F238E27FC236}">
+                <a16:creationId xmlns:a16="http://schemas.microsoft.com/office/drawing/2014/main" id="{6D732174-FB09-B409-ECDD-D585E4CBF05E}"/>
+              </a:ext>
+            </a:extLst>
+          </p:cNvPr>
+          <p:cNvSpPr>
+            <a:spLocks noGrp="1"/>
+          </p:cNvSpPr>
+          <p:nvPr>
+            <p:ph type="sldNum" sz="quarter" idx="5"/>
+          </p:nvPr>
+        </p:nvSpPr>
+        <p:spPr/>
+        <p:txBody>
+          <a:bodyPr/>
+          <a:lstStyle/>
+          <a:p>
+            <a:fld id="{A89C7E07-3C67-C64C-8DA0-0404F6303970}" type="slidenum">
+              <a:rPr lang="en-US" smtClean="0"/>
+              <a:t>10</a:t>
+            </a:fld>
+            <a:endParaRPr lang="en-US" dirty="0"/>
+          </a:p>
+        </p:txBody>
+      </p:sp>
+    </p:spTree>
+    <p:extLst>
+      <p:ext uri="{BB962C8B-B14F-4D97-AF65-F5344CB8AC3E}">
+        <p14:creationId xmlns:p14="http://schemas.microsoft.com/office/powerpoint/2010/main" val="704198513"/>
+      </p:ext>
+    </p:extLst>
+  </p:cSld>
+  <p:clrMapOvr>
+    <a:masterClrMapping/>
+  </p:clrMapOvr>
+</p:notes>
+</file>
+
+<file path=ppt/notesSlides/notesSlide11.xml><?xml version="1.0" encoding="utf-8"?>
+<p:notes xmlns:a="http://schemas.openxmlformats.org/drawingml/2006/main" xmlns:r="http://schemas.openxmlformats.org/officeDocument/2006/relationships" xmlns:p="http://schemas.openxmlformats.org/presentationml/2006/main">
+  <p:cSld>
+    <p:spTree>
+      <p:nvGrpSpPr>
+        <p:cNvPr id="1" name="">
+          <a:extLst>
+            <a:ext uri="{FF2B5EF4-FFF2-40B4-BE49-F238E27FC236}">
               <a16:creationId xmlns:a16="http://schemas.microsoft.com/office/drawing/2014/main" id="{8D480806-933A-C7F2-D919-0F0D6C07810F}"/>
             </a:ext>
           </a:extLst>
@@ -869,7 +979,7 @@
           <a:p>
             <a:fld id="{A89C7E07-3C67-C64C-8DA0-0404F6303970}" type="slidenum">
               <a:rPr lang="en-US" smtClean="0"/>
-              <a:t>10</a:t>
+              <a:t>11</a:t>
             </a:fld>
             <a:endParaRPr lang="en-US" dirty="0"/>
           </a:p>
@@ -888,7 +998,7 @@
 </p:notes>
 </file>
 
-<file path=ppt/notesSlides/notesSlide11.xml><?xml version="1.0" encoding="utf-8"?>
+<file path=ppt/notesSlides/notesSlide12.xml><?xml version="1.0" encoding="utf-8"?>
 <p:notes xmlns:a="http://schemas.openxmlformats.org/drawingml/2006/main" xmlns:r="http://schemas.openxmlformats.org/officeDocument/2006/relationships" xmlns:p="http://schemas.openxmlformats.org/presentationml/2006/main">
   <p:cSld>
     <p:spTree>
@@ -977,7 +1087,7 @@
           <a:p>
             <a:fld id="{A89C7E07-3C67-C64C-8DA0-0404F6303970}" type="slidenum">
               <a:rPr lang="en-US" smtClean="0"/>
-              <a:t>11</a:t>
+              <a:t>12</a:t>
             </a:fld>
             <a:endParaRPr lang="en-US" dirty="0"/>
           </a:p>
@@ -996,7 +1106,7 @@
 </p:notes>
 </file>
 
-<file path=ppt/notesSlides/notesSlide12.xml><?xml version="1.0" encoding="utf-8"?>
+<file path=ppt/notesSlides/notesSlide13.xml><?xml version="1.0" encoding="utf-8"?>
 <p:notes xmlns:a="http://schemas.openxmlformats.org/drawingml/2006/main" xmlns:r="http://schemas.openxmlformats.org/officeDocument/2006/relationships" xmlns:p="http://schemas.openxmlformats.org/presentationml/2006/main">
   <p:cSld>
     <p:spTree>
@@ -1085,7 +1195,7 @@
           <a:p>
             <a:fld id="{A89C7E07-3C67-C64C-8DA0-0404F6303970}" type="slidenum">
               <a:rPr lang="en-US" smtClean="0"/>
-              <a:t>12</a:t>
+              <a:t>13</a:t>
             </a:fld>
             <a:endParaRPr lang="en-US" dirty="0"/>
           </a:p>
@@ -1104,7 +1214,7 @@
 </p:notes>
 </file>
 
-<file path=ppt/notesSlides/notesSlide13.xml><?xml version="1.0" encoding="utf-8"?>
+<file path=ppt/notesSlides/notesSlide14.xml><?xml version="1.0" encoding="utf-8"?>
 <p:notes xmlns:a="http://schemas.openxmlformats.org/drawingml/2006/main" xmlns:r="http://schemas.openxmlformats.org/officeDocument/2006/relationships" xmlns:p="http://schemas.openxmlformats.org/presentationml/2006/main">
   <p:cSld>
     <p:spTree>
@@ -1193,7 +1303,7 @@
           <a:p>
             <a:fld id="{A89C7E07-3C67-C64C-8DA0-0404F6303970}" type="slidenum">
               <a:rPr lang="en-US" smtClean="0"/>
-              <a:t>13</a:t>
+              <a:t>14</a:t>
             </a:fld>
             <a:endParaRPr lang="en-US" dirty="0"/>
           </a:p>
@@ -1212,7 +1322,7 @@
 </p:notes>
 </file>
 
-<file path=ppt/notesSlides/notesSlide14.xml><?xml version="1.0" encoding="utf-8"?>
+<file path=ppt/notesSlides/notesSlide15.xml><?xml version="1.0" encoding="utf-8"?>
 <p:notes xmlns:a="http://schemas.openxmlformats.org/drawingml/2006/main" xmlns:r="http://schemas.openxmlformats.org/officeDocument/2006/relationships" xmlns:p="http://schemas.openxmlformats.org/presentationml/2006/main">
   <p:cSld>
     <p:spTree>
@@ -1301,7 +1411,7 @@
           <a:p>
             <a:fld id="{A89C7E07-3C67-C64C-8DA0-0404F6303970}" type="slidenum">
               <a:rPr lang="en-US" smtClean="0"/>
-              <a:t>14</a:t>
+              <a:t>15</a:t>
             </a:fld>
             <a:endParaRPr lang="en-US" dirty="0"/>
           </a:p>
@@ -1320,7 +1430,115 @@
 </p:notes>
 </file>
 
-<file path=ppt/notesSlides/notesSlide15.xml><?xml version="1.0" encoding="utf-8"?>
+<file path=ppt/notesSlides/notesSlide16.xml><?xml version="1.0" encoding="utf-8"?>
+<p:notes xmlns:a="http://schemas.openxmlformats.org/drawingml/2006/main" xmlns:r="http://schemas.openxmlformats.org/officeDocument/2006/relationships" xmlns:p="http://schemas.openxmlformats.org/presentationml/2006/main">
+  <p:cSld>
+    <p:spTree>
+      <p:nvGrpSpPr>
+        <p:cNvPr id="1" name="">
+          <a:extLst>
+            <a:ext uri="{FF2B5EF4-FFF2-40B4-BE49-F238E27FC236}">
+              <a16:creationId xmlns:a16="http://schemas.microsoft.com/office/drawing/2014/main" id="{52872ABF-DF9E-89C8-EFAD-D926B74C7D1F}"/>
+            </a:ext>
+          </a:extLst>
+        </p:cNvPr>
+        <p:cNvGrpSpPr/>
+        <p:nvPr/>
+      </p:nvGrpSpPr>
+      <p:grpSpPr>
+        <a:xfrm>
+          <a:off x="0" y="0"/>
+          <a:ext cx="0" cy="0"/>
+          <a:chOff x="0" y="0"/>
+          <a:chExt cx="0" cy="0"/>
+        </a:xfrm>
+      </p:grpSpPr>
+      <p:sp>
+        <p:nvSpPr>
+          <p:cNvPr id="2" name="Slide Image Placeholder 1">
+            <a:extLst>
+              <a:ext uri="{FF2B5EF4-FFF2-40B4-BE49-F238E27FC236}">
+                <a16:creationId xmlns:a16="http://schemas.microsoft.com/office/drawing/2014/main" id="{25951C49-2286-C881-4B5A-956CAA678AE8}"/>
+              </a:ext>
+            </a:extLst>
+          </p:cNvPr>
+          <p:cNvSpPr>
+            <a:spLocks noGrp="1" noRot="1" noChangeAspect="1"/>
+          </p:cNvSpPr>
+          <p:nvPr>
+            <p:ph type="sldImg"/>
+          </p:nvPr>
+        </p:nvSpPr>
+        <p:spPr/>
+      </p:sp>
+      <p:sp>
+        <p:nvSpPr>
+          <p:cNvPr id="3" name="Notes Placeholder 2">
+            <a:extLst>
+              <a:ext uri="{FF2B5EF4-FFF2-40B4-BE49-F238E27FC236}">
+                <a16:creationId xmlns:a16="http://schemas.microsoft.com/office/drawing/2014/main" id="{884F95A5-FAA2-348D-4086-E2212DA364A0}"/>
+              </a:ext>
+            </a:extLst>
+          </p:cNvPr>
+          <p:cNvSpPr>
+            <a:spLocks noGrp="1"/>
+          </p:cNvSpPr>
+          <p:nvPr>
+            <p:ph type="body" idx="1"/>
+          </p:nvPr>
+        </p:nvSpPr>
+        <p:spPr/>
+        <p:txBody>
+          <a:bodyPr/>
+          <a:lstStyle/>
+          <a:p>
+            <a:endParaRPr lang="en-US" dirty="0"/>
+          </a:p>
+        </p:txBody>
+      </p:sp>
+      <p:sp>
+        <p:nvSpPr>
+          <p:cNvPr id="4" name="Slide Number Placeholder 3">
+            <a:extLst>
+              <a:ext uri="{FF2B5EF4-FFF2-40B4-BE49-F238E27FC236}">
+                <a16:creationId xmlns:a16="http://schemas.microsoft.com/office/drawing/2014/main" id="{ED3EC83D-A38A-F820-102E-4841FF95F1E1}"/>
+              </a:ext>
+            </a:extLst>
+          </p:cNvPr>
+          <p:cNvSpPr>
+            <a:spLocks noGrp="1"/>
+          </p:cNvSpPr>
+          <p:nvPr>
+            <p:ph type="sldNum" sz="quarter" idx="5"/>
+          </p:nvPr>
+        </p:nvSpPr>
+        <p:spPr/>
+        <p:txBody>
+          <a:bodyPr/>
+          <a:lstStyle/>
+          <a:p>
+            <a:fld id="{A89C7E07-3C67-C64C-8DA0-0404F6303970}" type="slidenum">
+              <a:rPr lang="en-US" smtClean="0"/>
+              <a:t>16</a:t>
+            </a:fld>
+            <a:endParaRPr lang="en-US" dirty="0"/>
+          </a:p>
+        </p:txBody>
+      </p:sp>
+    </p:spTree>
+    <p:extLst>
+      <p:ext uri="{BB962C8B-B14F-4D97-AF65-F5344CB8AC3E}">
+        <p14:creationId xmlns:p14="http://schemas.microsoft.com/office/powerpoint/2010/main" val="2097375762"/>
+      </p:ext>
+    </p:extLst>
+  </p:cSld>
+  <p:clrMapOvr>
+    <a:masterClrMapping/>
+  </p:clrMapOvr>
+</p:notes>
+</file>
+
+<file path=ppt/notesSlides/notesSlide17.xml><?xml version="1.0" encoding="utf-8"?>
 <p:notes xmlns:a="http://schemas.openxmlformats.org/drawingml/2006/main" xmlns:r="http://schemas.openxmlformats.org/officeDocument/2006/relationships" xmlns:p="http://schemas.openxmlformats.org/presentationml/2006/main">
   <p:cSld>
     <p:spTree>
@@ -1409,7 +1627,7 @@
           <a:p>
             <a:fld id="{A89C7E07-3C67-C64C-8DA0-0404F6303970}" type="slidenum">
               <a:rPr lang="en-US" smtClean="0"/>
-              <a:t>15</a:t>
+              <a:t>17</a:t>
             </a:fld>
             <a:endParaRPr lang="en-US" dirty="0"/>
           </a:p>
@@ -1428,7 +1646,7 @@
 </p:notes>
 </file>
 
-<file path=ppt/notesSlides/notesSlide16.xml><?xml version="1.0" encoding="utf-8"?>
+<file path=ppt/notesSlides/notesSlide18.xml><?xml version="1.0" encoding="utf-8"?>
 <p:notes xmlns:a="http://schemas.openxmlformats.org/drawingml/2006/main" xmlns:r="http://schemas.openxmlformats.org/officeDocument/2006/relationships" xmlns:p="http://schemas.openxmlformats.org/presentationml/2006/main">
   <p:cSld>
     <p:spTree>
@@ -1517,7 +1735,7 @@
           <a:p>
             <a:fld id="{A89C7E07-3C67-C64C-8DA0-0404F6303970}" type="slidenum">
               <a:rPr lang="en-US" smtClean="0"/>
-              <a:t>16</a:t>
+              <a:t>18</a:t>
             </a:fld>
             <a:endParaRPr lang="en-US" dirty="0"/>
           </a:p>
@@ -1536,7 +1754,7 @@
 </p:notes>
 </file>
 
-<file path=ppt/notesSlides/notesSlide17.xml><?xml version="1.0" encoding="utf-8"?>
+<file path=ppt/notesSlides/notesSlide19.xml><?xml version="1.0" encoding="utf-8"?>
 <p:notes xmlns:a="http://schemas.openxmlformats.org/drawingml/2006/main" xmlns:r="http://schemas.openxmlformats.org/officeDocument/2006/relationships" xmlns:p="http://schemas.openxmlformats.org/presentationml/2006/main">
   <p:cSld>
     <p:spTree>
@@ -1601,7 +1819,7 @@
           <a:p>
             <a:fld id="{A89C7E07-3C67-C64C-8DA0-0404F6303970}" type="slidenum">
               <a:rPr lang="en-US" smtClean="0"/>
-              <a:t>17</a:t>
+              <a:t>19</a:t>
             </a:fld>
             <a:endParaRPr lang="en-US" dirty="0"/>
           </a:p>
@@ -1611,222 +1829,6 @@
     <p:extLst>
       <p:ext uri="{BB962C8B-B14F-4D97-AF65-F5344CB8AC3E}">
         <p14:creationId xmlns:p14="http://schemas.microsoft.com/office/powerpoint/2010/main" val="3576248012"/>
-      </p:ext>
-    </p:extLst>
-  </p:cSld>
-  <p:clrMapOvr>
-    <a:masterClrMapping/>
-  </p:clrMapOvr>
-</p:notes>
-</file>
-
-<file path=ppt/notesSlides/notesSlide18.xml><?xml version="1.0" encoding="utf-8"?>
-<p:notes xmlns:a="http://schemas.openxmlformats.org/drawingml/2006/main" xmlns:r="http://schemas.openxmlformats.org/officeDocument/2006/relationships" xmlns:p="http://schemas.openxmlformats.org/presentationml/2006/main">
-  <p:cSld>
-    <p:spTree>
-      <p:nvGrpSpPr>
-        <p:cNvPr id="1" name="">
-          <a:extLst>
-            <a:ext uri="{FF2B5EF4-FFF2-40B4-BE49-F238E27FC236}">
-              <a16:creationId xmlns:a16="http://schemas.microsoft.com/office/drawing/2014/main" id="{EEB7944A-97DB-C395-0E65-B955553A7928}"/>
-            </a:ext>
-          </a:extLst>
-        </p:cNvPr>
-        <p:cNvGrpSpPr/>
-        <p:nvPr/>
-      </p:nvGrpSpPr>
-      <p:grpSpPr>
-        <a:xfrm>
-          <a:off x="0" y="0"/>
-          <a:ext cx="0" cy="0"/>
-          <a:chOff x="0" y="0"/>
-          <a:chExt cx="0" cy="0"/>
-        </a:xfrm>
-      </p:grpSpPr>
-      <p:sp>
-        <p:nvSpPr>
-          <p:cNvPr id="2" name="Slide Image Placeholder 1">
-            <a:extLst>
-              <a:ext uri="{FF2B5EF4-FFF2-40B4-BE49-F238E27FC236}">
-                <a16:creationId xmlns:a16="http://schemas.microsoft.com/office/drawing/2014/main" id="{1C5639F3-56AA-4579-25A9-121DBCE7836C}"/>
-              </a:ext>
-            </a:extLst>
-          </p:cNvPr>
-          <p:cNvSpPr>
-            <a:spLocks noGrp="1" noRot="1" noChangeAspect="1"/>
-          </p:cNvSpPr>
-          <p:nvPr>
-            <p:ph type="sldImg"/>
-          </p:nvPr>
-        </p:nvSpPr>
-        <p:spPr/>
-      </p:sp>
-      <p:sp>
-        <p:nvSpPr>
-          <p:cNvPr id="3" name="Notes Placeholder 2">
-            <a:extLst>
-              <a:ext uri="{FF2B5EF4-FFF2-40B4-BE49-F238E27FC236}">
-                <a16:creationId xmlns:a16="http://schemas.microsoft.com/office/drawing/2014/main" id="{04FF23FC-812B-13D0-3D94-CA6557F9C682}"/>
-              </a:ext>
-            </a:extLst>
-          </p:cNvPr>
-          <p:cNvSpPr>
-            <a:spLocks noGrp="1"/>
-          </p:cNvSpPr>
-          <p:nvPr>
-            <p:ph type="body" idx="1"/>
-          </p:nvPr>
-        </p:nvSpPr>
-        <p:spPr/>
-        <p:txBody>
-          <a:bodyPr/>
-          <a:lstStyle/>
-          <a:p>
-            <a:endParaRPr lang="en-US" dirty="0"/>
-          </a:p>
-        </p:txBody>
-      </p:sp>
-      <p:sp>
-        <p:nvSpPr>
-          <p:cNvPr id="4" name="Slide Number Placeholder 3">
-            <a:extLst>
-              <a:ext uri="{FF2B5EF4-FFF2-40B4-BE49-F238E27FC236}">
-                <a16:creationId xmlns:a16="http://schemas.microsoft.com/office/drawing/2014/main" id="{91ED82C4-79ED-1AD9-D330-72C34C2D8D39}"/>
-              </a:ext>
-            </a:extLst>
-          </p:cNvPr>
-          <p:cNvSpPr>
-            <a:spLocks noGrp="1"/>
-          </p:cNvSpPr>
-          <p:nvPr>
-            <p:ph type="sldNum" sz="quarter" idx="5"/>
-          </p:nvPr>
-        </p:nvSpPr>
-        <p:spPr/>
-        <p:txBody>
-          <a:bodyPr/>
-          <a:lstStyle/>
-          <a:p>
-            <a:fld id="{A89C7E07-3C67-C64C-8DA0-0404F6303970}" type="slidenum">
-              <a:rPr lang="en-US" smtClean="0"/>
-              <a:t>18</a:t>
-            </a:fld>
-            <a:endParaRPr lang="en-US" dirty="0"/>
-          </a:p>
-        </p:txBody>
-      </p:sp>
-    </p:spTree>
-    <p:extLst>
-      <p:ext uri="{BB962C8B-B14F-4D97-AF65-F5344CB8AC3E}">
-        <p14:creationId xmlns:p14="http://schemas.microsoft.com/office/powerpoint/2010/main" val="3398430494"/>
-      </p:ext>
-    </p:extLst>
-  </p:cSld>
-  <p:clrMapOvr>
-    <a:masterClrMapping/>
-  </p:clrMapOvr>
-</p:notes>
-</file>
-
-<file path=ppt/notesSlides/notesSlide19.xml><?xml version="1.0" encoding="utf-8"?>
-<p:notes xmlns:a="http://schemas.openxmlformats.org/drawingml/2006/main" xmlns:r="http://schemas.openxmlformats.org/officeDocument/2006/relationships" xmlns:p="http://schemas.openxmlformats.org/presentationml/2006/main">
-  <p:cSld>
-    <p:spTree>
-      <p:nvGrpSpPr>
-        <p:cNvPr id="1" name="">
-          <a:extLst>
-            <a:ext uri="{FF2B5EF4-FFF2-40B4-BE49-F238E27FC236}">
-              <a16:creationId xmlns:a16="http://schemas.microsoft.com/office/drawing/2014/main" id="{8970A405-1DDB-16D1-5716-8313ADF0B515}"/>
-            </a:ext>
-          </a:extLst>
-        </p:cNvPr>
-        <p:cNvGrpSpPr/>
-        <p:nvPr/>
-      </p:nvGrpSpPr>
-      <p:grpSpPr>
-        <a:xfrm>
-          <a:off x="0" y="0"/>
-          <a:ext cx="0" cy="0"/>
-          <a:chOff x="0" y="0"/>
-          <a:chExt cx="0" cy="0"/>
-        </a:xfrm>
-      </p:grpSpPr>
-      <p:sp>
-        <p:nvSpPr>
-          <p:cNvPr id="2" name="Slide Image Placeholder 1">
-            <a:extLst>
-              <a:ext uri="{FF2B5EF4-FFF2-40B4-BE49-F238E27FC236}">
-                <a16:creationId xmlns:a16="http://schemas.microsoft.com/office/drawing/2014/main" id="{4655D18B-E2BC-38D2-126A-D339D37DB061}"/>
-              </a:ext>
-            </a:extLst>
-          </p:cNvPr>
-          <p:cNvSpPr>
-            <a:spLocks noGrp="1" noRot="1" noChangeAspect="1"/>
-          </p:cNvSpPr>
-          <p:nvPr>
-            <p:ph type="sldImg"/>
-          </p:nvPr>
-        </p:nvSpPr>
-        <p:spPr/>
-      </p:sp>
-      <p:sp>
-        <p:nvSpPr>
-          <p:cNvPr id="3" name="Notes Placeholder 2">
-            <a:extLst>
-              <a:ext uri="{FF2B5EF4-FFF2-40B4-BE49-F238E27FC236}">
-                <a16:creationId xmlns:a16="http://schemas.microsoft.com/office/drawing/2014/main" id="{8EA4F11F-FB4D-6922-8F79-60B780A83F24}"/>
-              </a:ext>
-            </a:extLst>
-          </p:cNvPr>
-          <p:cNvSpPr>
-            <a:spLocks noGrp="1"/>
-          </p:cNvSpPr>
-          <p:nvPr>
-            <p:ph type="body" idx="1"/>
-          </p:nvPr>
-        </p:nvSpPr>
-        <p:spPr/>
-        <p:txBody>
-          <a:bodyPr/>
-          <a:lstStyle/>
-          <a:p>
-            <a:endParaRPr lang="en-US" dirty="0"/>
-          </a:p>
-        </p:txBody>
-      </p:sp>
-      <p:sp>
-        <p:nvSpPr>
-          <p:cNvPr id="4" name="Slide Number Placeholder 3">
-            <a:extLst>
-              <a:ext uri="{FF2B5EF4-FFF2-40B4-BE49-F238E27FC236}">
-                <a16:creationId xmlns:a16="http://schemas.microsoft.com/office/drawing/2014/main" id="{DB380661-4A1A-5288-D87C-B8408B00FD6A}"/>
-              </a:ext>
-            </a:extLst>
-          </p:cNvPr>
-          <p:cNvSpPr>
-            <a:spLocks noGrp="1"/>
-          </p:cNvSpPr>
-          <p:nvPr>
-            <p:ph type="sldNum" sz="quarter" idx="5"/>
-          </p:nvPr>
-        </p:nvSpPr>
-        <p:spPr/>
-        <p:txBody>
-          <a:bodyPr/>
-          <a:lstStyle/>
-          <a:p>
-            <a:fld id="{A89C7E07-3C67-C64C-8DA0-0404F6303970}" type="slidenum">
-              <a:rPr lang="en-US" smtClean="0"/>
-              <a:t>19</a:t>
-            </a:fld>
-            <a:endParaRPr lang="en-US" dirty="0"/>
-          </a:p>
-        </p:txBody>
-      </p:sp>
-    </p:spTree>
-    <p:extLst>
-      <p:ext uri="{BB962C8B-B14F-4D97-AF65-F5344CB8AC3E}">
-        <p14:creationId xmlns:p14="http://schemas.microsoft.com/office/powerpoint/2010/main" val="3674883064"/>
       </p:ext>
     </p:extLst>
   </p:cSld>
@@ -1925,7 +1927,13 @@
   <p:cSld>
     <p:spTree>
       <p:nvGrpSpPr>
-        <p:cNvPr id="1" name=""/>
+        <p:cNvPr id="1" name="">
+          <a:extLst>
+            <a:ext uri="{FF2B5EF4-FFF2-40B4-BE49-F238E27FC236}">
+              <a16:creationId xmlns:a16="http://schemas.microsoft.com/office/drawing/2014/main" id="{EEB7944A-97DB-C395-0E65-B955553A7928}"/>
+            </a:ext>
+          </a:extLst>
+        </p:cNvPr>
         <p:cNvGrpSpPr/>
         <p:nvPr/>
       </p:nvGrpSpPr>
@@ -1939,7 +1947,13 @@
       </p:grpSpPr>
       <p:sp>
         <p:nvSpPr>
-          <p:cNvPr id="2" name="Slide Image Placeholder 1"/>
+          <p:cNvPr id="2" name="Slide Image Placeholder 1">
+            <a:extLst>
+              <a:ext uri="{FF2B5EF4-FFF2-40B4-BE49-F238E27FC236}">
+                <a16:creationId xmlns:a16="http://schemas.microsoft.com/office/drawing/2014/main" id="{1C5639F3-56AA-4579-25A9-121DBCE7836C}"/>
+              </a:ext>
+            </a:extLst>
+          </p:cNvPr>
           <p:cNvSpPr>
             <a:spLocks noGrp="1" noRot="1" noChangeAspect="1"/>
           </p:cNvSpPr>
@@ -1951,7 +1965,13 @@
       </p:sp>
       <p:sp>
         <p:nvSpPr>
-          <p:cNvPr id="3" name="Notes Placeholder 2"/>
+          <p:cNvPr id="3" name="Notes Placeholder 2">
+            <a:extLst>
+              <a:ext uri="{FF2B5EF4-FFF2-40B4-BE49-F238E27FC236}">
+                <a16:creationId xmlns:a16="http://schemas.microsoft.com/office/drawing/2014/main" id="{04FF23FC-812B-13D0-3D94-CA6557F9C682}"/>
+              </a:ext>
+            </a:extLst>
+          </p:cNvPr>
           <p:cNvSpPr>
             <a:spLocks noGrp="1"/>
           </p:cNvSpPr>
@@ -1970,7 +1990,13 @@
       </p:sp>
       <p:sp>
         <p:nvSpPr>
-          <p:cNvPr id="4" name="Slide Number Placeholder 3"/>
+          <p:cNvPr id="4" name="Slide Number Placeholder 3">
+            <a:extLst>
+              <a:ext uri="{FF2B5EF4-FFF2-40B4-BE49-F238E27FC236}">
+                <a16:creationId xmlns:a16="http://schemas.microsoft.com/office/drawing/2014/main" id="{91ED82C4-79ED-1AD9-D330-72C34C2D8D39}"/>
+              </a:ext>
+            </a:extLst>
+          </p:cNvPr>
           <p:cNvSpPr>
             <a:spLocks noGrp="1"/>
           </p:cNvSpPr>
@@ -1994,7 +2020,7 @@
     </p:spTree>
     <p:extLst>
       <p:ext uri="{BB962C8B-B14F-4D97-AF65-F5344CB8AC3E}">
-        <p14:creationId xmlns:p14="http://schemas.microsoft.com/office/powerpoint/2010/main" val="501160436"/>
+        <p14:creationId xmlns:p14="http://schemas.microsoft.com/office/powerpoint/2010/main" val="3398430494"/>
       </p:ext>
     </p:extLst>
   </p:cSld>
@@ -2009,7 +2035,13 @@
   <p:cSld>
     <p:spTree>
       <p:nvGrpSpPr>
-        <p:cNvPr id="1" name=""/>
+        <p:cNvPr id="1" name="">
+          <a:extLst>
+            <a:ext uri="{FF2B5EF4-FFF2-40B4-BE49-F238E27FC236}">
+              <a16:creationId xmlns:a16="http://schemas.microsoft.com/office/drawing/2014/main" id="{8970A405-1DDB-16D1-5716-8313ADF0B515}"/>
+            </a:ext>
+          </a:extLst>
+        </p:cNvPr>
         <p:cNvGrpSpPr/>
         <p:nvPr/>
       </p:nvGrpSpPr>
@@ -2023,7 +2055,13 @@
       </p:grpSpPr>
       <p:sp>
         <p:nvSpPr>
-          <p:cNvPr id="2" name="Slide Image Placeholder 1"/>
+          <p:cNvPr id="2" name="Slide Image Placeholder 1">
+            <a:extLst>
+              <a:ext uri="{FF2B5EF4-FFF2-40B4-BE49-F238E27FC236}">
+                <a16:creationId xmlns:a16="http://schemas.microsoft.com/office/drawing/2014/main" id="{4655D18B-E2BC-38D2-126A-D339D37DB061}"/>
+              </a:ext>
+            </a:extLst>
+          </p:cNvPr>
           <p:cNvSpPr>
             <a:spLocks noGrp="1" noRot="1" noChangeAspect="1"/>
           </p:cNvSpPr>
@@ -2035,7 +2073,13 @@
       </p:sp>
       <p:sp>
         <p:nvSpPr>
-          <p:cNvPr id="3" name="Notes Placeholder 2"/>
+          <p:cNvPr id="3" name="Notes Placeholder 2">
+            <a:extLst>
+              <a:ext uri="{FF2B5EF4-FFF2-40B4-BE49-F238E27FC236}">
+                <a16:creationId xmlns:a16="http://schemas.microsoft.com/office/drawing/2014/main" id="{8EA4F11F-FB4D-6922-8F79-60B780A83F24}"/>
+              </a:ext>
+            </a:extLst>
+          </p:cNvPr>
           <p:cNvSpPr>
             <a:spLocks noGrp="1"/>
           </p:cNvSpPr>
@@ -2054,7 +2098,13 @@
       </p:sp>
       <p:sp>
         <p:nvSpPr>
-          <p:cNvPr id="4" name="Slide Number Placeholder 3"/>
+          <p:cNvPr id="4" name="Slide Number Placeholder 3">
+            <a:extLst>
+              <a:ext uri="{FF2B5EF4-FFF2-40B4-BE49-F238E27FC236}">
+                <a16:creationId xmlns:a16="http://schemas.microsoft.com/office/drawing/2014/main" id="{DB380661-4A1A-5288-D87C-B8408B00FD6A}"/>
+              </a:ext>
+            </a:extLst>
+          </p:cNvPr>
           <p:cNvSpPr>
             <a:spLocks noGrp="1"/>
           </p:cNvSpPr>
@@ -2078,7 +2128,7 @@
     </p:spTree>
     <p:extLst>
       <p:ext uri="{BB962C8B-B14F-4D97-AF65-F5344CB8AC3E}">
-        <p14:creationId xmlns:p14="http://schemas.microsoft.com/office/powerpoint/2010/main" val="2994759380"/>
+        <p14:creationId xmlns:p14="http://schemas.microsoft.com/office/powerpoint/2010/main" val="3674883064"/>
       </p:ext>
     </p:extLst>
   </p:cSld>
@@ -2162,7 +2212,7 @@
     </p:spTree>
     <p:extLst>
       <p:ext uri="{BB962C8B-B14F-4D97-AF65-F5344CB8AC3E}">
-        <p14:creationId xmlns:p14="http://schemas.microsoft.com/office/powerpoint/2010/main" val="4050233131"/>
+        <p14:creationId xmlns:p14="http://schemas.microsoft.com/office/powerpoint/2010/main" val="501160436"/>
       </p:ext>
     </p:extLst>
   </p:cSld>
@@ -2246,7 +2296,7 @@
     </p:spTree>
     <p:extLst>
       <p:ext uri="{BB962C8B-B14F-4D97-AF65-F5344CB8AC3E}">
-        <p14:creationId xmlns:p14="http://schemas.microsoft.com/office/powerpoint/2010/main" val="634596896"/>
+        <p14:creationId xmlns:p14="http://schemas.microsoft.com/office/powerpoint/2010/main" val="2994759380"/>
       </p:ext>
     </p:extLst>
   </p:cSld>
@@ -2330,7 +2380,7 @@
     </p:spTree>
     <p:extLst>
       <p:ext uri="{BB962C8B-B14F-4D97-AF65-F5344CB8AC3E}">
-        <p14:creationId xmlns:p14="http://schemas.microsoft.com/office/powerpoint/2010/main" val="514488140"/>
+        <p14:creationId xmlns:p14="http://schemas.microsoft.com/office/powerpoint/2010/main" val="4050233131"/>
       </p:ext>
     </p:extLst>
   </p:cSld>
@@ -2414,7 +2464,7 @@
     </p:spTree>
     <p:extLst>
       <p:ext uri="{BB962C8B-B14F-4D97-AF65-F5344CB8AC3E}">
-        <p14:creationId xmlns:p14="http://schemas.microsoft.com/office/powerpoint/2010/main" val="2730433110"/>
+        <p14:creationId xmlns:p14="http://schemas.microsoft.com/office/powerpoint/2010/main" val="634596896"/>
       </p:ext>
     </p:extLst>
   </p:cSld>
@@ -2490,6 +2540,174 @@
             <a:fld id="{A89C7E07-3C67-C64C-8DA0-0404F6303970}" type="slidenum">
               <a:rPr lang="en-US" smtClean="0"/>
               <a:t>26</a:t>
+            </a:fld>
+            <a:endParaRPr lang="en-US" dirty="0"/>
+          </a:p>
+        </p:txBody>
+      </p:sp>
+    </p:spTree>
+    <p:extLst>
+      <p:ext uri="{BB962C8B-B14F-4D97-AF65-F5344CB8AC3E}">
+        <p14:creationId xmlns:p14="http://schemas.microsoft.com/office/powerpoint/2010/main" val="514488140"/>
+      </p:ext>
+    </p:extLst>
+  </p:cSld>
+  <p:clrMapOvr>
+    <a:masterClrMapping/>
+  </p:clrMapOvr>
+</p:notes>
+</file>
+
+<file path=ppt/notesSlides/notesSlide27.xml><?xml version="1.0" encoding="utf-8"?>
+<p:notes xmlns:a="http://schemas.openxmlformats.org/drawingml/2006/main" xmlns:r="http://schemas.openxmlformats.org/officeDocument/2006/relationships" xmlns:p="http://schemas.openxmlformats.org/presentationml/2006/main">
+  <p:cSld>
+    <p:spTree>
+      <p:nvGrpSpPr>
+        <p:cNvPr id="1" name=""/>
+        <p:cNvGrpSpPr/>
+        <p:nvPr/>
+      </p:nvGrpSpPr>
+      <p:grpSpPr>
+        <a:xfrm>
+          <a:off x="0" y="0"/>
+          <a:ext cx="0" cy="0"/>
+          <a:chOff x="0" y="0"/>
+          <a:chExt cx="0" cy="0"/>
+        </a:xfrm>
+      </p:grpSpPr>
+      <p:sp>
+        <p:nvSpPr>
+          <p:cNvPr id="2" name="Slide Image Placeholder 1"/>
+          <p:cNvSpPr>
+            <a:spLocks noGrp="1" noRot="1" noChangeAspect="1"/>
+          </p:cNvSpPr>
+          <p:nvPr>
+            <p:ph type="sldImg"/>
+          </p:nvPr>
+        </p:nvSpPr>
+        <p:spPr/>
+      </p:sp>
+      <p:sp>
+        <p:nvSpPr>
+          <p:cNvPr id="3" name="Notes Placeholder 2"/>
+          <p:cNvSpPr>
+            <a:spLocks noGrp="1"/>
+          </p:cNvSpPr>
+          <p:nvPr>
+            <p:ph type="body" idx="1"/>
+          </p:nvPr>
+        </p:nvSpPr>
+        <p:spPr/>
+        <p:txBody>
+          <a:bodyPr/>
+          <a:lstStyle/>
+          <a:p>
+            <a:endParaRPr lang="en-US" dirty="0"/>
+          </a:p>
+        </p:txBody>
+      </p:sp>
+      <p:sp>
+        <p:nvSpPr>
+          <p:cNvPr id="4" name="Slide Number Placeholder 3"/>
+          <p:cNvSpPr>
+            <a:spLocks noGrp="1"/>
+          </p:cNvSpPr>
+          <p:nvPr>
+            <p:ph type="sldNum" sz="quarter" idx="5"/>
+          </p:nvPr>
+        </p:nvSpPr>
+        <p:spPr/>
+        <p:txBody>
+          <a:bodyPr/>
+          <a:lstStyle/>
+          <a:p>
+            <a:fld id="{A89C7E07-3C67-C64C-8DA0-0404F6303970}" type="slidenum">
+              <a:rPr lang="en-US" smtClean="0"/>
+              <a:t>27</a:t>
+            </a:fld>
+            <a:endParaRPr lang="en-US" dirty="0"/>
+          </a:p>
+        </p:txBody>
+      </p:sp>
+    </p:spTree>
+    <p:extLst>
+      <p:ext uri="{BB962C8B-B14F-4D97-AF65-F5344CB8AC3E}">
+        <p14:creationId xmlns:p14="http://schemas.microsoft.com/office/powerpoint/2010/main" val="2730433110"/>
+      </p:ext>
+    </p:extLst>
+  </p:cSld>
+  <p:clrMapOvr>
+    <a:masterClrMapping/>
+  </p:clrMapOvr>
+</p:notes>
+</file>
+
+<file path=ppt/notesSlides/notesSlide28.xml><?xml version="1.0" encoding="utf-8"?>
+<p:notes xmlns:a="http://schemas.openxmlformats.org/drawingml/2006/main" xmlns:r="http://schemas.openxmlformats.org/officeDocument/2006/relationships" xmlns:p="http://schemas.openxmlformats.org/presentationml/2006/main">
+  <p:cSld>
+    <p:spTree>
+      <p:nvGrpSpPr>
+        <p:cNvPr id="1" name=""/>
+        <p:cNvGrpSpPr/>
+        <p:nvPr/>
+      </p:nvGrpSpPr>
+      <p:grpSpPr>
+        <a:xfrm>
+          <a:off x="0" y="0"/>
+          <a:ext cx="0" cy="0"/>
+          <a:chOff x="0" y="0"/>
+          <a:chExt cx="0" cy="0"/>
+        </a:xfrm>
+      </p:grpSpPr>
+      <p:sp>
+        <p:nvSpPr>
+          <p:cNvPr id="2" name="Slide Image Placeholder 1"/>
+          <p:cNvSpPr>
+            <a:spLocks noGrp="1" noRot="1" noChangeAspect="1"/>
+          </p:cNvSpPr>
+          <p:nvPr>
+            <p:ph type="sldImg"/>
+          </p:nvPr>
+        </p:nvSpPr>
+        <p:spPr/>
+      </p:sp>
+      <p:sp>
+        <p:nvSpPr>
+          <p:cNvPr id="3" name="Notes Placeholder 2"/>
+          <p:cNvSpPr>
+            <a:spLocks noGrp="1"/>
+          </p:cNvSpPr>
+          <p:nvPr>
+            <p:ph type="body" idx="1"/>
+          </p:nvPr>
+        </p:nvSpPr>
+        <p:spPr/>
+        <p:txBody>
+          <a:bodyPr/>
+          <a:lstStyle/>
+          <a:p>
+            <a:endParaRPr lang="en-US" dirty="0"/>
+          </a:p>
+        </p:txBody>
+      </p:sp>
+      <p:sp>
+        <p:nvSpPr>
+          <p:cNvPr id="4" name="Slide Number Placeholder 3"/>
+          <p:cNvSpPr>
+            <a:spLocks noGrp="1"/>
+          </p:cNvSpPr>
+          <p:nvPr>
+            <p:ph type="sldNum" sz="quarter" idx="5"/>
+          </p:nvPr>
+        </p:nvSpPr>
+        <p:spPr/>
+        <p:txBody>
+          <a:bodyPr/>
+          <a:lstStyle/>
+          <a:p>
+            <a:fld id="{A89C7E07-3C67-C64C-8DA0-0404F6303970}" type="slidenum">
+              <a:rPr lang="en-US" smtClean="0"/>
+              <a:t>28</a:t>
             </a:fld>
             <a:endParaRPr lang="en-US" dirty="0"/>
           </a:p>
@@ -11658,6 +11876,274 @@
         <p:cNvPr id="1" name="">
           <a:extLst>
             <a:ext uri="{FF2B5EF4-FFF2-40B4-BE49-F238E27FC236}">
+              <a16:creationId xmlns:a16="http://schemas.microsoft.com/office/drawing/2014/main" id="{D357C8DC-520F-A13E-19A4-CC2F8606AD38}"/>
+            </a:ext>
+          </a:extLst>
+        </p:cNvPr>
+        <p:cNvGrpSpPr/>
+        <p:nvPr/>
+      </p:nvGrpSpPr>
+      <p:grpSpPr>
+        <a:xfrm>
+          <a:off x="0" y="0"/>
+          <a:ext cx="0" cy="0"/>
+          <a:chOff x="0" y="0"/>
+          <a:chExt cx="0" cy="0"/>
+        </a:xfrm>
+      </p:grpSpPr>
+      <p:sp>
+        <p:nvSpPr>
+          <p:cNvPr id="2" name="Title 1">
+            <a:extLst>
+              <a:ext uri="{FF2B5EF4-FFF2-40B4-BE49-F238E27FC236}">
+                <a16:creationId xmlns:a16="http://schemas.microsoft.com/office/drawing/2014/main" id="{33715ECE-C467-4F34-BD87-4D144DDF9495}"/>
+              </a:ext>
+            </a:extLst>
+          </p:cNvPr>
+          <p:cNvSpPr>
+            <a:spLocks noGrp="1"/>
+          </p:cNvSpPr>
+          <p:nvPr>
+            <p:ph type="title"/>
+          </p:nvPr>
+        </p:nvSpPr>
+        <p:spPr>
+          <a:xfrm>
+            <a:off x="594360" y="198408"/>
+            <a:ext cx="10972800" cy="1574317"/>
+          </a:xfrm>
+        </p:spPr>
+        <p:txBody>
+          <a:bodyPr anchor="b">
+            <a:normAutofit/>
+          </a:bodyPr>
+          <a:lstStyle/>
+          <a:p>
+            <a:r>
+              <a:rPr lang="en-US" dirty="0">
+                <a:latin typeface="Calibri" panose="020F0502020204030204" pitchFamily="34" charset="0"/>
+              </a:rPr>
+              <a:t>Latent Diffusion Model (2)</a:t>
+            </a:r>
+          </a:p>
+        </p:txBody>
+      </p:sp>
+      <p:pic>
+        <p:nvPicPr>
+          <p:cNvPr id="5" name="Picture 4" descr="Diagram of a diagram of a flowchart&#10;&#10;AI-generated content may be incorrect.">
+            <a:extLst>
+              <a:ext uri="{FF2B5EF4-FFF2-40B4-BE49-F238E27FC236}">
+                <a16:creationId xmlns:a16="http://schemas.microsoft.com/office/drawing/2014/main" id="{C3BD097C-6C62-35DD-1C0E-3C4D72ACC57C}"/>
+              </a:ext>
+            </a:extLst>
+          </p:cNvPr>
+          <p:cNvPicPr>
+            <a:picLocks noChangeAspect="1"/>
+          </p:cNvPicPr>
+          <p:nvPr/>
+        </p:nvPicPr>
+        <p:blipFill>
+          <a:blip r:embed="rId3"/>
+          <a:stretch>
+            <a:fillRect/>
+          </a:stretch>
+        </p:blipFill>
+        <p:spPr>
+          <a:xfrm>
+            <a:off x="595523" y="3117800"/>
+            <a:ext cx="5746750" cy="2902109"/>
+          </a:xfrm>
+          <a:prstGeom prst="rect">
+            <a:avLst/>
+          </a:prstGeom>
+          <a:noFill/>
+        </p:spPr>
+      </p:pic>
+      <mc:AlternateContent xmlns:mc="http://schemas.openxmlformats.org/markup-compatibility/2006">
+        <mc:Choice xmlns:a14="http://schemas.microsoft.com/office/drawing/2010/main" Requires="a14">
+          <p:sp>
+            <p:nvSpPr>
+              <p:cNvPr id="3" name="Content Placeholder 2">
+                <a:extLst>
+                  <a:ext uri="{FF2B5EF4-FFF2-40B4-BE49-F238E27FC236}">
+                    <a16:creationId xmlns:a16="http://schemas.microsoft.com/office/drawing/2014/main" id="{537046A1-9401-9237-3F00-FDDCE53A3DED}"/>
+                  </a:ext>
+                </a:extLst>
+              </p:cNvPr>
+              <p:cNvSpPr>
+                <a:spLocks noGrp="1"/>
+              </p:cNvSpPr>
+              <p:nvPr>
+                <p:ph sz="quarter" idx="14"/>
+              </p:nvPr>
+            </p:nvSpPr>
+            <p:spPr>
+              <a:xfrm>
+                <a:off x="6731462" y="2478117"/>
+                <a:ext cx="4246418" cy="4181475"/>
+              </a:xfrm>
+            </p:spPr>
+            <p:txBody>
+              <a:bodyPr>
+                <a:noAutofit/>
+              </a:bodyPr>
+              <a:lstStyle/>
+              <a:p>
+                <a:r>
+                  <a:rPr lang="en-US" dirty="0"/>
+                  <a:t>A VAE compresses images </a:t>
+                </a:r>
+                <a14:m>
+                  <m:oMath xmlns:m="http://schemas.openxmlformats.org/officeDocument/2006/math">
+                    <m:r>
+                      <a:rPr lang="en-US" b="0" i="1" smtClean="0">
+                        <a:latin typeface="Cambria Math" panose="02040503050406030204" pitchFamily="18" charset="0"/>
+                      </a:rPr>
+                      <m:t>𝑥</m:t>
+                    </m:r>
+                  </m:oMath>
+                </a14:m>
+                <a:r>
+                  <a:rPr lang="en-US" dirty="0"/>
+                  <a:t> into a compact latent </a:t>
+                </a:r>
+                <a14:m>
+                  <m:oMath xmlns:m="http://schemas.openxmlformats.org/officeDocument/2006/math">
+                    <m:r>
+                      <a:rPr lang="en-US" b="0" i="1" smtClean="0">
+                        <a:latin typeface="Cambria Math" panose="02040503050406030204" pitchFamily="18" charset="0"/>
+                      </a:rPr>
+                      <m:t>𝑧</m:t>
+                    </m:r>
+                  </m:oMath>
+                </a14:m>
+                <a:r>
+                  <a:rPr lang="en-US" dirty="0"/>
+                  <a:t>, removing imperceptible details while retaining semantic information.</a:t>
+                </a:r>
+              </a:p>
+              <a:p>
+                <a:r>
+                  <a:rPr lang="en-US" dirty="0"/>
+                  <a:t>Use </a:t>
+                </a:r>
+                <a14:m>
+                  <m:oMath xmlns:m="http://schemas.openxmlformats.org/officeDocument/2006/math">
+                    <m:r>
+                      <a:rPr lang="en-US" b="0" i="1" smtClean="0">
+                        <a:latin typeface="Cambria Math" panose="02040503050406030204" pitchFamily="18" charset="0"/>
+                      </a:rPr>
+                      <m:t>𝑧</m:t>
+                    </m:r>
+                  </m:oMath>
+                </a14:m>
+                <a:r>
+                  <a:rPr lang="en-US" dirty="0"/>
+                  <a:t> for training a diffusion model (U-Net). Noise is added to the latent representation </a:t>
+                </a:r>
+                <a14:m>
+                  <m:oMath xmlns:m="http://schemas.openxmlformats.org/officeDocument/2006/math">
+                    <m:r>
+                      <a:rPr lang="en-US" b="0" i="1" smtClean="0">
+                        <a:latin typeface="Cambria Math" panose="02040503050406030204" pitchFamily="18" charset="0"/>
+                      </a:rPr>
+                      <m:t>𝑧</m:t>
+                    </m:r>
+                  </m:oMath>
+                </a14:m>
+                <a:r>
+                  <a:rPr lang="en-US" dirty="0"/>
+                  <a:t>. A U-Net denoiser is trained to reverse this noising process and reconstruct </a:t>
+                </a:r>
+                <a14:m>
+                  <m:oMath xmlns:m="http://schemas.openxmlformats.org/officeDocument/2006/math">
+                    <m:r>
+                      <a:rPr lang="en-US" b="0" i="1" smtClean="0">
+                        <a:latin typeface="Cambria Math" panose="02040503050406030204" pitchFamily="18" charset="0"/>
+                      </a:rPr>
+                      <m:t>𝑧</m:t>
+                    </m:r>
+                  </m:oMath>
+                </a14:m>
+                <a:r>
+                  <a:rPr lang="en-US" dirty="0"/>
+                  <a:t>.</a:t>
+                </a:r>
+              </a:p>
+              <a:p>
+                <a:r>
+                  <a:rPr lang="en-US" dirty="0"/>
+                  <a:t>Use Cross-Attention to inject conditioning inputs, allowing the model to generate images based on text prompts.</a:t>
+                </a:r>
+              </a:p>
+            </p:txBody>
+          </p:sp>
+        </mc:Choice>
+        <mc:Fallback>
+          <p:sp>
+            <p:nvSpPr>
+              <p:cNvPr id="3" name="Content Placeholder 2">
+                <a:extLst>
+                  <a:ext uri="{FF2B5EF4-FFF2-40B4-BE49-F238E27FC236}">
+                    <a16:creationId xmlns:a16="http://schemas.microsoft.com/office/drawing/2014/main" id="{537046A1-9401-9237-3F00-FDDCE53A3DED}"/>
+                  </a:ext>
+                </a:extLst>
+              </p:cNvPr>
+              <p:cNvSpPr>
+                <a:spLocks noGrp="1" noRot="1" noChangeAspect="1" noMove="1" noResize="1" noEditPoints="1" noAdjustHandles="1" noChangeArrowheads="1" noChangeShapeType="1" noTextEdit="1"/>
+              </p:cNvSpPr>
+              <p:nvPr>
+                <p:ph sz="quarter" idx="14"/>
+              </p:nvPr>
+            </p:nvSpPr>
+            <p:spPr>
+              <a:xfrm>
+                <a:off x="6731462" y="2478117"/>
+                <a:ext cx="4246418" cy="4181475"/>
+              </a:xfrm>
+              <a:blipFill>
+                <a:blip r:embed="rId4"/>
+                <a:stretch>
+                  <a:fillRect l="-3443" t="-1606" r="-1865" b="-1168"/>
+                </a:stretch>
+              </a:blipFill>
+            </p:spPr>
+            <p:txBody>
+              <a:bodyPr/>
+              <a:lstStyle/>
+              <a:p>
+                <a:r>
+                  <a:rPr lang="en-US">
+                    <a:noFill/>
+                  </a:rPr>
+                  <a:t> </a:t>
+                </a:r>
+              </a:p>
+            </p:txBody>
+          </p:sp>
+        </mc:Fallback>
+      </mc:AlternateContent>
+    </p:spTree>
+    <p:extLst>
+      <p:ext uri="{BB962C8B-B14F-4D97-AF65-F5344CB8AC3E}">
+        <p14:creationId xmlns:p14="http://schemas.microsoft.com/office/powerpoint/2010/main" val="3983361813"/>
+      </p:ext>
+    </p:extLst>
+  </p:cSld>
+  <p:clrMapOvr>
+    <a:masterClrMapping/>
+  </p:clrMapOvr>
+</p:sld>
+</file>
+
+<file path=ppt/slides/slide11.xml><?xml version="1.0" encoding="utf-8"?>
+<p:sld xmlns:a="http://schemas.openxmlformats.org/drawingml/2006/main" xmlns:r="http://schemas.openxmlformats.org/officeDocument/2006/relationships" xmlns:p="http://schemas.openxmlformats.org/presentationml/2006/main">
+  <p:cSld>
+    <p:spTree>
+      <p:nvGrpSpPr>
+        <p:cNvPr id="1" name="">
+          <a:extLst>
+            <a:ext uri="{FF2B5EF4-FFF2-40B4-BE49-F238E27FC236}">
               <a16:creationId xmlns:a16="http://schemas.microsoft.com/office/drawing/2014/main" id="{B4AC84EF-A610-3FF3-C618-BC3DB9555C16}"/>
             </a:ext>
           </a:extLst>
@@ -11828,7 +12314,7 @@
 </p:sld>
 </file>
 
-<file path=ppt/slides/slide11.xml><?xml version="1.0" encoding="utf-8"?>
+<file path=ppt/slides/slide12.xml><?xml version="1.0" encoding="utf-8"?>
 <p:sld xmlns:a="http://schemas.openxmlformats.org/drawingml/2006/main" xmlns:r="http://schemas.openxmlformats.org/officeDocument/2006/relationships" xmlns:p="http://schemas.openxmlformats.org/presentationml/2006/main">
   <p:cSld>
     <p:spTree>
@@ -11991,8 +12477,8 @@
               <a:chExt cx="7978820" cy="4172541"/>
             </a:xfrm>
           </p:grpSpPr>
-          <mc:AlternateContent xmlns:mc="http://schemas.openxmlformats.org/markup-compatibility/2006">
-            <mc:Choice xmlns:a14="http://schemas.microsoft.com/office/drawing/2010/main" Requires="a14">
+          <mc:AlternateContent xmlns:mc="http://schemas.openxmlformats.org/markup-compatibility/2006" xmlns:a14="http://schemas.microsoft.com/office/drawing/2010/main">
+            <mc:Choice Requires="a14">
               <p:sp>
                 <p:nvSpPr>
                   <p:cNvPr id="13" name="Rectangle: Rounded Corners 12">
@@ -12243,7 +12729,7 @@
                 </p:txBody>
               </p:sp>
             </mc:Choice>
-            <mc:Fallback>
+            <mc:Fallback xmlns="">
               <p:sp>
                 <p:nvSpPr>
                   <p:cNvPr id="13" name="Rectangle: Rounded Corners 12">
@@ -13947,7 +14433,7 @@
 </p:sld>
 </file>
 
-<file path=ppt/slides/slide12.xml><?xml version="1.0" encoding="utf-8"?>
+<file path=ppt/slides/slide13.xml><?xml version="1.0" encoding="utf-8"?>
 <p:sld xmlns:a="http://schemas.openxmlformats.org/drawingml/2006/main" xmlns:r="http://schemas.openxmlformats.org/officeDocument/2006/relationships" xmlns:p="http://schemas.openxmlformats.org/presentationml/2006/main">
   <p:cSld>
     <p:spTree>
@@ -14046,7 +14532,7 @@
 </p:sld>
 </file>
 
-<file path=ppt/slides/slide13.xml><?xml version="1.0" encoding="utf-8"?>
+<file path=ppt/slides/slide14.xml><?xml version="1.0" encoding="utf-8"?>
 <p:sld xmlns:a="http://schemas.openxmlformats.org/drawingml/2006/main" xmlns:r="http://schemas.openxmlformats.org/officeDocument/2006/relationships" xmlns:p="http://schemas.openxmlformats.org/presentationml/2006/main">
   <p:cSld>
     <p:spTree>
@@ -14230,7 +14716,7 @@
 </p:sld>
 </file>
 
-<file path=ppt/slides/slide14.xml><?xml version="1.0" encoding="utf-8"?>
+<file path=ppt/slides/slide15.xml><?xml version="1.0" encoding="utf-8"?>
 <p:sld xmlns:a="http://schemas.openxmlformats.org/drawingml/2006/main" xmlns:r="http://schemas.openxmlformats.org/officeDocument/2006/relationships" xmlns:p="http://schemas.openxmlformats.org/presentationml/2006/main">
   <p:cSld>
     <p:spTree>
@@ -14684,7 +15170,2126 @@
 </p:sld>
 </file>
 
-<file path=ppt/slides/slide15.xml><?xml version="1.0" encoding="utf-8"?>
+<file path=ppt/slides/slide16.xml><?xml version="1.0" encoding="utf-8"?>
+<p:sld xmlns:a="http://schemas.openxmlformats.org/drawingml/2006/main" xmlns:r="http://schemas.openxmlformats.org/officeDocument/2006/relationships" xmlns:p="http://schemas.openxmlformats.org/presentationml/2006/main">
+  <p:cSld>
+    <p:spTree>
+      <p:nvGrpSpPr>
+        <p:cNvPr id="1" name="">
+          <a:extLst>
+            <a:ext uri="{FF2B5EF4-FFF2-40B4-BE49-F238E27FC236}">
+              <a16:creationId xmlns:a16="http://schemas.microsoft.com/office/drawing/2014/main" id="{EDC4F32B-1987-AD69-3A68-1FA3ABC243E8}"/>
+            </a:ext>
+          </a:extLst>
+        </p:cNvPr>
+        <p:cNvGrpSpPr/>
+        <p:nvPr/>
+      </p:nvGrpSpPr>
+      <p:grpSpPr>
+        <a:xfrm>
+          <a:off x="0" y="0"/>
+          <a:ext cx="0" cy="0"/>
+          <a:chOff x="0" y="0"/>
+          <a:chExt cx="0" cy="0"/>
+        </a:xfrm>
+      </p:grpSpPr>
+      <p:sp>
+        <p:nvSpPr>
+          <p:cNvPr id="2" name="Title 1">
+            <a:extLst>
+              <a:ext uri="{FF2B5EF4-FFF2-40B4-BE49-F238E27FC236}">
+                <a16:creationId xmlns:a16="http://schemas.microsoft.com/office/drawing/2014/main" id="{7FAB31CF-912F-AC1B-1CD6-6532F25F738A}"/>
+              </a:ext>
+            </a:extLst>
+          </p:cNvPr>
+          <p:cNvSpPr>
+            <a:spLocks noGrp="1"/>
+          </p:cNvSpPr>
+          <p:nvPr>
+            <p:ph type="title"/>
+          </p:nvPr>
+        </p:nvSpPr>
+        <p:spPr>
+          <a:xfrm>
+            <a:off x="594360" y="278129"/>
+            <a:ext cx="9778365" cy="1494596"/>
+          </a:xfrm>
+        </p:spPr>
+        <p:txBody>
+          <a:bodyPr/>
+          <a:lstStyle/>
+          <a:p>
+            <a:r>
+              <a:rPr lang="en-US" dirty="0"/>
+              <a:t>Contrastive Denoising Score</a:t>
+            </a:r>
+          </a:p>
+        </p:txBody>
+      </p:sp>
+      <p:grpSp>
+        <p:nvGrpSpPr>
+          <p:cNvPr id="56" name="Group 55">
+            <a:extLst>
+              <a:ext uri="{FF2B5EF4-FFF2-40B4-BE49-F238E27FC236}">
+                <a16:creationId xmlns:a16="http://schemas.microsoft.com/office/drawing/2014/main" id="{3831231B-D939-B442-3F9D-6DAA7E0A3C9E}"/>
+              </a:ext>
+            </a:extLst>
+          </p:cNvPr>
+          <p:cNvGrpSpPr/>
+          <p:nvPr/>
+        </p:nvGrpSpPr>
+        <p:grpSpPr>
+          <a:xfrm>
+            <a:off x="3452226" y="2039480"/>
+            <a:ext cx="8304078" cy="4439919"/>
+            <a:chOff x="2733006" y="2306320"/>
+            <a:chExt cx="8304078" cy="4439919"/>
+          </a:xfrm>
+        </p:grpSpPr>
+        <p:sp>
+          <p:nvSpPr>
+            <p:cNvPr id="50" name="Rectangle: Rounded Corners 49">
+              <a:extLst>
+                <a:ext uri="{FF2B5EF4-FFF2-40B4-BE49-F238E27FC236}">
+                  <a16:creationId xmlns:a16="http://schemas.microsoft.com/office/drawing/2014/main" id="{9141DB97-C3DF-052A-BEE2-F286C3E66A50}"/>
+                </a:ext>
+              </a:extLst>
+            </p:cNvPr>
+            <p:cNvSpPr/>
+            <p:nvPr/>
+          </p:nvSpPr>
+          <p:spPr>
+            <a:xfrm>
+              <a:off x="2733006" y="2306320"/>
+              <a:ext cx="8304078" cy="4439919"/>
+            </a:xfrm>
+            <a:prstGeom prst="roundRect">
+              <a:avLst>
+                <a:gd name="adj" fmla="val 7971"/>
+              </a:avLst>
+            </a:prstGeom>
+            <a:solidFill>
+              <a:schemeClr val="accent2">
+                <a:lumMod val="20000"/>
+                <a:lumOff val="80000"/>
+              </a:schemeClr>
+            </a:solidFill>
+            <a:ln>
+              <a:solidFill>
+                <a:srgbClr val="002060"/>
+              </a:solidFill>
+            </a:ln>
+          </p:spPr>
+          <p:style>
+            <a:lnRef idx="2">
+              <a:schemeClr val="accent1">
+                <a:shade val="15000"/>
+              </a:schemeClr>
+            </a:lnRef>
+            <a:fillRef idx="1">
+              <a:schemeClr val="accent1"/>
+            </a:fillRef>
+            <a:effectRef idx="0">
+              <a:schemeClr val="accent1"/>
+            </a:effectRef>
+            <a:fontRef idx="minor">
+              <a:schemeClr val="lt1"/>
+            </a:fontRef>
+          </p:style>
+          <p:txBody>
+            <a:bodyPr rtlCol="0" anchor="t"/>
+            <a:lstStyle/>
+            <a:p>
+              <a:r>
+                <a:rPr lang="en-US" b="1" dirty="0">
+                  <a:solidFill>
+                    <a:srgbClr val="FF0000"/>
+                  </a:solidFill>
+                  <a:latin typeface="Calibri" panose="020F0502020204030204" pitchFamily="34" charset="0"/>
+                  <a:cs typeface="Calibri" panose="020F0502020204030204" pitchFamily="34" charset="0"/>
+                </a:rPr>
+                <a:t>Loop N times</a:t>
+              </a:r>
+            </a:p>
+          </p:txBody>
+        </p:sp>
+        <p:grpSp>
+          <p:nvGrpSpPr>
+            <p:cNvPr id="47" name="Group 46">
+              <a:extLst>
+                <a:ext uri="{FF2B5EF4-FFF2-40B4-BE49-F238E27FC236}">
+                  <a16:creationId xmlns:a16="http://schemas.microsoft.com/office/drawing/2014/main" id="{759D9D40-50C9-BDC1-AD07-5E521ED9CB7A}"/>
+                </a:ext>
+              </a:extLst>
+            </p:cNvPr>
+            <p:cNvGrpSpPr/>
+            <p:nvPr/>
+          </p:nvGrpSpPr>
+          <p:grpSpPr>
+            <a:xfrm>
+              <a:off x="2963224" y="2440009"/>
+              <a:ext cx="7978820" cy="4172541"/>
+              <a:chOff x="2786250" y="2353666"/>
+              <a:chExt cx="7978820" cy="4172541"/>
+            </a:xfrm>
+          </p:grpSpPr>
+          <mc:AlternateContent xmlns:mc="http://schemas.openxmlformats.org/markup-compatibility/2006" xmlns:a14="http://schemas.microsoft.com/office/drawing/2010/main">
+            <mc:Choice Requires="a14">
+              <p:sp>
+                <p:nvSpPr>
+                  <p:cNvPr id="13" name="Rectangle: Rounded Corners 12">
+                    <a:extLst>
+                      <a:ext uri="{FF2B5EF4-FFF2-40B4-BE49-F238E27FC236}">
+                        <a16:creationId xmlns:a16="http://schemas.microsoft.com/office/drawing/2014/main" id="{06738DE5-D739-3518-5263-02ED691BA2EB}"/>
+                      </a:ext>
+                    </a:extLst>
+                  </p:cNvPr>
+                  <p:cNvSpPr/>
+                  <p:nvPr/>
+                </p:nvSpPr>
+                <p:spPr>
+                  <a:xfrm>
+                    <a:off x="7862311" y="3982736"/>
+                    <a:ext cx="2902759" cy="914400"/>
+                  </a:xfrm>
+                  <a:prstGeom prst="roundRect">
+                    <a:avLst/>
+                  </a:prstGeom>
+                  <a:solidFill>
+                    <a:schemeClr val="accent2">
+                      <a:lumMod val="20000"/>
+                      <a:lumOff val="80000"/>
+                    </a:schemeClr>
+                  </a:solidFill>
+                  <a:ln>
+                    <a:solidFill>
+                      <a:schemeClr val="accent2">
+                        <a:lumMod val="20000"/>
+                        <a:lumOff val="80000"/>
+                      </a:schemeClr>
+                    </a:solidFill>
+                  </a:ln>
+                </p:spPr>
+                <p:style>
+                  <a:lnRef idx="2">
+                    <a:schemeClr val="accent1">
+                      <a:shade val="15000"/>
+                    </a:schemeClr>
+                  </a:lnRef>
+                  <a:fillRef idx="1">
+                    <a:schemeClr val="accent1"/>
+                  </a:fillRef>
+                  <a:effectRef idx="0">
+                    <a:schemeClr val="accent1"/>
+                  </a:effectRef>
+                  <a:fontRef idx="minor">
+                    <a:schemeClr val="lt1"/>
+                  </a:fontRef>
+                </p:style>
+                <p:txBody>
+                  <a:bodyPr rtlCol="0" anchor="ctr"/>
+                  <a:lstStyle/>
+                  <a:p>
+                    <a:pPr algn="ctr"/>
+                    <a14:m>
+                      <m:oMathPara xmlns:m="http://schemas.openxmlformats.org/officeDocument/2006/math">
+                        <m:oMathParaPr>
+                          <m:jc m:val="centerGroup"/>
+                        </m:oMathParaPr>
+                        <m:oMath xmlns:m="http://schemas.openxmlformats.org/officeDocument/2006/math">
+                          <m:acc>
+                            <m:accPr>
+                              <m:chr m:val="̂"/>
+                              <m:ctrlPr>
+                                <a:rPr lang="en-US" b="1" i="1" smtClean="0">
+                                  <a:solidFill>
+                                    <a:sysClr val="windowText" lastClr="000000"/>
+                                  </a:solidFill>
+                                  <a:latin typeface="Cambria Math" panose="02040503050406030204" pitchFamily="18" charset="0"/>
+                                </a:rPr>
+                              </m:ctrlPr>
+                            </m:accPr>
+                            <m:e>
+                              <m:r>
+                                <a:rPr lang="en-US" b="1" i="1" smtClean="0">
+                                  <a:solidFill>
+                                    <a:sysClr val="windowText" lastClr="000000"/>
+                                  </a:solidFill>
+                                  <a:latin typeface="Cambria Math" panose="02040503050406030204" pitchFamily="18" charset="0"/>
+                                </a:rPr>
+                                <m:t>𝝐</m:t>
+                              </m:r>
+                            </m:e>
+                          </m:acc>
+                          <m:r>
+                            <a:rPr lang="en-US" b="0" i="1" smtClean="0">
+                              <a:solidFill>
+                                <a:sysClr val="windowText" lastClr="000000"/>
+                              </a:solidFill>
+                              <a:latin typeface="Cambria Math" panose="02040503050406030204" pitchFamily="18" charset="0"/>
+                            </a:rPr>
+                            <m:t>=</m:t>
+                          </m:r>
+                          <m:sSub>
+                            <m:sSubPr>
+                              <m:ctrlPr>
+                                <a:rPr lang="en-US" b="0" i="1" smtClean="0">
+                                  <a:solidFill>
+                                    <a:sysClr val="windowText" lastClr="000000"/>
+                                  </a:solidFill>
+                                  <a:latin typeface="Cambria Math" panose="02040503050406030204" pitchFamily="18" charset="0"/>
+                                </a:rPr>
+                              </m:ctrlPr>
+                            </m:sSubPr>
+                            <m:e>
+                              <m:r>
+                                <a:rPr lang="en-US" b="0" i="1" smtClean="0">
+                                  <a:solidFill>
+                                    <a:sysClr val="windowText" lastClr="000000"/>
+                                  </a:solidFill>
+                                  <a:latin typeface="Cambria Math" panose="02040503050406030204" pitchFamily="18" charset="0"/>
+                                </a:rPr>
+                                <m:t>𝐹</m:t>
+                              </m:r>
+                            </m:e>
+                            <m:sub>
+                              <m:r>
+                                <a:rPr lang="en-US" b="0" i="1" smtClean="0">
+                                  <a:solidFill>
+                                    <a:sysClr val="windowText" lastClr="000000"/>
+                                  </a:solidFill>
+                                  <a:latin typeface="Cambria Math" panose="02040503050406030204" pitchFamily="18" charset="0"/>
+                                </a:rPr>
+                                <m:t>𝑑𝑖𝑓𝑓𝑢𝑠𝑖𝑜𝑛</m:t>
+                              </m:r>
+                            </m:sub>
+                          </m:sSub>
+                          <m:d>
+                            <m:dPr>
+                              <m:ctrlPr>
+                                <a:rPr lang="en-US" b="0" i="1" smtClean="0">
+                                  <a:solidFill>
+                                    <a:sysClr val="windowText" lastClr="000000"/>
+                                  </a:solidFill>
+                                  <a:latin typeface="Cambria Math" panose="02040503050406030204" pitchFamily="18" charset="0"/>
+                                </a:rPr>
+                              </m:ctrlPr>
+                            </m:dPr>
+                            <m:e>
+                              <m:sSub>
+                                <m:sSubPr>
+                                  <m:ctrlPr>
+                                    <a:rPr lang="en-US" b="1" i="1" smtClean="0">
+                                      <a:solidFill>
+                                        <a:sysClr val="windowText" lastClr="000000"/>
+                                      </a:solidFill>
+                                      <a:latin typeface="Cambria Math" panose="02040503050406030204" pitchFamily="18" charset="0"/>
+                                    </a:rPr>
+                                  </m:ctrlPr>
+                                </m:sSubPr>
+                                <m:e>
+                                  <m:r>
+                                    <a:rPr lang="en-US" b="1" i="1" smtClean="0">
+                                      <a:solidFill>
+                                        <a:sysClr val="windowText" lastClr="000000"/>
+                                      </a:solidFill>
+                                      <a:latin typeface="Cambria Math" panose="02040503050406030204" pitchFamily="18" charset="0"/>
+                                    </a:rPr>
+                                    <m:t>𝒛</m:t>
+                                  </m:r>
+                                </m:e>
+                                <m:sub>
+                                  <m:r>
+                                    <a:rPr lang="en-US" b="1" i="1" smtClean="0">
+                                      <a:solidFill>
+                                        <a:sysClr val="windowText" lastClr="000000"/>
+                                      </a:solidFill>
+                                      <a:latin typeface="Cambria Math" panose="02040503050406030204" pitchFamily="18" charset="0"/>
+                                    </a:rPr>
+                                    <m:t>𝒕</m:t>
+                                  </m:r>
+                                </m:sub>
+                              </m:sSub>
+                              <m:r>
+                                <a:rPr lang="en-US" b="0" i="1" smtClean="0">
+                                  <a:solidFill>
+                                    <a:sysClr val="windowText" lastClr="000000"/>
+                                  </a:solidFill>
+                                  <a:latin typeface="Cambria Math" panose="02040503050406030204" pitchFamily="18" charset="0"/>
+                                </a:rPr>
+                                <m:t>, </m:t>
+                              </m:r>
+                              <m:sSub>
+                                <m:sSubPr>
+                                  <m:ctrlPr>
+                                    <a:rPr lang="en-US" b="1" i="1" smtClean="0">
+                                      <a:solidFill>
+                                        <a:sysClr val="windowText" lastClr="000000"/>
+                                      </a:solidFill>
+                                      <a:latin typeface="Cambria Math" panose="02040503050406030204" pitchFamily="18" charset="0"/>
+                                    </a:rPr>
+                                  </m:ctrlPr>
+                                </m:sSubPr>
+                                <m:e>
+                                  <m:r>
+                                    <a:rPr lang="en-US" b="1" i="1" smtClean="0">
+                                      <a:solidFill>
+                                        <a:sysClr val="windowText" lastClr="000000"/>
+                                      </a:solidFill>
+                                      <a:latin typeface="Cambria Math" panose="02040503050406030204" pitchFamily="18" charset="0"/>
+                                    </a:rPr>
+                                    <m:t>𝒚</m:t>
+                                  </m:r>
+                                </m:e>
+                                <m:sub>
+                                  <m:r>
+                                    <a:rPr lang="en-US" b="1" i="1" smtClean="0">
+                                      <a:solidFill>
+                                        <a:sysClr val="windowText" lastClr="000000"/>
+                                      </a:solidFill>
+                                      <a:latin typeface="Cambria Math" panose="02040503050406030204" pitchFamily="18" charset="0"/>
+                                    </a:rPr>
+                                    <m:t>𝒕𝒆𝒙𝒕</m:t>
+                                  </m:r>
+                                </m:sub>
+                              </m:sSub>
+                              <m:r>
+                                <a:rPr lang="en-US" b="0" i="1" smtClean="0">
+                                  <a:solidFill>
+                                    <a:sysClr val="windowText" lastClr="000000"/>
+                                  </a:solidFill>
+                                  <a:latin typeface="Cambria Math" panose="02040503050406030204" pitchFamily="18" charset="0"/>
+                                </a:rPr>
+                                <m:t>, </m:t>
+                              </m:r>
+                              <m:r>
+                                <a:rPr lang="en-US" b="0" i="1" smtClean="0">
+                                  <a:solidFill>
+                                    <a:sysClr val="windowText" lastClr="000000"/>
+                                  </a:solidFill>
+                                  <a:latin typeface="Cambria Math" panose="02040503050406030204" pitchFamily="18" charset="0"/>
+                                </a:rPr>
+                                <m:t>𝑡</m:t>
+                              </m:r>
+                            </m:e>
+                          </m:d>
+                        </m:oMath>
+                      </m:oMathPara>
+                    </a14:m>
+                    <a:endParaRPr lang="en-US" b="1" i="1" dirty="0">
+                      <a:solidFill>
+                        <a:sysClr val="windowText" lastClr="000000"/>
+                      </a:solidFill>
+                    </a:endParaRPr>
+                  </a:p>
+                </p:txBody>
+              </p:sp>
+            </mc:Choice>
+            <mc:Fallback xmlns="">
+              <p:sp>
+                <p:nvSpPr>
+                  <p:cNvPr id="13" name="Rectangle: Rounded Corners 12">
+                    <a:extLst>
+                      <a:ext uri="{FF2B5EF4-FFF2-40B4-BE49-F238E27FC236}">
+                        <a16:creationId xmlns:a16="http://schemas.microsoft.com/office/drawing/2014/main" id="{06738DE5-D739-3518-5263-02ED691BA2EB}"/>
+                      </a:ext>
+                    </a:extLst>
+                  </p:cNvPr>
+                  <p:cNvSpPr>
+                    <a:spLocks noRot="1" noChangeAspect="1" noMove="1" noResize="1" noEditPoints="1" noAdjustHandles="1" noChangeArrowheads="1" noChangeShapeType="1" noTextEdit="1"/>
+                  </p:cNvSpPr>
+                  <p:nvPr/>
+                </p:nvSpPr>
+                <p:spPr>
+                  <a:xfrm>
+                    <a:off x="7862311" y="3982736"/>
+                    <a:ext cx="2902759" cy="914400"/>
+                  </a:xfrm>
+                  <a:prstGeom prst="roundRect">
+                    <a:avLst/>
+                  </a:prstGeom>
+                  <a:blipFill>
+                    <a:blip r:embed="rId3"/>
+                    <a:stretch>
+                      <a:fillRect/>
+                    </a:stretch>
+                  </a:blipFill>
+                  <a:ln>
+                    <a:solidFill>
+                      <a:schemeClr val="accent2">
+                        <a:lumMod val="20000"/>
+                        <a:lumOff val="80000"/>
+                      </a:schemeClr>
+                    </a:solidFill>
+                  </a:ln>
+                </p:spPr>
+                <p:txBody>
+                  <a:bodyPr/>
+                  <a:lstStyle/>
+                  <a:p>
+                    <a:r>
+                      <a:rPr lang="en-US">
+                        <a:noFill/>
+                      </a:rPr>
+                      <a:t> </a:t>
+                    </a:r>
+                  </a:p>
+                </p:txBody>
+              </p:sp>
+            </mc:Fallback>
+          </mc:AlternateContent>
+          <p:grpSp>
+            <p:nvGrpSpPr>
+              <p:cNvPr id="24" name="Group 23">
+                <a:extLst>
+                  <a:ext uri="{FF2B5EF4-FFF2-40B4-BE49-F238E27FC236}">
+                    <a16:creationId xmlns:a16="http://schemas.microsoft.com/office/drawing/2014/main" id="{62E67EFC-C1C5-B435-068D-826766AAFABB}"/>
+                  </a:ext>
+                </a:extLst>
+              </p:cNvPr>
+              <p:cNvGrpSpPr/>
+              <p:nvPr/>
+            </p:nvGrpSpPr>
+            <p:grpSpPr>
+              <a:xfrm>
+                <a:off x="5237537" y="2353666"/>
+                <a:ext cx="2902759" cy="4172541"/>
+                <a:chOff x="6338081" y="2353666"/>
+                <a:chExt cx="2902759" cy="4172541"/>
+              </a:xfrm>
+            </p:grpSpPr>
+            <mc:AlternateContent xmlns:mc="http://schemas.openxmlformats.org/markup-compatibility/2006" xmlns:a14="http://schemas.microsoft.com/office/drawing/2010/main">
+              <mc:Choice Requires="a14">
+                <p:sp>
+                  <p:nvSpPr>
+                    <p:cNvPr id="11" name="Rectangle: Rounded Corners 10">
+                      <a:extLst>
+                        <a:ext uri="{FF2B5EF4-FFF2-40B4-BE49-F238E27FC236}">
+                          <a16:creationId xmlns:a16="http://schemas.microsoft.com/office/drawing/2014/main" id="{0A86D2D8-B890-C2B5-C965-02BAD48A5AB4}"/>
+                        </a:ext>
+                      </a:extLst>
+                    </p:cNvPr>
+                    <p:cNvSpPr/>
+                    <p:nvPr/>
+                  </p:nvSpPr>
+                  <p:spPr>
+                    <a:xfrm>
+                      <a:off x="6338082" y="2353666"/>
+                      <a:ext cx="2902758" cy="914400"/>
+                    </a:xfrm>
+                    <a:prstGeom prst="roundRect">
+                      <a:avLst/>
+                    </a:prstGeom>
+                    <a:solidFill>
+                      <a:schemeClr val="accent2">
+                        <a:lumMod val="20000"/>
+                        <a:lumOff val="80000"/>
+                      </a:schemeClr>
+                    </a:solidFill>
+                    <a:ln>
+                      <a:solidFill>
+                        <a:schemeClr val="accent2">
+                          <a:lumMod val="20000"/>
+                          <a:lumOff val="80000"/>
+                        </a:schemeClr>
+                      </a:solidFill>
+                    </a:ln>
+                  </p:spPr>
+                  <p:style>
+                    <a:lnRef idx="2">
+                      <a:schemeClr val="accent1">
+                        <a:shade val="15000"/>
+                      </a:schemeClr>
+                    </a:lnRef>
+                    <a:fillRef idx="1">
+                      <a:schemeClr val="accent1"/>
+                    </a:fillRef>
+                    <a:effectRef idx="0">
+                      <a:schemeClr val="accent1"/>
+                    </a:effectRef>
+                    <a:fontRef idx="minor">
+                      <a:schemeClr val="lt1"/>
+                    </a:fontRef>
+                  </p:style>
+                  <p:txBody>
+                    <a:bodyPr rtlCol="0" anchor="ctr"/>
+                    <a:lstStyle/>
+                    <a:p>
+                      <a:pPr algn="ctr"/>
+                      <a14:m>
+                        <m:oMathPara xmlns:m="http://schemas.openxmlformats.org/officeDocument/2006/math">
+                          <m:oMathParaPr>
+                            <m:jc m:val="centerGroup"/>
+                          </m:oMathParaPr>
+                          <m:oMath xmlns:m="http://schemas.openxmlformats.org/officeDocument/2006/math">
+                            <m:r>
+                              <a:rPr lang="en-US" b="1" i="1" smtClean="0">
+                                <a:solidFill>
+                                  <a:sysClr val="windowText" lastClr="000000"/>
+                                </a:solidFill>
+                                <a:latin typeface="Cambria Math" panose="02040503050406030204" pitchFamily="18" charset="0"/>
+                              </a:rPr>
+                              <m:t>𝒙</m:t>
+                            </m:r>
+                            <m:r>
+                              <a:rPr lang="en-US" b="0" i="1" smtClean="0">
+                                <a:solidFill>
+                                  <a:sysClr val="windowText" lastClr="000000"/>
+                                </a:solidFill>
+                                <a:latin typeface="Cambria Math" panose="02040503050406030204" pitchFamily="18" charset="0"/>
+                              </a:rPr>
+                              <m:t>=</m:t>
+                            </m:r>
+                            <m:r>
+                              <a:rPr lang="en-US" b="0" i="1" smtClean="0">
+                                <a:solidFill>
+                                  <a:sysClr val="windowText" lastClr="000000"/>
+                                </a:solidFill>
+                                <a:latin typeface="Cambria Math" panose="02040503050406030204" pitchFamily="18" charset="0"/>
+                              </a:rPr>
+                              <m:t>𝐺</m:t>
+                            </m:r>
+                            <m:d>
+                              <m:dPr>
+                                <m:ctrlPr>
+                                  <a:rPr lang="en-US" b="0" i="1" smtClean="0">
+                                    <a:solidFill>
+                                      <a:sysClr val="windowText" lastClr="000000"/>
+                                    </a:solidFill>
+                                    <a:latin typeface="Cambria Math" panose="02040503050406030204" pitchFamily="18" charset="0"/>
+                                  </a:rPr>
+                                </m:ctrlPr>
+                              </m:dPr>
+                              <m:e>
+                                <m:r>
+                                  <a:rPr lang="en-US" b="0" i="1" smtClean="0">
+                                    <a:solidFill>
+                                      <a:sysClr val="windowText" lastClr="000000"/>
+                                    </a:solidFill>
+                                    <a:latin typeface="Cambria Math" panose="02040503050406030204" pitchFamily="18" charset="0"/>
+                                  </a:rPr>
+                                  <m:t>𝜃</m:t>
+                                </m:r>
+                              </m:e>
+                            </m:d>
+                          </m:oMath>
+                        </m:oMathPara>
+                      </a14:m>
+                      <a:endParaRPr lang="en-US" dirty="0">
+                        <a:solidFill>
+                          <a:sysClr val="windowText" lastClr="000000"/>
+                        </a:solidFill>
+                      </a:endParaRPr>
+                    </a:p>
+                    <a:p>
+                      <a:pPr algn="ctr"/>
+                      <a14:m>
+                        <m:oMathPara xmlns:m="http://schemas.openxmlformats.org/officeDocument/2006/math">
+                          <m:oMathParaPr>
+                            <m:jc m:val="centerGroup"/>
+                          </m:oMathParaPr>
+                          <m:oMath xmlns:m="http://schemas.openxmlformats.org/officeDocument/2006/math">
+                            <m:sSub>
+                              <m:sSubPr>
+                                <m:ctrlPr>
+                                  <a:rPr lang="en-US" b="1" i="1" smtClean="0">
+                                    <a:solidFill>
+                                      <a:sysClr val="windowText" lastClr="000000"/>
+                                    </a:solidFill>
+                                    <a:latin typeface="Cambria Math" panose="02040503050406030204" pitchFamily="18" charset="0"/>
+                                  </a:rPr>
+                                </m:ctrlPr>
+                              </m:sSubPr>
+                              <m:e>
+                                <m:r>
+                                  <a:rPr lang="en-US" b="1" i="1" smtClean="0">
+                                    <a:solidFill>
+                                      <a:sysClr val="windowText" lastClr="000000"/>
+                                    </a:solidFill>
+                                    <a:latin typeface="Cambria Math" panose="02040503050406030204" pitchFamily="18" charset="0"/>
+                                  </a:rPr>
+                                  <m:t>𝒛</m:t>
+                                </m:r>
+                              </m:e>
+                              <m:sub>
+                                <m:r>
+                                  <a:rPr lang="en-US" b="1" i="1" smtClean="0">
+                                    <a:solidFill>
+                                      <a:sysClr val="windowText" lastClr="000000"/>
+                                    </a:solidFill>
+                                    <a:latin typeface="Cambria Math" panose="02040503050406030204" pitchFamily="18" charset="0"/>
+                                  </a:rPr>
+                                  <m:t>𝒕</m:t>
+                                </m:r>
+                              </m:sub>
+                            </m:sSub>
+                            <m:r>
+                              <a:rPr lang="en-US" b="0" i="1" smtClean="0">
+                                <a:solidFill>
+                                  <a:sysClr val="windowText" lastClr="000000"/>
+                                </a:solidFill>
+                                <a:latin typeface="Cambria Math" panose="02040503050406030204" pitchFamily="18" charset="0"/>
+                              </a:rPr>
+                              <m:t>=</m:t>
+                            </m:r>
+                            <m:sSub>
+                              <m:sSubPr>
+                                <m:ctrlPr>
+                                  <a:rPr lang="en-US" b="0" i="1" smtClean="0">
+                                    <a:solidFill>
+                                      <a:sysClr val="windowText" lastClr="000000"/>
+                                    </a:solidFill>
+                                    <a:latin typeface="Cambria Math" panose="02040503050406030204" pitchFamily="18" charset="0"/>
+                                  </a:rPr>
+                                </m:ctrlPr>
+                              </m:sSubPr>
+                              <m:e>
+                                <m:r>
+                                  <a:rPr lang="en-US" b="0" i="1" smtClean="0">
+                                    <a:solidFill>
+                                      <a:sysClr val="windowText" lastClr="000000"/>
+                                    </a:solidFill>
+                                    <a:latin typeface="Cambria Math" panose="02040503050406030204" pitchFamily="18" charset="0"/>
+                                  </a:rPr>
+                                  <m:t>𝛼</m:t>
+                                </m:r>
+                              </m:e>
+                              <m:sub>
+                                <m:r>
+                                  <a:rPr lang="en-US" b="0" i="1" smtClean="0">
+                                    <a:solidFill>
+                                      <a:sysClr val="windowText" lastClr="000000"/>
+                                    </a:solidFill>
+                                    <a:latin typeface="Cambria Math" panose="02040503050406030204" pitchFamily="18" charset="0"/>
+                                  </a:rPr>
+                                  <m:t>𝑡</m:t>
+                                </m:r>
+                              </m:sub>
+                            </m:sSub>
+                            <m:r>
+                              <a:rPr lang="en-US" b="0" i="1" smtClean="0">
+                                <a:solidFill>
+                                  <a:sysClr val="windowText" lastClr="000000"/>
+                                </a:solidFill>
+                                <a:latin typeface="Cambria Math" panose="02040503050406030204" pitchFamily="18" charset="0"/>
+                              </a:rPr>
+                              <m:t>∙</m:t>
+                            </m:r>
+                            <m:r>
+                              <a:rPr lang="en-US" b="1" i="1" smtClean="0">
+                                <a:solidFill>
+                                  <a:sysClr val="windowText" lastClr="000000"/>
+                                </a:solidFill>
+                                <a:latin typeface="Cambria Math" panose="02040503050406030204" pitchFamily="18" charset="0"/>
+                              </a:rPr>
+                              <m:t>𝒙</m:t>
+                            </m:r>
+                            <m:r>
+                              <a:rPr lang="en-US" b="0" i="1" smtClean="0">
+                                <a:solidFill>
+                                  <a:sysClr val="windowText" lastClr="000000"/>
+                                </a:solidFill>
+                                <a:latin typeface="Cambria Math" panose="02040503050406030204" pitchFamily="18" charset="0"/>
+                              </a:rPr>
+                              <m:t>+</m:t>
+                            </m:r>
+                            <m:sSub>
+                              <m:sSubPr>
+                                <m:ctrlPr>
+                                  <a:rPr lang="en-US" b="0" i="1" smtClean="0">
+                                    <a:solidFill>
+                                      <a:sysClr val="windowText" lastClr="000000"/>
+                                    </a:solidFill>
+                                    <a:latin typeface="Cambria Math" panose="02040503050406030204" pitchFamily="18" charset="0"/>
+                                  </a:rPr>
+                                </m:ctrlPr>
+                              </m:sSubPr>
+                              <m:e>
+                                <m:r>
+                                  <a:rPr lang="en-US" b="0" i="1" smtClean="0">
+                                    <a:solidFill>
+                                      <a:sysClr val="windowText" lastClr="000000"/>
+                                    </a:solidFill>
+                                    <a:latin typeface="Cambria Math" panose="02040503050406030204" pitchFamily="18" charset="0"/>
+                                  </a:rPr>
+                                  <m:t>𝜎</m:t>
+                                </m:r>
+                              </m:e>
+                              <m:sub>
+                                <m:r>
+                                  <a:rPr lang="en-US" b="0" i="1" smtClean="0">
+                                    <a:solidFill>
+                                      <a:sysClr val="windowText" lastClr="000000"/>
+                                    </a:solidFill>
+                                    <a:latin typeface="Cambria Math" panose="02040503050406030204" pitchFamily="18" charset="0"/>
+                                  </a:rPr>
+                                  <m:t>𝑡</m:t>
+                                </m:r>
+                              </m:sub>
+                            </m:sSub>
+                            <m:r>
+                              <a:rPr lang="en-US" b="0" i="1" smtClean="0">
+                                <a:solidFill>
+                                  <a:sysClr val="windowText" lastClr="000000"/>
+                                </a:solidFill>
+                                <a:latin typeface="Cambria Math" panose="02040503050406030204" pitchFamily="18" charset="0"/>
+                              </a:rPr>
+                              <m:t>∙</m:t>
+                            </m:r>
+                            <m:r>
+                              <a:rPr lang="en-US" b="1" i="1" smtClean="0">
+                                <a:solidFill>
+                                  <a:sysClr val="windowText" lastClr="000000"/>
+                                </a:solidFill>
+                                <a:latin typeface="Cambria Math" panose="02040503050406030204" pitchFamily="18" charset="0"/>
+                              </a:rPr>
+                              <m:t>𝝐</m:t>
+                            </m:r>
+                          </m:oMath>
+                        </m:oMathPara>
+                      </a14:m>
+                      <a:endParaRPr lang="en-US" dirty="0">
+                        <a:solidFill>
+                          <a:sysClr val="windowText" lastClr="000000"/>
+                        </a:solidFill>
+                      </a:endParaRPr>
+                    </a:p>
+                  </p:txBody>
+                </p:sp>
+              </mc:Choice>
+              <mc:Fallback xmlns="">
+                <p:sp>
+                  <p:nvSpPr>
+                    <p:cNvPr id="11" name="Rectangle: Rounded Corners 10">
+                      <a:extLst>
+                        <a:ext uri="{FF2B5EF4-FFF2-40B4-BE49-F238E27FC236}">
+                          <a16:creationId xmlns:a16="http://schemas.microsoft.com/office/drawing/2014/main" id="{0A86D2D8-B890-C2B5-C965-02BAD48A5AB4}"/>
+                        </a:ext>
+                      </a:extLst>
+                    </p:cNvPr>
+                    <p:cNvSpPr>
+                      <a:spLocks noRot="1" noChangeAspect="1" noMove="1" noResize="1" noEditPoints="1" noAdjustHandles="1" noChangeArrowheads="1" noChangeShapeType="1" noTextEdit="1"/>
+                    </p:cNvSpPr>
+                    <p:nvPr/>
+                  </p:nvSpPr>
+                  <p:spPr>
+                    <a:xfrm>
+                      <a:off x="6338082" y="2353666"/>
+                      <a:ext cx="2902758" cy="914400"/>
+                    </a:xfrm>
+                    <a:prstGeom prst="roundRect">
+                      <a:avLst/>
+                    </a:prstGeom>
+                    <a:blipFill>
+                      <a:blip r:embed="rId4"/>
+                      <a:stretch>
+                        <a:fillRect/>
+                      </a:stretch>
+                    </a:blipFill>
+                    <a:ln>
+                      <a:solidFill>
+                        <a:schemeClr val="accent2">
+                          <a:lumMod val="20000"/>
+                          <a:lumOff val="80000"/>
+                        </a:schemeClr>
+                      </a:solidFill>
+                    </a:ln>
+                  </p:spPr>
+                  <p:txBody>
+                    <a:bodyPr/>
+                    <a:lstStyle/>
+                    <a:p>
+                      <a:r>
+                        <a:rPr lang="en-US">
+                          <a:noFill/>
+                        </a:rPr>
+                        <a:t> </a:t>
+                      </a:r>
+                    </a:p>
+                  </p:txBody>
+                </p:sp>
+              </mc:Fallback>
+            </mc:AlternateContent>
+            <mc:AlternateContent xmlns:mc="http://schemas.openxmlformats.org/markup-compatibility/2006" xmlns:a14="http://schemas.microsoft.com/office/drawing/2010/main">
+              <mc:Choice Requires="a14">
+                <p:sp>
+                  <p:nvSpPr>
+                    <p:cNvPr id="14" name="Rectangle: Rounded Corners 13">
+                      <a:extLst>
+                        <a:ext uri="{FF2B5EF4-FFF2-40B4-BE49-F238E27FC236}">
+                          <a16:creationId xmlns:a16="http://schemas.microsoft.com/office/drawing/2014/main" id="{F15DCB94-E394-94FA-E7E7-B475BF2C9EA0}"/>
+                        </a:ext>
+                      </a:extLst>
+                    </p:cNvPr>
+                    <p:cNvSpPr/>
+                    <p:nvPr/>
+                  </p:nvSpPr>
+                  <p:spPr>
+                    <a:xfrm>
+                      <a:off x="6338081" y="5611807"/>
+                      <a:ext cx="2902759" cy="914400"/>
+                    </a:xfrm>
+                    <a:prstGeom prst="roundRect">
+                      <a:avLst/>
+                    </a:prstGeom>
+                    <a:solidFill>
+                      <a:schemeClr val="accent2">
+                        <a:lumMod val="20000"/>
+                        <a:lumOff val="80000"/>
+                      </a:schemeClr>
+                    </a:solidFill>
+                    <a:ln>
+                      <a:solidFill>
+                        <a:schemeClr val="accent2">
+                          <a:lumMod val="20000"/>
+                          <a:lumOff val="80000"/>
+                        </a:schemeClr>
+                      </a:solidFill>
+                    </a:ln>
+                  </p:spPr>
+                  <p:style>
+                    <a:lnRef idx="2">
+                      <a:schemeClr val="accent1">
+                        <a:shade val="15000"/>
+                      </a:schemeClr>
+                    </a:lnRef>
+                    <a:fillRef idx="1">
+                      <a:schemeClr val="accent1"/>
+                    </a:fillRef>
+                    <a:effectRef idx="0">
+                      <a:schemeClr val="accent1"/>
+                    </a:effectRef>
+                    <a:fontRef idx="minor">
+                      <a:schemeClr val="lt1"/>
+                    </a:fontRef>
+                  </p:style>
+                  <p:txBody>
+                    <a:bodyPr rtlCol="0" anchor="ctr"/>
+                    <a:lstStyle/>
+                    <a:p>
+                      <a:pPr algn="ctr"/>
+                      <a14:m>
+                        <m:oMathPara xmlns:m="http://schemas.openxmlformats.org/officeDocument/2006/math">
+                          <m:oMathParaPr>
+                            <m:jc m:val="centerGroup"/>
+                          </m:oMathParaPr>
+                          <m:oMath xmlns:m="http://schemas.openxmlformats.org/officeDocument/2006/math">
+                            <m:sSub>
+                              <m:sSubPr>
+                                <m:ctrlPr>
+                                  <a:rPr lang="en-US" b="0" i="1" smtClean="0">
+                                    <a:solidFill>
+                                      <a:sysClr val="windowText" lastClr="000000"/>
+                                    </a:solidFill>
+                                    <a:latin typeface="Cambria Math" panose="02040503050406030204" pitchFamily="18" charset="0"/>
+                                    <a:ea typeface="Cambria Math" panose="02040503050406030204" pitchFamily="18" charset="0"/>
+                                  </a:rPr>
+                                </m:ctrlPr>
+                              </m:sSubPr>
+                              <m:e>
+                                <m:r>
+                                  <m:rPr>
+                                    <m:sty m:val="p"/>
+                                  </m:rPr>
+                                  <a:rPr lang="en-US" i="1" smtClean="0">
+                                    <a:solidFill>
+                                      <a:sysClr val="windowText" lastClr="000000"/>
+                                    </a:solidFill>
+                                    <a:latin typeface="Cambria Math" panose="02040503050406030204" pitchFamily="18" charset="0"/>
+                                    <a:ea typeface="Cambria Math" panose="02040503050406030204" pitchFamily="18" charset="0"/>
+                                  </a:rPr>
+                                  <m:t>∇</m:t>
+                                </m:r>
+                              </m:e>
+                              <m:sub>
+                                <m:r>
+                                  <a:rPr lang="en-US" b="0" i="1" smtClean="0">
+                                    <a:solidFill>
+                                      <a:sysClr val="windowText" lastClr="000000"/>
+                                    </a:solidFill>
+                                    <a:latin typeface="Cambria Math" panose="02040503050406030204" pitchFamily="18" charset="0"/>
+                                    <a:ea typeface="Cambria Math" panose="02040503050406030204" pitchFamily="18" charset="0"/>
+                                  </a:rPr>
+                                  <m:t>𝜃</m:t>
+                                </m:r>
+                              </m:sub>
+                            </m:sSub>
+                            <m:r>
+                              <a:rPr lang="en-US" b="0" i="1" smtClean="0">
+                                <a:solidFill>
+                                  <a:sysClr val="windowText" lastClr="000000"/>
+                                </a:solidFill>
+                                <a:latin typeface="Cambria Math" panose="02040503050406030204" pitchFamily="18" charset="0"/>
+                                <a:ea typeface="Cambria Math" panose="02040503050406030204" pitchFamily="18" charset="0"/>
+                              </a:rPr>
+                              <m:t>𝐺</m:t>
+                            </m:r>
+                            <m:r>
+                              <a:rPr lang="en-US" b="0" i="1" smtClean="0">
+                                <a:solidFill>
+                                  <a:sysClr val="windowText" lastClr="000000"/>
+                                </a:solidFill>
+                                <a:latin typeface="Cambria Math" panose="02040503050406030204" pitchFamily="18" charset="0"/>
+                                <a:ea typeface="Cambria Math" panose="02040503050406030204" pitchFamily="18" charset="0"/>
+                              </a:rPr>
+                              <m:t>=</m:t>
+                            </m:r>
+                            <m:d>
+                              <m:dPr>
+                                <m:begChr m:val="⟨"/>
+                                <m:endChr m:val="⟩"/>
+                                <m:ctrlPr>
+                                  <a:rPr lang="en-US" b="0" i="1" smtClean="0">
+                                    <a:solidFill>
+                                      <a:sysClr val="windowText" lastClr="000000"/>
+                                    </a:solidFill>
+                                    <a:latin typeface="Cambria Math" panose="02040503050406030204" pitchFamily="18" charset="0"/>
+                                    <a:ea typeface="Cambria Math" panose="02040503050406030204" pitchFamily="18" charset="0"/>
+                                  </a:rPr>
+                                </m:ctrlPr>
+                              </m:dPr>
+                              <m:e>
+                                <m:r>
+                                  <a:rPr lang="en-US" i="1">
+                                    <a:solidFill>
+                                      <a:sysClr val="windowText" lastClr="000000"/>
+                                    </a:solidFill>
+                                    <a:latin typeface="Cambria Math" panose="02040503050406030204" pitchFamily="18" charset="0"/>
+                                    <a:ea typeface="Cambria Math" panose="02040503050406030204" pitchFamily="18" charset="0"/>
+                                  </a:rPr>
+                                  <m:t>𝑤</m:t>
+                                </m:r>
+                                <m:d>
+                                  <m:dPr>
+                                    <m:ctrlPr>
+                                      <a:rPr lang="en-US" i="1">
+                                        <a:solidFill>
+                                          <a:sysClr val="windowText" lastClr="000000"/>
+                                        </a:solidFill>
+                                        <a:latin typeface="Cambria Math" panose="02040503050406030204" pitchFamily="18" charset="0"/>
+                                        <a:ea typeface="Cambria Math" panose="02040503050406030204" pitchFamily="18" charset="0"/>
+                                      </a:rPr>
+                                    </m:ctrlPr>
+                                  </m:dPr>
+                                  <m:e>
+                                    <m:r>
+                                      <a:rPr lang="en-US" i="1">
+                                        <a:solidFill>
+                                          <a:sysClr val="windowText" lastClr="000000"/>
+                                        </a:solidFill>
+                                        <a:latin typeface="Cambria Math" panose="02040503050406030204" pitchFamily="18" charset="0"/>
+                                        <a:ea typeface="Cambria Math" panose="02040503050406030204" pitchFamily="18" charset="0"/>
+                                      </a:rPr>
+                                      <m:t>𝑡</m:t>
+                                    </m:r>
+                                  </m:e>
+                                </m:d>
+                                <m:r>
+                                  <a:rPr lang="en-US" b="0" i="1" smtClean="0">
+                                    <a:solidFill>
+                                      <a:sysClr val="windowText" lastClr="000000"/>
+                                    </a:solidFill>
+                                    <a:latin typeface="Cambria Math" panose="02040503050406030204" pitchFamily="18" charset="0"/>
+                                    <a:ea typeface="Cambria Math" panose="02040503050406030204" pitchFamily="18" charset="0"/>
+                                  </a:rPr>
+                                  <m:t>∙</m:t>
+                                </m:r>
+                                <m:d>
+                                  <m:dPr>
+                                    <m:ctrlPr>
+                                      <a:rPr lang="en-US" i="1">
+                                        <a:solidFill>
+                                          <a:sysClr val="windowText" lastClr="000000"/>
+                                        </a:solidFill>
+                                        <a:latin typeface="Cambria Math" panose="02040503050406030204" pitchFamily="18" charset="0"/>
+                                        <a:ea typeface="Cambria Math" panose="02040503050406030204" pitchFamily="18" charset="0"/>
+                                      </a:rPr>
+                                    </m:ctrlPr>
+                                  </m:dPr>
+                                  <m:e>
+                                    <m:acc>
+                                      <m:accPr>
+                                        <m:chr m:val="̂"/>
+                                        <m:ctrlPr>
+                                          <a:rPr lang="en-US" b="1" i="1">
+                                            <a:solidFill>
+                                              <a:sysClr val="windowText" lastClr="000000"/>
+                                            </a:solidFill>
+                                            <a:latin typeface="Cambria Math" panose="02040503050406030204" pitchFamily="18" charset="0"/>
+                                            <a:ea typeface="Cambria Math" panose="02040503050406030204" pitchFamily="18" charset="0"/>
+                                          </a:rPr>
+                                        </m:ctrlPr>
+                                      </m:accPr>
+                                      <m:e>
+                                        <m:r>
+                                          <a:rPr lang="en-US" b="1" i="1">
+                                            <a:solidFill>
+                                              <a:sysClr val="windowText" lastClr="000000"/>
+                                            </a:solidFill>
+                                            <a:latin typeface="Cambria Math" panose="02040503050406030204" pitchFamily="18" charset="0"/>
+                                            <a:ea typeface="Cambria Math" panose="02040503050406030204" pitchFamily="18" charset="0"/>
+                                          </a:rPr>
+                                          <m:t>𝝐</m:t>
+                                        </m:r>
+                                      </m:e>
+                                    </m:acc>
+                                    <m:r>
+                                      <a:rPr lang="en-US" i="1">
+                                        <a:solidFill>
+                                          <a:sysClr val="windowText" lastClr="000000"/>
+                                        </a:solidFill>
+                                        <a:latin typeface="Cambria Math" panose="02040503050406030204" pitchFamily="18" charset="0"/>
+                                        <a:ea typeface="Cambria Math" panose="02040503050406030204" pitchFamily="18" charset="0"/>
+                                      </a:rPr>
+                                      <m:t>−</m:t>
+                                    </m:r>
+                                    <m:r>
+                                      <a:rPr lang="en-US" b="1" i="1">
+                                        <a:solidFill>
+                                          <a:sysClr val="windowText" lastClr="000000"/>
+                                        </a:solidFill>
+                                        <a:latin typeface="Cambria Math" panose="02040503050406030204" pitchFamily="18" charset="0"/>
+                                        <a:ea typeface="Cambria Math" panose="02040503050406030204" pitchFamily="18" charset="0"/>
+                                      </a:rPr>
+                                      <m:t>𝝐</m:t>
+                                    </m:r>
+                                  </m:e>
+                                </m:d>
+                                <m:r>
+                                  <a:rPr lang="en-US" b="0" i="1" smtClean="0">
+                                    <a:solidFill>
+                                      <a:sysClr val="windowText" lastClr="000000"/>
+                                    </a:solidFill>
+                                    <a:latin typeface="Cambria Math" panose="02040503050406030204" pitchFamily="18" charset="0"/>
+                                    <a:ea typeface="Cambria Math" panose="02040503050406030204" pitchFamily="18" charset="0"/>
+                                  </a:rPr>
+                                  <m:t>,</m:t>
+                                </m:r>
+                                <m:f>
+                                  <m:fPr>
+                                    <m:ctrlPr>
+                                      <a:rPr lang="en-US" i="1">
+                                        <a:solidFill>
+                                          <a:sysClr val="windowText" lastClr="000000"/>
+                                        </a:solidFill>
+                                        <a:latin typeface="Cambria Math" panose="02040503050406030204" pitchFamily="18" charset="0"/>
+                                        <a:ea typeface="Cambria Math" panose="02040503050406030204" pitchFamily="18" charset="0"/>
+                                      </a:rPr>
+                                    </m:ctrlPr>
+                                  </m:fPr>
+                                  <m:num>
+                                    <m:r>
+                                      <a:rPr lang="en-US" i="1">
+                                        <a:solidFill>
+                                          <a:sysClr val="windowText" lastClr="000000"/>
+                                        </a:solidFill>
+                                        <a:latin typeface="Cambria Math" panose="02040503050406030204" pitchFamily="18" charset="0"/>
+                                        <a:ea typeface="Cambria Math" panose="02040503050406030204" pitchFamily="18" charset="0"/>
+                                      </a:rPr>
+                                      <m:t>𝜕</m:t>
+                                    </m:r>
+                                    <m:r>
+                                      <a:rPr lang="en-US" b="1" i="1">
+                                        <a:solidFill>
+                                          <a:sysClr val="windowText" lastClr="000000"/>
+                                        </a:solidFill>
+                                        <a:latin typeface="Cambria Math" panose="02040503050406030204" pitchFamily="18" charset="0"/>
+                                        <a:ea typeface="Cambria Math" panose="02040503050406030204" pitchFamily="18" charset="0"/>
+                                      </a:rPr>
+                                      <m:t>𝒙</m:t>
+                                    </m:r>
+                                  </m:num>
+                                  <m:den>
+                                    <m:r>
+                                      <a:rPr lang="en-US" i="1">
+                                        <a:solidFill>
+                                          <a:sysClr val="windowText" lastClr="000000"/>
+                                        </a:solidFill>
+                                        <a:latin typeface="Cambria Math" panose="02040503050406030204" pitchFamily="18" charset="0"/>
+                                        <a:ea typeface="Cambria Math" panose="02040503050406030204" pitchFamily="18" charset="0"/>
+                                      </a:rPr>
+                                      <m:t>𝜕𝜃</m:t>
+                                    </m:r>
+                                  </m:den>
+                                </m:f>
+                              </m:e>
+                            </m:d>
+                          </m:oMath>
+                        </m:oMathPara>
+                      </a14:m>
+                      <a:endParaRPr lang="en-US" dirty="0">
+                        <a:solidFill>
+                          <a:sysClr val="windowText" lastClr="000000"/>
+                        </a:solidFill>
+                      </a:endParaRPr>
+                    </a:p>
+                  </p:txBody>
+                </p:sp>
+              </mc:Choice>
+              <mc:Fallback xmlns="">
+                <p:sp>
+                  <p:nvSpPr>
+                    <p:cNvPr id="14" name="Rectangle: Rounded Corners 13">
+                      <a:extLst>
+                        <a:ext uri="{FF2B5EF4-FFF2-40B4-BE49-F238E27FC236}">
+                          <a16:creationId xmlns:a16="http://schemas.microsoft.com/office/drawing/2014/main" id="{F15DCB94-E394-94FA-E7E7-B475BF2C9EA0}"/>
+                        </a:ext>
+                      </a:extLst>
+                    </p:cNvPr>
+                    <p:cNvSpPr>
+                      <a:spLocks noRot="1" noChangeAspect="1" noMove="1" noResize="1" noEditPoints="1" noAdjustHandles="1" noChangeArrowheads="1" noChangeShapeType="1" noTextEdit="1"/>
+                    </p:cNvSpPr>
+                    <p:nvPr/>
+                  </p:nvSpPr>
+                  <p:spPr>
+                    <a:xfrm>
+                      <a:off x="6338081" y="5611807"/>
+                      <a:ext cx="2902759" cy="914400"/>
+                    </a:xfrm>
+                    <a:prstGeom prst="roundRect">
+                      <a:avLst/>
+                    </a:prstGeom>
+                    <a:blipFill>
+                      <a:blip r:embed="rId5"/>
+                      <a:stretch>
+                        <a:fillRect/>
+                      </a:stretch>
+                    </a:blipFill>
+                    <a:ln>
+                      <a:solidFill>
+                        <a:schemeClr val="accent2">
+                          <a:lumMod val="20000"/>
+                          <a:lumOff val="80000"/>
+                        </a:schemeClr>
+                      </a:solidFill>
+                    </a:ln>
+                  </p:spPr>
+                  <p:txBody>
+                    <a:bodyPr/>
+                    <a:lstStyle/>
+                    <a:p>
+                      <a:r>
+                        <a:rPr lang="en-US">
+                          <a:noFill/>
+                        </a:rPr>
+                        <a:t> </a:t>
+                      </a:r>
+                    </a:p>
+                  </p:txBody>
+                </p:sp>
+              </mc:Fallback>
+            </mc:AlternateContent>
+          </p:grpSp>
+          <p:grpSp>
+            <p:nvGrpSpPr>
+              <p:cNvPr id="20" name="Group 19">
+                <a:extLst>
+                  <a:ext uri="{FF2B5EF4-FFF2-40B4-BE49-F238E27FC236}">
+                    <a16:creationId xmlns:a16="http://schemas.microsoft.com/office/drawing/2014/main" id="{46F2CCCA-7E33-AE7C-40AD-291D447355E3}"/>
+                  </a:ext>
+                </a:extLst>
+              </p:cNvPr>
+              <p:cNvGrpSpPr/>
+              <p:nvPr/>
+            </p:nvGrpSpPr>
+            <p:grpSpPr>
+              <a:xfrm>
+                <a:off x="2786250" y="3121213"/>
+                <a:ext cx="1834247" cy="2637446"/>
+                <a:chOff x="3601935" y="3608571"/>
+                <a:chExt cx="1834247" cy="2637446"/>
+              </a:xfrm>
+            </p:grpSpPr>
+            <mc:AlternateContent xmlns:mc="http://schemas.openxmlformats.org/markup-compatibility/2006" xmlns:a14="http://schemas.microsoft.com/office/drawing/2010/main">
+              <mc:Choice Requires="a14">
+                <p:sp>
+                  <p:nvSpPr>
+                    <p:cNvPr id="10" name="Rectangle: Rounded Corners 9">
+                      <a:extLst>
+                        <a:ext uri="{FF2B5EF4-FFF2-40B4-BE49-F238E27FC236}">
+                          <a16:creationId xmlns:a16="http://schemas.microsoft.com/office/drawing/2014/main" id="{9B8D6F2A-5FA4-9E5B-8FFF-ABEC965620B4}"/>
+                        </a:ext>
+                      </a:extLst>
+                    </p:cNvPr>
+                    <p:cNvSpPr/>
+                    <p:nvPr/>
+                  </p:nvSpPr>
+                  <p:spPr>
+                    <a:xfrm>
+                      <a:off x="3607382" y="3608571"/>
+                      <a:ext cx="1828800" cy="914400"/>
+                    </a:xfrm>
+                    <a:prstGeom prst="roundRect">
+                      <a:avLst/>
+                    </a:prstGeom>
+                    <a:solidFill>
+                      <a:schemeClr val="accent2">
+                        <a:lumMod val="20000"/>
+                        <a:lumOff val="80000"/>
+                      </a:schemeClr>
+                    </a:solidFill>
+                    <a:ln>
+                      <a:solidFill>
+                        <a:schemeClr val="accent2">
+                          <a:lumMod val="20000"/>
+                          <a:lumOff val="80000"/>
+                        </a:schemeClr>
+                      </a:solidFill>
+                    </a:ln>
+                  </p:spPr>
+                  <p:style>
+                    <a:lnRef idx="2">
+                      <a:schemeClr val="accent1">
+                        <a:shade val="15000"/>
+                      </a:schemeClr>
+                    </a:lnRef>
+                    <a:fillRef idx="1">
+                      <a:schemeClr val="accent1"/>
+                    </a:fillRef>
+                    <a:effectRef idx="0">
+                      <a:schemeClr val="accent1"/>
+                    </a:effectRef>
+                    <a:fontRef idx="minor">
+                      <a:schemeClr val="lt1"/>
+                    </a:fontRef>
+                  </p:style>
+                  <p:txBody>
+                    <a:bodyPr rtlCol="0" anchor="ctr"/>
+                    <a:lstStyle/>
+                    <a:p>
+                      <a:pPr algn="ctr"/>
+                      <a14:m>
+                        <m:oMathPara xmlns:m="http://schemas.openxmlformats.org/officeDocument/2006/math">
+                          <m:oMathParaPr>
+                            <m:jc m:val="centerGroup"/>
+                          </m:oMathParaPr>
+                          <m:oMath xmlns:m="http://schemas.openxmlformats.org/officeDocument/2006/math">
+                            <m:r>
+                              <a:rPr lang="en-US" b="1" i="1" smtClean="0">
+                                <a:solidFill>
+                                  <a:sysClr val="windowText" lastClr="000000"/>
+                                </a:solidFill>
+                                <a:latin typeface="Cambria Math" panose="02040503050406030204" pitchFamily="18" charset="0"/>
+                              </a:rPr>
+                              <m:t>𝝐</m:t>
+                            </m:r>
+                            <m:r>
+                              <a:rPr lang="en-US" b="0" i="1" smtClean="0">
+                                <a:solidFill>
+                                  <a:sysClr val="windowText" lastClr="000000"/>
+                                </a:solidFill>
+                                <a:latin typeface="Cambria Math" panose="02040503050406030204" pitchFamily="18" charset="0"/>
+                              </a:rPr>
+                              <m:t>~</m:t>
+                            </m:r>
+                            <m:r>
+                              <a:rPr lang="en-US" b="0" i="1" smtClean="0">
+                                <a:solidFill>
+                                  <a:sysClr val="windowText" lastClr="000000"/>
+                                </a:solidFill>
+                                <a:latin typeface="Cambria Math" panose="02040503050406030204" pitchFamily="18" charset="0"/>
+                                <a:ea typeface="Cambria Math" panose="02040503050406030204" pitchFamily="18" charset="0"/>
+                              </a:rPr>
+                              <m:t>𝒩</m:t>
+                            </m:r>
+                            <m:d>
+                              <m:dPr>
+                                <m:ctrlPr>
+                                  <a:rPr lang="en-US" b="1" i="1" smtClean="0">
+                                    <a:solidFill>
+                                      <a:sysClr val="windowText" lastClr="000000"/>
+                                    </a:solidFill>
+                                    <a:latin typeface="Cambria Math" panose="02040503050406030204" pitchFamily="18" charset="0"/>
+                                    <a:ea typeface="Cambria Math" panose="02040503050406030204" pitchFamily="18" charset="0"/>
+                                  </a:rPr>
+                                </m:ctrlPr>
+                              </m:dPr>
+                              <m:e>
+                                <m:r>
+                                  <a:rPr lang="en-US" b="1" i="0" smtClean="0">
+                                    <a:solidFill>
+                                      <a:sysClr val="windowText" lastClr="000000"/>
+                                    </a:solidFill>
+                                    <a:latin typeface="Cambria Math" panose="02040503050406030204" pitchFamily="18" charset="0"/>
+                                    <a:ea typeface="Cambria Math" panose="02040503050406030204" pitchFamily="18" charset="0"/>
+                                  </a:rPr>
+                                  <m:t>𝟎</m:t>
+                                </m:r>
+                                <m:r>
+                                  <a:rPr lang="en-US" b="1" i="0" smtClean="0">
+                                    <a:solidFill>
+                                      <a:sysClr val="windowText" lastClr="000000"/>
+                                    </a:solidFill>
+                                    <a:latin typeface="Cambria Math" panose="02040503050406030204" pitchFamily="18" charset="0"/>
+                                    <a:ea typeface="Cambria Math" panose="02040503050406030204" pitchFamily="18" charset="0"/>
+                                  </a:rPr>
+                                  <m:t>, </m:t>
+                                </m:r>
+                                <m:r>
+                                  <a:rPr lang="en-US" b="1" i="0" smtClean="0">
+                                    <a:solidFill>
+                                      <a:sysClr val="windowText" lastClr="000000"/>
+                                    </a:solidFill>
+                                    <a:latin typeface="Cambria Math" panose="02040503050406030204" pitchFamily="18" charset="0"/>
+                                    <a:ea typeface="Cambria Math" panose="02040503050406030204" pitchFamily="18" charset="0"/>
+                                  </a:rPr>
+                                  <m:t>𝐈</m:t>
+                                </m:r>
+                              </m:e>
+                            </m:d>
+                          </m:oMath>
+                        </m:oMathPara>
+                      </a14:m>
+                      <a:endParaRPr lang="en-US" b="1" dirty="0">
+                        <a:solidFill>
+                          <a:sysClr val="windowText" lastClr="000000"/>
+                        </a:solidFill>
+                      </a:endParaRPr>
+                    </a:p>
+                    <a:p>
+                      <a:pPr algn="ctr"/>
+                      <a14:m>
+                        <m:oMathPara xmlns:m="http://schemas.openxmlformats.org/officeDocument/2006/math">
+                          <m:oMathParaPr>
+                            <m:jc m:val="centerGroup"/>
+                          </m:oMathParaPr>
+                          <m:oMath xmlns:m="http://schemas.openxmlformats.org/officeDocument/2006/math">
+                            <m:r>
+                              <a:rPr lang="en-US" i="1" dirty="0" smtClean="0">
+                                <a:solidFill>
+                                  <a:sysClr val="windowText" lastClr="000000"/>
+                                </a:solidFill>
+                                <a:latin typeface="Cambria Math" panose="02040503050406030204" pitchFamily="18" charset="0"/>
+                              </a:rPr>
+                              <m:t>𝑡</m:t>
+                            </m:r>
+                            <m:r>
+                              <a:rPr lang="en-US" i="1" dirty="0" smtClean="0">
+                                <a:solidFill>
+                                  <a:sysClr val="windowText" lastClr="000000"/>
+                                </a:solidFill>
+                                <a:latin typeface="Cambria Math" panose="02040503050406030204" pitchFamily="18" charset="0"/>
+                              </a:rPr>
+                              <m:t>~</m:t>
+                            </m:r>
+                            <m:r>
+                              <a:rPr lang="en-US" i="1" dirty="0" smtClean="0">
+                                <a:solidFill>
+                                  <a:sysClr val="windowText" lastClr="000000"/>
+                                </a:solidFill>
+                                <a:latin typeface="Cambria Math" panose="02040503050406030204" pitchFamily="18" charset="0"/>
+                                <a:ea typeface="Cambria Math" panose="02040503050406030204" pitchFamily="18" charset="0"/>
+                              </a:rPr>
+                              <m:t>𝒰</m:t>
+                            </m:r>
+                            <m:d>
+                              <m:dPr>
+                                <m:ctrlPr>
+                                  <a:rPr lang="en-US" i="1" dirty="0" smtClean="0">
+                                    <a:solidFill>
+                                      <a:sysClr val="windowText" lastClr="000000"/>
+                                    </a:solidFill>
+                                    <a:latin typeface="Cambria Math" panose="02040503050406030204" pitchFamily="18" charset="0"/>
+                                    <a:ea typeface="Cambria Math" panose="02040503050406030204" pitchFamily="18" charset="0"/>
+                                  </a:rPr>
+                                </m:ctrlPr>
+                              </m:dPr>
+                              <m:e>
+                                <m:r>
+                                  <a:rPr lang="en-US" i="1" dirty="0">
+                                    <a:solidFill>
+                                      <a:sysClr val="windowText" lastClr="000000"/>
+                                    </a:solidFill>
+                                    <a:latin typeface="Cambria Math" panose="02040503050406030204" pitchFamily="18" charset="0"/>
+                                  </a:rPr>
+                                  <m:t>0,1</m:t>
+                                </m:r>
+                              </m:e>
+                            </m:d>
+                          </m:oMath>
+                        </m:oMathPara>
+                      </a14:m>
+                      <a:endParaRPr lang="en-US" dirty="0">
+                        <a:solidFill>
+                          <a:sysClr val="windowText" lastClr="000000"/>
+                        </a:solidFill>
+                      </a:endParaRPr>
+                    </a:p>
+                  </p:txBody>
+                </p:sp>
+              </mc:Choice>
+              <mc:Fallback xmlns="">
+                <p:sp>
+                  <p:nvSpPr>
+                    <p:cNvPr id="10" name="Rectangle: Rounded Corners 9">
+                      <a:extLst>
+                        <a:ext uri="{FF2B5EF4-FFF2-40B4-BE49-F238E27FC236}">
+                          <a16:creationId xmlns:a16="http://schemas.microsoft.com/office/drawing/2014/main" id="{9B8D6F2A-5FA4-9E5B-8FFF-ABEC965620B4}"/>
+                        </a:ext>
+                      </a:extLst>
+                    </p:cNvPr>
+                    <p:cNvSpPr>
+                      <a:spLocks noRot="1" noChangeAspect="1" noMove="1" noResize="1" noEditPoints="1" noAdjustHandles="1" noChangeArrowheads="1" noChangeShapeType="1" noTextEdit="1"/>
+                    </p:cNvSpPr>
+                    <p:nvPr/>
+                  </p:nvSpPr>
+                  <p:spPr>
+                    <a:xfrm>
+                      <a:off x="3607382" y="3608571"/>
+                      <a:ext cx="1828800" cy="914400"/>
+                    </a:xfrm>
+                    <a:prstGeom prst="roundRect">
+                      <a:avLst/>
+                    </a:prstGeom>
+                    <a:blipFill>
+                      <a:blip r:embed="rId6"/>
+                      <a:stretch>
+                        <a:fillRect/>
+                      </a:stretch>
+                    </a:blipFill>
+                    <a:ln>
+                      <a:solidFill>
+                        <a:schemeClr val="accent2">
+                          <a:lumMod val="20000"/>
+                          <a:lumOff val="80000"/>
+                        </a:schemeClr>
+                      </a:solidFill>
+                    </a:ln>
+                  </p:spPr>
+                  <p:txBody>
+                    <a:bodyPr/>
+                    <a:lstStyle/>
+                    <a:p>
+                      <a:r>
+                        <a:rPr lang="en-US">
+                          <a:noFill/>
+                        </a:rPr>
+                        <a:t> </a:t>
+                      </a:r>
+                    </a:p>
+                  </p:txBody>
+                </p:sp>
+              </mc:Fallback>
+            </mc:AlternateContent>
+            <mc:AlternateContent xmlns:mc="http://schemas.openxmlformats.org/markup-compatibility/2006" xmlns:a14="http://schemas.microsoft.com/office/drawing/2010/main">
+              <mc:Choice Requires="a14">
+                <p:sp>
+                  <p:nvSpPr>
+                    <p:cNvPr id="19" name="Rectangle: Rounded Corners 18">
+                      <a:extLst>
+                        <a:ext uri="{FF2B5EF4-FFF2-40B4-BE49-F238E27FC236}">
+                          <a16:creationId xmlns:a16="http://schemas.microsoft.com/office/drawing/2014/main" id="{83AD560F-D879-068E-3F35-262899BF91F8}"/>
+                        </a:ext>
+                      </a:extLst>
+                    </p:cNvPr>
+                    <p:cNvSpPr/>
+                    <p:nvPr/>
+                  </p:nvSpPr>
+                  <p:spPr>
+                    <a:xfrm>
+                      <a:off x="3601935" y="5331617"/>
+                      <a:ext cx="1828800" cy="914400"/>
+                    </a:xfrm>
+                    <a:prstGeom prst="roundRect">
+                      <a:avLst/>
+                    </a:prstGeom>
+                    <a:solidFill>
+                      <a:schemeClr val="accent2">
+                        <a:lumMod val="20000"/>
+                        <a:lumOff val="80000"/>
+                      </a:schemeClr>
+                    </a:solidFill>
+                    <a:ln>
+                      <a:solidFill>
+                        <a:schemeClr val="accent2">
+                          <a:lumMod val="20000"/>
+                          <a:lumOff val="80000"/>
+                        </a:schemeClr>
+                      </a:solidFill>
+                    </a:ln>
+                  </p:spPr>
+                  <p:style>
+                    <a:lnRef idx="2">
+                      <a:schemeClr val="accent1">
+                        <a:shade val="15000"/>
+                      </a:schemeClr>
+                    </a:lnRef>
+                    <a:fillRef idx="1">
+                      <a:schemeClr val="accent1"/>
+                    </a:fillRef>
+                    <a:effectRef idx="0">
+                      <a:schemeClr val="accent1"/>
+                    </a:effectRef>
+                    <a:fontRef idx="minor">
+                      <a:schemeClr val="lt1"/>
+                    </a:fontRef>
+                  </p:style>
+                  <p:txBody>
+                    <a:bodyPr rtlCol="0" anchor="ctr"/>
+                    <a:lstStyle/>
+                    <a:p>
+                      <a:pPr algn="ctr"/>
+                      <a14:m>
+                        <m:oMathPara xmlns:m="http://schemas.openxmlformats.org/officeDocument/2006/math">
+                          <m:oMathParaPr>
+                            <m:jc m:val="centerGroup"/>
+                          </m:oMathParaPr>
+                          <m:oMath xmlns:m="http://schemas.openxmlformats.org/officeDocument/2006/math">
+                            <m:r>
+                              <a:rPr lang="en-US" b="0" i="1" smtClean="0">
+                                <a:solidFill>
+                                  <a:sysClr val="windowText" lastClr="000000"/>
+                                </a:solidFill>
+                                <a:latin typeface="Cambria Math" panose="02040503050406030204" pitchFamily="18" charset="0"/>
+                              </a:rPr>
+                              <m:t>𝜃</m:t>
+                            </m:r>
+                            <m:r>
+                              <a:rPr lang="en-US" b="0" i="1" smtClean="0">
+                                <a:solidFill>
+                                  <a:sysClr val="windowText" lastClr="000000"/>
+                                </a:solidFill>
+                                <a:latin typeface="Cambria Math" panose="02040503050406030204" pitchFamily="18" charset="0"/>
+                              </a:rPr>
+                              <m:t>=</m:t>
+                            </m:r>
+                            <m:r>
+                              <a:rPr lang="en-US" b="0" i="1" smtClean="0">
+                                <a:solidFill>
+                                  <a:sysClr val="windowText" lastClr="000000"/>
+                                </a:solidFill>
+                                <a:latin typeface="Cambria Math" panose="02040503050406030204" pitchFamily="18" charset="0"/>
+                              </a:rPr>
+                              <m:t>𝑈𝑝𝑑𝑎𝑡𝑒</m:t>
+                            </m:r>
+                            <m:d>
+                              <m:dPr>
+                                <m:ctrlPr>
+                                  <a:rPr lang="en-US" b="0" i="1" smtClean="0">
+                                    <a:solidFill>
+                                      <a:sysClr val="windowText" lastClr="000000"/>
+                                    </a:solidFill>
+                                    <a:latin typeface="Cambria Math" panose="02040503050406030204" pitchFamily="18" charset="0"/>
+                                  </a:rPr>
+                                </m:ctrlPr>
+                              </m:dPr>
+                              <m:e>
+                                <m:r>
+                                  <a:rPr lang="en-US" b="0" i="1" smtClean="0">
+                                    <a:solidFill>
+                                      <a:sysClr val="windowText" lastClr="000000"/>
+                                    </a:solidFill>
+                                    <a:latin typeface="Cambria Math" panose="02040503050406030204" pitchFamily="18" charset="0"/>
+                                  </a:rPr>
+                                  <m:t>𝜃</m:t>
+                                </m:r>
+                              </m:e>
+                            </m:d>
+                          </m:oMath>
+                        </m:oMathPara>
+                      </a14:m>
+                      <a:endParaRPr lang="en-US" dirty="0">
+                        <a:solidFill>
+                          <a:sysClr val="windowText" lastClr="000000"/>
+                        </a:solidFill>
+                      </a:endParaRPr>
+                    </a:p>
+                  </p:txBody>
+                </p:sp>
+              </mc:Choice>
+              <mc:Fallback xmlns="">
+                <p:sp>
+                  <p:nvSpPr>
+                    <p:cNvPr id="19" name="Rectangle: Rounded Corners 18">
+                      <a:extLst>
+                        <a:ext uri="{FF2B5EF4-FFF2-40B4-BE49-F238E27FC236}">
+                          <a16:creationId xmlns:a16="http://schemas.microsoft.com/office/drawing/2014/main" id="{83AD560F-D879-068E-3F35-262899BF91F8}"/>
+                        </a:ext>
+                      </a:extLst>
+                    </p:cNvPr>
+                    <p:cNvSpPr>
+                      <a:spLocks noRot="1" noChangeAspect="1" noMove="1" noResize="1" noEditPoints="1" noAdjustHandles="1" noChangeArrowheads="1" noChangeShapeType="1" noTextEdit="1"/>
+                    </p:cNvSpPr>
+                    <p:nvPr/>
+                  </p:nvSpPr>
+                  <p:spPr>
+                    <a:xfrm>
+                      <a:off x="3601935" y="5331617"/>
+                      <a:ext cx="1828800" cy="914400"/>
+                    </a:xfrm>
+                    <a:prstGeom prst="roundRect">
+                      <a:avLst/>
+                    </a:prstGeom>
+                    <a:blipFill>
+                      <a:blip r:embed="rId7"/>
+                      <a:stretch>
+                        <a:fillRect/>
+                      </a:stretch>
+                    </a:blipFill>
+                    <a:ln>
+                      <a:solidFill>
+                        <a:schemeClr val="accent2">
+                          <a:lumMod val="20000"/>
+                          <a:lumOff val="80000"/>
+                        </a:schemeClr>
+                      </a:solidFill>
+                    </a:ln>
+                  </p:spPr>
+                  <p:txBody>
+                    <a:bodyPr/>
+                    <a:lstStyle/>
+                    <a:p>
+                      <a:r>
+                        <a:rPr lang="en-US">
+                          <a:noFill/>
+                        </a:rPr>
+                        <a:t> </a:t>
+                      </a:r>
+                    </a:p>
+                  </p:txBody>
+                </p:sp>
+              </mc:Fallback>
+            </mc:AlternateContent>
+          </p:grpSp>
+          <p:cxnSp>
+            <p:nvCxnSpPr>
+              <p:cNvPr id="26" name="Straight Arrow Connector 25">
+                <a:extLst>
+                  <a:ext uri="{FF2B5EF4-FFF2-40B4-BE49-F238E27FC236}">
+                    <a16:creationId xmlns:a16="http://schemas.microsoft.com/office/drawing/2014/main" id="{8A1A3995-4DF7-0E82-D366-CF9F36D3A041}"/>
+                  </a:ext>
+                </a:extLst>
+              </p:cNvPr>
+              <p:cNvCxnSpPr>
+                <a:cxnSpLocks/>
+                <a:stCxn id="10" idx="0"/>
+                <a:endCxn id="11" idx="1"/>
+              </p:cNvCxnSpPr>
+              <p:nvPr/>
+            </p:nvCxnSpPr>
+            <p:spPr>
+              <a:xfrm flipV="1">
+                <a:off x="3706097" y="2810866"/>
+                <a:ext cx="1531441" cy="310347"/>
+              </a:xfrm>
+              <a:prstGeom prst="straightConnector1">
+                <a:avLst/>
+              </a:prstGeom>
+              <a:ln w="38100" cap="rnd">
+                <a:solidFill>
+                  <a:srgbClr val="7030A0"/>
+                </a:solidFill>
+                <a:round/>
+                <a:tailEnd type="triangle"/>
+              </a:ln>
+            </p:spPr>
+            <p:style>
+              <a:lnRef idx="1">
+                <a:schemeClr val="accent1"/>
+              </a:lnRef>
+              <a:fillRef idx="0">
+                <a:schemeClr val="accent1"/>
+              </a:fillRef>
+              <a:effectRef idx="0">
+                <a:schemeClr val="accent1"/>
+              </a:effectRef>
+              <a:fontRef idx="minor">
+                <a:schemeClr val="tx1"/>
+              </a:fontRef>
+            </p:style>
+          </p:cxnSp>
+          <p:cxnSp>
+            <p:nvCxnSpPr>
+              <p:cNvPr id="29" name="Straight Arrow Connector 28">
+                <a:extLst>
+                  <a:ext uri="{FF2B5EF4-FFF2-40B4-BE49-F238E27FC236}">
+                    <a16:creationId xmlns:a16="http://schemas.microsoft.com/office/drawing/2014/main" id="{E198B9B7-A803-9625-F8F8-A3CE99E4739D}"/>
+                  </a:ext>
+                </a:extLst>
+              </p:cNvPr>
+              <p:cNvCxnSpPr>
+                <a:cxnSpLocks/>
+                <a:stCxn id="11" idx="3"/>
+                <a:endCxn id="13" idx="0"/>
+              </p:cNvCxnSpPr>
+              <p:nvPr/>
+            </p:nvCxnSpPr>
+            <p:spPr>
+              <a:xfrm>
+                <a:off x="8140296" y="2810866"/>
+                <a:ext cx="1173395" cy="1171870"/>
+              </a:xfrm>
+              <a:prstGeom prst="straightConnector1">
+                <a:avLst/>
+              </a:prstGeom>
+              <a:ln w="38100" cap="rnd">
+                <a:solidFill>
+                  <a:srgbClr val="7030A0"/>
+                </a:solidFill>
+                <a:round/>
+                <a:tailEnd type="triangle"/>
+              </a:ln>
+            </p:spPr>
+            <p:style>
+              <a:lnRef idx="1">
+                <a:schemeClr val="accent1"/>
+              </a:lnRef>
+              <a:fillRef idx="0">
+                <a:schemeClr val="accent1"/>
+              </a:fillRef>
+              <a:effectRef idx="0">
+                <a:schemeClr val="accent1"/>
+              </a:effectRef>
+              <a:fontRef idx="minor">
+                <a:schemeClr val="tx1"/>
+              </a:fontRef>
+            </p:style>
+          </p:cxnSp>
+          <p:cxnSp>
+            <p:nvCxnSpPr>
+              <p:cNvPr id="32" name="Straight Arrow Connector 31">
+                <a:extLst>
+                  <a:ext uri="{FF2B5EF4-FFF2-40B4-BE49-F238E27FC236}">
+                    <a16:creationId xmlns:a16="http://schemas.microsoft.com/office/drawing/2014/main" id="{325DCEAE-76F5-DF63-6DA4-D0C7F5635502}"/>
+                  </a:ext>
+                </a:extLst>
+              </p:cNvPr>
+              <p:cNvCxnSpPr>
+                <a:cxnSpLocks/>
+                <a:stCxn id="13" idx="2"/>
+                <a:endCxn id="14" idx="3"/>
+              </p:cNvCxnSpPr>
+              <p:nvPr/>
+            </p:nvCxnSpPr>
+            <p:spPr>
+              <a:xfrm flipH="1">
+                <a:off x="8140296" y="4897136"/>
+                <a:ext cx="1173395" cy="1171871"/>
+              </a:xfrm>
+              <a:prstGeom prst="straightConnector1">
+                <a:avLst/>
+              </a:prstGeom>
+              <a:ln w="38100" cap="rnd">
+                <a:solidFill>
+                  <a:srgbClr val="7030A0"/>
+                </a:solidFill>
+                <a:round/>
+                <a:tailEnd type="triangle"/>
+              </a:ln>
+            </p:spPr>
+            <p:style>
+              <a:lnRef idx="1">
+                <a:schemeClr val="accent1"/>
+              </a:lnRef>
+              <a:fillRef idx="0">
+                <a:schemeClr val="accent1"/>
+              </a:fillRef>
+              <a:effectRef idx="0">
+                <a:schemeClr val="accent1"/>
+              </a:effectRef>
+              <a:fontRef idx="minor">
+                <a:schemeClr val="tx1"/>
+              </a:fontRef>
+            </p:style>
+          </p:cxnSp>
+          <p:cxnSp>
+            <p:nvCxnSpPr>
+              <p:cNvPr id="39" name="Straight Arrow Connector 38">
+                <a:extLst>
+                  <a:ext uri="{FF2B5EF4-FFF2-40B4-BE49-F238E27FC236}">
+                    <a16:creationId xmlns:a16="http://schemas.microsoft.com/office/drawing/2014/main" id="{B301D1E3-2558-8ED5-818F-B08C03AAB44C}"/>
+                  </a:ext>
+                </a:extLst>
+              </p:cNvPr>
+              <p:cNvCxnSpPr>
+                <a:cxnSpLocks/>
+                <a:stCxn id="14" idx="1"/>
+                <a:endCxn id="19" idx="2"/>
+              </p:cNvCxnSpPr>
+              <p:nvPr/>
+            </p:nvCxnSpPr>
+            <p:spPr>
+              <a:xfrm flipH="1" flipV="1">
+                <a:off x="3700650" y="5758659"/>
+                <a:ext cx="1536887" cy="310348"/>
+              </a:xfrm>
+              <a:prstGeom prst="straightConnector1">
+                <a:avLst/>
+              </a:prstGeom>
+              <a:ln w="38100" cap="rnd">
+                <a:solidFill>
+                  <a:srgbClr val="7030A0"/>
+                </a:solidFill>
+                <a:round/>
+                <a:tailEnd type="triangle"/>
+              </a:ln>
+            </p:spPr>
+            <p:style>
+              <a:lnRef idx="1">
+                <a:schemeClr val="accent1"/>
+              </a:lnRef>
+              <a:fillRef idx="0">
+                <a:schemeClr val="accent1"/>
+              </a:fillRef>
+              <a:effectRef idx="0">
+                <a:schemeClr val="accent1"/>
+              </a:effectRef>
+              <a:fontRef idx="minor">
+                <a:schemeClr val="tx1"/>
+              </a:fontRef>
+            </p:style>
+          </p:cxnSp>
+          <p:cxnSp>
+            <p:nvCxnSpPr>
+              <p:cNvPr id="44" name="Straight Arrow Connector 43">
+                <a:extLst>
+                  <a:ext uri="{FF2B5EF4-FFF2-40B4-BE49-F238E27FC236}">
+                    <a16:creationId xmlns:a16="http://schemas.microsoft.com/office/drawing/2014/main" id="{711BED68-3879-85F8-BC2C-E15D1D545DCF}"/>
+                  </a:ext>
+                </a:extLst>
+              </p:cNvPr>
+              <p:cNvCxnSpPr>
+                <a:cxnSpLocks/>
+                <a:stCxn id="19" idx="0"/>
+                <a:endCxn id="10" idx="2"/>
+              </p:cNvCxnSpPr>
+              <p:nvPr/>
+            </p:nvCxnSpPr>
+            <p:spPr>
+              <a:xfrm flipV="1">
+                <a:off x="3700650" y="4035613"/>
+                <a:ext cx="5447" cy="808646"/>
+              </a:xfrm>
+              <a:prstGeom prst="straightConnector1">
+                <a:avLst/>
+              </a:prstGeom>
+              <a:ln w="38100" cap="rnd">
+                <a:solidFill>
+                  <a:srgbClr val="7030A0"/>
+                </a:solidFill>
+                <a:round/>
+                <a:tailEnd type="triangle"/>
+              </a:ln>
+            </p:spPr>
+            <p:style>
+              <a:lnRef idx="1">
+                <a:schemeClr val="accent1"/>
+              </a:lnRef>
+              <a:fillRef idx="0">
+                <a:schemeClr val="accent1"/>
+              </a:fillRef>
+              <a:effectRef idx="0">
+                <a:schemeClr val="accent1"/>
+              </a:effectRef>
+              <a:fontRef idx="minor">
+                <a:schemeClr val="tx1"/>
+              </a:fontRef>
+            </p:style>
+          </p:cxnSp>
+        </p:grpSp>
+      </p:grpSp>
+      <p:sp>
+        <p:nvSpPr>
+          <p:cNvPr id="65" name="TextBox 64">
+            <a:extLst>
+              <a:ext uri="{FF2B5EF4-FFF2-40B4-BE49-F238E27FC236}">
+                <a16:creationId xmlns:a16="http://schemas.microsoft.com/office/drawing/2014/main" id="{DA27EA41-852C-50FE-BCC8-D0BAFC62D9DB}"/>
+              </a:ext>
+            </a:extLst>
+          </p:cNvPr>
+          <p:cNvSpPr txBox="1"/>
+          <p:nvPr/>
+        </p:nvSpPr>
+        <p:spPr>
+          <a:xfrm>
+            <a:off x="565005" y="2735946"/>
+            <a:ext cx="2757912" cy="3046988"/>
+          </a:xfrm>
+          <a:prstGeom prst="rect">
+            <a:avLst/>
+          </a:prstGeom>
+          <a:noFill/>
+        </p:spPr>
+        <p:txBody>
+          <a:bodyPr wrap="square">
+            <a:spAutoFit/>
+          </a:bodyPr>
+          <a:lstStyle/>
+          <a:p>
+            <a:pPr marL="342900" marR="0" lvl="0" indent="-342900" algn="l" defTabSz="914400" rtl="0" eaLnBrk="1" fontAlgn="auto" latinLnBrk="0" hangingPunct="1">
+              <a:lnSpc>
+                <a:spcPct val="90000"/>
+              </a:lnSpc>
+              <a:spcBef>
+                <a:spcPts val="1800"/>
+              </a:spcBef>
+              <a:spcAft>
+                <a:spcPts val="0"/>
+              </a:spcAft>
+              <a:buClrTx/>
+              <a:buSzTx/>
+              <a:buFont typeface="Arial" panose="020B0604020202020204" pitchFamily="34" charset="0"/>
+              <a:buChar char="•"/>
+              <a:tabLst/>
+              <a:defRPr/>
+            </a:pPr>
+            <a:r>
+              <a:rPr kumimoji="0" lang="en-US" sz="2000" b="0" i="0" u="none" strike="noStrike" kern="1200" cap="none" spc="0" normalizeH="0" baseline="0" noProof="0" dirty="0">
+                <a:ln>
+                  <a:noFill/>
+                </a:ln>
+                <a:solidFill>
+                  <a:srgbClr val="000000"/>
+                </a:solidFill>
+                <a:effectLst/>
+                <a:uLnTx/>
+                <a:uFillTx/>
+                <a:latin typeface="Calibri" panose="020F0502020204030204" pitchFamily="34" charset="0"/>
+                <a:ea typeface="+mn-ea"/>
+                <a:cs typeface="Calibri" panose="020F0502020204030204" pitchFamily="34" charset="0"/>
+              </a:rPr>
+              <a:t>For each text prompt, we </a:t>
+            </a:r>
+            <a:r>
+              <a:rPr kumimoji="0" lang="en-US" sz="2000" i="0" u="none" strike="noStrike" kern="1200" cap="none" spc="0" normalizeH="0" baseline="0" noProof="0" dirty="0">
+                <a:ln>
+                  <a:noFill/>
+                </a:ln>
+                <a:solidFill>
+                  <a:srgbClr val="000000"/>
+                </a:solidFill>
+                <a:effectLst/>
+                <a:uLnTx/>
+                <a:uFillTx/>
+                <a:latin typeface="Calibri" panose="020F0502020204030204" pitchFamily="34" charset="0"/>
+                <a:ea typeface="+mn-ea"/>
+                <a:cs typeface="Calibri" panose="020F0502020204030204" pitchFamily="34" charset="0"/>
+              </a:rPr>
+              <a:t>train a randomly initialized G </a:t>
+            </a:r>
+            <a:r>
+              <a:rPr kumimoji="0" lang="en-US" sz="2000" b="1" i="0" u="none" strike="noStrike" kern="1200" cap="none" spc="0" normalizeH="0" baseline="0" noProof="0" dirty="0">
+                <a:ln>
+                  <a:noFill/>
+                </a:ln>
+                <a:solidFill>
+                  <a:srgbClr val="000000"/>
+                </a:solidFill>
+                <a:effectLst/>
+                <a:uLnTx/>
+                <a:uFillTx/>
+                <a:latin typeface="Calibri" panose="020F0502020204030204" pitchFamily="34" charset="0"/>
+                <a:ea typeface="+mn-ea"/>
+                <a:cs typeface="Calibri" panose="020F0502020204030204" pitchFamily="34" charset="0"/>
+              </a:rPr>
+              <a:t>from scratch</a:t>
+            </a:r>
+            <a:r>
+              <a:rPr kumimoji="0" lang="en-US" sz="2000" b="0" i="0" u="none" strike="noStrike" kern="1200" cap="none" spc="0" normalizeH="0" baseline="0" noProof="0" dirty="0">
+                <a:ln>
+                  <a:noFill/>
+                </a:ln>
+                <a:solidFill>
+                  <a:srgbClr val="000000"/>
+                </a:solidFill>
+                <a:effectLst/>
+                <a:uLnTx/>
+                <a:uFillTx/>
+                <a:latin typeface="Calibri" panose="020F0502020204030204" pitchFamily="34" charset="0"/>
+                <a:ea typeface="+mn-ea"/>
+                <a:cs typeface="Calibri" panose="020F0502020204030204" pitchFamily="34" charset="0"/>
+              </a:rPr>
+              <a:t>.</a:t>
+            </a:r>
+          </a:p>
+          <a:p>
+            <a:pPr marL="342900" marR="0" lvl="0" indent="-342900" algn="l" defTabSz="914400" rtl="0" eaLnBrk="1" fontAlgn="auto" latinLnBrk="0" hangingPunct="1">
+              <a:lnSpc>
+                <a:spcPct val="90000"/>
+              </a:lnSpc>
+              <a:spcBef>
+                <a:spcPts val="1800"/>
+              </a:spcBef>
+              <a:spcAft>
+                <a:spcPts val="0"/>
+              </a:spcAft>
+              <a:buClrTx/>
+              <a:buSzTx/>
+              <a:buFont typeface="Arial" panose="020B0604020202020204" pitchFamily="34" charset="0"/>
+              <a:buChar char="•"/>
+              <a:tabLst/>
+              <a:defRPr/>
+            </a:pPr>
+            <a:r>
+              <a:rPr lang="en-US" sz="2000" dirty="0">
+                <a:solidFill>
+                  <a:srgbClr val="000000"/>
+                </a:solidFill>
+                <a:latin typeface="Calibri" panose="020F0502020204030204" pitchFamily="34" charset="0"/>
+                <a:cs typeface="Calibri" panose="020F0502020204030204" pitchFamily="34" charset="0"/>
+              </a:rPr>
+              <a:t>Don’t need to fine-tune diffusion model.</a:t>
+            </a:r>
+          </a:p>
+          <a:p>
+            <a:pPr marL="342900" marR="0" lvl="0" indent="-342900" algn="l" defTabSz="914400" rtl="0" eaLnBrk="1" fontAlgn="auto" latinLnBrk="0" hangingPunct="1">
+              <a:lnSpc>
+                <a:spcPct val="90000"/>
+              </a:lnSpc>
+              <a:spcBef>
+                <a:spcPts val="1800"/>
+              </a:spcBef>
+              <a:spcAft>
+                <a:spcPts val="0"/>
+              </a:spcAft>
+              <a:buClrTx/>
+              <a:buSzTx/>
+              <a:buFont typeface="Arial" panose="020B0604020202020204" pitchFamily="34" charset="0"/>
+              <a:buChar char="•"/>
+              <a:tabLst/>
+              <a:defRPr/>
+            </a:pPr>
+            <a:r>
+              <a:rPr lang="en-US" sz="2000" dirty="0">
+                <a:solidFill>
+                  <a:srgbClr val="000000"/>
+                </a:solidFill>
+                <a:latin typeface="Calibri" panose="020F0502020204030204" pitchFamily="34" charset="0"/>
+                <a:cs typeface="Calibri" panose="020F0502020204030204" pitchFamily="34" charset="0"/>
+              </a:rPr>
+              <a:t>Use diffusion model output as an additional loss</a:t>
+            </a:r>
+            <a:endParaRPr kumimoji="0" lang="en-US" sz="2000" b="0" i="0" u="none" strike="noStrike" kern="1200" cap="none" spc="0" normalizeH="0" baseline="0" noProof="0" dirty="0">
+              <a:ln>
+                <a:noFill/>
+              </a:ln>
+              <a:solidFill>
+                <a:srgbClr val="000000"/>
+              </a:solidFill>
+              <a:effectLst/>
+              <a:uLnTx/>
+              <a:uFillTx/>
+              <a:latin typeface="Calibri" panose="020F0502020204030204" pitchFamily="34" charset="0"/>
+              <a:ea typeface="+mn-ea"/>
+              <a:cs typeface="Calibri" panose="020F0502020204030204" pitchFamily="34" charset="0"/>
+            </a:endParaRPr>
+          </a:p>
+        </p:txBody>
+      </p:sp>
+    </p:spTree>
+    <p:extLst>
+      <p:ext uri="{BB962C8B-B14F-4D97-AF65-F5344CB8AC3E}">
+        <p14:creationId xmlns:p14="http://schemas.microsoft.com/office/powerpoint/2010/main" val="2852280091"/>
+      </p:ext>
+    </p:extLst>
+  </p:cSld>
+  <p:clrMapOvr>
+    <a:masterClrMapping/>
+  </p:clrMapOvr>
+</p:sld>
+</file>
+
+<file path=ppt/slides/slide17.xml><?xml version="1.0" encoding="utf-8"?>
 <p:sld xmlns:a="http://schemas.openxmlformats.org/drawingml/2006/main" xmlns:r="http://schemas.openxmlformats.org/officeDocument/2006/relationships" xmlns:p="http://schemas.openxmlformats.org/presentationml/2006/main">
   <p:cSld>
     <p:spTree>
@@ -15144,7 +17749,7 @@
 </p:sld>
 </file>
 
-<file path=ppt/slides/slide16.xml><?xml version="1.0" encoding="utf-8"?>
+<file path=ppt/slides/slide18.xml><?xml version="1.0" encoding="utf-8"?>
 <p:sld xmlns:a="http://schemas.openxmlformats.org/drawingml/2006/main" xmlns:r="http://schemas.openxmlformats.org/officeDocument/2006/relationships" xmlns:p="http://schemas.openxmlformats.org/presentationml/2006/main">
   <p:cSld>
     <p:spTree>
@@ -15604,7 +18209,7 @@
 </p:sld>
 </file>
 
-<file path=ppt/slides/slide17.xml><?xml version="1.0" encoding="utf-8"?>
+<file path=ppt/slides/slide19.xml><?xml version="1.0" encoding="utf-8"?>
 <p:sld xmlns:a="http://schemas.openxmlformats.org/drawingml/2006/main" xmlns:r="http://schemas.openxmlformats.org/officeDocument/2006/relationships" xmlns:p="http://schemas.openxmlformats.org/presentationml/2006/main">
   <p:cSld>
     <p:spTree>
@@ -15737,294 +18342,6 @@
     <p:extLst>
       <p:ext uri="{BB962C8B-B14F-4D97-AF65-F5344CB8AC3E}">
         <p14:creationId xmlns:p14="http://schemas.microsoft.com/office/powerpoint/2010/main" val="1440871986"/>
-      </p:ext>
-    </p:extLst>
-  </p:cSld>
-  <p:clrMapOvr>
-    <a:masterClrMapping/>
-  </p:clrMapOvr>
-</p:sld>
-</file>
-
-<file path=ppt/slides/slide18.xml><?xml version="1.0" encoding="utf-8"?>
-<p:sld xmlns:a="http://schemas.openxmlformats.org/drawingml/2006/main" xmlns:r="http://schemas.openxmlformats.org/officeDocument/2006/relationships" xmlns:p="http://schemas.openxmlformats.org/presentationml/2006/main">
-  <p:cSld>
-    <p:spTree>
-      <p:nvGrpSpPr>
-        <p:cNvPr id="1" name="">
-          <a:extLst>
-            <a:ext uri="{FF2B5EF4-FFF2-40B4-BE49-F238E27FC236}">
-              <a16:creationId xmlns:a16="http://schemas.microsoft.com/office/drawing/2014/main" id="{639CFFC4-39AB-055B-5699-3E632100D682}"/>
-            </a:ext>
-          </a:extLst>
-        </p:cNvPr>
-        <p:cNvGrpSpPr/>
-        <p:nvPr/>
-      </p:nvGrpSpPr>
-      <p:grpSpPr>
-        <a:xfrm>
-          <a:off x="0" y="0"/>
-          <a:ext cx="0" cy="0"/>
-          <a:chOff x="0" y="0"/>
-          <a:chExt cx="0" cy="0"/>
-        </a:xfrm>
-      </p:grpSpPr>
-      <p:sp>
-        <p:nvSpPr>
-          <p:cNvPr id="9" name="Title 8">
-            <a:extLst>
-              <a:ext uri="{FF2B5EF4-FFF2-40B4-BE49-F238E27FC236}">
-                <a16:creationId xmlns:a16="http://schemas.microsoft.com/office/drawing/2014/main" id="{D8E5035F-FBFD-A842-ADDA-1BF530D577DD}"/>
-              </a:ext>
-            </a:extLst>
-          </p:cNvPr>
-          <p:cNvSpPr>
-            <a:spLocks noGrp="1"/>
-          </p:cNvSpPr>
-          <p:nvPr>
-            <p:ph type="ctrTitle"/>
-          </p:nvPr>
-        </p:nvSpPr>
-        <p:spPr>
-          <a:xfrm>
-            <a:off x="6309904" y="411479"/>
-            <a:ext cx="5486400" cy="3291840"/>
-          </a:xfrm>
-        </p:spPr>
-        <p:txBody>
-          <a:bodyPr/>
-          <a:lstStyle/>
-          <a:p>
-            <a:r>
-              <a:rPr lang="en-US" dirty="0"/>
-              <a:t>Selecting visual aids</a:t>
-            </a:r>
-          </a:p>
-        </p:txBody>
-      </p:sp>
-      <p:sp>
-        <p:nvSpPr>
-          <p:cNvPr id="3" name="Text Placeholder 2">
-            <a:extLst>
-              <a:ext uri="{FF2B5EF4-FFF2-40B4-BE49-F238E27FC236}">
-                <a16:creationId xmlns:a16="http://schemas.microsoft.com/office/drawing/2014/main" id="{FB9151F2-0E55-B8EB-81B0-9F2BDDEA0926}"/>
-              </a:ext>
-            </a:extLst>
-          </p:cNvPr>
-          <p:cNvSpPr>
-            <a:spLocks noGrp="1"/>
-          </p:cNvSpPr>
-          <p:nvPr>
-            <p:ph type="body" sz="quarter" idx="11"/>
-          </p:nvPr>
-        </p:nvSpPr>
-        <p:spPr>
-          <a:xfrm>
-            <a:off x="6309905" y="4549552"/>
-            <a:ext cx="5486400" cy="1645920"/>
-          </a:xfrm>
-        </p:spPr>
-        <p:txBody>
-          <a:bodyPr>
-            <a:normAutofit/>
-          </a:bodyPr>
-          <a:lstStyle/>
-          <a:p>
-            <a:r>
-              <a:rPr lang="en-US" dirty="0"/>
-              <a:t>Enhancing your presentation</a:t>
-            </a:r>
-          </a:p>
-        </p:txBody>
-      </p:sp>
-    </p:spTree>
-    <p:extLst>
-      <p:ext uri="{BB962C8B-B14F-4D97-AF65-F5344CB8AC3E}">
-        <p14:creationId xmlns:p14="http://schemas.microsoft.com/office/powerpoint/2010/main" val="3653971256"/>
-      </p:ext>
-    </p:extLst>
-  </p:cSld>
-  <p:clrMapOvr>
-    <a:masterClrMapping/>
-  </p:clrMapOvr>
-</p:sld>
-</file>
-
-<file path=ppt/slides/slide19.xml><?xml version="1.0" encoding="utf-8"?>
-<p:sld xmlns:a="http://schemas.openxmlformats.org/drawingml/2006/main" xmlns:r="http://schemas.openxmlformats.org/officeDocument/2006/relationships" xmlns:p="http://schemas.openxmlformats.org/presentationml/2006/main">
-  <p:cSld>
-    <p:spTree>
-      <p:nvGrpSpPr>
-        <p:cNvPr id="1" name="">
-          <a:extLst>
-            <a:ext uri="{FF2B5EF4-FFF2-40B4-BE49-F238E27FC236}">
-              <a16:creationId xmlns:a16="http://schemas.microsoft.com/office/drawing/2014/main" id="{D727E2CA-3B91-EB47-310E-2911B8E7A850}"/>
-            </a:ext>
-          </a:extLst>
-        </p:cNvPr>
-        <p:cNvGrpSpPr/>
-        <p:nvPr/>
-      </p:nvGrpSpPr>
-      <p:grpSpPr>
-        <a:xfrm>
-          <a:off x="0" y="0"/>
-          <a:ext cx="0" cy="0"/>
-          <a:chOff x="0" y="0"/>
-          <a:chExt cx="0" cy="0"/>
-        </a:xfrm>
-      </p:grpSpPr>
-      <p:sp>
-        <p:nvSpPr>
-          <p:cNvPr id="2" name="Title 1">
-            <a:extLst>
-              <a:ext uri="{FF2B5EF4-FFF2-40B4-BE49-F238E27FC236}">
-                <a16:creationId xmlns:a16="http://schemas.microsoft.com/office/drawing/2014/main" id="{D929FD23-248F-71EF-FA05-DE6E5A80F0DF}"/>
-              </a:ext>
-            </a:extLst>
-          </p:cNvPr>
-          <p:cNvSpPr>
-            <a:spLocks noGrp="1"/>
-          </p:cNvSpPr>
-          <p:nvPr>
-            <p:ph type="title"/>
-          </p:nvPr>
-        </p:nvSpPr>
-        <p:spPr>
-          <a:xfrm>
-            <a:off x="594360" y="278129"/>
-            <a:ext cx="9778365" cy="1494596"/>
-          </a:xfrm>
-        </p:spPr>
-        <p:txBody>
-          <a:bodyPr/>
-          <a:lstStyle/>
-          <a:p>
-            <a:r>
-              <a:rPr lang="en-US" dirty="0"/>
-              <a:t>Effective delivery techniques</a:t>
-            </a:r>
-          </a:p>
-        </p:txBody>
-      </p:sp>
-      <p:sp>
-        <p:nvSpPr>
-          <p:cNvPr id="3" name="Content Placeholder 2">
-            <a:extLst>
-              <a:ext uri="{FF2B5EF4-FFF2-40B4-BE49-F238E27FC236}">
-                <a16:creationId xmlns:a16="http://schemas.microsoft.com/office/drawing/2014/main" id="{83E386AA-2855-76FD-AC0E-73E2988805BF}"/>
-              </a:ext>
-            </a:extLst>
-          </p:cNvPr>
-          <p:cNvSpPr>
-            <a:spLocks noGrp="1"/>
-          </p:cNvSpPr>
-          <p:nvPr>
-            <p:ph sz="quarter" idx="15"/>
-          </p:nvPr>
-        </p:nvSpPr>
-        <p:spPr>
-          <a:xfrm>
-            <a:off x="594360" y="2676525"/>
-            <a:ext cx="4490827" cy="3597470"/>
-          </a:xfrm>
-        </p:spPr>
-        <p:txBody>
-          <a:bodyPr/>
-          <a:lstStyle/>
-          <a:p>
-            <a:r>
-              <a:rPr lang="en-US" dirty="0"/>
-              <a:t>This is a powerful tool in public speaking. It involves varying pitch, tone, and volume to convey emotion, emphasize points, and maintain interest:</a:t>
-            </a:r>
-          </a:p>
-          <a:p>
-            <a:pPr lvl="1"/>
-            <a:r>
-              <a:rPr lang="en-US" dirty="0"/>
-              <a:t>Pitch variation</a:t>
-            </a:r>
-          </a:p>
-          <a:p>
-            <a:pPr lvl="1"/>
-            <a:r>
-              <a:rPr lang="en-US" dirty="0"/>
-              <a:t>Tone inflection</a:t>
-            </a:r>
-          </a:p>
-          <a:p>
-            <a:pPr lvl="1"/>
-            <a:r>
-              <a:rPr lang="en-US" dirty="0"/>
-              <a:t>Volume control</a:t>
-            </a:r>
-          </a:p>
-        </p:txBody>
-      </p:sp>
-      <p:sp>
-        <p:nvSpPr>
-          <p:cNvPr id="4" name="Content Placeholder 3">
-            <a:extLst>
-              <a:ext uri="{FF2B5EF4-FFF2-40B4-BE49-F238E27FC236}">
-                <a16:creationId xmlns:a16="http://schemas.microsoft.com/office/drawing/2014/main" id="{399750ED-5C26-44D8-E2AD-5E48FB0E8DE5}"/>
-              </a:ext>
-            </a:extLst>
-          </p:cNvPr>
-          <p:cNvSpPr>
-            <a:spLocks noGrp="1"/>
-          </p:cNvSpPr>
-          <p:nvPr>
-            <p:ph sz="quarter" idx="16"/>
-          </p:nvPr>
-        </p:nvSpPr>
-        <p:spPr>
-          <a:xfrm>
-            <a:off x="5881898" y="2676525"/>
-            <a:ext cx="4490827" cy="3597470"/>
-          </a:xfrm>
-        </p:spPr>
-        <p:txBody>
-          <a:bodyPr/>
-          <a:lstStyle/>
-          <a:p>
-            <a:r>
-              <a:rPr lang="en-US" dirty="0"/>
-              <a:t>Effective body language enhances your message, making it more impactful and memorable:</a:t>
-            </a:r>
-          </a:p>
-          <a:p>
-            <a:pPr lvl="1"/>
-            <a:r>
-              <a:rPr lang="en-US" dirty="0"/>
-              <a:t>Meaningful eye contact</a:t>
-            </a:r>
-          </a:p>
-          <a:p>
-            <a:pPr lvl="1"/>
-            <a:r>
-              <a:rPr lang="en-US" dirty="0"/>
-              <a:t>Purposeful gestures</a:t>
-            </a:r>
-          </a:p>
-          <a:p>
-            <a:pPr lvl="1"/>
-            <a:r>
-              <a:rPr lang="en-US" dirty="0"/>
-              <a:t>Maintain good posture</a:t>
-            </a:r>
-          </a:p>
-          <a:p>
-            <a:pPr lvl="1"/>
-            <a:r>
-              <a:rPr lang="en-US" dirty="0"/>
-              <a:t>Control your expressions</a:t>
-            </a:r>
-          </a:p>
-        </p:txBody>
-      </p:sp>
-    </p:spTree>
-    <p:extLst>
-      <p:ext uri="{BB962C8B-B14F-4D97-AF65-F5344CB8AC3E}">
-        <p14:creationId xmlns:p14="http://schemas.microsoft.com/office/powerpoint/2010/main" val="1632862996"/>
       </p:ext>
     </p:extLst>
   </p:cSld>
@@ -16159,6 +18476,294 @@
   <p:cSld>
     <p:spTree>
       <p:nvGrpSpPr>
+        <p:cNvPr id="1" name="">
+          <a:extLst>
+            <a:ext uri="{FF2B5EF4-FFF2-40B4-BE49-F238E27FC236}">
+              <a16:creationId xmlns:a16="http://schemas.microsoft.com/office/drawing/2014/main" id="{639CFFC4-39AB-055B-5699-3E632100D682}"/>
+            </a:ext>
+          </a:extLst>
+        </p:cNvPr>
+        <p:cNvGrpSpPr/>
+        <p:nvPr/>
+      </p:nvGrpSpPr>
+      <p:grpSpPr>
+        <a:xfrm>
+          <a:off x="0" y="0"/>
+          <a:ext cx="0" cy="0"/>
+          <a:chOff x="0" y="0"/>
+          <a:chExt cx="0" cy="0"/>
+        </a:xfrm>
+      </p:grpSpPr>
+      <p:sp>
+        <p:nvSpPr>
+          <p:cNvPr id="9" name="Title 8">
+            <a:extLst>
+              <a:ext uri="{FF2B5EF4-FFF2-40B4-BE49-F238E27FC236}">
+                <a16:creationId xmlns:a16="http://schemas.microsoft.com/office/drawing/2014/main" id="{D8E5035F-FBFD-A842-ADDA-1BF530D577DD}"/>
+              </a:ext>
+            </a:extLst>
+          </p:cNvPr>
+          <p:cNvSpPr>
+            <a:spLocks noGrp="1"/>
+          </p:cNvSpPr>
+          <p:nvPr>
+            <p:ph type="ctrTitle"/>
+          </p:nvPr>
+        </p:nvSpPr>
+        <p:spPr>
+          <a:xfrm>
+            <a:off x="6309904" y="411479"/>
+            <a:ext cx="5486400" cy="3291840"/>
+          </a:xfrm>
+        </p:spPr>
+        <p:txBody>
+          <a:bodyPr/>
+          <a:lstStyle/>
+          <a:p>
+            <a:r>
+              <a:rPr lang="en-US" dirty="0"/>
+              <a:t>Selecting visual aids</a:t>
+            </a:r>
+          </a:p>
+        </p:txBody>
+      </p:sp>
+      <p:sp>
+        <p:nvSpPr>
+          <p:cNvPr id="3" name="Text Placeholder 2">
+            <a:extLst>
+              <a:ext uri="{FF2B5EF4-FFF2-40B4-BE49-F238E27FC236}">
+                <a16:creationId xmlns:a16="http://schemas.microsoft.com/office/drawing/2014/main" id="{FB9151F2-0E55-B8EB-81B0-9F2BDDEA0926}"/>
+              </a:ext>
+            </a:extLst>
+          </p:cNvPr>
+          <p:cNvSpPr>
+            <a:spLocks noGrp="1"/>
+          </p:cNvSpPr>
+          <p:nvPr>
+            <p:ph type="body" sz="quarter" idx="11"/>
+          </p:nvPr>
+        </p:nvSpPr>
+        <p:spPr>
+          <a:xfrm>
+            <a:off x="6309905" y="4549552"/>
+            <a:ext cx="5486400" cy="1645920"/>
+          </a:xfrm>
+        </p:spPr>
+        <p:txBody>
+          <a:bodyPr>
+            <a:normAutofit/>
+          </a:bodyPr>
+          <a:lstStyle/>
+          <a:p>
+            <a:r>
+              <a:rPr lang="en-US" dirty="0"/>
+              <a:t>Enhancing your presentation</a:t>
+            </a:r>
+          </a:p>
+        </p:txBody>
+      </p:sp>
+    </p:spTree>
+    <p:extLst>
+      <p:ext uri="{BB962C8B-B14F-4D97-AF65-F5344CB8AC3E}">
+        <p14:creationId xmlns:p14="http://schemas.microsoft.com/office/powerpoint/2010/main" val="3653971256"/>
+      </p:ext>
+    </p:extLst>
+  </p:cSld>
+  <p:clrMapOvr>
+    <a:masterClrMapping/>
+  </p:clrMapOvr>
+</p:sld>
+</file>
+
+<file path=ppt/slides/slide21.xml><?xml version="1.0" encoding="utf-8"?>
+<p:sld xmlns:a="http://schemas.openxmlformats.org/drawingml/2006/main" xmlns:r="http://schemas.openxmlformats.org/officeDocument/2006/relationships" xmlns:p="http://schemas.openxmlformats.org/presentationml/2006/main">
+  <p:cSld>
+    <p:spTree>
+      <p:nvGrpSpPr>
+        <p:cNvPr id="1" name="">
+          <a:extLst>
+            <a:ext uri="{FF2B5EF4-FFF2-40B4-BE49-F238E27FC236}">
+              <a16:creationId xmlns:a16="http://schemas.microsoft.com/office/drawing/2014/main" id="{D727E2CA-3B91-EB47-310E-2911B8E7A850}"/>
+            </a:ext>
+          </a:extLst>
+        </p:cNvPr>
+        <p:cNvGrpSpPr/>
+        <p:nvPr/>
+      </p:nvGrpSpPr>
+      <p:grpSpPr>
+        <a:xfrm>
+          <a:off x="0" y="0"/>
+          <a:ext cx="0" cy="0"/>
+          <a:chOff x="0" y="0"/>
+          <a:chExt cx="0" cy="0"/>
+        </a:xfrm>
+      </p:grpSpPr>
+      <p:sp>
+        <p:nvSpPr>
+          <p:cNvPr id="2" name="Title 1">
+            <a:extLst>
+              <a:ext uri="{FF2B5EF4-FFF2-40B4-BE49-F238E27FC236}">
+                <a16:creationId xmlns:a16="http://schemas.microsoft.com/office/drawing/2014/main" id="{D929FD23-248F-71EF-FA05-DE6E5A80F0DF}"/>
+              </a:ext>
+            </a:extLst>
+          </p:cNvPr>
+          <p:cNvSpPr>
+            <a:spLocks noGrp="1"/>
+          </p:cNvSpPr>
+          <p:nvPr>
+            <p:ph type="title"/>
+          </p:nvPr>
+        </p:nvSpPr>
+        <p:spPr>
+          <a:xfrm>
+            <a:off x="594360" y="278129"/>
+            <a:ext cx="9778365" cy="1494596"/>
+          </a:xfrm>
+        </p:spPr>
+        <p:txBody>
+          <a:bodyPr/>
+          <a:lstStyle/>
+          <a:p>
+            <a:r>
+              <a:rPr lang="en-US" dirty="0"/>
+              <a:t>Effective delivery techniques</a:t>
+            </a:r>
+          </a:p>
+        </p:txBody>
+      </p:sp>
+      <p:sp>
+        <p:nvSpPr>
+          <p:cNvPr id="3" name="Content Placeholder 2">
+            <a:extLst>
+              <a:ext uri="{FF2B5EF4-FFF2-40B4-BE49-F238E27FC236}">
+                <a16:creationId xmlns:a16="http://schemas.microsoft.com/office/drawing/2014/main" id="{83E386AA-2855-76FD-AC0E-73E2988805BF}"/>
+              </a:ext>
+            </a:extLst>
+          </p:cNvPr>
+          <p:cNvSpPr>
+            <a:spLocks noGrp="1"/>
+          </p:cNvSpPr>
+          <p:nvPr>
+            <p:ph sz="quarter" idx="15"/>
+          </p:nvPr>
+        </p:nvSpPr>
+        <p:spPr>
+          <a:xfrm>
+            <a:off x="594360" y="2676525"/>
+            <a:ext cx="4490827" cy="3597470"/>
+          </a:xfrm>
+        </p:spPr>
+        <p:txBody>
+          <a:bodyPr/>
+          <a:lstStyle/>
+          <a:p>
+            <a:r>
+              <a:rPr lang="en-US" dirty="0"/>
+              <a:t>This is a powerful tool in public speaking. It involves varying pitch, tone, and volume to convey emotion, emphasize points, and maintain interest:</a:t>
+            </a:r>
+          </a:p>
+          <a:p>
+            <a:pPr lvl="1"/>
+            <a:r>
+              <a:rPr lang="en-US" dirty="0"/>
+              <a:t>Pitch variation</a:t>
+            </a:r>
+          </a:p>
+          <a:p>
+            <a:pPr lvl="1"/>
+            <a:r>
+              <a:rPr lang="en-US" dirty="0"/>
+              <a:t>Tone inflection</a:t>
+            </a:r>
+          </a:p>
+          <a:p>
+            <a:pPr lvl="1"/>
+            <a:r>
+              <a:rPr lang="en-US" dirty="0"/>
+              <a:t>Volume control</a:t>
+            </a:r>
+          </a:p>
+        </p:txBody>
+      </p:sp>
+      <p:sp>
+        <p:nvSpPr>
+          <p:cNvPr id="4" name="Content Placeholder 3">
+            <a:extLst>
+              <a:ext uri="{FF2B5EF4-FFF2-40B4-BE49-F238E27FC236}">
+                <a16:creationId xmlns:a16="http://schemas.microsoft.com/office/drawing/2014/main" id="{399750ED-5C26-44D8-E2AD-5E48FB0E8DE5}"/>
+              </a:ext>
+            </a:extLst>
+          </p:cNvPr>
+          <p:cNvSpPr>
+            <a:spLocks noGrp="1"/>
+          </p:cNvSpPr>
+          <p:nvPr>
+            <p:ph sz="quarter" idx="16"/>
+          </p:nvPr>
+        </p:nvSpPr>
+        <p:spPr>
+          <a:xfrm>
+            <a:off x="5881898" y="2676525"/>
+            <a:ext cx="4490827" cy="3597470"/>
+          </a:xfrm>
+        </p:spPr>
+        <p:txBody>
+          <a:bodyPr/>
+          <a:lstStyle/>
+          <a:p>
+            <a:r>
+              <a:rPr lang="en-US" dirty="0"/>
+              <a:t>Effective body language enhances your message, making it more impactful and memorable:</a:t>
+            </a:r>
+          </a:p>
+          <a:p>
+            <a:pPr lvl="1"/>
+            <a:r>
+              <a:rPr lang="en-US" dirty="0"/>
+              <a:t>Meaningful eye contact</a:t>
+            </a:r>
+          </a:p>
+          <a:p>
+            <a:pPr lvl="1"/>
+            <a:r>
+              <a:rPr lang="en-US" dirty="0"/>
+              <a:t>Purposeful gestures</a:t>
+            </a:r>
+          </a:p>
+          <a:p>
+            <a:pPr lvl="1"/>
+            <a:r>
+              <a:rPr lang="en-US" dirty="0"/>
+              <a:t>Maintain good posture</a:t>
+            </a:r>
+          </a:p>
+          <a:p>
+            <a:pPr lvl="1"/>
+            <a:r>
+              <a:rPr lang="en-US" dirty="0"/>
+              <a:t>Control your expressions</a:t>
+            </a:r>
+          </a:p>
+        </p:txBody>
+      </p:sp>
+    </p:spTree>
+    <p:extLst>
+      <p:ext uri="{BB962C8B-B14F-4D97-AF65-F5344CB8AC3E}">
+        <p14:creationId xmlns:p14="http://schemas.microsoft.com/office/powerpoint/2010/main" val="1632862996"/>
+      </p:ext>
+    </p:extLst>
+  </p:cSld>
+  <p:clrMapOvr>
+    <a:masterClrMapping/>
+  </p:clrMapOvr>
+</p:sld>
+</file>
+
+<file path=ppt/slides/slide22.xml><?xml version="1.0" encoding="utf-8"?>
+<p:sld xmlns:a="http://schemas.openxmlformats.org/drawingml/2006/main" xmlns:r="http://schemas.openxmlformats.org/officeDocument/2006/relationships" xmlns:p="http://schemas.openxmlformats.org/presentationml/2006/main">
+  <p:cSld>
+    <p:spTree>
+      <p:nvGrpSpPr>
         <p:cNvPr id="1" name=""/>
         <p:cNvGrpSpPr/>
         <p:nvPr/>
@@ -16325,7 +18930,7 @@
 </p:sld>
 </file>
 
-<file path=ppt/slides/slide21.xml><?xml version="1.0" encoding="utf-8"?>
+<file path=ppt/slides/slide23.xml><?xml version="1.0" encoding="utf-8"?>
 <p:sld xmlns:a="http://schemas.openxmlformats.org/drawingml/2006/main" xmlns:r="http://schemas.openxmlformats.org/officeDocument/2006/relationships" xmlns:p="http://schemas.openxmlformats.org/presentationml/2006/main">
   <p:cSld>
     <p:spTree>
@@ -16466,7 +19071,7 @@
 </p:sld>
 </file>
 
-<file path=ppt/slides/slide22.xml><?xml version="1.0" encoding="utf-8"?>
+<file path=ppt/slides/slide24.xml><?xml version="1.0" encoding="utf-8"?>
 <p:sld xmlns:a="http://schemas.openxmlformats.org/drawingml/2006/main" xmlns:r="http://schemas.openxmlformats.org/officeDocument/2006/relationships" xmlns:p="http://schemas.openxmlformats.org/presentationml/2006/main">
   <p:cSld>
     <p:spTree>
@@ -17019,7 +19624,7 @@
 </p:sld>
 </file>
 
-<file path=ppt/slides/slide23.xml><?xml version="1.0" encoding="utf-8"?>
+<file path=ppt/slides/slide25.xml><?xml version="1.0" encoding="utf-8"?>
 <p:sld xmlns:a="http://schemas.openxmlformats.org/drawingml/2006/main" xmlns:r="http://schemas.openxmlformats.org/officeDocument/2006/relationships" xmlns:p="http://schemas.openxmlformats.org/presentationml/2006/main">
   <p:cSld>
     <p:spTree>
@@ -17222,7 +19827,7 @@
 </p:sld>
 </file>
 
-<file path=ppt/slides/slide24.xml><?xml version="1.0" encoding="utf-8"?>
+<file path=ppt/slides/slide26.xml><?xml version="1.0" encoding="utf-8"?>
 <p:sld xmlns:a="http://schemas.openxmlformats.org/drawingml/2006/main" xmlns:r="http://schemas.openxmlformats.org/officeDocument/2006/relationships" xmlns:p="http://schemas.openxmlformats.org/presentationml/2006/main">
   <p:cSld>
     <p:spTree>
@@ -17748,7 +20353,7 @@
 </p:sld>
 </file>
 
-<file path=ppt/slides/slide25.xml><?xml version="1.0" encoding="utf-8"?>
+<file path=ppt/slides/slide27.xml><?xml version="1.0" encoding="utf-8"?>
 <p:sld xmlns:a="http://schemas.openxmlformats.org/drawingml/2006/main" xmlns:r="http://schemas.openxmlformats.org/officeDocument/2006/relationships" xmlns:p="http://schemas.openxmlformats.org/presentationml/2006/main">
   <p:cSld>
     <p:spTree>
@@ -17845,7 +20450,7 @@
 </p:sld>
 </file>
 
-<file path=ppt/slides/slide26.xml><?xml version="1.0" encoding="utf-8"?>
+<file path=ppt/slides/slide28.xml><?xml version="1.0" encoding="utf-8"?>
 <p:sld xmlns:a="http://schemas.openxmlformats.org/drawingml/2006/main" xmlns:r="http://schemas.openxmlformats.org/officeDocument/2006/relationships" xmlns:p="http://schemas.openxmlformats.org/presentationml/2006/main">
   <p:cSld>
     <p:spTree>
@@ -18859,19 +21464,19 @@
           <a:p>
             <a:r>
               <a:rPr lang="en-US" dirty="0"/>
-              <a:t>Stable diffusion</a:t>
+              <a:t>Latent Diffusion Model</a:t>
             </a:r>
           </a:p>
           <a:p>
             <a:r>
               <a:rPr lang="en-US" dirty="0"/>
-              <a:t>Score distillation sampling</a:t>
+              <a:t>Score Distillation Sampling</a:t>
             </a:r>
           </a:p>
           <a:p>
             <a:r>
               <a:rPr lang="en-US" dirty="0"/>
-              <a:t>Delta denoising score</a:t>
+              <a:t>Delta Denoising Score</a:t>
             </a:r>
           </a:p>
         </p:txBody>
@@ -19780,12 +22385,14 @@
           </a:xfrm>
         </p:spPr>
         <p:txBody>
-          <a:bodyPr/>
+          <a:bodyPr anchor="b">
+            <a:normAutofit/>
+          </a:bodyPr>
           <a:lstStyle/>
           <a:p>
             <a:r>
               <a:rPr lang="en-US" dirty="0"/>
-              <a:t>Stable diffusion</a:t>
+              <a:t>Latent Diffusion Model (1)</a:t>
             </a:r>
           </a:p>
         </p:txBody>
@@ -19813,98 +22420,112 @@
           </a:xfrm>
         </p:spPr>
         <p:txBody>
-          <a:bodyPr/>
+          <a:bodyPr>
+            <a:normAutofit/>
+          </a:bodyPr>
           <a:lstStyle/>
           <a:p>
+            <a:pPr marL="342900" indent="-342900">
+              <a:buFont typeface="Arial" panose="020B0604020202020204" pitchFamily="34" charset="0"/>
+              <a:buChar char="•"/>
+            </a:pPr>
             <a:r>
               <a:rPr lang="en-US" dirty="0"/>
-              <a:t>This is a powerful tool in public speaking. It involves varying pitch, tone, and volume to convey emotion, emphasize points, and maintain interest:</a:t>
-            </a:r>
-          </a:p>
-          <a:p>
-            <a:pPr lvl="1"/>
+              <a:t>Proposed in </a:t>
+            </a:r>
+            <a:r>
+              <a:rPr lang="en-US" b="1" dirty="0"/>
+              <a:t>High-resolution image synthesis with latent diffusion models </a:t>
+            </a:r>
             <a:r>
               <a:rPr lang="en-US" dirty="0"/>
-              <a:t>Pitch variation</a:t>
-            </a:r>
-          </a:p>
-          <a:p>
-            <a:pPr lvl="1"/>
+              <a:t>by Rombach, R., </a:t>
+            </a:r>
+            <a:r>
+              <a:rPr lang="en-US" dirty="0" err="1"/>
+              <a:t>Blattmann</a:t>
+            </a:r>
             <a:r>
               <a:rPr lang="en-US" dirty="0"/>
-              <a:t>Tone inflection</a:t>
-            </a:r>
-          </a:p>
-          <a:p>
-            <a:pPr lvl="1"/>
+              <a:t>, A., Lorenz, D., Esser, P., &amp; </a:t>
+            </a:r>
+            <a:r>
+              <a:rPr lang="en-US" dirty="0" err="1"/>
+              <a:t>Ommer</a:t>
+            </a:r>
             <a:r>
               <a:rPr lang="en-US" dirty="0"/>
-              <a:t>Volume control</a:t>
+              <a:t>, B. (2022).</a:t>
+            </a:r>
+          </a:p>
+          <a:p>
+            <a:pPr marL="342900" indent="-342900">
+              <a:buFont typeface="Arial" panose="020B0604020202020204" pitchFamily="34" charset="0"/>
+              <a:buChar char="•"/>
+            </a:pPr>
+            <a:r>
+              <a:rPr lang="en-US" dirty="0"/>
+              <a:t>Instead of applying diffusion directly to high-dimensional pixel space, the model learns and denoises in a compressed latent space.</a:t>
+            </a:r>
+          </a:p>
+          <a:p>
+            <a:pPr marL="342900" indent="-342900">
+              <a:buFont typeface="Arial" panose="020B0604020202020204" pitchFamily="34" charset="0"/>
+              <a:buChar char="•"/>
+            </a:pPr>
+            <a:r>
+              <a:rPr lang="en-US" dirty="0"/>
+              <a:t>Introduce </a:t>
+            </a:r>
+            <a:r>
+              <a:rPr lang="en-US" b="1" dirty="0"/>
+              <a:t>cross-attention layers</a:t>
+            </a:r>
+            <a:r>
+              <a:rPr lang="en-US" dirty="0"/>
+              <a:t> that enable </a:t>
+            </a:r>
+            <a:r>
+              <a:rPr lang="en-US" b="1" dirty="0"/>
+              <a:t>flexible control</a:t>
+            </a:r>
+            <a:r>
+              <a:rPr lang="en-US" dirty="0"/>
+              <a:t> over image generation.</a:t>
             </a:r>
           </a:p>
         </p:txBody>
       </p:sp>
-      <p:sp>
-        <p:nvSpPr>
-          <p:cNvPr id="4" name="Content Placeholder 3">
+      <p:pic>
+        <p:nvPicPr>
+          <p:cNvPr id="10" name="Picture 9" descr="A collage of different buildings&#10;&#10;AI-generated content may be incorrect.">
             <a:extLst>
               <a:ext uri="{FF2B5EF4-FFF2-40B4-BE49-F238E27FC236}">
-                <a16:creationId xmlns:a16="http://schemas.microsoft.com/office/drawing/2014/main" id="{58A8AB2A-FF93-2361-BEB0-D7B78710B8E3}"/>
+                <a16:creationId xmlns:a16="http://schemas.microsoft.com/office/drawing/2014/main" id="{1F8E15B7-231F-6EBD-C40E-BF791629038A}"/>
               </a:ext>
             </a:extLst>
           </p:cNvPr>
-          <p:cNvSpPr>
-            <a:spLocks noGrp="1"/>
-          </p:cNvSpPr>
-          <p:nvPr>
-            <p:ph sz="quarter" idx="16"/>
-          </p:nvPr>
-        </p:nvSpPr>
+          <p:cNvPicPr>
+            <a:picLocks noChangeAspect="1"/>
+          </p:cNvPicPr>
+          <p:nvPr/>
+        </p:nvPicPr>
+        <p:blipFill>
+          <a:blip r:embed="rId3"/>
+          <a:srcRect l="-223" t="-4" r="59983" b="5"/>
+          <a:stretch/>
+        </p:blipFill>
         <p:spPr>
           <a:xfrm>
-            <a:off x="5881898" y="2676525"/>
-            <a:ext cx="4490827" cy="3597470"/>
+            <a:off x="5608320" y="2676525"/>
+            <a:ext cx="5790565" cy="3597470"/>
           </a:xfrm>
+          <a:prstGeom prst="rect">
+            <a:avLst/>
+          </a:prstGeom>
+          <a:noFill/>
         </p:spPr>
-        <p:txBody>
-          <a:bodyPr/>
-          <a:lstStyle/>
-          <a:p>
-            <a:r>
-              <a:rPr lang="en-US" dirty="0"/>
-              <a:t>Effective body language enhances your message, making it more impactful and memorable:</a:t>
-            </a:r>
-          </a:p>
-          <a:p>
-            <a:pPr lvl="1"/>
-            <a:r>
-              <a:rPr lang="en-US" dirty="0"/>
-              <a:t>Meaningful eye contact</a:t>
-            </a:r>
-          </a:p>
-          <a:p>
-            <a:pPr lvl="1"/>
-            <a:r>
-              <a:rPr lang="en-US" dirty="0"/>
-              <a:t>Purposeful gestures</a:t>
-            </a:r>
-          </a:p>
-          <a:p>
-            <a:pPr lvl="1"/>
-            <a:r>
-              <a:rPr lang="en-US" dirty="0"/>
-              <a:t>Maintain good posture</a:t>
-            </a:r>
-          </a:p>
-          <a:p>
-            <a:pPr lvl="1"/>
-            <a:r>
-              <a:rPr lang="en-US" dirty="0"/>
-              <a:t>Control your expressions</a:t>
-            </a:r>
-          </a:p>
-        </p:txBody>
-      </p:sp>
+      </p:pic>
     </p:spTree>
     <p:extLst>
       <p:ext uri="{BB962C8B-B14F-4D97-AF65-F5344CB8AC3E}">

--- a/report_computer_vision.pptx
+++ b/report_computer_vision.pptx
@@ -5,10 +5,10 @@
     <p:sldMasterId id="2147483658" r:id="rId4"/>
   </p:sldMasterIdLst>
   <p:notesMasterIdLst>
-    <p:notesMasterId r:id="rId33"/>
+    <p:notesMasterId r:id="rId25"/>
   </p:notesMasterIdLst>
   <p:handoutMasterIdLst>
-    <p:handoutMasterId r:id="rId34"/>
+    <p:handoutMasterId r:id="rId26"/>
   </p:handoutMasterIdLst>
   <p:sldIdLst>
     <p:sldId id="410" r:id="rId5"/>
@@ -16,29 +16,21 @@
     <p:sldId id="391" r:id="rId7"/>
     <p:sldId id="408" r:id="rId8"/>
     <p:sldId id="414" r:id="rId9"/>
-    <p:sldId id="415" r:id="rId10"/>
-    <p:sldId id="419" r:id="rId11"/>
-    <p:sldId id="416" r:id="rId12"/>
-    <p:sldId id="423" r:id="rId13"/>
-    <p:sldId id="427" r:id="rId14"/>
-    <p:sldId id="417" r:id="rId15"/>
-    <p:sldId id="424" r:id="rId16"/>
-    <p:sldId id="425" r:id="rId17"/>
-    <p:sldId id="418" r:id="rId18"/>
-    <p:sldId id="420" r:id="rId19"/>
-    <p:sldId id="426" r:id="rId20"/>
-    <p:sldId id="411" r:id="rId21"/>
-    <p:sldId id="421" r:id="rId22"/>
-    <p:sldId id="389" r:id="rId23"/>
-    <p:sldId id="412" r:id="rId24"/>
-    <p:sldId id="413" r:id="rId25"/>
-    <p:sldId id="407" r:id="rId26"/>
-    <p:sldId id="406" r:id="rId27"/>
-    <p:sldId id="405" r:id="rId28"/>
-    <p:sldId id="404" r:id="rId29"/>
-    <p:sldId id="403" r:id="rId30"/>
-    <p:sldId id="409" r:id="rId31"/>
-    <p:sldId id="398" r:id="rId32"/>
+    <p:sldId id="428" r:id="rId10"/>
+    <p:sldId id="415" r:id="rId11"/>
+    <p:sldId id="419" r:id="rId12"/>
+    <p:sldId id="416" r:id="rId13"/>
+    <p:sldId id="423" r:id="rId14"/>
+    <p:sldId id="427" r:id="rId15"/>
+    <p:sldId id="417" r:id="rId16"/>
+    <p:sldId id="424" r:id="rId17"/>
+    <p:sldId id="425" r:id="rId18"/>
+    <p:sldId id="418" r:id="rId19"/>
+    <p:sldId id="420" r:id="rId20"/>
+    <p:sldId id="426" r:id="rId21"/>
+    <p:sldId id="411" r:id="rId22"/>
+    <p:sldId id="421" r:id="rId23"/>
+    <p:sldId id="398" r:id="rId24"/>
   </p:sldIdLst>
   <p:sldSz cx="12192000" cy="6858000"/>
   <p:notesSz cx="6858000" cy="9144000"/>
@@ -217,7 +209,7 @@
           <a:p>
             <a:fld id="{1EBEDD12-BCD5-485B-BCBC-34BB01D7923C}" type="datetimeFigureOut">
               <a:rPr lang="en-US" smtClean="0"/>
-              <a:t>2/16/2025</a:t>
+              <a:t>2/18/2025</a:t>
             </a:fld>
             <a:endParaRPr lang="en-US" dirty="0"/>
           </a:p>
@@ -431,7 +423,7 @@
           <a:p>
             <a:fld id="{6EE7A52F-9D89-7442-A8E9-48D1527B5F6B}" type="datetimeFigureOut">
               <a:rPr lang="en-US" smtClean="0"/>
-              <a:t>2/16/2025</a:t>
+              <a:t>2/18/2025</a:t>
             </a:fld>
             <a:endParaRPr lang="en-US" dirty="0"/>
           </a:p>
@@ -790,6 +782,114 @@
         <p:cNvPr id="1" name="">
           <a:extLst>
             <a:ext uri="{FF2B5EF4-FFF2-40B4-BE49-F238E27FC236}">
+              <a16:creationId xmlns:a16="http://schemas.microsoft.com/office/drawing/2014/main" id="{21E72B2F-E5E5-61CD-E6B6-D914A6E38E23}"/>
+            </a:ext>
+          </a:extLst>
+        </p:cNvPr>
+        <p:cNvGrpSpPr/>
+        <p:nvPr/>
+      </p:nvGrpSpPr>
+      <p:grpSpPr>
+        <a:xfrm>
+          <a:off x="0" y="0"/>
+          <a:ext cx="0" cy="0"/>
+          <a:chOff x="0" y="0"/>
+          <a:chExt cx="0" cy="0"/>
+        </a:xfrm>
+      </p:grpSpPr>
+      <p:sp>
+        <p:nvSpPr>
+          <p:cNvPr id="2" name="Slide Image Placeholder 1">
+            <a:extLst>
+              <a:ext uri="{FF2B5EF4-FFF2-40B4-BE49-F238E27FC236}">
+                <a16:creationId xmlns:a16="http://schemas.microsoft.com/office/drawing/2014/main" id="{BD2564BF-BAEA-0D9E-3079-0B3572E2A84C}"/>
+              </a:ext>
+            </a:extLst>
+          </p:cNvPr>
+          <p:cNvSpPr>
+            <a:spLocks noGrp="1" noRot="1" noChangeAspect="1"/>
+          </p:cNvSpPr>
+          <p:nvPr>
+            <p:ph type="sldImg"/>
+          </p:nvPr>
+        </p:nvSpPr>
+        <p:spPr/>
+      </p:sp>
+      <p:sp>
+        <p:nvSpPr>
+          <p:cNvPr id="3" name="Notes Placeholder 2">
+            <a:extLst>
+              <a:ext uri="{FF2B5EF4-FFF2-40B4-BE49-F238E27FC236}">
+                <a16:creationId xmlns:a16="http://schemas.microsoft.com/office/drawing/2014/main" id="{8B9C1085-DC0A-9050-CE19-2F652D694AC7}"/>
+              </a:ext>
+            </a:extLst>
+          </p:cNvPr>
+          <p:cNvSpPr>
+            <a:spLocks noGrp="1"/>
+          </p:cNvSpPr>
+          <p:nvPr>
+            <p:ph type="body" idx="1"/>
+          </p:nvPr>
+        </p:nvSpPr>
+        <p:spPr/>
+        <p:txBody>
+          <a:bodyPr/>
+          <a:lstStyle/>
+          <a:p>
+            <a:endParaRPr lang="en-US" dirty="0"/>
+          </a:p>
+        </p:txBody>
+      </p:sp>
+      <p:sp>
+        <p:nvSpPr>
+          <p:cNvPr id="4" name="Slide Number Placeholder 3">
+            <a:extLst>
+              <a:ext uri="{FF2B5EF4-FFF2-40B4-BE49-F238E27FC236}">
+                <a16:creationId xmlns:a16="http://schemas.microsoft.com/office/drawing/2014/main" id="{3C3A656F-0197-C19A-FAE5-929F4C451508}"/>
+              </a:ext>
+            </a:extLst>
+          </p:cNvPr>
+          <p:cNvSpPr>
+            <a:spLocks noGrp="1"/>
+          </p:cNvSpPr>
+          <p:nvPr>
+            <p:ph type="sldNum" sz="quarter" idx="5"/>
+          </p:nvPr>
+        </p:nvSpPr>
+        <p:spPr/>
+        <p:txBody>
+          <a:bodyPr/>
+          <a:lstStyle/>
+          <a:p>
+            <a:fld id="{A89C7E07-3C67-C64C-8DA0-0404F6303970}" type="slidenum">
+              <a:rPr lang="en-US" smtClean="0"/>
+              <a:t>10</a:t>
+            </a:fld>
+            <a:endParaRPr lang="en-US" dirty="0"/>
+          </a:p>
+        </p:txBody>
+      </p:sp>
+    </p:spTree>
+    <p:extLst>
+      <p:ext uri="{BB962C8B-B14F-4D97-AF65-F5344CB8AC3E}">
+        <p14:creationId xmlns:p14="http://schemas.microsoft.com/office/powerpoint/2010/main" val="3292689934"/>
+      </p:ext>
+    </p:extLst>
+  </p:cSld>
+  <p:clrMapOvr>
+    <a:masterClrMapping/>
+  </p:clrMapOvr>
+</p:notes>
+</file>
+
+<file path=ppt/notesSlides/notesSlide11.xml><?xml version="1.0" encoding="utf-8"?>
+<p:notes xmlns:a="http://schemas.openxmlformats.org/drawingml/2006/main" xmlns:r="http://schemas.openxmlformats.org/officeDocument/2006/relationships" xmlns:p="http://schemas.openxmlformats.org/presentationml/2006/main">
+  <p:cSld>
+    <p:spTree>
+      <p:nvGrpSpPr>
+        <p:cNvPr id="1" name="">
+          <a:extLst>
+            <a:ext uri="{FF2B5EF4-FFF2-40B4-BE49-F238E27FC236}">
               <a16:creationId xmlns:a16="http://schemas.microsoft.com/office/drawing/2014/main" id="{8970AA44-15F2-5908-5E68-FAFA8B097E0D}"/>
             </a:ext>
           </a:extLst>
@@ -871,7 +971,7 @@
           <a:p>
             <a:fld id="{A89C7E07-3C67-C64C-8DA0-0404F6303970}" type="slidenum">
               <a:rPr lang="en-US" smtClean="0"/>
-              <a:t>10</a:t>
+              <a:t>11</a:t>
             </a:fld>
             <a:endParaRPr lang="en-US" dirty="0"/>
           </a:p>
@@ -890,7 +990,7 @@
 </p:notes>
 </file>
 
-<file path=ppt/notesSlides/notesSlide11.xml><?xml version="1.0" encoding="utf-8"?>
+<file path=ppt/notesSlides/notesSlide12.xml><?xml version="1.0" encoding="utf-8"?>
 <p:notes xmlns:a="http://schemas.openxmlformats.org/drawingml/2006/main" xmlns:r="http://schemas.openxmlformats.org/officeDocument/2006/relationships" xmlns:p="http://schemas.openxmlformats.org/presentationml/2006/main">
   <p:cSld>
     <p:spTree>
@@ -979,7 +1079,7 @@
           <a:p>
             <a:fld id="{A89C7E07-3C67-C64C-8DA0-0404F6303970}" type="slidenum">
               <a:rPr lang="en-US" smtClean="0"/>
-              <a:t>11</a:t>
+              <a:t>12</a:t>
             </a:fld>
             <a:endParaRPr lang="en-US" dirty="0"/>
           </a:p>
@@ -998,7 +1098,7 @@
 </p:notes>
 </file>
 
-<file path=ppt/notesSlides/notesSlide12.xml><?xml version="1.0" encoding="utf-8"?>
+<file path=ppt/notesSlides/notesSlide13.xml><?xml version="1.0" encoding="utf-8"?>
 <p:notes xmlns:a="http://schemas.openxmlformats.org/drawingml/2006/main" xmlns:r="http://schemas.openxmlformats.org/officeDocument/2006/relationships" xmlns:p="http://schemas.openxmlformats.org/presentationml/2006/main">
   <p:cSld>
     <p:spTree>
@@ -1087,7 +1187,7 @@
           <a:p>
             <a:fld id="{A89C7E07-3C67-C64C-8DA0-0404F6303970}" type="slidenum">
               <a:rPr lang="en-US" smtClean="0"/>
-              <a:t>12</a:t>
+              <a:t>13</a:t>
             </a:fld>
             <a:endParaRPr lang="en-US" dirty="0"/>
           </a:p>
@@ -1106,7 +1206,7 @@
 </p:notes>
 </file>
 
-<file path=ppt/notesSlides/notesSlide13.xml><?xml version="1.0" encoding="utf-8"?>
+<file path=ppt/notesSlides/notesSlide14.xml><?xml version="1.0" encoding="utf-8"?>
 <p:notes xmlns:a="http://schemas.openxmlformats.org/drawingml/2006/main" xmlns:r="http://schemas.openxmlformats.org/officeDocument/2006/relationships" xmlns:p="http://schemas.openxmlformats.org/presentationml/2006/main">
   <p:cSld>
     <p:spTree>
@@ -1195,7 +1295,7 @@
           <a:p>
             <a:fld id="{A89C7E07-3C67-C64C-8DA0-0404F6303970}" type="slidenum">
               <a:rPr lang="en-US" smtClean="0"/>
-              <a:t>13</a:t>
+              <a:t>14</a:t>
             </a:fld>
             <a:endParaRPr lang="en-US" dirty="0"/>
           </a:p>
@@ -1214,7 +1314,7 @@
 </p:notes>
 </file>
 
-<file path=ppt/notesSlides/notesSlide14.xml><?xml version="1.0" encoding="utf-8"?>
+<file path=ppt/notesSlides/notesSlide15.xml><?xml version="1.0" encoding="utf-8"?>
 <p:notes xmlns:a="http://schemas.openxmlformats.org/drawingml/2006/main" xmlns:r="http://schemas.openxmlformats.org/officeDocument/2006/relationships" xmlns:p="http://schemas.openxmlformats.org/presentationml/2006/main">
   <p:cSld>
     <p:spTree>
@@ -1303,7 +1403,7 @@
           <a:p>
             <a:fld id="{A89C7E07-3C67-C64C-8DA0-0404F6303970}" type="slidenum">
               <a:rPr lang="en-US" smtClean="0"/>
-              <a:t>14</a:t>
+              <a:t>15</a:t>
             </a:fld>
             <a:endParaRPr lang="en-US" dirty="0"/>
           </a:p>
@@ -1322,7 +1422,7 @@
 </p:notes>
 </file>
 
-<file path=ppt/notesSlides/notesSlide15.xml><?xml version="1.0" encoding="utf-8"?>
+<file path=ppt/notesSlides/notesSlide16.xml><?xml version="1.0" encoding="utf-8"?>
 <p:notes xmlns:a="http://schemas.openxmlformats.org/drawingml/2006/main" xmlns:r="http://schemas.openxmlformats.org/officeDocument/2006/relationships" xmlns:p="http://schemas.openxmlformats.org/presentationml/2006/main">
   <p:cSld>
     <p:spTree>
@@ -1411,7 +1511,7 @@
           <a:p>
             <a:fld id="{A89C7E07-3C67-C64C-8DA0-0404F6303970}" type="slidenum">
               <a:rPr lang="en-US" smtClean="0"/>
-              <a:t>15</a:t>
+              <a:t>16</a:t>
             </a:fld>
             <a:endParaRPr lang="en-US" dirty="0"/>
           </a:p>
@@ -1430,7 +1530,7 @@
 </p:notes>
 </file>
 
-<file path=ppt/notesSlides/notesSlide16.xml><?xml version="1.0" encoding="utf-8"?>
+<file path=ppt/notesSlides/notesSlide17.xml><?xml version="1.0" encoding="utf-8"?>
 <p:notes xmlns:a="http://schemas.openxmlformats.org/drawingml/2006/main" xmlns:r="http://schemas.openxmlformats.org/officeDocument/2006/relationships" xmlns:p="http://schemas.openxmlformats.org/presentationml/2006/main">
   <p:cSld>
     <p:spTree>
@@ -1519,7 +1619,7 @@
           <a:p>
             <a:fld id="{A89C7E07-3C67-C64C-8DA0-0404F6303970}" type="slidenum">
               <a:rPr lang="en-US" smtClean="0"/>
-              <a:t>16</a:t>
+              <a:t>17</a:t>
             </a:fld>
             <a:endParaRPr lang="en-US" dirty="0"/>
           </a:p>
@@ -1538,7 +1638,7 @@
 </p:notes>
 </file>
 
-<file path=ppt/notesSlides/notesSlide17.xml><?xml version="1.0" encoding="utf-8"?>
+<file path=ppt/notesSlides/notesSlide18.xml><?xml version="1.0" encoding="utf-8"?>
 <p:notes xmlns:a="http://schemas.openxmlformats.org/drawingml/2006/main" xmlns:r="http://schemas.openxmlformats.org/officeDocument/2006/relationships" xmlns:p="http://schemas.openxmlformats.org/presentationml/2006/main">
   <p:cSld>
     <p:spTree>
@@ -1627,7 +1727,7 @@
           <a:p>
             <a:fld id="{A89C7E07-3C67-C64C-8DA0-0404F6303970}" type="slidenum">
               <a:rPr lang="en-US" smtClean="0"/>
-              <a:t>17</a:t>
+              <a:t>18</a:t>
             </a:fld>
             <a:endParaRPr lang="en-US" dirty="0"/>
           </a:p>
@@ -1646,7 +1746,7 @@
 </p:notes>
 </file>
 
-<file path=ppt/notesSlides/notesSlide18.xml><?xml version="1.0" encoding="utf-8"?>
+<file path=ppt/notesSlides/notesSlide19.xml><?xml version="1.0" encoding="utf-8"?>
 <p:notes xmlns:a="http://schemas.openxmlformats.org/drawingml/2006/main" xmlns:r="http://schemas.openxmlformats.org/officeDocument/2006/relationships" xmlns:p="http://schemas.openxmlformats.org/presentationml/2006/main">
   <p:cSld>
     <p:spTree>
@@ -1735,7 +1835,7 @@
           <a:p>
             <a:fld id="{A89C7E07-3C67-C64C-8DA0-0404F6303970}" type="slidenum">
               <a:rPr lang="en-US" smtClean="0"/>
-              <a:t>18</a:t>
+              <a:t>19</a:t>
             </a:fld>
             <a:endParaRPr lang="en-US" dirty="0"/>
           </a:p>
@@ -1745,90 +1845,6 @@
     <p:extLst>
       <p:ext uri="{BB962C8B-B14F-4D97-AF65-F5344CB8AC3E}">
         <p14:creationId xmlns:p14="http://schemas.microsoft.com/office/powerpoint/2010/main" val="2615089689"/>
-      </p:ext>
-    </p:extLst>
-  </p:cSld>
-  <p:clrMapOvr>
-    <a:masterClrMapping/>
-  </p:clrMapOvr>
-</p:notes>
-</file>
-
-<file path=ppt/notesSlides/notesSlide19.xml><?xml version="1.0" encoding="utf-8"?>
-<p:notes xmlns:a="http://schemas.openxmlformats.org/drawingml/2006/main" xmlns:r="http://schemas.openxmlformats.org/officeDocument/2006/relationships" xmlns:p="http://schemas.openxmlformats.org/presentationml/2006/main">
-  <p:cSld>
-    <p:spTree>
-      <p:nvGrpSpPr>
-        <p:cNvPr id="1" name=""/>
-        <p:cNvGrpSpPr/>
-        <p:nvPr/>
-      </p:nvGrpSpPr>
-      <p:grpSpPr>
-        <a:xfrm>
-          <a:off x="0" y="0"/>
-          <a:ext cx="0" cy="0"/>
-          <a:chOff x="0" y="0"/>
-          <a:chExt cx="0" cy="0"/>
-        </a:xfrm>
-      </p:grpSpPr>
-      <p:sp>
-        <p:nvSpPr>
-          <p:cNvPr id="2" name="Slide Image Placeholder 1"/>
-          <p:cNvSpPr>
-            <a:spLocks noGrp="1" noRot="1" noChangeAspect="1"/>
-          </p:cNvSpPr>
-          <p:nvPr>
-            <p:ph type="sldImg"/>
-          </p:nvPr>
-        </p:nvSpPr>
-        <p:spPr/>
-      </p:sp>
-      <p:sp>
-        <p:nvSpPr>
-          <p:cNvPr id="3" name="Notes Placeholder 2"/>
-          <p:cNvSpPr>
-            <a:spLocks noGrp="1"/>
-          </p:cNvSpPr>
-          <p:nvPr>
-            <p:ph type="body" idx="1"/>
-          </p:nvPr>
-        </p:nvSpPr>
-        <p:spPr/>
-        <p:txBody>
-          <a:bodyPr/>
-          <a:lstStyle/>
-          <a:p>
-            <a:endParaRPr lang="en-US" dirty="0"/>
-          </a:p>
-        </p:txBody>
-      </p:sp>
-      <p:sp>
-        <p:nvSpPr>
-          <p:cNvPr id="4" name="Slide Number Placeholder 3"/>
-          <p:cNvSpPr>
-            <a:spLocks noGrp="1"/>
-          </p:cNvSpPr>
-          <p:nvPr>
-            <p:ph type="sldNum" sz="quarter" idx="5"/>
-          </p:nvPr>
-        </p:nvSpPr>
-        <p:spPr/>
-        <p:txBody>
-          <a:bodyPr/>
-          <a:lstStyle/>
-          <a:p>
-            <a:fld id="{A89C7E07-3C67-C64C-8DA0-0404F6303970}" type="slidenum">
-              <a:rPr lang="en-US" smtClean="0"/>
-              <a:t>19</a:t>
-            </a:fld>
-            <a:endParaRPr lang="en-US" dirty="0"/>
-          </a:p>
-        </p:txBody>
-      </p:sp>
-    </p:spTree>
-    <p:extLst>
-      <p:ext uri="{BB962C8B-B14F-4D97-AF65-F5344CB8AC3E}">
-        <p14:creationId xmlns:p14="http://schemas.microsoft.com/office/powerpoint/2010/main" val="3576248012"/>
       </p:ext>
     </p:extLst>
   </p:cSld>
@@ -1927,222 +1943,6 @@
   <p:cSld>
     <p:spTree>
       <p:nvGrpSpPr>
-        <p:cNvPr id="1" name="">
-          <a:extLst>
-            <a:ext uri="{FF2B5EF4-FFF2-40B4-BE49-F238E27FC236}">
-              <a16:creationId xmlns:a16="http://schemas.microsoft.com/office/drawing/2014/main" id="{EEB7944A-97DB-C395-0E65-B955553A7928}"/>
-            </a:ext>
-          </a:extLst>
-        </p:cNvPr>
-        <p:cNvGrpSpPr/>
-        <p:nvPr/>
-      </p:nvGrpSpPr>
-      <p:grpSpPr>
-        <a:xfrm>
-          <a:off x="0" y="0"/>
-          <a:ext cx="0" cy="0"/>
-          <a:chOff x="0" y="0"/>
-          <a:chExt cx="0" cy="0"/>
-        </a:xfrm>
-      </p:grpSpPr>
-      <p:sp>
-        <p:nvSpPr>
-          <p:cNvPr id="2" name="Slide Image Placeholder 1">
-            <a:extLst>
-              <a:ext uri="{FF2B5EF4-FFF2-40B4-BE49-F238E27FC236}">
-                <a16:creationId xmlns:a16="http://schemas.microsoft.com/office/drawing/2014/main" id="{1C5639F3-56AA-4579-25A9-121DBCE7836C}"/>
-              </a:ext>
-            </a:extLst>
-          </p:cNvPr>
-          <p:cNvSpPr>
-            <a:spLocks noGrp="1" noRot="1" noChangeAspect="1"/>
-          </p:cNvSpPr>
-          <p:nvPr>
-            <p:ph type="sldImg"/>
-          </p:nvPr>
-        </p:nvSpPr>
-        <p:spPr/>
-      </p:sp>
-      <p:sp>
-        <p:nvSpPr>
-          <p:cNvPr id="3" name="Notes Placeholder 2">
-            <a:extLst>
-              <a:ext uri="{FF2B5EF4-FFF2-40B4-BE49-F238E27FC236}">
-                <a16:creationId xmlns:a16="http://schemas.microsoft.com/office/drawing/2014/main" id="{04FF23FC-812B-13D0-3D94-CA6557F9C682}"/>
-              </a:ext>
-            </a:extLst>
-          </p:cNvPr>
-          <p:cNvSpPr>
-            <a:spLocks noGrp="1"/>
-          </p:cNvSpPr>
-          <p:nvPr>
-            <p:ph type="body" idx="1"/>
-          </p:nvPr>
-        </p:nvSpPr>
-        <p:spPr/>
-        <p:txBody>
-          <a:bodyPr/>
-          <a:lstStyle/>
-          <a:p>
-            <a:endParaRPr lang="en-US" dirty="0"/>
-          </a:p>
-        </p:txBody>
-      </p:sp>
-      <p:sp>
-        <p:nvSpPr>
-          <p:cNvPr id="4" name="Slide Number Placeholder 3">
-            <a:extLst>
-              <a:ext uri="{FF2B5EF4-FFF2-40B4-BE49-F238E27FC236}">
-                <a16:creationId xmlns:a16="http://schemas.microsoft.com/office/drawing/2014/main" id="{91ED82C4-79ED-1AD9-D330-72C34C2D8D39}"/>
-              </a:ext>
-            </a:extLst>
-          </p:cNvPr>
-          <p:cNvSpPr>
-            <a:spLocks noGrp="1"/>
-          </p:cNvSpPr>
-          <p:nvPr>
-            <p:ph type="sldNum" sz="quarter" idx="5"/>
-          </p:nvPr>
-        </p:nvSpPr>
-        <p:spPr/>
-        <p:txBody>
-          <a:bodyPr/>
-          <a:lstStyle/>
-          <a:p>
-            <a:fld id="{A89C7E07-3C67-C64C-8DA0-0404F6303970}" type="slidenum">
-              <a:rPr lang="en-US" smtClean="0"/>
-              <a:t>20</a:t>
-            </a:fld>
-            <a:endParaRPr lang="en-US" dirty="0"/>
-          </a:p>
-        </p:txBody>
-      </p:sp>
-    </p:spTree>
-    <p:extLst>
-      <p:ext uri="{BB962C8B-B14F-4D97-AF65-F5344CB8AC3E}">
-        <p14:creationId xmlns:p14="http://schemas.microsoft.com/office/powerpoint/2010/main" val="3398430494"/>
-      </p:ext>
-    </p:extLst>
-  </p:cSld>
-  <p:clrMapOvr>
-    <a:masterClrMapping/>
-  </p:clrMapOvr>
-</p:notes>
-</file>
-
-<file path=ppt/notesSlides/notesSlide21.xml><?xml version="1.0" encoding="utf-8"?>
-<p:notes xmlns:a="http://schemas.openxmlformats.org/drawingml/2006/main" xmlns:r="http://schemas.openxmlformats.org/officeDocument/2006/relationships" xmlns:p="http://schemas.openxmlformats.org/presentationml/2006/main">
-  <p:cSld>
-    <p:spTree>
-      <p:nvGrpSpPr>
-        <p:cNvPr id="1" name="">
-          <a:extLst>
-            <a:ext uri="{FF2B5EF4-FFF2-40B4-BE49-F238E27FC236}">
-              <a16:creationId xmlns:a16="http://schemas.microsoft.com/office/drawing/2014/main" id="{8970A405-1DDB-16D1-5716-8313ADF0B515}"/>
-            </a:ext>
-          </a:extLst>
-        </p:cNvPr>
-        <p:cNvGrpSpPr/>
-        <p:nvPr/>
-      </p:nvGrpSpPr>
-      <p:grpSpPr>
-        <a:xfrm>
-          <a:off x="0" y="0"/>
-          <a:ext cx="0" cy="0"/>
-          <a:chOff x="0" y="0"/>
-          <a:chExt cx="0" cy="0"/>
-        </a:xfrm>
-      </p:grpSpPr>
-      <p:sp>
-        <p:nvSpPr>
-          <p:cNvPr id="2" name="Slide Image Placeholder 1">
-            <a:extLst>
-              <a:ext uri="{FF2B5EF4-FFF2-40B4-BE49-F238E27FC236}">
-                <a16:creationId xmlns:a16="http://schemas.microsoft.com/office/drawing/2014/main" id="{4655D18B-E2BC-38D2-126A-D339D37DB061}"/>
-              </a:ext>
-            </a:extLst>
-          </p:cNvPr>
-          <p:cNvSpPr>
-            <a:spLocks noGrp="1" noRot="1" noChangeAspect="1"/>
-          </p:cNvSpPr>
-          <p:nvPr>
-            <p:ph type="sldImg"/>
-          </p:nvPr>
-        </p:nvSpPr>
-        <p:spPr/>
-      </p:sp>
-      <p:sp>
-        <p:nvSpPr>
-          <p:cNvPr id="3" name="Notes Placeholder 2">
-            <a:extLst>
-              <a:ext uri="{FF2B5EF4-FFF2-40B4-BE49-F238E27FC236}">
-                <a16:creationId xmlns:a16="http://schemas.microsoft.com/office/drawing/2014/main" id="{8EA4F11F-FB4D-6922-8F79-60B780A83F24}"/>
-              </a:ext>
-            </a:extLst>
-          </p:cNvPr>
-          <p:cNvSpPr>
-            <a:spLocks noGrp="1"/>
-          </p:cNvSpPr>
-          <p:nvPr>
-            <p:ph type="body" idx="1"/>
-          </p:nvPr>
-        </p:nvSpPr>
-        <p:spPr/>
-        <p:txBody>
-          <a:bodyPr/>
-          <a:lstStyle/>
-          <a:p>
-            <a:endParaRPr lang="en-US" dirty="0"/>
-          </a:p>
-        </p:txBody>
-      </p:sp>
-      <p:sp>
-        <p:nvSpPr>
-          <p:cNvPr id="4" name="Slide Number Placeholder 3">
-            <a:extLst>
-              <a:ext uri="{FF2B5EF4-FFF2-40B4-BE49-F238E27FC236}">
-                <a16:creationId xmlns:a16="http://schemas.microsoft.com/office/drawing/2014/main" id="{DB380661-4A1A-5288-D87C-B8408B00FD6A}"/>
-              </a:ext>
-            </a:extLst>
-          </p:cNvPr>
-          <p:cNvSpPr>
-            <a:spLocks noGrp="1"/>
-          </p:cNvSpPr>
-          <p:nvPr>
-            <p:ph type="sldNum" sz="quarter" idx="5"/>
-          </p:nvPr>
-        </p:nvSpPr>
-        <p:spPr/>
-        <p:txBody>
-          <a:bodyPr/>
-          <a:lstStyle/>
-          <a:p>
-            <a:fld id="{A89C7E07-3C67-C64C-8DA0-0404F6303970}" type="slidenum">
-              <a:rPr lang="en-US" smtClean="0"/>
-              <a:t>21</a:t>
-            </a:fld>
-            <a:endParaRPr lang="en-US" dirty="0"/>
-          </a:p>
-        </p:txBody>
-      </p:sp>
-    </p:spTree>
-    <p:extLst>
-      <p:ext uri="{BB962C8B-B14F-4D97-AF65-F5344CB8AC3E}">
-        <p14:creationId xmlns:p14="http://schemas.microsoft.com/office/powerpoint/2010/main" val="3674883064"/>
-      </p:ext>
-    </p:extLst>
-  </p:cSld>
-  <p:clrMapOvr>
-    <a:masterClrMapping/>
-  </p:clrMapOvr>
-</p:notes>
-</file>
-
-<file path=ppt/notesSlides/notesSlide22.xml><?xml version="1.0" encoding="utf-8"?>
-<p:notes xmlns:a="http://schemas.openxmlformats.org/drawingml/2006/main" xmlns:r="http://schemas.openxmlformats.org/officeDocument/2006/relationships" xmlns:p="http://schemas.openxmlformats.org/presentationml/2006/main">
-  <p:cSld>
-    <p:spTree>
-      <p:nvGrpSpPr>
         <p:cNvPr id="1" name=""/>
         <p:cNvGrpSpPr/>
         <p:nvPr/>
@@ -2203,511 +2003,7 @@
           <a:p>
             <a:fld id="{A89C7E07-3C67-C64C-8DA0-0404F6303970}" type="slidenum">
               <a:rPr lang="en-US" smtClean="0"/>
-              <a:t>22</a:t>
-            </a:fld>
-            <a:endParaRPr lang="en-US" dirty="0"/>
-          </a:p>
-        </p:txBody>
-      </p:sp>
-    </p:spTree>
-    <p:extLst>
-      <p:ext uri="{BB962C8B-B14F-4D97-AF65-F5344CB8AC3E}">
-        <p14:creationId xmlns:p14="http://schemas.microsoft.com/office/powerpoint/2010/main" val="501160436"/>
-      </p:ext>
-    </p:extLst>
-  </p:cSld>
-  <p:clrMapOvr>
-    <a:masterClrMapping/>
-  </p:clrMapOvr>
-</p:notes>
-</file>
-
-<file path=ppt/notesSlides/notesSlide23.xml><?xml version="1.0" encoding="utf-8"?>
-<p:notes xmlns:a="http://schemas.openxmlformats.org/drawingml/2006/main" xmlns:r="http://schemas.openxmlformats.org/officeDocument/2006/relationships" xmlns:p="http://schemas.openxmlformats.org/presentationml/2006/main">
-  <p:cSld>
-    <p:spTree>
-      <p:nvGrpSpPr>
-        <p:cNvPr id="1" name=""/>
-        <p:cNvGrpSpPr/>
-        <p:nvPr/>
-      </p:nvGrpSpPr>
-      <p:grpSpPr>
-        <a:xfrm>
-          <a:off x="0" y="0"/>
-          <a:ext cx="0" cy="0"/>
-          <a:chOff x="0" y="0"/>
-          <a:chExt cx="0" cy="0"/>
-        </a:xfrm>
-      </p:grpSpPr>
-      <p:sp>
-        <p:nvSpPr>
-          <p:cNvPr id="2" name="Slide Image Placeholder 1"/>
-          <p:cNvSpPr>
-            <a:spLocks noGrp="1" noRot="1" noChangeAspect="1"/>
-          </p:cNvSpPr>
-          <p:nvPr>
-            <p:ph type="sldImg"/>
-          </p:nvPr>
-        </p:nvSpPr>
-        <p:spPr/>
-      </p:sp>
-      <p:sp>
-        <p:nvSpPr>
-          <p:cNvPr id="3" name="Notes Placeholder 2"/>
-          <p:cNvSpPr>
-            <a:spLocks noGrp="1"/>
-          </p:cNvSpPr>
-          <p:nvPr>
-            <p:ph type="body" idx="1"/>
-          </p:nvPr>
-        </p:nvSpPr>
-        <p:spPr/>
-        <p:txBody>
-          <a:bodyPr/>
-          <a:lstStyle/>
-          <a:p>
-            <a:endParaRPr lang="en-US" dirty="0"/>
-          </a:p>
-        </p:txBody>
-      </p:sp>
-      <p:sp>
-        <p:nvSpPr>
-          <p:cNvPr id="4" name="Slide Number Placeholder 3"/>
-          <p:cNvSpPr>
-            <a:spLocks noGrp="1"/>
-          </p:cNvSpPr>
-          <p:nvPr>
-            <p:ph type="sldNum" sz="quarter" idx="5"/>
-          </p:nvPr>
-        </p:nvSpPr>
-        <p:spPr/>
-        <p:txBody>
-          <a:bodyPr/>
-          <a:lstStyle/>
-          <a:p>
-            <a:fld id="{A89C7E07-3C67-C64C-8DA0-0404F6303970}" type="slidenum">
-              <a:rPr lang="en-US" smtClean="0"/>
-              <a:t>23</a:t>
-            </a:fld>
-            <a:endParaRPr lang="en-US" dirty="0"/>
-          </a:p>
-        </p:txBody>
-      </p:sp>
-    </p:spTree>
-    <p:extLst>
-      <p:ext uri="{BB962C8B-B14F-4D97-AF65-F5344CB8AC3E}">
-        <p14:creationId xmlns:p14="http://schemas.microsoft.com/office/powerpoint/2010/main" val="2994759380"/>
-      </p:ext>
-    </p:extLst>
-  </p:cSld>
-  <p:clrMapOvr>
-    <a:masterClrMapping/>
-  </p:clrMapOvr>
-</p:notes>
-</file>
-
-<file path=ppt/notesSlides/notesSlide24.xml><?xml version="1.0" encoding="utf-8"?>
-<p:notes xmlns:a="http://schemas.openxmlformats.org/drawingml/2006/main" xmlns:r="http://schemas.openxmlformats.org/officeDocument/2006/relationships" xmlns:p="http://schemas.openxmlformats.org/presentationml/2006/main">
-  <p:cSld>
-    <p:spTree>
-      <p:nvGrpSpPr>
-        <p:cNvPr id="1" name=""/>
-        <p:cNvGrpSpPr/>
-        <p:nvPr/>
-      </p:nvGrpSpPr>
-      <p:grpSpPr>
-        <a:xfrm>
-          <a:off x="0" y="0"/>
-          <a:ext cx="0" cy="0"/>
-          <a:chOff x="0" y="0"/>
-          <a:chExt cx="0" cy="0"/>
-        </a:xfrm>
-      </p:grpSpPr>
-      <p:sp>
-        <p:nvSpPr>
-          <p:cNvPr id="2" name="Slide Image Placeholder 1"/>
-          <p:cNvSpPr>
-            <a:spLocks noGrp="1" noRot="1" noChangeAspect="1"/>
-          </p:cNvSpPr>
-          <p:nvPr>
-            <p:ph type="sldImg"/>
-          </p:nvPr>
-        </p:nvSpPr>
-        <p:spPr/>
-      </p:sp>
-      <p:sp>
-        <p:nvSpPr>
-          <p:cNvPr id="3" name="Notes Placeholder 2"/>
-          <p:cNvSpPr>
-            <a:spLocks noGrp="1"/>
-          </p:cNvSpPr>
-          <p:nvPr>
-            <p:ph type="body" idx="1"/>
-          </p:nvPr>
-        </p:nvSpPr>
-        <p:spPr/>
-        <p:txBody>
-          <a:bodyPr/>
-          <a:lstStyle/>
-          <a:p>
-            <a:endParaRPr lang="en-US" dirty="0"/>
-          </a:p>
-        </p:txBody>
-      </p:sp>
-      <p:sp>
-        <p:nvSpPr>
-          <p:cNvPr id="4" name="Slide Number Placeholder 3"/>
-          <p:cNvSpPr>
-            <a:spLocks noGrp="1"/>
-          </p:cNvSpPr>
-          <p:nvPr>
-            <p:ph type="sldNum" sz="quarter" idx="5"/>
-          </p:nvPr>
-        </p:nvSpPr>
-        <p:spPr/>
-        <p:txBody>
-          <a:bodyPr/>
-          <a:lstStyle/>
-          <a:p>
-            <a:fld id="{A89C7E07-3C67-C64C-8DA0-0404F6303970}" type="slidenum">
-              <a:rPr lang="en-US" smtClean="0"/>
-              <a:t>24</a:t>
-            </a:fld>
-            <a:endParaRPr lang="en-US" dirty="0"/>
-          </a:p>
-        </p:txBody>
-      </p:sp>
-    </p:spTree>
-    <p:extLst>
-      <p:ext uri="{BB962C8B-B14F-4D97-AF65-F5344CB8AC3E}">
-        <p14:creationId xmlns:p14="http://schemas.microsoft.com/office/powerpoint/2010/main" val="4050233131"/>
-      </p:ext>
-    </p:extLst>
-  </p:cSld>
-  <p:clrMapOvr>
-    <a:masterClrMapping/>
-  </p:clrMapOvr>
-</p:notes>
-</file>
-
-<file path=ppt/notesSlides/notesSlide25.xml><?xml version="1.0" encoding="utf-8"?>
-<p:notes xmlns:a="http://schemas.openxmlformats.org/drawingml/2006/main" xmlns:r="http://schemas.openxmlformats.org/officeDocument/2006/relationships" xmlns:p="http://schemas.openxmlformats.org/presentationml/2006/main">
-  <p:cSld>
-    <p:spTree>
-      <p:nvGrpSpPr>
-        <p:cNvPr id="1" name=""/>
-        <p:cNvGrpSpPr/>
-        <p:nvPr/>
-      </p:nvGrpSpPr>
-      <p:grpSpPr>
-        <a:xfrm>
-          <a:off x="0" y="0"/>
-          <a:ext cx="0" cy="0"/>
-          <a:chOff x="0" y="0"/>
-          <a:chExt cx="0" cy="0"/>
-        </a:xfrm>
-      </p:grpSpPr>
-      <p:sp>
-        <p:nvSpPr>
-          <p:cNvPr id="2" name="Slide Image Placeholder 1"/>
-          <p:cNvSpPr>
-            <a:spLocks noGrp="1" noRot="1" noChangeAspect="1"/>
-          </p:cNvSpPr>
-          <p:nvPr>
-            <p:ph type="sldImg"/>
-          </p:nvPr>
-        </p:nvSpPr>
-        <p:spPr/>
-      </p:sp>
-      <p:sp>
-        <p:nvSpPr>
-          <p:cNvPr id="3" name="Notes Placeholder 2"/>
-          <p:cNvSpPr>
-            <a:spLocks noGrp="1"/>
-          </p:cNvSpPr>
-          <p:nvPr>
-            <p:ph type="body" idx="1"/>
-          </p:nvPr>
-        </p:nvSpPr>
-        <p:spPr/>
-        <p:txBody>
-          <a:bodyPr/>
-          <a:lstStyle/>
-          <a:p>
-            <a:endParaRPr lang="en-US" dirty="0"/>
-          </a:p>
-        </p:txBody>
-      </p:sp>
-      <p:sp>
-        <p:nvSpPr>
-          <p:cNvPr id="4" name="Slide Number Placeholder 3"/>
-          <p:cNvSpPr>
-            <a:spLocks noGrp="1"/>
-          </p:cNvSpPr>
-          <p:nvPr>
-            <p:ph type="sldNum" sz="quarter" idx="5"/>
-          </p:nvPr>
-        </p:nvSpPr>
-        <p:spPr/>
-        <p:txBody>
-          <a:bodyPr/>
-          <a:lstStyle/>
-          <a:p>
-            <a:fld id="{A89C7E07-3C67-C64C-8DA0-0404F6303970}" type="slidenum">
-              <a:rPr lang="en-US" smtClean="0"/>
-              <a:t>25</a:t>
-            </a:fld>
-            <a:endParaRPr lang="en-US" dirty="0"/>
-          </a:p>
-        </p:txBody>
-      </p:sp>
-    </p:spTree>
-    <p:extLst>
-      <p:ext uri="{BB962C8B-B14F-4D97-AF65-F5344CB8AC3E}">
-        <p14:creationId xmlns:p14="http://schemas.microsoft.com/office/powerpoint/2010/main" val="634596896"/>
-      </p:ext>
-    </p:extLst>
-  </p:cSld>
-  <p:clrMapOvr>
-    <a:masterClrMapping/>
-  </p:clrMapOvr>
-</p:notes>
-</file>
-
-<file path=ppt/notesSlides/notesSlide26.xml><?xml version="1.0" encoding="utf-8"?>
-<p:notes xmlns:a="http://schemas.openxmlformats.org/drawingml/2006/main" xmlns:r="http://schemas.openxmlformats.org/officeDocument/2006/relationships" xmlns:p="http://schemas.openxmlformats.org/presentationml/2006/main">
-  <p:cSld>
-    <p:spTree>
-      <p:nvGrpSpPr>
-        <p:cNvPr id="1" name=""/>
-        <p:cNvGrpSpPr/>
-        <p:nvPr/>
-      </p:nvGrpSpPr>
-      <p:grpSpPr>
-        <a:xfrm>
-          <a:off x="0" y="0"/>
-          <a:ext cx="0" cy="0"/>
-          <a:chOff x="0" y="0"/>
-          <a:chExt cx="0" cy="0"/>
-        </a:xfrm>
-      </p:grpSpPr>
-      <p:sp>
-        <p:nvSpPr>
-          <p:cNvPr id="2" name="Slide Image Placeholder 1"/>
-          <p:cNvSpPr>
-            <a:spLocks noGrp="1" noRot="1" noChangeAspect="1"/>
-          </p:cNvSpPr>
-          <p:nvPr>
-            <p:ph type="sldImg"/>
-          </p:nvPr>
-        </p:nvSpPr>
-        <p:spPr/>
-      </p:sp>
-      <p:sp>
-        <p:nvSpPr>
-          <p:cNvPr id="3" name="Notes Placeholder 2"/>
-          <p:cNvSpPr>
-            <a:spLocks noGrp="1"/>
-          </p:cNvSpPr>
-          <p:nvPr>
-            <p:ph type="body" idx="1"/>
-          </p:nvPr>
-        </p:nvSpPr>
-        <p:spPr/>
-        <p:txBody>
-          <a:bodyPr/>
-          <a:lstStyle/>
-          <a:p>
-            <a:endParaRPr lang="en-US" dirty="0"/>
-          </a:p>
-        </p:txBody>
-      </p:sp>
-      <p:sp>
-        <p:nvSpPr>
-          <p:cNvPr id="4" name="Slide Number Placeholder 3"/>
-          <p:cNvSpPr>
-            <a:spLocks noGrp="1"/>
-          </p:cNvSpPr>
-          <p:nvPr>
-            <p:ph type="sldNum" sz="quarter" idx="5"/>
-          </p:nvPr>
-        </p:nvSpPr>
-        <p:spPr/>
-        <p:txBody>
-          <a:bodyPr/>
-          <a:lstStyle/>
-          <a:p>
-            <a:fld id="{A89C7E07-3C67-C64C-8DA0-0404F6303970}" type="slidenum">
-              <a:rPr lang="en-US" smtClean="0"/>
-              <a:t>26</a:t>
-            </a:fld>
-            <a:endParaRPr lang="en-US" dirty="0"/>
-          </a:p>
-        </p:txBody>
-      </p:sp>
-    </p:spTree>
-    <p:extLst>
-      <p:ext uri="{BB962C8B-B14F-4D97-AF65-F5344CB8AC3E}">
-        <p14:creationId xmlns:p14="http://schemas.microsoft.com/office/powerpoint/2010/main" val="514488140"/>
-      </p:ext>
-    </p:extLst>
-  </p:cSld>
-  <p:clrMapOvr>
-    <a:masterClrMapping/>
-  </p:clrMapOvr>
-</p:notes>
-</file>
-
-<file path=ppt/notesSlides/notesSlide27.xml><?xml version="1.0" encoding="utf-8"?>
-<p:notes xmlns:a="http://schemas.openxmlformats.org/drawingml/2006/main" xmlns:r="http://schemas.openxmlformats.org/officeDocument/2006/relationships" xmlns:p="http://schemas.openxmlformats.org/presentationml/2006/main">
-  <p:cSld>
-    <p:spTree>
-      <p:nvGrpSpPr>
-        <p:cNvPr id="1" name=""/>
-        <p:cNvGrpSpPr/>
-        <p:nvPr/>
-      </p:nvGrpSpPr>
-      <p:grpSpPr>
-        <a:xfrm>
-          <a:off x="0" y="0"/>
-          <a:ext cx="0" cy="0"/>
-          <a:chOff x="0" y="0"/>
-          <a:chExt cx="0" cy="0"/>
-        </a:xfrm>
-      </p:grpSpPr>
-      <p:sp>
-        <p:nvSpPr>
-          <p:cNvPr id="2" name="Slide Image Placeholder 1"/>
-          <p:cNvSpPr>
-            <a:spLocks noGrp="1" noRot="1" noChangeAspect="1"/>
-          </p:cNvSpPr>
-          <p:nvPr>
-            <p:ph type="sldImg"/>
-          </p:nvPr>
-        </p:nvSpPr>
-        <p:spPr/>
-      </p:sp>
-      <p:sp>
-        <p:nvSpPr>
-          <p:cNvPr id="3" name="Notes Placeholder 2"/>
-          <p:cNvSpPr>
-            <a:spLocks noGrp="1"/>
-          </p:cNvSpPr>
-          <p:nvPr>
-            <p:ph type="body" idx="1"/>
-          </p:nvPr>
-        </p:nvSpPr>
-        <p:spPr/>
-        <p:txBody>
-          <a:bodyPr/>
-          <a:lstStyle/>
-          <a:p>
-            <a:endParaRPr lang="en-US" dirty="0"/>
-          </a:p>
-        </p:txBody>
-      </p:sp>
-      <p:sp>
-        <p:nvSpPr>
-          <p:cNvPr id="4" name="Slide Number Placeholder 3"/>
-          <p:cNvSpPr>
-            <a:spLocks noGrp="1"/>
-          </p:cNvSpPr>
-          <p:nvPr>
-            <p:ph type="sldNum" sz="quarter" idx="5"/>
-          </p:nvPr>
-        </p:nvSpPr>
-        <p:spPr/>
-        <p:txBody>
-          <a:bodyPr/>
-          <a:lstStyle/>
-          <a:p>
-            <a:fld id="{A89C7E07-3C67-C64C-8DA0-0404F6303970}" type="slidenum">
-              <a:rPr lang="en-US" smtClean="0"/>
-              <a:t>27</a:t>
-            </a:fld>
-            <a:endParaRPr lang="en-US" dirty="0"/>
-          </a:p>
-        </p:txBody>
-      </p:sp>
-    </p:spTree>
-    <p:extLst>
-      <p:ext uri="{BB962C8B-B14F-4D97-AF65-F5344CB8AC3E}">
-        <p14:creationId xmlns:p14="http://schemas.microsoft.com/office/powerpoint/2010/main" val="2730433110"/>
-      </p:ext>
-    </p:extLst>
-  </p:cSld>
-  <p:clrMapOvr>
-    <a:masterClrMapping/>
-  </p:clrMapOvr>
-</p:notes>
-</file>
-
-<file path=ppt/notesSlides/notesSlide28.xml><?xml version="1.0" encoding="utf-8"?>
-<p:notes xmlns:a="http://schemas.openxmlformats.org/drawingml/2006/main" xmlns:r="http://schemas.openxmlformats.org/officeDocument/2006/relationships" xmlns:p="http://schemas.openxmlformats.org/presentationml/2006/main">
-  <p:cSld>
-    <p:spTree>
-      <p:nvGrpSpPr>
-        <p:cNvPr id="1" name=""/>
-        <p:cNvGrpSpPr/>
-        <p:nvPr/>
-      </p:nvGrpSpPr>
-      <p:grpSpPr>
-        <a:xfrm>
-          <a:off x="0" y="0"/>
-          <a:ext cx="0" cy="0"/>
-          <a:chOff x="0" y="0"/>
-          <a:chExt cx="0" cy="0"/>
-        </a:xfrm>
-      </p:grpSpPr>
-      <p:sp>
-        <p:nvSpPr>
-          <p:cNvPr id="2" name="Slide Image Placeholder 1"/>
-          <p:cNvSpPr>
-            <a:spLocks noGrp="1" noRot="1" noChangeAspect="1"/>
-          </p:cNvSpPr>
-          <p:nvPr>
-            <p:ph type="sldImg"/>
-          </p:nvPr>
-        </p:nvSpPr>
-        <p:spPr/>
-      </p:sp>
-      <p:sp>
-        <p:nvSpPr>
-          <p:cNvPr id="3" name="Notes Placeholder 2"/>
-          <p:cNvSpPr>
-            <a:spLocks noGrp="1"/>
-          </p:cNvSpPr>
-          <p:nvPr>
-            <p:ph type="body" idx="1"/>
-          </p:nvPr>
-        </p:nvSpPr>
-        <p:spPr/>
-        <p:txBody>
-          <a:bodyPr/>
-          <a:lstStyle/>
-          <a:p>
-            <a:endParaRPr lang="en-US" dirty="0"/>
-          </a:p>
-        </p:txBody>
-      </p:sp>
-      <p:sp>
-        <p:nvSpPr>
-          <p:cNvPr id="4" name="Slide Number Placeholder 3"/>
-          <p:cNvSpPr>
-            <a:spLocks noGrp="1"/>
-          </p:cNvSpPr>
-          <p:nvPr>
-            <p:ph type="sldNum" sz="quarter" idx="5"/>
-          </p:nvPr>
-        </p:nvSpPr>
-        <p:spPr/>
-        <p:txBody>
-          <a:bodyPr/>
-          <a:lstStyle/>
-          <a:p>
-            <a:fld id="{A89C7E07-3C67-C64C-8DA0-0404F6303970}" type="slidenum">
-              <a:rPr lang="en-US" smtClean="0"/>
-              <a:t>28</a:t>
+              <a:t>20</a:t>
             </a:fld>
             <a:endParaRPr lang="en-US" dirty="0"/>
           </a:p>
@@ -3010,6 +2306,114 @@
         <p:cNvPr id="1" name="">
           <a:extLst>
             <a:ext uri="{FF2B5EF4-FFF2-40B4-BE49-F238E27FC236}">
+              <a16:creationId xmlns:a16="http://schemas.microsoft.com/office/drawing/2014/main" id="{69572B8F-7F7C-D21F-A572-4E8BE537D49A}"/>
+            </a:ext>
+          </a:extLst>
+        </p:cNvPr>
+        <p:cNvGrpSpPr/>
+        <p:nvPr/>
+      </p:nvGrpSpPr>
+      <p:grpSpPr>
+        <a:xfrm>
+          <a:off x="0" y="0"/>
+          <a:ext cx="0" cy="0"/>
+          <a:chOff x="0" y="0"/>
+          <a:chExt cx="0" cy="0"/>
+        </a:xfrm>
+      </p:grpSpPr>
+      <p:sp>
+        <p:nvSpPr>
+          <p:cNvPr id="2" name="Slide Image Placeholder 1">
+            <a:extLst>
+              <a:ext uri="{FF2B5EF4-FFF2-40B4-BE49-F238E27FC236}">
+                <a16:creationId xmlns:a16="http://schemas.microsoft.com/office/drawing/2014/main" id="{4129572F-5C30-F4E6-910D-FEB17DFE552A}"/>
+              </a:ext>
+            </a:extLst>
+          </p:cNvPr>
+          <p:cNvSpPr>
+            <a:spLocks noGrp="1" noRot="1" noChangeAspect="1"/>
+          </p:cNvSpPr>
+          <p:nvPr>
+            <p:ph type="sldImg"/>
+          </p:nvPr>
+        </p:nvSpPr>
+        <p:spPr/>
+      </p:sp>
+      <p:sp>
+        <p:nvSpPr>
+          <p:cNvPr id="3" name="Notes Placeholder 2">
+            <a:extLst>
+              <a:ext uri="{FF2B5EF4-FFF2-40B4-BE49-F238E27FC236}">
+                <a16:creationId xmlns:a16="http://schemas.microsoft.com/office/drawing/2014/main" id="{7EF9C79A-1BCC-96D7-2BEC-34FA638D5828}"/>
+              </a:ext>
+            </a:extLst>
+          </p:cNvPr>
+          <p:cNvSpPr>
+            <a:spLocks noGrp="1"/>
+          </p:cNvSpPr>
+          <p:nvPr>
+            <p:ph type="body" idx="1"/>
+          </p:nvPr>
+        </p:nvSpPr>
+        <p:spPr/>
+        <p:txBody>
+          <a:bodyPr/>
+          <a:lstStyle/>
+          <a:p>
+            <a:endParaRPr lang="en-US" dirty="0"/>
+          </a:p>
+        </p:txBody>
+      </p:sp>
+      <p:sp>
+        <p:nvSpPr>
+          <p:cNvPr id="4" name="Slide Number Placeholder 3">
+            <a:extLst>
+              <a:ext uri="{FF2B5EF4-FFF2-40B4-BE49-F238E27FC236}">
+                <a16:creationId xmlns:a16="http://schemas.microsoft.com/office/drawing/2014/main" id="{8781FF8A-DE52-0284-18E1-D1D5A249CF71}"/>
+              </a:ext>
+            </a:extLst>
+          </p:cNvPr>
+          <p:cNvSpPr>
+            <a:spLocks noGrp="1"/>
+          </p:cNvSpPr>
+          <p:nvPr>
+            <p:ph type="sldNum" sz="quarter" idx="5"/>
+          </p:nvPr>
+        </p:nvSpPr>
+        <p:spPr/>
+        <p:txBody>
+          <a:bodyPr/>
+          <a:lstStyle/>
+          <a:p>
+            <a:fld id="{A89C7E07-3C67-C64C-8DA0-0404F6303970}" type="slidenum">
+              <a:rPr lang="en-US" smtClean="0"/>
+              <a:t>6</a:t>
+            </a:fld>
+            <a:endParaRPr lang="en-US" dirty="0"/>
+          </a:p>
+        </p:txBody>
+      </p:sp>
+    </p:spTree>
+    <p:extLst>
+      <p:ext uri="{BB962C8B-B14F-4D97-AF65-F5344CB8AC3E}">
+        <p14:creationId xmlns:p14="http://schemas.microsoft.com/office/powerpoint/2010/main" val="2372575819"/>
+      </p:ext>
+    </p:extLst>
+  </p:cSld>
+  <p:clrMapOvr>
+    <a:masterClrMapping/>
+  </p:clrMapOvr>
+</p:notes>
+</file>
+
+<file path=ppt/notesSlides/notesSlide7.xml><?xml version="1.0" encoding="utf-8"?>
+<p:notes xmlns:a="http://schemas.openxmlformats.org/drawingml/2006/main" xmlns:r="http://schemas.openxmlformats.org/officeDocument/2006/relationships" xmlns:p="http://schemas.openxmlformats.org/presentationml/2006/main">
+  <p:cSld>
+    <p:spTree>
+      <p:nvGrpSpPr>
+        <p:cNvPr id="1" name="">
+          <a:extLst>
+            <a:ext uri="{FF2B5EF4-FFF2-40B4-BE49-F238E27FC236}">
               <a16:creationId xmlns:a16="http://schemas.microsoft.com/office/drawing/2014/main" id="{316DAB10-ADFC-9CDE-A474-40C32E8DDCBA}"/>
             </a:ext>
           </a:extLst>
@@ -3091,7 +2495,7 @@
           <a:p>
             <a:fld id="{A89C7E07-3C67-C64C-8DA0-0404F6303970}" type="slidenum">
               <a:rPr lang="en-US" smtClean="0"/>
-              <a:t>6</a:t>
+              <a:t>7</a:t>
             </a:fld>
             <a:endParaRPr lang="en-US" dirty="0"/>
           </a:p>
@@ -3110,7 +2514,7 @@
 </p:notes>
 </file>
 
-<file path=ppt/notesSlides/notesSlide7.xml><?xml version="1.0" encoding="utf-8"?>
+<file path=ppt/notesSlides/notesSlide8.xml><?xml version="1.0" encoding="utf-8"?>
 <p:notes xmlns:a="http://schemas.openxmlformats.org/drawingml/2006/main" xmlns:r="http://schemas.openxmlformats.org/officeDocument/2006/relationships" xmlns:p="http://schemas.openxmlformats.org/presentationml/2006/main">
   <p:cSld>
     <p:spTree>
@@ -3199,7 +2603,7 @@
           <a:p>
             <a:fld id="{A89C7E07-3C67-C64C-8DA0-0404F6303970}" type="slidenum">
               <a:rPr lang="en-US" smtClean="0"/>
-              <a:t>7</a:t>
+              <a:t>8</a:t>
             </a:fld>
             <a:endParaRPr lang="en-US" dirty="0"/>
           </a:p>
@@ -3218,7 +2622,7 @@
 </p:notes>
 </file>
 
-<file path=ppt/notesSlides/notesSlide8.xml><?xml version="1.0" encoding="utf-8"?>
+<file path=ppt/notesSlides/notesSlide9.xml><?xml version="1.0" encoding="utf-8"?>
 <p:notes xmlns:a="http://schemas.openxmlformats.org/drawingml/2006/main" xmlns:r="http://schemas.openxmlformats.org/officeDocument/2006/relationships" xmlns:p="http://schemas.openxmlformats.org/presentationml/2006/main">
   <p:cSld>
     <p:spTree>
@@ -3307,7 +2711,7 @@
           <a:p>
             <a:fld id="{A89C7E07-3C67-C64C-8DA0-0404F6303970}" type="slidenum">
               <a:rPr lang="en-US" smtClean="0"/>
-              <a:t>8</a:t>
+              <a:t>9</a:t>
             </a:fld>
             <a:endParaRPr lang="en-US" dirty="0"/>
           </a:p>
@@ -3317,114 +2721,6 @@
     <p:extLst>
       <p:ext uri="{BB962C8B-B14F-4D97-AF65-F5344CB8AC3E}">
         <p14:creationId xmlns:p14="http://schemas.microsoft.com/office/powerpoint/2010/main" val="4039106162"/>
-      </p:ext>
-    </p:extLst>
-  </p:cSld>
-  <p:clrMapOvr>
-    <a:masterClrMapping/>
-  </p:clrMapOvr>
-</p:notes>
-</file>
-
-<file path=ppt/notesSlides/notesSlide9.xml><?xml version="1.0" encoding="utf-8"?>
-<p:notes xmlns:a="http://schemas.openxmlformats.org/drawingml/2006/main" xmlns:r="http://schemas.openxmlformats.org/officeDocument/2006/relationships" xmlns:p="http://schemas.openxmlformats.org/presentationml/2006/main">
-  <p:cSld>
-    <p:spTree>
-      <p:nvGrpSpPr>
-        <p:cNvPr id="1" name="">
-          <a:extLst>
-            <a:ext uri="{FF2B5EF4-FFF2-40B4-BE49-F238E27FC236}">
-              <a16:creationId xmlns:a16="http://schemas.microsoft.com/office/drawing/2014/main" id="{21E72B2F-E5E5-61CD-E6B6-D914A6E38E23}"/>
-            </a:ext>
-          </a:extLst>
-        </p:cNvPr>
-        <p:cNvGrpSpPr/>
-        <p:nvPr/>
-      </p:nvGrpSpPr>
-      <p:grpSpPr>
-        <a:xfrm>
-          <a:off x="0" y="0"/>
-          <a:ext cx="0" cy="0"/>
-          <a:chOff x="0" y="0"/>
-          <a:chExt cx="0" cy="0"/>
-        </a:xfrm>
-      </p:grpSpPr>
-      <p:sp>
-        <p:nvSpPr>
-          <p:cNvPr id="2" name="Slide Image Placeholder 1">
-            <a:extLst>
-              <a:ext uri="{FF2B5EF4-FFF2-40B4-BE49-F238E27FC236}">
-                <a16:creationId xmlns:a16="http://schemas.microsoft.com/office/drawing/2014/main" id="{BD2564BF-BAEA-0D9E-3079-0B3572E2A84C}"/>
-              </a:ext>
-            </a:extLst>
-          </p:cNvPr>
-          <p:cNvSpPr>
-            <a:spLocks noGrp="1" noRot="1" noChangeAspect="1"/>
-          </p:cNvSpPr>
-          <p:nvPr>
-            <p:ph type="sldImg"/>
-          </p:nvPr>
-        </p:nvSpPr>
-        <p:spPr/>
-      </p:sp>
-      <p:sp>
-        <p:nvSpPr>
-          <p:cNvPr id="3" name="Notes Placeholder 2">
-            <a:extLst>
-              <a:ext uri="{FF2B5EF4-FFF2-40B4-BE49-F238E27FC236}">
-                <a16:creationId xmlns:a16="http://schemas.microsoft.com/office/drawing/2014/main" id="{8B9C1085-DC0A-9050-CE19-2F652D694AC7}"/>
-              </a:ext>
-            </a:extLst>
-          </p:cNvPr>
-          <p:cNvSpPr>
-            <a:spLocks noGrp="1"/>
-          </p:cNvSpPr>
-          <p:nvPr>
-            <p:ph type="body" idx="1"/>
-          </p:nvPr>
-        </p:nvSpPr>
-        <p:spPr/>
-        <p:txBody>
-          <a:bodyPr/>
-          <a:lstStyle/>
-          <a:p>
-            <a:endParaRPr lang="en-US" dirty="0"/>
-          </a:p>
-        </p:txBody>
-      </p:sp>
-      <p:sp>
-        <p:nvSpPr>
-          <p:cNvPr id="4" name="Slide Number Placeholder 3">
-            <a:extLst>
-              <a:ext uri="{FF2B5EF4-FFF2-40B4-BE49-F238E27FC236}">
-                <a16:creationId xmlns:a16="http://schemas.microsoft.com/office/drawing/2014/main" id="{3C3A656F-0197-C19A-FAE5-929F4C451508}"/>
-              </a:ext>
-            </a:extLst>
-          </p:cNvPr>
-          <p:cNvSpPr>
-            <a:spLocks noGrp="1"/>
-          </p:cNvSpPr>
-          <p:nvPr>
-            <p:ph type="sldNum" sz="quarter" idx="5"/>
-          </p:nvPr>
-        </p:nvSpPr>
-        <p:spPr/>
-        <p:txBody>
-          <a:bodyPr/>
-          <a:lstStyle/>
-          <a:p>
-            <a:fld id="{A89C7E07-3C67-C64C-8DA0-0404F6303970}" type="slidenum">
-              <a:rPr lang="en-US" smtClean="0"/>
-              <a:t>9</a:t>
-            </a:fld>
-            <a:endParaRPr lang="en-US" dirty="0"/>
-          </a:p>
-        </p:txBody>
-      </p:sp>
-    </p:spTree>
-    <p:extLst>
-      <p:ext uri="{BB962C8B-B14F-4D97-AF65-F5344CB8AC3E}">
-        <p14:creationId xmlns:p14="http://schemas.microsoft.com/office/powerpoint/2010/main" val="3292689934"/>
       </p:ext>
     </p:extLst>
   </p:cSld>
@@ -11876,6 +11172,206 @@
         <p:cNvPr id="1" name="">
           <a:extLst>
             <a:ext uri="{FF2B5EF4-FFF2-40B4-BE49-F238E27FC236}">
+              <a16:creationId xmlns:a16="http://schemas.microsoft.com/office/drawing/2014/main" id="{4485A68F-D469-C063-3E88-48D06593BC3D}"/>
+            </a:ext>
+          </a:extLst>
+        </p:cNvPr>
+        <p:cNvGrpSpPr/>
+        <p:nvPr/>
+      </p:nvGrpSpPr>
+      <p:grpSpPr>
+        <a:xfrm>
+          <a:off x="0" y="0"/>
+          <a:ext cx="0" cy="0"/>
+          <a:chOff x="0" y="0"/>
+          <a:chExt cx="0" cy="0"/>
+        </a:xfrm>
+      </p:grpSpPr>
+      <p:sp>
+        <p:nvSpPr>
+          <p:cNvPr id="2" name="Title 1">
+            <a:extLst>
+              <a:ext uri="{FF2B5EF4-FFF2-40B4-BE49-F238E27FC236}">
+                <a16:creationId xmlns:a16="http://schemas.microsoft.com/office/drawing/2014/main" id="{4BD0AAA4-E01E-7325-9819-91B114568746}"/>
+              </a:ext>
+            </a:extLst>
+          </p:cNvPr>
+          <p:cNvSpPr>
+            <a:spLocks noGrp="1"/>
+          </p:cNvSpPr>
+          <p:nvPr>
+            <p:ph type="title"/>
+          </p:nvPr>
+        </p:nvSpPr>
+        <p:spPr>
+          <a:xfrm>
+            <a:off x="594360" y="278129"/>
+            <a:ext cx="9778365" cy="1494596"/>
+          </a:xfrm>
+        </p:spPr>
+        <p:txBody>
+          <a:bodyPr anchor="b">
+            <a:normAutofit/>
+          </a:bodyPr>
+          <a:lstStyle/>
+          <a:p>
+            <a:r>
+              <a:rPr lang="en-US" dirty="0"/>
+              <a:t>Latent Diffusion Model (1)</a:t>
+            </a:r>
+          </a:p>
+        </p:txBody>
+      </p:sp>
+      <p:sp>
+        <p:nvSpPr>
+          <p:cNvPr id="3" name="Content Placeholder 2">
+            <a:extLst>
+              <a:ext uri="{FF2B5EF4-FFF2-40B4-BE49-F238E27FC236}">
+                <a16:creationId xmlns:a16="http://schemas.microsoft.com/office/drawing/2014/main" id="{2398E477-5A99-50E6-0B78-0EB53AC2E604}"/>
+              </a:ext>
+            </a:extLst>
+          </p:cNvPr>
+          <p:cNvSpPr>
+            <a:spLocks noGrp="1"/>
+          </p:cNvSpPr>
+          <p:nvPr>
+            <p:ph sz="quarter" idx="15"/>
+          </p:nvPr>
+        </p:nvSpPr>
+        <p:spPr>
+          <a:xfrm>
+            <a:off x="594360" y="2676525"/>
+            <a:ext cx="4490827" cy="3597470"/>
+          </a:xfrm>
+        </p:spPr>
+        <p:txBody>
+          <a:bodyPr>
+            <a:normAutofit/>
+          </a:bodyPr>
+          <a:lstStyle/>
+          <a:p>
+            <a:pPr marL="342900" indent="-342900">
+              <a:buFont typeface="Arial" panose="020B0604020202020204" pitchFamily="34" charset="0"/>
+              <a:buChar char="•"/>
+            </a:pPr>
+            <a:r>
+              <a:rPr lang="en-US" dirty="0"/>
+              <a:t>Proposed in </a:t>
+            </a:r>
+            <a:r>
+              <a:rPr lang="en-US" b="1" dirty="0"/>
+              <a:t>High-resolution image synthesis with latent diffusion models </a:t>
+            </a:r>
+            <a:r>
+              <a:rPr lang="en-US" dirty="0"/>
+              <a:t>by Rombach, R., </a:t>
+            </a:r>
+            <a:r>
+              <a:rPr lang="en-US" dirty="0" err="1"/>
+              <a:t>Blattmann</a:t>
+            </a:r>
+            <a:r>
+              <a:rPr lang="en-US" dirty="0"/>
+              <a:t>, A., Lorenz, D., Esser, P., &amp; </a:t>
+            </a:r>
+            <a:r>
+              <a:rPr lang="en-US" dirty="0" err="1"/>
+              <a:t>Ommer</a:t>
+            </a:r>
+            <a:r>
+              <a:rPr lang="en-US" dirty="0"/>
+              <a:t>, B. (2022).</a:t>
+            </a:r>
+          </a:p>
+          <a:p>
+            <a:pPr marL="342900" indent="-342900">
+              <a:buFont typeface="Arial" panose="020B0604020202020204" pitchFamily="34" charset="0"/>
+              <a:buChar char="•"/>
+            </a:pPr>
+            <a:r>
+              <a:rPr lang="en-US" dirty="0"/>
+              <a:t>Instead of applying diffusion directly to high-dimensional pixel space, the model learns and denoises in a compressed latent space.</a:t>
+            </a:r>
+          </a:p>
+          <a:p>
+            <a:pPr marL="342900" indent="-342900">
+              <a:buFont typeface="Arial" panose="020B0604020202020204" pitchFamily="34" charset="0"/>
+              <a:buChar char="•"/>
+            </a:pPr>
+            <a:r>
+              <a:rPr lang="en-US" dirty="0"/>
+              <a:t>Introduce </a:t>
+            </a:r>
+            <a:r>
+              <a:rPr lang="en-US" b="1" dirty="0"/>
+              <a:t>cross-attention layers</a:t>
+            </a:r>
+            <a:r>
+              <a:rPr lang="en-US" dirty="0"/>
+              <a:t> that enable </a:t>
+            </a:r>
+            <a:r>
+              <a:rPr lang="en-US" b="1" dirty="0"/>
+              <a:t>flexible control</a:t>
+            </a:r>
+            <a:r>
+              <a:rPr lang="en-US" dirty="0"/>
+              <a:t> over image generation.</a:t>
+            </a:r>
+          </a:p>
+        </p:txBody>
+      </p:sp>
+      <p:pic>
+        <p:nvPicPr>
+          <p:cNvPr id="10" name="Picture 9" descr="A collage of different buildings&#10;&#10;AI-generated content may be incorrect.">
+            <a:extLst>
+              <a:ext uri="{FF2B5EF4-FFF2-40B4-BE49-F238E27FC236}">
+                <a16:creationId xmlns:a16="http://schemas.microsoft.com/office/drawing/2014/main" id="{1F8E15B7-231F-6EBD-C40E-BF791629038A}"/>
+              </a:ext>
+            </a:extLst>
+          </p:cNvPr>
+          <p:cNvPicPr>
+            <a:picLocks noChangeAspect="1"/>
+          </p:cNvPicPr>
+          <p:nvPr/>
+        </p:nvPicPr>
+        <p:blipFill>
+          <a:blip r:embed="rId3"/>
+          <a:srcRect l="-223" t="-4" r="59983" b="5"/>
+          <a:stretch/>
+        </p:blipFill>
+        <p:spPr>
+          <a:xfrm>
+            <a:off x="5608320" y="2676525"/>
+            <a:ext cx="5790565" cy="3597470"/>
+          </a:xfrm>
+          <a:prstGeom prst="rect">
+            <a:avLst/>
+          </a:prstGeom>
+          <a:noFill/>
+        </p:spPr>
+      </p:pic>
+    </p:spTree>
+    <p:extLst>
+      <p:ext uri="{BB962C8B-B14F-4D97-AF65-F5344CB8AC3E}">
+        <p14:creationId xmlns:p14="http://schemas.microsoft.com/office/powerpoint/2010/main" val="1128730107"/>
+      </p:ext>
+    </p:extLst>
+  </p:cSld>
+  <p:clrMapOvr>
+    <a:masterClrMapping/>
+  </p:clrMapOvr>
+</p:sld>
+</file>
+
+<file path=ppt/slides/slide11.xml><?xml version="1.0" encoding="utf-8"?>
+<p:sld xmlns:a="http://schemas.openxmlformats.org/drawingml/2006/main" xmlns:r="http://schemas.openxmlformats.org/officeDocument/2006/relationships" xmlns:p="http://schemas.openxmlformats.org/presentationml/2006/main">
+  <p:cSld>
+    <p:spTree>
+      <p:nvGrpSpPr>
+        <p:cNvPr id="1" name="">
+          <a:extLst>
+            <a:ext uri="{FF2B5EF4-FFF2-40B4-BE49-F238E27FC236}">
               <a16:creationId xmlns:a16="http://schemas.microsoft.com/office/drawing/2014/main" id="{D357C8DC-520F-A13E-19A4-CC2F8606AD38}"/>
             </a:ext>
           </a:extLst>
@@ -11959,8 +11455,8 @@
           <a:noFill/>
         </p:spPr>
       </p:pic>
-      <mc:AlternateContent xmlns:mc="http://schemas.openxmlformats.org/markup-compatibility/2006">
-        <mc:Choice xmlns:a14="http://schemas.microsoft.com/office/drawing/2010/main" Requires="a14">
+      <mc:AlternateContent xmlns:mc="http://schemas.openxmlformats.org/markup-compatibility/2006" xmlns:a14="http://schemas.microsoft.com/office/drawing/2010/main">
+        <mc:Choice Requires="a14">
           <p:sp>
             <p:nvSpPr>
               <p:cNvPr id="3" name="Content Placeholder 2">
@@ -12079,7 +11575,7 @@
             </p:txBody>
           </p:sp>
         </mc:Choice>
-        <mc:Fallback>
+        <mc:Fallback xmlns="">
           <p:sp>
             <p:nvSpPr>
               <p:cNvPr id="3" name="Content Placeholder 2">
@@ -12136,7 +11632,7 @@
 </p:sld>
 </file>
 
-<file path=ppt/slides/slide11.xml><?xml version="1.0" encoding="utf-8"?>
+<file path=ppt/slides/slide12.xml><?xml version="1.0" encoding="utf-8"?>
 <p:sld xmlns:a="http://schemas.openxmlformats.org/drawingml/2006/main" xmlns:r="http://schemas.openxmlformats.org/officeDocument/2006/relationships" xmlns:p="http://schemas.openxmlformats.org/presentationml/2006/main">
   <p:cSld>
     <p:spTree>
@@ -12314,7 +11810,7 @@
 </p:sld>
 </file>
 
-<file path=ppt/slides/slide12.xml><?xml version="1.0" encoding="utf-8"?>
+<file path=ppt/slides/slide13.xml><?xml version="1.0" encoding="utf-8"?>
 <p:sld xmlns:a="http://schemas.openxmlformats.org/drawingml/2006/main" xmlns:r="http://schemas.openxmlformats.org/officeDocument/2006/relationships" xmlns:p="http://schemas.openxmlformats.org/presentationml/2006/main">
   <p:cSld>
     <p:spTree>
@@ -13746,7 +13242,25 @@
                                     </a:solidFill>
                                     <a:latin typeface="Cambria Math" panose="02040503050406030204" pitchFamily="18" charset="0"/>
                                   </a:rPr>
-                                  <m:t>0,1</m:t>
+                                  <m:t>0</m:t>
+                                </m:r>
+                                <m:r>
+                                  <a:rPr lang="en-US" i="1" dirty="0">
+                                    <a:solidFill>
+                                      <a:sysClr val="windowText" lastClr="000000"/>
+                                    </a:solidFill>
+                                    <a:latin typeface="Cambria Math" panose="02040503050406030204" pitchFamily="18" charset="0"/>
+                                  </a:rPr>
+                                  <m:t>,</m:t>
+                                </m:r>
+                                <m:r>
+                                  <a:rPr lang="en-US" i="1" dirty="0">
+                                    <a:solidFill>
+                                      <a:sysClr val="windowText" lastClr="000000"/>
+                                    </a:solidFill>
+                                    <a:latin typeface="Cambria Math" panose="02040503050406030204" pitchFamily="18" charset="0"/>
+                                  </a:rPr>
+                                  <m:t>1</m:t>
                                 </m:r>
                               </m:e>
                             </m:d>
@@ -14433,7 +13947,7 @@
 </p:sld>
 </file>
 
-<file path=ppt/slides/slide13.xml><?xml version="1.0" encoding="utf-8"?>
+<file path=ppt/slides/slide14.xml><?xml version="1.0" encoding="utf-8"?>
 <p:sld xmlns:a="http://schemas.openxmlformats.org/drawingml/2006/main" xmlns:r="http://schemas.openxmlformats.org/officeDocument/2006/relationships" xmlns:p="http://schemas.openxmlformats.org/presentationml/2006/main">
   <p:cSld>
     <p:spTree>
@@ -14532,7 +14046,7 @@
 </p:sld>
 </file>
 
-<file path=ppt/slides/slide14.xml><?xml version="1.0" encoding="utf-8"?>
+<file path=ppt/slides/slide15.xml><?xml version="1.0" encoding="utf-8"?>
 <p:sld xmlns:a="http://schemas.openxmlformats.org/drawingml/2006/main" xmlns:r="http://schemas.openxmlformats.org/officeDocument/2006/relationships" xmlns:p="http://schemas.openxmlformats.org/presentationml/2006/main">
   <p:cSld>
     <p:spTree>
@@ -14716,7 +14230,7 @@
 </p:sld>
 </file>
 
-<file path=ppt/slides/slide15.xml><?xml version="1.0" encoding="utf-8"?>
+<file path=ppt/slides/slide16.xml><?xml version="1.0" encoding="utf-8"?>
 <p:sld xmlns:a="http://schemas.openxmlformats.org/drawingml/2006/main" xmlns:r="http://schemas.openxmlformats.org/officeDocument/2006/relationships" xmlns:p="http://schemas.openxmlformats.org/presentationml/2006/main">
   <p:cSld>
     <p:spTree>
@@ -15170,7 +14684,7 @@
 </p:sld>
 </file>
 
-<file path=ppt/slides/slide16.xml><?xml version="1.0" encoding="utf-8"?>
+<file path=ppt/slides/slide17.xml><?xml version="1.0" encoding="utf-8"?>
 <p:sld xmlns:a="http://schemas.openxmlformats.org/drawingml/2006/main" xmlns:r="http://schemas.openxmlformats.org/officeDocument/2006/relationships" xmlns:p="http://schemas.openxmlformats.org/presentationml/2006/main">
   <p:cSld>
     <p:spTree>
@@ -16602,7 +16116,25 @@
                                     </a:solidFill>
                                     <a:latin typeface="Cambria Math" panose="02040503050406030204" pitchFamily="18" charset="0"/>
                                   </a:rPr>
-                                  <m:t>0,1</m:t>
+                                  <m:t>0</m:t>
+                                </m:r>
+                                <m:r>
+                                  <a:rPr lang="en-US" i="1" dirty="0">
+                                    <a:solidFill>
+                                      <a:sysClr val="windowText" lastClr="000000"/>
+                                    </a:solidFill>
+                                    <a:latin typeface="Cambria Math" panose="02040503050406030204" pitchFamily="18" charset="0"/>
+                                  </a:rPr>
+                                  <m:t>,</m:t>
+                                </m:r>
+                                <m:r>
+                                  <a:rPr lang="en-US" i="1" dirty="0">
+                                    <a:solidFill>
+                                      <a:sysClr val="windowText" lastClr="000000"/>
+                                    </a:solidFill>
+                                    <a:latin typeface="Cambria Math" panose="02040503050406030204" pitchFamily="18" charset="0"/>
+                                  </a:rPr>
+                                  <m:t>1</m:t>
                                 </m:r>
                               </m:e>
                             </m:d>
@@ -17289,7 +16821,7 @@
 </p:sld>
 </file>
 
-<file path=ppt/slides/slide17.xml><?xml version="1.0" encoding="utf-8"?>
+<file path=ppt/slides/slide18.xml><?xml version="1.0" encoding="utf-8"?>
 <p:sld xmlns:a="http://schemas.openxmlformats.org/drawingml/2006/main" xmlns:r="http://schemas.openxmlformats.org/officeDocument/2006/relationships" xmlns:p="http://schemas.openxmlformats.org/presentationml/2006/main">
   <p:cSld>
     <p:spTree>
@@ -17749,7 +17281,7 @@
 </p:sld>
 </file>
 
-<file path=ppt/slides/slide18.xml><?xml version="1.0" encoding="utf-8"?>
+<file path=ppt/slides/slide19.xml><?xml version="1.0" encoding="utf-8"?>
 <p:sld xmlns:a="http://schemas.openxmlformats.org/drawingml/2006/main" xmlns:r="http://schemas.openxmlformats.org/officeDocument/2006/relationships" xmlns:p="http://schemas.openxmlformats.org/presentationml/2006/main">
   <p:cSld>
     <p:spTree>
@@ -17824,43 +17356,179 @@
         <p:spPr>
           <a:xfrm>
             <a:off x="3657600" y="2281238"/>
-            <a:ext cx="7810500" cy="3700462"/>
+            <a:ext cx="7810500" cy="4017962"/>
           </a:xfrm>
         </p:spPr>
         <p:txBody>
           <a:bodyPr>
-            <a:normAutofit/>
+            <a:noAutofit/>
           </a:bodyPr>
           <a:lstStyle/>
           <a:p>
             <a:r>
-              <a:rPr lang="en-US" dirty="0"/>
-              <a:t>Make eye contact with your audience to create a sense of intimacy and involvement</a:t>
-            </a:r>
-          </a:p>
-          <a:p>
-            <a:r>
-              <a:rPr lang="en-US" dirty="0"/>
-              <a:t>Weave relatable stories into your presentation using narratives that make your message memorable and impactful</a:t>
-            </a:r>
-          </a:p>
-          <a:p>
-            <a:r>
-              <a:rPr lang="en-US" dirty="0"/>
-              <a:t>Encourage questions and provide thoughtful responses to enhance audience participation</a:t>
-            </a:r>
-          </a:p>
-          <a:p>
-            <a:r>
-              <a:rPr lang="en-US" dirty="0"/>
-              <a:t>Use live polls or surveys to gather audience opinions, promoting engagement and making sure the audience feel involved</a:t>
-            </a:r>
-          </a:p>
-          <a:p>
-            <a:endParaRPr lang="en-US" dirty="0"/>
-          </a:p>
-          <a:p>
-            <a:endParaRPr lang="en-US" dirty="0"/>
+              <a:rPr lang="en-US" sz="1400" b="1" dirty="0"/>
+              <a:t>1. Key Observations</a:t>
+            </a:r>
+          </a:p>
+          <a:p>
+            <a:r>
+              <a:rPr lang="en-US" sz="1400" dirty="0"/>
+              <a:t>🔹 CDS improves </a:t>
+            </a:r>
+            <a:r>
+              <a:rPr lang="en-US" sz="1400" b="1" dirty="0"/>
+              <a:t>denoising quality</a:t>
+            </a:r>
+            <a:r>
+              <a:rPr lang="en-US" sz="1400" dirty="0"/>
+              <a:t>, leading to </a:t>
+            </a:r>
+            <a:r>
+              <a:rPr lang="en-US" sz="1400" b="1" dirty="0"/>
+              <a:t>sharper and more coherent images</a:t>
+            </a:r>
+            <a:r>
+              <a:rPr lang="en-US" sz="1400" dirty="0"/>
+              <a:t>.</a:t>
+            </a:r>
+            <a:br>
+              <a:rPr lang="en-US" sz="1400" dirty="0"/>
+            </a:br>
+            <a:r>
+              <a:rPr lang="en-US" sz="1400" dirty="0"/>
+              <a:t>🔹 The </a:t>
+            </a:r>
+            <a:r>
+              <a:rPr lang="en-US" sz="1400" b="1" dirty="0"/>
+              <a:t>contrastive loss helps the model differentiate noise scales</a:t>
+            </a:r>
+            <a:r>
+              <a:rPr lang="en-US" sz="1400" dirty="0"/>
+              <a:t> more effectively.</a:t>
+            </a:r>
+            <a:br>
+              <a:rPr lang="en-US" sz="1400" dirty="0"/>
+            </a:br>
+            <a:r>
+              <a:rPr lang="en-US" sz="1400" dirty="0"/>
+              <a:t>🔹 </a:t>
+            </a:r>
+            <a:r>
+              <a:rPr lang="en-US" sz="1400" b="1" dirty="0"/>
+              <a:t>Trade-offs exist</a:t>
+            </a:r>
+            <a:r>
+              <a:rPr lang="en-US" sz="1400" dirty="0"/>
+              <a:t>: Better quality but </a:t>
+            </a:r>
+            <a:r>
+              <a:rPr lang="en-US" sz="1400" b="1" dirty="0"/>
+              <a:t>higher computational cost</a:t>
+            </a:r>
+            <a:r>
+              <a:rPr lang="en-US" sz="1400" dirty="0"/>
+              <a:t> compared to standard diffusion.</a:t>
+            </a:r>
+          </a:p>
+          <a:p>
+            <a:r>
+              <a:rPr lang="en-US" sz="1400" b="1" dirty="0"/>
+              <a:t>2. Challenges &amp; Limitations</a:t>
+            </a:r>
+          </a:p>
+          <a:p>
+            <a:r>
+              <a:rPr lang="en-US" sz="1400" dirty="0"/>
+              <a:t>⚠️ </a:t>
+            </a:r>
+            <a:r>
+              <a:rPr lang="en-US" sz="1400" b="1" dirty="0"/>
+              <a:t>Tuning contrastive loss weight is crucial</a:t>
+            </a:r>
+            <a:r>
+              <a:rPr lang="en-US" sz="1400" dirty="0"/>
+              <a:t> – too high can lead to overfitting, too low has minimal effect.</a:t>
+            </a:r>
+            <a:br>
+              <a:rPr lang="en-US" sz="1400" dirty="0"/>
+            </a:br>
+            <a:r>
+              <a:rPr lang="en-US" sz="1400" dirty="0"/>
+              <a:t>⚠️ </a:t>
+            </a:r>
+            <a:r>
+              <a:rPr lang="en-US" sz="1400" b="1" dirty="0"/>
+              <a:t>Computationally expensive</a:t>
+            </a:r>
+            <a:r>
+              <a:rPr lang="en-US" sz="1400" dirty="0"/>
+              <a:t> – additional contrastive loss increases training time.</a:t>
+            </a:r>
+            <a:br>
+              <a:rPr lang="en-US" sz="1400" dirty="0"/>
+            </a:br>
+            <a:r>
+              <a:rPr lang="en-US" sz="1400" dirty="0"/>
+              <a:t>⚠️ </a:t>
+            </a:r>
+            <a:r>
+              <a:rPr lang="en-US" sz="1400" b="1" dirty="0"/>
+              <a:t>Limited benchmark studies</a:t>
+            </a:r>
+            <a:r>
+              <a:rPr lang="en-US" sz="1400" dirty="0"/>
+              <a:t> – needs further testing on diverse datasets.</a:t>
+            </a:r>
+          </a:p>
+          <a:p>
+            <a:r>
+              <a:rPr lang="en-US" sz="1400" b="1" dirty="0"/>
+              <a:t>3. Future Directions</a:t>
+            </a:r>
+          </a:p>
+          <a:p>
+            <a:r>
+              <a:rPr lang="en-US" sz="1400" dirty="0"/>
+              <a:t>➡️ Optimize CDS to </a:t>
+            </a:r>
+            <a:r>
+              <a:rPr lang="en-US" sz="1400" b="1" dirty="0"/>
+              <a:t>reduce computational overhead</a:t>
+            </a:r>
+            <a:r>
+              <a:rPr lang="en-US" sz="1400" dirty="0"/>
+              <a:t>.</a:t>
+            </a:r>
+            <a:br>
+              <a:rPr lang="en-US" sz="1400" dirty="0"/>
+            </a:br>
+            <a:r>
+              <a:rPr lang="en-US" sz="1400" dirty="0"/>
+              <a:t>➡️ Experiment with </a:t>
+            </a:r>
+            <a:r>
+              <a:rPr lang="en-US" sz="1400" b="1" dirty="0"/>
+              <a:t>different contrastive loss formulations</a:t>
+            </a:r>
+            <a:r>
+              <a:rPr lang="en-US" sz="1400" dirty="0"/>
+              <a:t>.</a:t>
+            </a:r>
+            <a:br>
+              <a:rPr lang="en-US" sz="1400" dirty="0"/>
+            </a:br>
+            <a:r>
+              <a:rPr lang="en-US" sz="1400" dirty="0"/>
+              <a:t>➡️ Extend to other </a:t>
+            </a:r>
+            <a:r>
+              <a:rPr lang="en-US" sz="1400" b="1" dirty="0"/>
+              <a:t>modalities</a:t>
+            </a:r>
+            <a:r>
+              <a:rPr lang="en-US" sz="1400" dirty="0"/>
+              <a:t> beyond images (e.g., text, video).</a:t>
+            </a:r>
           </a:p>
         </p:txBody>
       </p:sp>
@@ -18209,148 +17877,6 @@
 </p:sld>
 </file>
 
-<file path=ppt/slides/slide19.xml><?xml version="1.0" encoding="utf-8"?>
-<p:sld xmlns:a="http://schemas.openxmlformats.org/drawingml/2006/main" xmlns:r="http://schemas.openxmlformats.org/officeDocument/2006/relationships" xmlns:p="http://schemas.openxmlformats.org/presentationml/2006/main">
-  <p:cSld>
-    <p:spTree>
-      <p:nvGrpSpPr>
-        <p:cNvPr id="1" name=""/>
-        <p:cNvGrpSpPr/>
-        <p:nvPr/>
-      </p:nvGrpSpPr>
-      <p:grpSpPr>
-        <a:xfrm>
-          <a:off x="0" y="0"/>
-          <a:ext cx="0" cy="0"/>
-          <a:chOff x="0" y="0"/>
-          <a:chExt cx="0" cy="0"/>
-        </a:xfrm>
-      </p:grpSpPr>
-      <p:sp>
-        <p:nvSpPr>
-          <p:cNvPr id="2" name="Title 1">
-            <a:extLst>
-              <a:ext uri="{FF2B5EF4-FFF2-40B4-BE49-F238E27FC236}">
-                <a16:creationId xmlns:a16="http://schemas.microsoft.com/office/drawing/2014/main" id="{65B8CE60-587E-1D5C-8B50-ED3441BA49CE}"/>
-              </a:ext>
-            </a:extLst>
-          </p:cNvPr>
-          <p:cNvSpPr>
-            <a:spLocks noGrp="1"/>
-          </p:cNvSpPr>
-          <p:nvPr>
-            <p:ph type="ctrTitle"/>
-          </p:nvPr>
-        </p:nvSpPr>
-        <p:spPr>
-          <a:xfrm>
-            <a:off x="6299835" y="430529"/>
-            <a:ext cx="5486400" cy="3291840"/>
-          </a:xfrm>
-        </p:spPr>
-        <p:txBody>
-          <a:bodyPr/>
-          <a:lstStyle/>
-          <a:p>
-            <a:r>
-              <a:rPr lang="en-US" dirty="0"/>
-              <a:t>Overcoming nervousness</a:t>
-            </a:r>
-          </a:p>
-        </p:txBody>
-      </p:sp>
-      <p:pic>
-        <p:nvPicPr>
-          <p:cNvPr id="12" name="Picture Placeholder 4" descr="A close-up of a wood grain">
-            <a:extLst>
-              <a:ext uri="{FF2B5EF4-FFF2-40B4-BE49-F238E27FC236}">
-                <a16:creationId xmlns:a16="http://schemas.microsoft.com/office/drawing/2014/main" id="{7D5BDB53-9169-3BBC-9362-0539514AC7DD}"/>
-              </a:ext>
-            </a:extLst>
-          </p:cNvPr>
-          <p:cNvPicPr>
-            <a:picLocks noGrp="1" noChangeAspect="1"/>
-          </p:cNvPicPr>
-          <p:nvPr>
-            <p:ph type="pic" sz="quarter" idx="12"/>
-          </p:nvPr>
-        </p:nvPicPr>
-        <p:blipFill rotWithShape="1">
-          <a:blip r:embed="rId3">
-            <a:extLst>
-              <a:ext uri="{BEBA8EAE-BF5A-486C-A8C5-ECC9F3942E4B}">
-                <a14:imgProps xmlns:a14="http://schemas.microsoft.com/office/drawing/2010/main">
-                  <a14:imgLayer r:embed="rId4">
-                    <a14:imgEffect>
-                      <a14:colorTemperature colorTemp="4700"/>
-                    </a14:imgEffect>
-                    <a14:imgEffect>
-                      <a14:saturation sat="0"/>
-                    </a14:imgEffect>
-                  </a14:imgLayer>
-                </a14:imgProps>
-              </a:ext>
-              <a:ext uri="{28A0092B-C50C-407E-A947-70E740481C1C}">
-                <a14:useLocalDpi xmlns:a14="http://schemas.microsoft.com/office/drawing/2010/main" val="0"/>
-              </a:ext>
-            </a:extLst>
-          </a:blip>
-          <a:srcRect/>
-          <a:stretch/>
-        </p:blipFill>
-        <p:spPr>
-          <a:xfrm>
-            <a:off x="0" y="-11113"/>
-            <a:ext cx="5791200" cy="6880226"/>
-          </a:xfrm>
-        </p:spPr>
-      </p:pic>
-      <p:sp>
-        <p:nvSpPr>
-          <p:cNvPr id="3" name="Text Placeholder 2">
-            <a:extLst>
-              <a:ext uri="{FF2B5EF4-FFF2-40B4-BE49-F238E27FC236}">
-                <a16:creationId xmlns:a16="http://schemas.microsoft.com/office/drawing/2014/main" id="{0E02AE9C-BA1D-195E-3B93-A5A0CC03D8F3}"/>
-              </a:ext>
-            </a:extLst>
-          </p:cNvPr>
-          <p:cNvSpPr>
-            <a:spLocks noGrp="1"/>
-          </p:cNvSpPr>
-          <p:nvPr>
-            <p:ph type="body" sz="quarter" idx="11"/>
-          </p:nvPr>
-        </p:nvSpPr>
-        <p:spPr>
-          <a:xfrm>
-            <a:off x="6299835" y="4568602"/>
-            <a:ext cx="5486400" cy="1645920"/>
-          </a:xfrm>
-        </p:spPr>
-        <p:txBody>
-          <a:bodyPr/>
-          <a:lstStyle/>
-          <a:p>
-            <a:r>
-              <a:rPr lang="en-US" dirty="0"/>
-              <a:t>Confidence-building strategies</a:t>
-            </a:r>
-          </a:p>
-        </p:txBody>
-      </p:sp>
-    </p:spTree>
-    <p:extLst>
-      <p:ext uri="{BB962C8B-B14F-4D97-AF65-F5344CB8AC3E}">
-        <p14:creationId xmlns:p14="http://schemas.microsoft.com/office/powerpoint/2010/main" val="1440871986"/>
-      </p:ext>
-    </p:extLst>
-  </p:cSld>
-  <p:clrMapOvr>
-    <a:masterClrMapping/>
-  </p:clrMapOvr>
-</p:sld>
-</file>
-
 <file path=ppt/slides/slide2.xml><?xml version="1.0" encoding="utf-8"?>
 <p:sld xmlns:a="http://schemas.openxmlformats.org/drawingml/2006/main" xmlns:r="http://schemas.openxmlformats.org/officeDocument/2006/relationships" xmlns:p="http://schemas.openxmlformats.org/presentationml/2006/main">
   <p:cSld>
@@ -18472,1985 +17998,6 @@
 </file>
 
 <file path=ppt/slides/slide20.xml><?xml version="1.0" encoding="utf-8"?>
-<p:sld xmlns:a="http://schemas.openxmlformats.org/drawingml/2006/main" xmlns:r="http://schemas.openxmlformats.org/officeDocument/2006/relationships" xmlns:p="http://schemas.openxmlformats.org/presentationml/2006/main">
-  <p:cSld>
-    <p:spTree>
-      <p:nvGrpSpPr>
-        <p:cNvPr id="1" name="">
-          <a:extLst>
-            <a:ext uri="{FF2B5EF4-FFF2-40B4-BE49-F238E27FC236}">
-              <a16:creationId xmlns:a16="http://schemas.microsoft.com/office/drawing/2014/main" id="{639CFFC4-39AB-055B-5699-3E632100D682}"/>
-            </a:ext>
-          </a:extLst>
-        </p:cNvPr>
-        <p:cNvGrpSpPr/>
-        <p:nvPr/>
-      </p:nvGrpSpPr>
-      <p:grpSpPr>
-        <a:xfrm>
-          <a:off x="0" y="0"/>
-          <a:ext cx="0" cy="0"/>
-          <a:chOff x="0" y="0"/>
-          <a:chExt cx="0" cy="0"/>
-        </a:xfrm>
-      </p:grpSpPr>
-      <p:sp>
-        <p:nvSpPr>
-          <p:cNvPr id="9" name="Title 8">
-            <a:extLst>
-              <a:ext uri="{FF2B5EF4-FFF2-40B4-BE49-F238E27FC236}">
-                <a16:creationId xmlns:a16="http://schemas.microsoft.com/office/drawing/2014/main" id="{D8E5035F-FBFD-A842-ADDA-1BF530D577DD}"/>
-              </a:ext>
-            </a:extLst>
-          </p:cNvPr>
-          <p:cNvSpPr>
-            <a:spLocks noGrp="1"/>
-          </p:cNvSpPr>
-          <p:nvPr>
-            <p:ph type="ctrTitle"/>
-          </p:nvPr>
-        </p:nvSpPr>
-        <p:spPr>
-          <a:xfrm>
-            <a:off x="6309904" y="411479"/>
-            <a:ext cx="5486400" cy="3291840"/>
-          </a:xfrm>
-        </p:spPr>
-        <p:txBody>
-          <a:bodyPr/>
-          <a:lstStyle/>
-          <a:p>
-            <a:r>
-              <a:rPr lang="en-US" dirty="0"/>
-              <a:t>Selecting visual aids</a:t>
-            </a:r>
-          </a:p>
-        </p:txBody>
-      </p:sp>
-      <p:sp>
-        <p:nvSpPr>
-          <p:cNvPr id="3" name="Text Placeholder 2">
-            <a:extLst>
-              <a:ext uri="{FF2B5EF4-FFF2-40B4-BE49-F238E27FC236}">
-                <a16:creationId xmlns:a16="http://schemas.microsoft.com/office/drawing/2014/main" id="{FB9151F2-0E55-B8EB-81B0-9F2BDDEA0926}"/>
-              </a:ext>
-            </a:extLst>
-          </p:cNvPr>
-          <p:cNvSpPr>
-            <a:spLocks noGrp="1"/>
-          </p:cNvSpPr>
-          <p:nvPr>
-            <p:ph type="body" sz="quarter" idx="11"/>
-          </p:nvPr>
-        </p:nvSpPr>
-        <p:spPr>
-          <a:xfrm>
-            <a:off x="6309905" y="4549552"/>
-            <a:ext cx="5486400" cy="1645920"/>
-          </a:xfrm>
-        </p:spPr>
-        <p:txBody>
-          <a:bodyPr>
-            <a:normAutofit/>
-          </a:bodyPr>
-          <a:lstStyle/>
-          <a:p>
-            <a:r>
-              <a:rPr lang="en-US" dirty="0"/>
-              <a:t>Enhancing your presentation</a:t>
-            </a:r>
-          </a:p>
-        </p:txBody>
-      </p:sp>
-    </p:spTree>
-    <p:extLst>
-      <p:ext uri="{BB962C8B-B14F-4D97-AF65-F5344CB8AC3E}">
-        <p14:creationId xmlns:p14="http://schemas.microsoft.com/office/powerpoint/2010/main" val="3653971256"/>
-      </p:ext>
-    </p:extLst>
-  </p:cSld>
-  <p:clrMapOvr>
-    <a:masterClrMapping/>
-  </p:clrMapOvr>
-</p:sld>
-</file>
-
-<file path=ppt/slides/slide21.xml><?xml version="1.0" encoding="utf-8"?>
-<p:sld xmlns:a="http://schemas.openxmlformats.org/drawingml/2006/main" xmlns:r="http://schemas.openxmlformats.org/officeDocument/2006/relationships" xmlns:p="http://schemas.openxmlformats.org/presentationml/2006/main">
-  <p:cSld>
-    <p:spTree>
-      <p:nvGrpSpPr>
-        <p:cNvPr id="1" name="">
-          <a:extLst>
-            <a:ext uri="{FF2B5EF4-FFF2-40B4-BE49-F238E27FC236}">
-              <a16:creationId xmlns:a16="http://schemas.microsoft.com/office/drawing/2014/main" id="{D727E2CA-3B91-EB47-310E-2911B8E7A850}"/>
-            </a:ext>
-          </a:extLst>
-        </p:cNvPr>
-        <p:cNvGrpSpPr/>
-        <p:nvPr/>
-      </p:nvGrpSpPr>
-      <p:grpSpPr>
-        <a:xfrm>
-          <a:off x="0" y="0"/>
-          <a:ext cx="0" cy="0"/>
-          <a:chOff x="0" y="0"/>
-          <a:chExt cx="0" cy="0"/>
-        </a:xfrm>
-      </p:grpSpPr>
-      <p:sp>
-        <p:nvSpPr>
-          <p:cNvPr id="2" name="Title 1">
-            <a:extLst>
-              <a:ext uri="{FF2B5EF4-FFF2-40B4-BE49-F238E27FC236}">
-                <a16:creationId xmlns:a16="http://schemas.microsoft.com/office/drawing/2014/main" id="{D929FD23-248F-71EF-FA05-DE6E5A80F0DF}"/>
-              </a:ext>
-            </a:extLst>
-          </p:cNvPr>
-          <p:cNvSpPr>
-            <a:spLocks noGrp="1"/>
-          </p:cNvSpPr>
-          <p:nvPr>
-            <p:ph type="title"/>
-          </p:nvPr>
-        </p:nvSpPr>
-        <p:spPr>
-          <a:xfrm>
-            <a:off x="594360" y="278129"/>
-            <a:ext cx="9778365" cy="1494596"/>
-          </a:xfrm>
-        </p:spPr>
-        <p:txBody>
-          <a:bodyPr/>
-          <a:lstStyle/>
-          <a:p>
-            <a:r>
-              <a:rPr lang="en-US" dirty="0"/>
-              <a:t>Effective delivery techniques</a:t>
-            </a:r>
-          </a:p>
-        </p:txBody>
-      </p:sp>
-      <p:sp>
-        <p:nvSpPr>
-          <p:cNvPr id="3" name="Content Placeholder 2">
-            <a:extLst>
-              <a:ext uri="{FF2B5EF4-FFF2-40B4-BE49-F238E27FC236}">
-                <a16:creationId xmlns:a16="http://schemas.microsoft.com/office/drawing/2014/main" id="{83E386AA-2855-76FD-AC0E-73E2988805BF}"/>
-              </a:ext>
-            </a:extLst>
-          </p:cNvPr>
-          <p:cNvSpPr>
-            <a:spLocks noGrp="1"/>
-          </p:cNvSpPr>
-          <p:nvPr>
-            <p:ph sz="quarter" idx="15"/>
-          </p:nvPr>
-        </p:nvSpPr>
-        <p:spPr>
-          <a:xfrm>
-            <a:off x="594360" y="2676525"/>
-            <a:ext cx="4490827" cy="3597470"/>
-          </a:xfrm>
-        </p:spPr>
-        <p:txBody>
-          <a:bodyPr/>
-          <a:lstStyle/>
-          <a:p>
-            <a:r>
-              <a:rPr lang="en-US" dirty="0"/>
-              <a:t>This is a powerful tool in public speaking. It involves varying pitch, tone, and volume to convey emotion, emphasize points, and maintain interest:</a:t>
-            </a:r>
-          </a:p>
-          <a:p>
-            <a:pPr lvl="1"/>
-            <a:r>
-              <a:rPr lang="en-US" dirty="0"/>
-              <a:t>Pitch variation</a:t>
-            </a:r>
-          </a:p>
-          <a:p>
-            <a:pPr lvl="1"/>
-            <a:r>
-              <a:rPr lang="en-US" dirty="0"/>
-              <a:t>Tone inflection</a:t>
-            </a:r>
-          </a:p>
-          <a:p>
-            <a:pPr lvl="1"/>
-            <a:r>
-              <a:rPr lang="en-US" dirty="0"/>
-              <a:t>Volume control</a:t>
-            </a:r>
-          </a:p>
-        </p:txBody>
-      </p:sp>
-      <p:sp>
-        <p:nvSpPr>
-          <p:cNvPr id="4" name="Content Placeholder 3">
-            <a:extLst>
-              <a:ext uri="{FF2B5EF4-FFF2-40B4-BE49-F238E27FC236}">
-                <a16:creationId xmlns:a16="http://schemas.microsoft.com/office/drawing/2014/main" id="{399750ED-5C26-44D8-E2AD-5E48FB0E8DE5}"/>
-              </a:ext>
-            </a:extLst>
-          </p:cNvPr>
-          <p:cNvSpPr>
-            <a:spLocks noGrp="1"/>
-          </p:cNvSpPr>
-          <p:nvPr>
-            <p:ph sz="quarter" idx="16"/>
-          </p:nvPr>
-        </p:nvSpPr>
-        <p:spPr>
-          <a:xfrm>
-            <a:off x="5881898" y="2676525"/>
-            <a:ext cx="4490827" cy="3597470"/>
-          </a:xfrm>
-        </p:spPr>
-        <p:txBody>
-          <a:bodyPr/>
-          <a:lstStyle/>
-          <a:p>
-            <a:r>
-              <a:rPr lang="en-US" dirty="0"/>
-              <a:t>Effective body language enhances your message, making it more impactful and memorable:</a:t>
-            </a:r>
-          </a:p>
-          <a:p>
-            <a:pPr lvl="1"/>
-            <a:r>
-              <a:rPr lang="en-US" dirty="0"/>
-              <a:t>Meaningful eye contact</a:t>
-            </a:r>
-          </a:p>
-          <a:p>
-            <a:pPr lvl="1"/>
-            <a:r>
-              <a:rPr lang="en-US" dirty="0"/>
-              <a:t>Purposeful gestures</a:t>
-            </a:r>
-          </a:p>
-          <a:p>
-            <a:pPr lvl="1"/>
-            <a:r>
-              <a:rPr lang="en-US" dirty="0"/>
-              <a:t>Maintain good posture</a:t>
-            </a:r>
-          </a:p>
-          <a:p>
-            <a:pPr lvl="1"/>
-            <a:r>
-              <a:rPr lang="en-US" dirty="0"/>
-              <a:t>Control your expressions</a:t>
-            </a:r>
-          </a:p>
-        </p:txBody>
-      </p:sp>
-    </p:spTree>
-    <p:extLst>
-      <p:ext uri="{BB962C8B-B14F-4D97-AF65-F5344CB8AC3E}">
-        <p14:creationId xmlns:p14="http://schemas.microsoft.com/office/powerpoint/2010/main" val="1632862996"/>
-      </p:ext>
-    </p:extLst>
-  </p:cSld>
-  <p:clrMapOvr>
-    <a:masterClrMapping/>
-  </p:clrMapOvr>
-</p:sld>
-</file>
-
-<file path=ppt/slides/slide22.xml><?xml version="1.0" encoding="utf-8"?>
-<p:sld xmlns:a="http://schemas.openxmlformats.org/drawingml/2006/main" xmlns:r="http://schemas.openxmlformats.org/officeDocument/2006/relationships" xmlns:p="http://schemas.openxmlformats.org/presentationml/2006/main">
-  <p:cSld>
-    <p:spTree>
-      <p:nvGrpSpPr>
-        <p:cNvPr id="1" name=""/>
-        <p:cNvGrpSpPr/>
-        <p:nvPr/>
-      </p:nvGrpSpPr>
-      <p:grpSpPr>
-        <a:xfrm>
-          <a:off x="0" y="0"/>
-          <a:ext cx="0" cy="0"/>
-          <a:chOff x="0" y="0"/>
-          <a:chExt cx="0" cy="0"/>
-        </a:xfrm>
-      </p:grpSpPr>
-      <p:sp>
-        <p:nvSpPr>
-          <p:cNvPr id="2" name="Title 1">
-            <a:extLst>
-              <a:ext uri="{FF2B5EF4-FFF2-40B4-BE49-F238E27FC236}">
-                <a16:creationId xmlns:a16="http://schemas.microsoft.com/office/drawing/2014/main" id="{60BD29B5-1B58-809F-FEA7-B82105E94664}"/>
-              </a:ext>
-            </a:extLst>
-          </p:cNvPr>
-          <p:cNvSpPr>
-            <a:spLocks noGrp="1"/>
-          </p:cNvSpPr>
-          <p:nvPr>
-            <p:ph type="title"/>
-          </p:nvPr>
-        </p:nvSpPr>
-        <p:spPr>
-          <a:xfrm>
-            <a:off x="6318885" y="3499667"/>
-            <a:ext cx="4939666" cy="2542810"/>
-          </a:xfrm>
-        </p:spPr>
-        <p:txBody>
-          <a:bodyPr/>
-          <a:lstStyle/>
-          <a:p>
-            <a:r>
-              <a:rPr lang="en-US" dirty="0"/>
-              <a:t>Navigating Q&amp;A sessions</a:t>
-            </a:r>
-          </a:p>
-        </p:txBody>
-      </p:sp>
-      <p:sp>
-        <p:nvSpPr>
-          <p:cNvPr id="4" name="Content Placeholder 3">
-            <a:extLst>
-              <a:ext uri="{FF2B5EF4-FFF2-40B4-BE49-F238E27FC236}">
-                <a16:creationId xmlns:a16="http://schemas.microsoft.com/office/drawing/2014/main" id="{07C3632C-2D2E-7026-33B8-EE42DA4BDB5C}"/>
-              </a:ext>
-            </a:extLst>
-          </p:cNvPr>
-          <p:cNvSpPr>
-            <a:spLocks noGrp="1"/>
-          </p:cNvSpPr>
-          <p:nvPr>
-            <p:ph sz="quarter" idx="14"/>
-          </p:nvPr>
-        </p:nvSpPr>
-        <p:spPr>
-          <a:xfrm>
-            <a:off x="603885" y="457201"/>
-            <a:ext cx="5198269" cy="2305050"/>
-          </a:xfrm>
-        </p:spPr>
-        <p:txBody>
-          <a:bodyPr/>
-          <a:lstStyle/>
-          <a:p>
-            <a:r>
-              <a:rPr lang="en-US" dirty="0"/>
-              <a:t>Know your material in advance</a:t>
-            </a:r>
-          </a:p>
-          <a:p>
-            <a:r>
-              <a:rPr lang="en-US" dirty="0"/>
-              <a:t>Anticipate common questions</a:t>
-            </a:r>
-          </a:p>
-          <a:p>
-            <a:r>
-              <a:rPr lang="en-US" dirty="0"/>
-              <a:t>Rehearse your responses</a:t>
-            </a:r>
-          </a:p>
-        </p:txBody>
-      </p:sp>
-      <p:sp>
-        <p:nvSpPr>
-          <p:cNvPr id="3" name="Content Placeholder 2">
-            <a:extLst>
-              <a:ext uri="{FF2B5EF4-FFF2-40B4-BE49-F238E27FC236}">
-                <a16:creationId xmlns:a16="http://schemas.microsoft.com/office/drawing/2014/main" id="{8B599B60-BF79-A832-6AD4-6C6FC6CE4317}"/>
-              </a:ext>
-            </a:extLst>
-          </p:cNvPr>
-          <p:cNvSpPr>
-            <a:spLocks noGrp="1"/>
-          </p:cNvSpPr>
-          <p:nvPr>
-            <p:ph sz="quarter" idx="15"/>
-          </p:nvPr>
-        </p:nvSpPr>
-        <p:spPr>
-          <a:xfrm>
-            <a:off x="594360" y="2810595"/>
-            <a:ext cx="5198269" cy="3319513"/>
-          </a:xfrm>
-        </p:spPr>
-        <p:txBody>
-          <a:bodyPr>
-            <a:normAutofit/>
-          </a:bodyPr>
-          <a:lstStyle/>
-          <a:p>
-            <a:r>
-              <a:rPr lang="en-US" dirty="0"/>
-              <a:t>Maintaining composure during the Q&amp;A session is essential for projecting confidence and authority. Consider the following tips for staying composed:</a:t>
-            </a:r>
-          </a:p>
-          <a:p>
-            <a:pPr lvl="1"/>
-            <a:r>
-              <a:rPr lang="en-US" dirty="0"/>
-              <a:t>Stay calm</a:t>
-            </a:r>
-          </a:p>
-          <a:p>
-            <a:pPr lvl="1"/>
-            <a:r>
-              <a:rPr lang="en-US" dirty="0"/>
-              <a:t>Actively listen</a:t>
-            </a:r>
-          </a:p>
-          <a:p>
-            <a:pPr lvl="1"/>
-            <a:r>
-              <a:rPr lang="en-US" dirty="0"/>
-              <a:t>Pause and reflect</a:t>
-            </a:r>
-          </a:p>
-          <a:p>
-            <a:pPr lvl="1"/>
-            <a:r>
-              <a:rPr lang="en-US" dirty="0"/>
-              <a:t>Maintain eye contact</a:t>
-            </a:r>
-          </a:p>
-        </p:txBody>
-      </p:sp>
-    </p:spTree>
-    <p:extLst>
-      <p:ext uri="{BB962C8B-B14F-4D97-AF65-F5344CB8AC3E}">
-        <p14:creationId xmlns:p14="http://schemas.microsoft.com/office/powerpoint/2010/main" val="3088225330"/>
-      </p:ext>
-    </p:extLst>
-  </p:cSld>
-  <p:clrMapOvr>
-    <a:masterClrMapping/>
-  </p:clrMapOvr>
-</p:sld>
-</file>
-
-<file path=ppt/slides/slide23.xml><?xml version="1.0" encoding="utf-8"?>
-<p:sld xmlns:a="http://schemas.openxmlformats.org/drawingml/2006/main" xmlns:r="http://schemas.openxmlformats.org/officeDocument/2006/relationships" xmlns:p="http://schemas.openxmlformats.org/presentationml/2006/main">
-  <p:cSld>
-    <p:spTree>
-      <p:nvGrpSpPr>
-        <p:cNvPr id="1" name=""/>
-        <p:cNvGrpSpPr/>
-        <p:nvPr/>
-      </p:nvGrpSpPr>
-      <p:grpSpPr>
-        <a:xfrm>
-          <a:off x="0" y="0"/>
-          <a:ext cx="0" cy="0"/>
-          <a:chOff x="0" y="0"/>
-          <a:chExt cx="0" cy="0"/>
-        </a:xfrm>
-      </p:grpSpPr>
-      <p:sp>
-        <p:nvSpPr>
-          <p:cNvPr id="2" name="Title 1">
-            <a:extLst>
-              <a:ext uri="{FF2B5EF4-FFF2-40B4-BE49-F238E27FC236}">
-                <a16:creationId xmlns:a16="http://schemas.microsoft.com/office/drawing/2014/main" id="{F52A871D-B15E-C971-7C85-0AF173E38781}"/>
-              </a:ext>
-            </a:extLst>
-          </p:cNvPr>
-          <p:cNvSpPr>
-            <a:spLocks noGrp="1"/>
-          </p:cNvSpPr>
-          <p:nvPr>
-            <p:ph type="title"/>
-          </p:nvPr>
-        </p:nvSpPr>
-        <p:spPr>
-          <a:xfrm>
-            <a:off x="575310" y="278129"/>
-            <a:ext cx="5063490" cy="2354026"/>
-          </a:xfrm>
-        </p:spPr>
-        <p:txBody>
-          <a:bodyPr/>
-          <a:lstStyle/>
-          <a:p>
-            <a:r>
-              <a:rPr lang="en-US" dirty="0"/>
-              <a:t>Speaking impact</a:t>
-            </a:r>
-          </a:p>
-        </p:txBody>
-      </p:sp>
-      <p:sp>
-        <p:nvSpPr>
-          <p:cNvPr id="3" name="Content Placeholder 2">
-            <a:extLst>
-              <a:ext uri="{FF2B5EF4-FFF2-40B4-BE49-F238E27FC236}">
-                <a16:creationId xmlns:a16="http://schemas.microsoft.com/office/drawing/2014/main" id="{34F2E863-4A4C-76FE-444A-083F93043389}"/>
-              </a:ext>
-            </a:extLst>
-          </p:cNvPr>
-          <p:cNvSpPr>
-            <a:spLocks noGrp="1"/>
-          </p:cNvSpPr>
-          <p:nvPr>
-            <p:ph sz="quarter" idx="16"/>
-          </p:nvPr>
-        </p:nvSpPr>
-        <p:spPr>
-          <a:xfrm>
-            <a:off x="593725" y="3279775"/>
-            <a:ext cx="5045075" cy="2994025"/>
-          </a:xfrm>
-        </p:spPr>
-        <p:txBody>
-          <a:bodyPr>
-            <a:normAutofit/>
-          </a:bodyPr>
-          <a:lstStyle/>
-          <a:p>
-            <a:r>
-              <a:rPr lang="en-US" dirty="0"/>
-              <a:t>Your ability to communicate effectively will leave a lasting impact on your audience</a:t>
-            </a:r>
-          </a:p>
-          <a:p>
-            <a:r>
-              <a:rPr lang="en-US" dirty="0"/>
-              <a:t>Effectively communicating involves not only delivering a message but also resonating with the experiences, values, and emotions of those listening </a:t>
-            </a:r>
-          </a:p>
-          <a:p>
-            <a:endParaRPr lang="en-US" dirty="0"/>
-          </a:p>
-        </p:txBody>
-      </p:sp>
-      <p:pic>
-        <p:nvPicPr>
-          <p:cNvPr id="5" name="Picture Placeholder 52" descr="Hanging lightbulbs">
-            <a:extLst>
-              <a:ext uri="{FF2B5EF4-FFF2-40B4-BE49-F238E27FC236}">
-                <a16:creationId xmlns:a16="http://schemas.microsoft.com/office/drawing/2014/main" id="{F2B2501C-600C-11B3-1ECD-912D988906A5}"/>
-              </a:ext>
-            </a:extLst>
-          </p:cNvPr>
-          <p:cNvPicPr>
-            <a:picLocks noGrp="1" noChangeAspect="1"/>
-          </p:cNvPicPr>
-          <p:nvPr>
-            <p:ph type="pic" sz="quarter" idx="15"/>
-          </p:nvPr>
-        </p:nvPicPr>
-        <p:blipFill>
-          <a:blip r:embed="rId3">
-            <a:extLst>
-              <a:ext uri="{28A0092B-C50C-407E-A947-70E740481C1C}">
-                <a14:useLocalDpi xmlns:a14="http://schemas.microsoft.com/office/drawing/2010/main" val="0"/>
-              </a:ext>
-            </a:extLst>
-          </a:blip>
-          <a:srcRect l="16" r="16"/>
-          <a:stretch/>
-        </p:blipFill>
-        <p:spPr>
-          <a:xfrm>
-            <a:off x="6096000" y="0"/>
-            <a:ext cx="6118225" cy="6858000"/>
-          </a:xfrm>
-        </p:spPr>
-      </p:pic>
-    </p:spTree>
-    <p:extLst>
-      <p:ext uri="{BB962C8B-B14F-4D97-AF65-F5344CB8AC3E}">
-        <p14:creationId xmlns:p14="http://schemas.microsoft.com/office/powerpoint/2010/main" val="298364507"/>
-      </p:ext>
-    </p:extLst>
-  </p:cSld>
-  <p:clrMapOvr>
-    <a:masterClrMapping/>
-  </p:clrMapOvr>
-</p:sld>
-</file>
-
-<file path=ppt/slides/slide24.xml><?xml version="1.0" encoding="utf-8"?>
-<p:sld xmlns:a="http://schemas.openxmlformats.org/drawingml/2006/main" xmlns:r="http://schemas.openxmlformats.org/officeDocument/2006/relationships" xmlns:p="http://schemas.openxmlformats.org/presentationml/2006/main">
-  <p:cSld>
-    <p:spTree>
-      <p:nvGrpSpPr>
-        <p:cNvPr id="1" name=""/>
-        <p:cNvGrpSpPr/>
-        <p:nvPr/>
-      </p:nvGrpSpPr>
-      <p:grpSpPr>
-        <a:xfrm>
-          <a:off x="0" y="0"/>
-          <a:ext cx="0" cy="0"/>
-          <a:chOff x="0" y="0"/>
-          <a:chExt cx="0" cy="0"/>
-        </a:xfrm>
-      </p:grpSpPr>
-      <p:sp>
-        <p:nvSpPr>
-          <p:cNvPr id="6" name="Title 5">
-            <a:extLst>
-              <a:ext uri="{FF2B5EF4-FFF2-40B4-BE49-F238E27FC236}">
-                <a16:creationId xmlns:a16="http://schemas.microsoft.com/office/drawing/2014/main" id="{76A9A9A7-F1D2-237D-AC72-E21A286F0A6F}"/>
-              </a:ext>
-            </a:extLst>
-          </p:cNvPr>
-          <p:cNvSpPr>
-            <a:spLocks noGrp="1"/>
-          </p:cNvSpPr>
-          <p:nvPr>
-            <p:ph type="title"/>
-          </p:nvPr>
-        </p:nvSpPr>
-        <p:spPr>
-          <a:xfrm>
-            <a:off x="3661409" y="4661717"/>
-            <a:ext cx="7936230" cy="1380760"/>
-          </a:xfrm>
-        </p:spPr>
-        <p:txBody>
-          <a:bodyPr/>
-          <a:lstStyle/>
-          <a:p>
-            <a:r>
-              <a:rPr lang="en-US" dirty="0"/>
-              <a:t>Dynamic delivery</a:t>
-            </a:r>
-          </a:p>
-        </p:txBody>
-      </p:sp>
-      <p:sp>
-        <p:nvSpPr>
-          <p:cNvPr id="4" name="Content Placeholder 3">
-            <a:extLst>
-              <a:ext uri="{FF2B5EF4-FFF2-40B4-BE49-F238E27FC236}">
-                <a16:creationId xmlns:a16="http://schemas.microsoft.com/office/drawing/2014/main" id="{CDB14AAA-1F04-769D-E7F0-4F68C8EB9283}"/>
-              </a:ext>
-            </a:extLst>
-          </p:cNvPr>
-          <p:cNvSpPr>
-            <a:spLocks noGrp="1"/>
-          </p:cNvSpPr>
-          <p:nvPr>
-            <p:ph sz="quarter" idx="14"/>
-          </p:nvPr>
-        </p:nvSpPr>
-        <p:spPr>
-          <a:xfrm>
-            <a:off x="603885" y="584005"/>
-            <a:ext cx="2825115" cy="3999060"/>
-          </a:xfrm>
-        </p:spPr>
-        <p:txBody>
-          <a:bodyPr/>
-          <a:lstStyle/>
-          <a:p>
-            <a:r>
-              <a:rPr lang="en-US" dirty="0"/>
-              <a:t>Learn to infuse energy into your delivery to leave a lasting impression.</a:t>
-            </a:r>
-          </a:p>
-          <a:p>
-            <a:r>
-              <a:rPr lang="en-US" dirty="0"/>
-              <a:t>One of the goals of effective communication is to motivate your audience.</a:t>
-            </a:r>
-          </a:p>
-        </p:txBody>
-      </p:sp>
-      <p:graphicFrame>
-        <p:nvGraphicFramePr>
-          <p:cNvPr id="8" name="Table Placeholder 2">
-            <a:extLst>
-              <a:ext uri="{FF2B5EF4-FFF2-40B4-BE49-F238E27FC236}">
-                <a16:creationId xmlns:a16="http://schemas.microsoft.com/office/drawing/2014/main" id="{C60AA2D2-28D7-69D7-F6C5-B31DAD3332C1}"/>
-              </a:ext>
-            </a:extLst>
-          </p:cNvPr>
-          <p:cNvGraphicFramePr>
-            <a:graphicFrameLocks noGrp="1"/>
-          </p:cNvGraphicFramePr>
-          <p:nvPr>
-            <p:ph sz="quarter" idx="13"/>
-            <p:extLst>
-              <p:ext uri="{D42A27DB-BD31-4B8C-83A1-F6EECF244321}">
-                <p14:modId xmlns:p14="http://schemas.microsoft.com/office/powerpoint/2010/main" val="598521189"/>
-              </p:ext>
-            </p:extLst>
-          </p:nvPr>
-        </p:nvGraphicFramePr>
-        <p:xfrm>
-          <a:off x="3670300" y="584200"/>
-          <a:ext cx="7930340" cy="3964681"/>
-        </p:xfrm>
-        <a:graphic>
-          <a:graphicData uri="http://schemas.openxmlformats.org/drawingml/2006/table">
-            <a:tbl>
-              <a:tblPr firstRow="1" bandRow="1">
-                <a:tableStyleId>{8A107856-5554-42FB-B03E-39F5DBC370BA}</a:tableStyleId>
-              </a:tblPr>
-              <a:tblGrid>
-                <a:gridCol w="1982585">
-                  <a:extLst>
-                    <a:ext uri="{9D8B030D-6E8A-4147-A177-3AD203B41FA5}">
-                      <a16:colId xmlns:a16="http://schemas.microsoft.com/office/drawing/2014/main" val="127040821"/>
-                    </a:ext>
-                  </a:extLst>
-                </a:gridCol>
-                <a:gridCol w="1982585">
-                  <a:extLst>
-                    <a:ext uri="{9D8B030D-6E8A-4147-A177-3AD203B41FA5}">
-                      <a16:colId xmlns:a16="http://schemas.microsoft.com/office/drawing/2014/main" val="149845700"/>
-                    </a:ext>
-                  </a:extLst>
-                </a:gridCol>
-                <a:gridCol w="1982585">
-                  <a:extLst>
-                    <a:ext uri="{9D8B030D-6E8A-4147-A177-3AD203B41FA5}">
-                      <a16:colId xmlns:a16="http://schemas.microsoft.com/office/drawing/2014/main" val="3119692462"/>
-                    </a:ext>
-                  </a:extLst>
-                </a:gridCol>
-                <a:gridCol w="1982585">
-                  <a:extLst>
-                    <a:ext uri="{9D8B030D-6E8A-4147-A177-3AD203B41FA5}">
-                      <a16:colId xmlns:a16="http://schemas.microsoft.com/office/drawing/2014/main" val="3472639139"/>
-                    </a:ext>
-                  </a:extLst>
-                </a:gridCol>
-              </a:tblGrid>
-              <a:tr h="511373">
-                <a:tc>
-                  <a:txBody>
-                    <a:bodyPr/>
-                    <a:lstStyle/>
-                    <a:p>
-                      <a:pPr algn="ctr"/>
-                      <a:r>
-                        <a:rPr lang="en-US" b="0" dirty="0">
-                          <a:latin typeface="+mj-lt"/>
-                        </a:rPr>
-                        <a:t>Metric</a:t>
-                      </a:r>
-                    </a:p>
-                  </a:txBody>
-                  <a:tcPr anchor="ctr"/>
-                </a:tc>
-                <a:tc>
-                  <a:txBody>
-                    <a:bodyPr/>
-                    <a:lstStyle/>
-                    <a:p>
-                      <a:pPr algn="ctr"/>
-                      <a:r>
-                        <a:rPr lang="en-US" b="0" dirty="0">
-                          <a:latin typeface="+mj-lt"/>
-                        </a:rPr>
-                        <a:t>Measurement</a:t>
-                      </a:r>
-                    </a:p>
-                  </a:txBody>
-                  <a:tcPr anchor="ctr"/>
-                </a:tc>
-                <a:tc>
-                  <a:txBody>
-                    <a:bodyPr/>
-                    <a:lstStyle/>
-                    <a:p>
-                      <a:pPr algn="ctr"/>
-                      <a:r>
-                        <a:rPr lang="en-US" b="0" dirty="0">
-                          <a:latin typeface="+mj-lt"/>
-                        </a:rPr>
-                        <a:t>Target</a:t>
-                      </a:r>
-                    </a:p>
-                  </a:txBody>
-                  <a:tcPr anchor="ctr"/>
-                </a:tc>
-                <a:tc>
-                  <a:txBody>
-                    <a:bodyPr/>
-                    <a:lstStyle/>
-                    <a:p>
-                      <a:pPr algn="ctr"/>
-                      <a:r>
-                        <a:rPr lang="en-US" b="0" dirty="0">
-                          <a:latin typeface="+mj-lt"/>
-                        </a:rPr>
-                        <a:t>Actual</a:t>
-                      </a:r>
-                    </a:p>
-                  </a:txBody>
-                  <a:tcPr anchor="ctr"/>
-                </a:tc>
-                <a:extLst>
-                  <a:ext uri="{0D108BD9-81ED-4DB2-BD59-A6C34878D82A}">
-                    <a16:rowId xmlns:a16="http://schemas.microsoft.com/office/drawing/2014/main" val="3298013591"/>
-                  </a:ext>
-                </a:extLst>
-              </a:tr>
-              <a:tr h="708914">
-                <a:tc>
-                  <a:txBody>
-                    <a:bodyPr/>
-                    <a:lstStyle/>
-                    <a:p>
-                      <a:pPr algn="ctr"/>
-                      <a:r>
-                        <a:rPr lang="en-US" b="0" dirty="0"/>
-                        <a:t>Audience attendance</a:t>
-                      </a:r>
-                    </a:p>
-                  </a:txBody>
-                  <a:tcPr anchor="ctr"/>
-                </a:tc>
-                <a:tc>
-                  <a:txBody>
-                    <a:bodyPr/>
-                    <a:lstStyle/>
-                    <a:p>
-                      <a:pPr algn="ctr"/>
-                      <a:r>
-                        <a:rPr lang="en-US" b="0" dirty="0"/>
-                        <a:t># of attendees</a:t>
-                      </a:r>
-                    </a:p>
-                  </a:txBody>
-                  <a:tcPr anchor="ctr"/>
-                </a:tc>
-                <a:tc>
-                  <a:txBody>
-                    <a:bodyPr/>
-                    <a:lstStyle/>
-                    <a:p>
-                      <a:pPr algn="ctr"/>
-                      <a:r>
-                        <a:rPr lang="en-US" b="0" dirty="0"/>
-                        <a:t>150</a:t>
-                      </a:r>
-                    </a:p>
-                  </a:txBody>
-                  <a:tcPr anchor="ctr"/>
-                </a:tc>
-                <a:tc>
-                  <a:txBody>
-                    <a:bodyPr/>
-                    <a:lstStyle/>
-                    <a:p>
-                      <a:pPr algn="ctr"/>
-                      <a:r>
-                        <a:rPr lang="en-US" b="0" dirty="0"/>
-                        <a:t>120</a:t>
-                      </a:r>
-                    </a:p>
-                  </a:txBody>
-                  <a:tcPr anchor="ctr"/>
-                </a:tc>
-                <a:extLst>
-                  <a:ext uri="{0D108BD9-81ED-4DB2-BD59-A6C34878D82A}">
-                    <a16:rowId xmlns:a16="http://schemas.microsoft.com/office/drawing/2014/main" val="3873867931"/>
-                  </a:ext>
-                </a:extLst>
-              </a:tr>
-              <a:tr h="708914">
-                <a:tc>
-                  <a:txBody>
-                    <a:bodyPr/>
-                    <a:lstStyle/>
-                    <a:p>
-                      <a:pPr algn="ctr"/>
-                      <a:r>
-                        <a:rPr lang="en-US" b="0" dirty="0"/>
-                        <a:t>Engagement duration</a:t>
-                      </a:r>
-                    </a:p>
-                  </a:txBody>
-                  <a:tcPr anchor="ctr"/>
-                </a:tc>
-                <a:tc>
-                  <a:txBody>
-                    <a:bodyPr/>
-                    <a:lstStyle/>
-                    <a:p>
-                      <a:pPr algn="ctr"/>
-                      <a:r>
-                        <a:rPr lang="en-US" b="0" dirty="0"/>
-                        <a:t>Minutes</a:t>
-                      </a:r>
-                    </a:p>
-                  </a:txBody>
-                  <a:tcPr anchor="ctr"/>
-                </a:tc>
-                <a:tc>
-                  <a:txBody>
-                    <a:bodyPr/>
-                    <a:lstStyle/>
-                    <a:p>
-                      <a:pPr algn="ctr"/>
-                      <a:r>
-                        <a:rPr lang="en-US" b="0" dirty="0"/>
-                        <a:t>60</a:t>
-                      </a:r>
-                    </a:p>
-                  </a:txBody>
-                  <a:tcPr anchor="ctr"/>
-                </a:tc>
-                <a:tc>
-                  <a:txBody>
-                    <a:bodyPr/>
-                    <a:lstStyle/>
-                    <a:p>
-                      <a:pPr algn="ctr"/>
-                      <a:r>
-                        <a:rPr lang="en-US" b="0" dirty="0"/>
-                        <a:t>75</a:t>
-                      </a:r>
-                    </a:p>
-                  </a:txBody>
-                  <a:tcPr anchor="ctr"/>
-                </a:tc>
-                <a:extLst>
-                  <a:ext uri="{0D108BD9-81ED-4DB2-BD59-A6C34878D82A}">
-                    <a16:rowId xmlns:a16="http://schemas.microsoft.com/office/drawing/2014/main" val="85209771"/>
-                  </a:ext>
-                </a:extLst>
-              </a:tr>
-              <a:tr h="511373">
-                <a:tc>
-                  <a:txBody>
-                    <a:bodyPr/>
-                    <a:lstStyle/>
-                    <a:p>
-                      <a:pPr algn="ctr"/>
-                      <a:r>
-                        <a:rPr lang="en-US" b="0" dirty="0"/>
-                        <a:t>Q&amp;A interaction</a:t>
-                      </a:r>
-                    </a:p>
-                  </a:txBody>
-                  <a:tcPr anchor="ctr"/>
-                </a:tc>
-                <a:tc>
-                  <a:txBody>
-                    <a:bodyPr/>
-                    <a:lstStyle/>
-                    <a:p>
-                      <a:pPr algn="ctr"/>
-                      <a:r>
-                        <a:rPr lang="en-US" b="0" dirty="0"/>
-                        <a:t># of questions</a:t>
-                      </a:r>
-                    </a:p>
-                  </a:txBody>
-                  <a:tcPr anchor="ctr"/>
-                </a:tc>
-                <a:tc>
-                  <a:txBody>
-                    <a:bodyPr/>
-                    <a:lstStyle/>
-                    <a:p>
-                      <a:pPr algn="ctr"/>
-                      <a:r>
-                        <a:rPr lang="en-US" b="0" dirty="0"/>
-                        <a:t>10</a:t>
-                      </a:r>
-                    </a:p>
-                  </a:txBody>
-                  <a:tcPr anchor="ctr"/>
-                </a:tc>
-                <a:tc>
-                  <a:txBody>
-                    <a:bodyPr/>
-                    <a:lstStyle/>
-                    <a:p>
-                      <a:pPr algn="ctr"/>
-                      <a:r>
-                        <a:rPr lang="en-US" b="0" dirty="0"/>
-                        <a:t>15</a:t>
-                      </a:r>
-                    </a:p>
-                  </a:txBody>
-                  <a:tcPr anchor="ctr"/>
-                </a:tc>
-                <a:extLst>
-                  <a:ext uri="{0D108BD9-81ED-4DB2-BD59-A6C34878D82A}">
-                    <a16:rowId xmlns:a16="http://schemas.microsoft.com/office/drawing/2014/main" val="4061031278"/>
-                  </a:ext>
-                </a:extLst>
-              </a:tr>
-              <a:tr h="511373">
-                <a:tc>
-                  <a:txBody>
-                    <a:bodyPr/>
-                    <a:lstStyle/>
-                    <a:p>
-                      <a:pPr algn="ctr"/>
-                      <a:r>
-                        <a:rPr lang="en-US" b="0" dirty="0"/>
-                        <a:t>Positive feedback</a:t>
-                      </a:r>
-                    </a:p>
-                  </a:txBody>
-                  <a:tcPr anchor="ctr"/>
-                </a:tc>
-                <a:tc>
-                  <a:txBody>
-                    <a:bodyPr/>
-                    <a:lstStyle/>
-                    <a:p>
-                      <a:pPr algn="ctr"/>
-                      <a:r>
-                        <a:rPr lang="en-US" b="0" dirty="0"/>
-                        <a:t>Percentage (%)</a:t>
-                      </a:r>
-                    </a:p>
-                  </a:txBody>
-                  <a:tcPr anchor="ctr"/>
-                </a:tc>
-                <a:tc>
-                  <a:txBody>
-                    <a:bodyPr/>
-                    <a:lstStyle/>
-                    <a:p>
-                      <a:pPr algn="ctr"/>
-                      <a:r>
-                        <a:rPr lang="en-US" b="0" dirty="0"/>
-                        <a:t>90</a:t>
-                      </a:r>
-                    </a:p>
-                  </a:txBody>
-                  <a:tcPr anchor="ctr"/>
-                </a:tc>
-                <a:tc>
-                  <a:txBody>
-                    <a:bodyPr/>
-                    <a:lstStyle/>
-                    <a:p>
-                      <a:pPr algn="ctr"/>
-                      <a:r>
-                        <a:rPr lang="en-US" b="0" dirty="0"/>
-                        <a:t>95</a:t>
-                      </a:r>
-                    </a:p>
-                  </a:txBody>
-                  <a:tcPr anchor="ctr"/>
-                </a:tc>
-                <a:extLst>
-                  <a:ext uri="{0D108BD9-81ED-4DB2-BD59-A6C34878D82A}">
-                    <a16:rowId xmlns:a16="http://schemas.microsoft.com/office/drawing/2014/main" val="3591840781"/>
-                  </a:ext>
-                </a:extLst>
-              </a:tr>
-              <a:tr h="1012734">
-                <a:tc>
-                  <a:txBody>
-                    <a:bodyPr/>
-                    <a:lstStyle/>
-                    <a:p>
-                      <a:pPr algn="ctr"/>
-                      <a:r>
-                        <a:rPr lang="en-US" b="0" dirty="0"/>
-                        <a:t>Rate of information retention</a:t>
-                      </a:r>
-                    </a:p>
-                  </a:txBody>
-                  <a:tcPr anchor="ctr"/>
-                </a:tc>
-                <a:tc>
-                  <a:txBody>
-                    <a:bodyPr/>
-                    <a:lstStyle/>
-                    <a:p>
-                      <a:pPr algn="ctr"/>
-                      <a:r>
-                        <a:rPr lang="en-US" b="0" dirty="0"/>
-                        <a:t>Percentage (%)</a:t>
-                      </a:r>
-                    </a:p>
-                  </a:txBody>
-                  <a:tcPr anchor="ctr"/>
-                </a:tc>
-                <a:tc>
-                  <a:txBody>
-                    <a:bodyPr/>
-                    <a:lstStyle/>
-                    <a:p>
-                      <a:pPr algn="ctr"/>
-                      <a:r>
-                        <a:rPr lang="en-US" b="0" dirty="0"/>
-                        <a:t>80</a:t>
-                      </a:r>
-                    </a:p>
-                  </a:txBody>
-                  <a:tcPr anchor="ctr"/>
-                </a:tc>
-                <a:tc>
-                  <a:txBody>
-                    <a:bodyPr/>
-                    <a:lstStyle/>
-                    <a:p>
-                      <a:pPr algn="ctr"/>
-                      <a:r>
-                        <a:rPr lang="en-US" b="0" dirty="0"/>
-                        <a:t>85</a:t>
-                      </a:r>
-                    </a:p>
-                  </a:txBody>
-                  <a:tcPr anchor="ctr"/>
-                </a:tc>
-                <a:extLst>
-                  <a:ext uri="{0D108BD9-81ED-4DB2-BD59-A6C34878D82A}">
-                    <a16:rowId xmlns:a16="http://schemas.microsoft.com/office/drawing/2014/main" val="335389741"/>
-                  </a:ext>
-                </a:extLst>
-              </a:tr>
-            </a:tbl>
-          </a:graphicData>
-        </a:graphic>
-      </p:graphicFrame>
-    </p:spTree>
-    <p:extLst>
-      <p:ext uri="{BB962C8B-B14F-4D97-AF65-F5344CB8AC3E}">
-        <p14:creationId xmlns:p14="http://schemas.microsoft.com/office/powerpoint/2010/main" val="4127695141"/>
-      </p:ext>
-    </p:extLst>
-  </p:cSld>
-  <p:clrMapOvr>
-    <a:masterClrMapping/>
-  </p:clrMapOvr>
-</p:sld>
-</file>
-
-<file path=ppt/slides/slide25.xml><?xml version="1.0" encoding="utf-8"?>
-<p:sld xmlns:a="http://schemas.openxmlformats.org/drawingml/2006/main" xmlns:r="http://schemas.openxmlformats.org/officeDocument/2006/relationships" xmlns:p="http://schemas.openxmlformats.org/presentationml/2006/main">
-  <p:cSld>
-    <p:spTree>
-      <p:nvGrpSpPr>
-        <p:cNvPr id="1" name=""/>
-        <p:cNvGrpSpPr/>
-        <p:nvPr/>
-      </p:nvGrpSpPr>
-      <p:grpSpPr>
-        <a:xfrm>
-          <a:off x="0" y="0"/>
-          <a:ext cx="0" cy="0"/>
-          <a:chOff x="0" y="0"/>
-          <a:chExt cx="0" cy="0"/>
-        </a:xfrm>
-      </p:grpSpPr>
-      <p:sp>
-        <p:nvSpPr>
-          <p:cNvPr id="2" name="Title 1">
-            <a:extLst>
-              <a:ext uri="{FF2B5EF4-FFF2-40B4-BE49-F238E27FC236}">
-                <a16:creationId xmlns:a16="http://schemas.microsoft.com/office/drawing/2014/main" id="{F0759DC4-8B30-98A0-5BAB-C78BA4A4AD55}"/>
-              </a:ext>
-            </a:extLst>
-          </p:cNvPr>
-          <p:cNvSpPr>
-            <a:spLocks noGrp="1"/>
-          </p:cNvSpPr>
-          <p:nvPr>
-            <p:ph type="title"/>
-          </p:nvPr>
-        </p:nvSpPr>
-        <p:spPr>
-          <a:xfrm>
-            <a:off x="594360" y="198408"/>
-            <a:ext cx="10972800" cy="1574317"/>
-          </a:xfrm>
-        </p:spPr>
-        <p:txBody>
-          <a:bodyPr/>
-          <a:lstStyle/>
-          <a:p>
-            <a:r>
-              <a:rPr lang="en-US" dirty="0"/>
-              <a:t>Final tips &amp; takeaways</a:t>
-            </a:r>
-          </a:p>
-        </p:txBody>
-      </p:sp>
-      <p:sp>
-        <p:nvSpPr>
-          <p:cNvPr id="3" name="Content Placeholder 2">
-            <a:extLst>
-              <a:ext uri="{FF2B5EF4-FFF2-40B4-BE49-F238E27FC236}">
-                <a16:creationId xmlns:a16="http://schemas.microsoft.com/office/drawing/2014/main" id="{4096FB3A-B62C-3DAB-4FD1-B4EBDD650AEF}"/>
-              </a:ext>
-            </a:extLst>
-          </p:cNvPr>
-          <p:cNvSpPr>
-            <a:spLocks noGrp="1"/>
-          </p:cNvSpPr>
-          <p:nvPr>
-            <p:ph sz="quarter" idx="13"/>
-          </p:nvPr>
-        </p:nvSpPr>
-        <p:spPr>
-          <a:xfrm>
-            <a:off x="595523" y="2676525"/>
-            <a:ext cx="5746750" cy="3597470"/>
-          </a:xfrm>
-        </p:spPr>
-        <p:txBody>
-          <a:bodyPr/>
-          <a:lstStyle/>
-          <a:p>
-            <a:r>
-              <a:rPr lang="en-US" dirty="0"/>
-              <a:t>Consistent rehearsal</a:t>
-            </a:r>
-          </a:p>
-          <a:p>
-            <a:pPr lvl="1"/>
-            <a:r>
-              <a:rPr lang="en-US" dirty="0"/>
-              <a:t>Strengthen your familiarity</a:t>
-            </a:r>
-          </a:p>
-          <a:p>
-            <a:r>
-              <a:rPr lang="en-US" dirty="0"/>
-              <a:t>Refine delivery style</a:t>
-            </a:r>
-          </a:p>
-          <a:p>
-            <a:pPr lvl="1"/>
-            <a:r>
-              <a:rPr lang="en-US" dirty="0"/>
-              <a:t>Pacing, tone, and emphasis</a:t>
-            </a:r>
-          </a:p>
-          <a:p>
-            <a:r>
-              <a:rPr lang="en-US" dirty="0"/>
-              <a:t>Timing and transitions</a:t>
-            </a:r>
-          </a:p>
-          <a:p>
-            <a:pPr lvl="1"/>
-            <a:r>
-              <a:rPr lang="en-US" dirty="0"/>
-              <a:t>Aim for seamless, professional delivery</a:t>
-            </a:r>
-          </a:p>
-          <a:p>
-            <a:r>
-              <a:rPr lang="en-US" dirty="0"/>
-              <a:t>Practice audience</a:t>
-            </a:r>
-          </a:p>
-          <a:p>
-            <a:pPr lvl="1"/>
-            <a:r>
-              <a:rPr lang="en-US" dirty="0"/>
-              <a:t>Enlist colleagues to listen &amp; provide feedback</a:t>
-            </a:r>
-          </a:p>
-          <a:p>
-            <a:pPr lvl="1"/>
-            <a:endParaRPr lang="en-US" dirty="0"/>
-          </a:p>
-        </p:txBody>
-      </p:sp>
-      <p:sp>
-        <p:nvSpPr>
-          <p:cNvPr id="4" name="Content Placeholder 3">
-            <a:extLst>
-              <a:ext uri="{FF2B5EF4-FFF2-40B4-BE49-F238E27FC236}">
-                <a16:creationId xmlns:a16="http://schemas.microsoft.com/office/drawing/2014/main" id="{43E198AA-251D-4446-30C4-8F2FA7F6A72C}"/>
-              </a:ext>
-            </a:extLst>
-          </p:cNvPr>
-          <p:cNvSpPr>
-            <a:spLocks noGrp="1"/>
-          </p:cNvSpPr>
-          <p:nvPr>
-            <p:ph sz="quarter" idx="14"/>
-          </p:nvPr>
-        </p:nvSpPr>
-        <p:spPr>
-          <a:xfrm>
-            <a:off x="7620000" y="2676525"/>
-            <a:ext cx="3947160" cy="3597470"/>
-          </a:xfrm>
-        </p:spPr>
-        <p:txBody>
-          <a:bodyPr/>
-          <a:lstStyle/>
-          <a:p>
-            <a:r>
-              <a:rPr lang="en-US" dirty="0"/>
-              <a:t>Seek feedback</a:t>
-            </a:r>
-          </a:p>
-          <a:p>
-            <a:r>
-              <a:rPr lang="en-US" dirty="0"/>
-              <a:t>Reflect on performance</a:t>
-            </a:r>
-          </a:p>
-          <a:p>
-            <a:r>
-              <a:rPr lang="en-US" dirty="0"/>
-              <a:t>Explore new techniques</a:t>
-            </a:r>
-          </a:p>
-          <a:p>
-            <a:r>
-              <a:rPr lang="en-US" dirty="0"/>
-              <a:t>Set personal goals</a:t>
-            </a:r>
-          </a:p>
-          <a:p>
-            <a:r>
-              <a:rPr lang="en-US" dirty="0"/>
-              <a:t>Iterate and adapt</a:t>
-            </a:r>
-          </a:p>
-        </p:txBody>
-      </p:sp>
-    </p:spTree>
-    <p:extLst>
-      <p:ext uri="{BB962C8B-B14F-4D97-AF65-F5344CB8AC3E}">
-        <p14:creationId xmlns:p14="http://schemas.microsoft.com/office/powerpoint/2010/main" val="1850768898"/>
-      </p:ext>
-    </p:extLst>
-  </p:cSld>
-  <p:clrMapOvr>
-    <a:masterClrMapping/>
-  </p:clrMapOvr>
-</p:sld>
-</file>
-
-<file path=ppt/slides/slide26.xml><?xml version="1.0" encoding="utf-8"?>
-<p:sld xmlns:a="http://schemas.openxmlformats.org/drawingml/2006/main" xmlns:r="http://schemas.openxmlformats.org/officeDocument/2006/relationships" xmlns:p="http://schemas.openxmlformats.org/presentationml/2006/main">
-  <p:cSld>
-    <p:spTree>
-      <p:nvGrpSpPr>
-        <p:cNvPr id="1" name=""/>
-        <p:cNvGrpSpPr/>
-        <p:nvPr/>
-      </p:nvGrpSpPr>
-      <p:grpSpPr>
-        <a:xfrm>
-          <a:off x="0" y="0"/>
-          <a:ext cx="0" cy="0"/>
-          <a:chOff x="0" y="0"/>
-          <a:chExt cx="0" cy="0"/>
-        </a:xfrm>
-      </p:grpSpPr>
-      <p:sp>
-        <p:nvSpPr>
-          <p:cNvPr id="3" name="Title 2">
-            <a:extLst>
-              <a:ext uri="{FF2B5EF4-FFF2-40B4-BE49-F238E27FC236}">
-                <a16:creationId xmlns:a16="http://schemas.microsoft.com/office/drawing/2014/main" id="{C7AB9C34-2B13-E66F-1053-2BA156F89425}"/>
-              </a:ext>
-            </a:extLst>
-          </p:cNvPr>
-          <p:cNvSpPr>
-            <a:spLocks noGrp="1"/>
-          </p:cNvSpPr>
-          <p:nvPr>
-            <p:ph type="title"/>
-          </p:nvPr>
-        </p:nvSpPr>
-        <p:spPr>
-          <a:xfrm>
-            <a:off x="594360" y="584005"/>
-            <a:ext cx="10972800" cy="1188720"/>
-          </a:xfrm>
-        </p:spPr>
-        <p:txBody>
-          <a:bodyPr/>
-          <a:lstStyle/>
-          <a:p>
-            <a:r>
-              <a:rPr lang="en-US" dirty="0"/>
-              <a:t>Speaking engagement metrics</a:t>
-            </a:r>
-          </a:p>
-        </p:txBody>
-      </p:sp>
-      <p:graphicFrame>
-        <p:nvGraphicFramePr>
-          <p:cNvPr id="4" name="Table Placeholder 3">
-            <a:extLst>
-              <a:ext uri="{FF2B5EF4-FFF2-40B4-BE49-F238E27FC236}">
-                <a16:creationId xmlns:a16="http://schemas.microsoft.com/office/drawing/2014/main" id="{4D1FB21E-CCFB-8E64-064C-DB8195F86847}"/>
-              </a:ext>
-            </a:extLst>
-          </p:cNvPr>
-          <p:cNvGraphicFramePr>
-            <a:graphicFrameLocks noGrp="1"/>
-          </p:cNvGraphicFramePr>
-          <p:nvPr>
-            <p:ph type="tbl" sz="quarter" idx="10"/>
-            <p:extLst>
-              <p:ext uri="{D42A27DB-BD31-4B8C-83A1-F6EECF244321}">
-                <p14:modId xmlns:p14="http://schemas.microsoft.com/office/powerpoint/2010/main" val="145036385"/>
-              </p:ext>
-            </p:extLst>
-          </p:nvPr>
-        </p:nvGraphicFramePr>
-        <p:xfrm>
-          <a:off x="593725" y="2628900"/>
-          <a:ext cx="10991080" cy="3613525"/>
-        </p:xfrm>
-        <a:graphic>
-          <a:graphicData uri="http://schemas.openxmlformats.org/drawingml/2006/table">
-            <a:tbl>
-              <a:tblPr firstRow="1" bandRow="1">
-                <a:tableStyleId>{69CF1AB2-1976-4502-BF36-3FF5EA218861}</a:tableStyleId>
-              </a:tblPr>
-              <a:tblGrid>
-                <a:gridCol w="2747770">
-                  <a:extLst>
-                    <a:ext uri="{9D8B030D-6E8A-4147-A177-3AD203B41FA5}">
-                      <a16:colId xmlns:a16="http://schemas.microsoft.com/office/drawing/2014/main" val="2382218087"/>
-                    </a:ext>
-                  </a:extLst>
-                </a:gridCol>
-                <a:gridCol w="2747770">
-                  <a:extLst>
-                    <a:ext uri="{9D8B030D-6E8A-4147-A177-3AD203B41FA5}">
-                      <a16:colId xmlns:a16="http://schemas.microsoft.com/office/drawing/2014/main" val="3953468724"/>
-                    </a:ext>
-                  </a:extLst>
-                </a:gridCol>
-                <a:gridCol w="2747770">
-                  <a:extLst>
-                    <a:ext uri="{9D8B030D-6E8A-4147-A177-3AD203B41FA5}">
-                      <a16:colId xmlns:a16="http://schemas.microsoft.com/office/drawing/2014/main" val="4277526474"/>
-                    </a:ext>
-                  </a:extLst>
-                </a:gridCol>
-                <a:gridCol w="2747770">
-                  <a:extLst>
-                    <a:ext uri="{9D8B030D-6E8A-4147-A177-3AD203B41FA5}">
-                      <a16:colId xmlns:a16="http://schemas.microsoft.com/office/drawing/2014/main" val="2438884888"/>
-                    </a:ext>
-                  </a:extLst>
-                </a:gridCol>
-              </a:tblGrid>
-              <a:tr h="594689">
-                <a:tc>
-                  <a:txBody>
-                    <a:bodyPr/>
-                    <a:lstStyle/>
-                    <a:p>
-                      <a:pPr algn="ctr"/>
-                      <a:r>
-                        <a:rPr lang="en-US" dirty="0">
-                          <a:solidFill>
-                            <a:schemeClr val="bg1"/>
-                          </a:solidFill>
-                          <a:latin typeface="+mj-lt"/>
-                        </a:rPr>
-                        <a:t>Impact factor</a:t>
-                      </a:r>
-                    </a:p>
-                  </a:txBody>
-                  <a:tcPr anchor="ctr"/>
-                </a:tc>
-                <a:tc>
-                  <a:txBody>
-                    <a:bodyPr/>
-                    <a:lstStyle/>
-                    <a:p>
-                      <a:pPr algn="ctr"/>
-                      <a:r>
-                        <a:rPr lang="en-US" dirty="0">
-                          <a:solidFill>
-                            <a:schemeClr val="bg1"/>
-                          </a:solidFill>
-                          <a:latin typeface="+mj-lt"/>
-                        </a:rPr>
-                        <a:t>Measurement</a:t>
-                      </a:r>
-                    </a:p>
-                  </a:txBody>
-                  <a:tcPr anchor="ctr"/>
-                </a:tc>
-                <a:tc>
-                  <a:txBody>
-                    <a:bodyPr/>
-                    <a:lstStyle/>
-                    <a:p>
-                      <a:pPr algn="ctr"/>
-                      <a:r>
-                        <a:rPr lang="en-US" dirty="0">
-                          <a:solidFill>
-                            <a:schemeClr val="bg1"/>
-                          </a:solidFill>
-                          <a:latin typeface="+mj-lt"/>
-                        </a:rPr>
-                        <a:t>Target</a:t>
-                      </a:r>
-                    </a:p>
-                  </a:txBody>
-                  <a:tcPr anchor="ctr"/>
-                </a:tc>
-                <a:tc>
-                  <a:txBody>
-                    <a:bodyPr/>
-                    <a:lstStyle/>
-                    <a:p>
-                      <a:pPr algn="ctr"/>
-                      <a:r>
-                        <a:rPr lang="en-US" dirty="0">
-                          <a:solidFill>
-                            <a:schemeClr val="bg1"/>
-                          </a:solidFill>
-                          <a:latin typeface="+mj-lt"/>
-                        </a:rPr>
-                        <a:t>Achieved</a:t>
-                      </a:r>
-                    </a:p>
-                  </a:txBody>
-                  <a:tcPr anchor="ctr"/>
-                </a:tc>
-                <a:extLst>
-                  <a:ext uri="{0D108BD9-81ED-4DB2-BD59-A6C34878D82A}">
-                    <a16:rowId xmlns:a16="http://schemas.microsoft.com/office/drawing/2014/main" val="2857107962"/>
-                  </a:ext>
-                </a:extLst>
-              </a:tr>
-              <a:tr h="594689">
-                <a:tc>
-                  <a:txBody>
-                    <a:bodyPr/>
-                    <a:lstStyle/>
-                    <a:p>
-                      <a:pPr algn="ctr"/>
-                      <a:r>
-                        <a:rPr lang="en-US" dirty="0"/>
-                        <a:t>Audience interaction</a:t>
-                      </a:r>
-                    </a:p>
-                  </a:txBody>
-                  <a:tcPr anchor="ctr"/>
-                </a:tc>
-                <a:tc>
-                  <a:txBody>
-                    <a:bodyPr/>
-                    <a:lstStyle/>
-                    <a:p>
-                      <a:pPr algn="ctr"/>
-                      <a:r>
-                        <a:rPr lang="en-US" dirty="0"/>
-                        <a:t>Percentage (%)</a:t>
-                      </a:r>
-                    </a:p>
-                  </a:txBody>
-                  <a:tcPr anchor="ctr"/>
-                </a:tc>
-                <a:tc>
-                  <a:txBody>
-                    <a:bodyPr/>
-                    <a:lstStyle/>
-                    <a:p>
-                      <a:pPr algn="ctr"/>
-                      <a:r>
-                        <a:rPr lang="en-US" dirty="0"/>
-                        <a:t>85</a:t>
-                      </a:r>
-                    </a:p>
-                  </a:txBody>
-                  <a:tcPr anchor="ctr"/>
-                </a:tc>
-                <a:tc>
-                  <a:txBody>
-                    <a:bodyPr/>
-                    <a:lstStyle/>
-                    <a:p>
-                      <a:pPr algn="ctr"/>
-                      <a:r>
-                        <a:rPr lang="en-US" dirty="0"/>
-                        <a:t>88</a:t>
-                      </a:r>
-                    </a:p>
-                  </a:txBody>
-                  <a:tcPr anchor="ctr"/>
-                </a:tc>
-                <a:extLst>
-                  <a:ext uri="{0D108BD9-81ED-4DB2-BD59-A6C34878D82A}">
-                    <a16:rowId xmlns:a16="http://schemas.microsoft.com/office/drawing/2014/main" val="1671386868"/>
-                  </a:ext>
-                </a:extLst>
-              </a:tr>
-              <a:tr h="594689">
-                <a:tc>
-                  <a:txBody>
-                    <a:bodyPr/>
-                    <a:lstStyle/>
-                    <a:p>
-                      <a:pPr algn="ctr"/>
-                      <a:r>
-                        <a:rPr lang="en-US" dirty="0"/>
-                        <a:t>Knowledge retention</a:t>
-                      </a:r>
-                    </a:p>
-                  </a:txBody>
-                  <a:tcPr anchor="ctr"/>
-                </a:tc>
-                <a:tc>
-                  <a:txBody>
-                    <a:bodyPr/>
-                    <a:lstStyle/>
-                    <a:p>
-                      <a:pPr algn="ctr"/>
-                      <a:r>
-                        <a:rPr lang="en-US" dirty="0"/>
-                        <a:t>Percentage (%)</a:t>
-                      </a:r>
-                    </a:p>
-                  </a:txBody>
-                  <a:tcPr anchor="ctr"/>
-                </a:tc>
-                <a:tc>
-                  <a:txBody>
-                    <a:bodyPr/>
-                    <a:lstStyle/>
-                    <a:p>
-                      <a:pPr algn="ctr"/>
-                      <a:r>
-                        <a:rPr lang="en-US" dirty="0"/>
-                        <a:t>75</a:t>
-                      </a:r>
-                    </a:p>
-                  </a:txBody>
-                  <a:tcPr anchor="ctr"/>
-                </a:tc>
-                <a:tc>
-                  <a:txBody>
-                    <a:bodyPr/>
-                    <a:lstStyle/>
-                    <a:p>
-                      <a:pPr algn="ctr"/>
-                      <a:r>
-                        <a:rPr lang="en-US" dirty="0"/>
-                        <a:t>80</a:t>
-                      </a:r>
-                    </a:p>
-                  </a:txBody>
-                  <a:tcPr anchor="ctr"/>
-                </a:tc>
-                <a:extLst>
-                  <a:ext uri="{0D108BD9-81ED-4DB2-BD59-A6C34878D82A}">
-                    <a16:rowId xmlns:a16="http://schemas.microsoft.com/office/drawing/2014/main" val="380626418"/>
-                  </a:ext>
-                </a:extLst>
-              </a:tr>
-              <a:tr h="594689">
-                <a:tc>
-                  <a:txBody>
-                    <a:bodyPr/>
-                    <a:lstStyle/>
-                    <a:p>
-                      <a:pPr algn="ctr"/>
-                      <a:r>
-                        <a:rPr lang="en-US" dirty="0"/>
-                        <a:t>Post-presentation surveys</a:t>
-                      </a:r>
-                    </a:p>
-                  </a:txBody>
-                  <a:tcPr anchor="ctr"/>
-                </a:tc>
-                <a:tc>
-                  <a:txBody>
-                    <a:bodyPr/>
-                    <a:lstStyle/>
-                    <a:p>
-                      <a:pPr algn="ctr"/>
-                      <a:r>
-                        <a:rPr lang="en-US" dirty="0"/>
-                        <a:t>Average rating</a:t>
-                      </a:r>
-                    </a:p>
-                  </a:txBody>
-                  <a:tcPr anchor="ctr"/>
-                </a:tc>
-                <a:tc>
-                  <a:txBody>
-                    <a:bodyPr/>
-                    <a:lstStyle/>
-                    <a:p>
-                      <a:pPr algn="ctr"/>
-                      <a:r>
-                        <a:rPr lang="en-US" dirty="0"/>
-                        <a:t>4.2</a:t>
-                      </a:r>
-                    </a:p>
-                  </a:txBody>
-                  <a:tcPr anchor="ctr"/>
-                </a:tc>
-                <a:tc>
-                  <a:txBody>
-                    <a:bodyPr/>
-                    <a:lstStyle/>
-                    <a:p>
-                      <a:pPr algn="ctr"/>
-                      <a:r>
-                        <a:rPr lang="en-US" dirty="0"/>
-                        <a:t>4.5</a:t>
-                      </a:r>
-                    </a:p>
-                  </a:txBody>
-                  <a:tcPr anchor="ctr"/>
-                </a:tc>
-                <a:extLst>
-                  <a:ext uri="{0D108BD9-81ED-4DB2-BD59-A6C34878D82A}">
-                    <a16:rowId xmlns:a16="http://schemas.microsoft.com/office/drawing/2014/main" val="2132482967"/>
-                  </a:ext>
-                </a:extLst>
-              </a:tr>
-              <a:tr h="594689">
-                <a:tc>
-                  <a:txBody>
-                    <a:bodyPr/>
-                    <a:lstStyle/>
-                    <a:p>
-                      <a:pPr algn="ctr"/>
-                      <a:r>
-                        <a:rPr lang="en-US" dirty="0"/>
-                        <a:t>Referral rate</a:t>
-                      </a:r>
-                    </a:p>
-                  </a:txBody>
-                  <a:tcPr anchor="ctr"/>
-                </a:tc>
-                <a:tc>
-                  <a:txBody>
-                    <a:bodyPr/>
-                    <a:lstStyle/>
-                    <a:p>
-                      <a:pPr algn="ctr"/>
-                      <a:r>
-                        <a:rPr lang="en-US" dirty="0"/>
-                        <a:t>Percentage (%)</a:t>
-                      </a:r>
-                    </a:p>
-                  </a:txBody>
-                  <a:tcPr anchor="ctr"/>
-                </a:tc>
-                <a:tc>
-                  <a:txBody>
-                    <a:bodyPr/>
-                    <a:lstStyle/>
-                    <a:p>
-                      <a:pPr algn="ctr"/>
-                      <a:r>
-                        <a:rPr lang="en-US" dirty="0"/>
-                        <a:t>10</a:t>
-                      </a:r>
-                    </a:p>
-                  </a:txBody>
-                  <a:tcPr anchor="ctr"/>
-                </a:tc>
-                <a:tc>
-                  <a:txBody>
-                    <a:bodyPr/>
-                    <a:lstStyle/>
-                    <a:p>
-                      <a:pPr algn="ctr"/>
-                      <a:r>
-                        <a:rPr lang="en-US" dirty="0"/>
-                        <a:t>12</a:t>
-                      </a:r>
-                    </a:p>
-                  </a:txBody>
-                  <a:tcPr anchor="ctr"/>
-                </a:tc>
-                <a:extLst>
-                  <a:ext uri="{0D108BD9-81ED-4DB2-BD59-A6C34878D82A}">
-                    <a16:rowId xmlns:a16="http://schemas.microsoft.com/office/drawing/2014/main" val="3936251906"/>
-                  </a:ext>
-                </a:extLst>
-              </a:tr>
-              <a:tr h="594689">
-                <a:tc>
-                  <a:txBody>
-                    <a:bodyPr/>
-                    <a:lstStyle/>
-                    <a:p>
-                      <a:pPr algn="ctr"/>
-                      <a:r>
-                        <a:rPr lang="en-US" dirty="0"/>
-                        <a:t>Collaboration opportunities</a:t>
-                      </a:r>
-                    </a:p>
-                  </a:txBody>
-                  <a:tcPr anchor="ctr"/>
-                </a:tc>
-                <a:tc>
-                  <a:txBody>
-                    <a:bodyPr/>
-                    <a:lstStyle/>
-                    <a:p>
-                      <a:pPr algn="ctr"/>
-                      <a:r>
-                        <a:rPr lang="en-US" dirty="0"/>
-                        <a:t># of opportunities</a:t>
-                      </a:r>
-                    </a:p>
-                  </a:txBody>
-                  <a:tcPr anchor="ctr"/>
-                </a:tc>
-                <a:tc>
-                  <a:txBody>
-                    <a:bodyPr/>
-                    <a:lstStyle/>
-                    <a:p>
-                      <a:pPr algn="ctr"/>
-                      <a:r>
-                        <a:rPr lang="en-US" dirty="0"/>
-                        <a:t>8</a:t>
-                      </a:r>
-                    </a:p>
-                  </a:txBody>
-                  <a:tcPr anchor="ctr"/>
-                </a:tc>
-                <a:tc>
-                  <a:txBody>
-                    <a:bodyPr/>
-                    <a:lstStyle/>
-                    <a:p>
-                      <a:pPr algn="ctr"/>
-                      <a:r>
-                        <a:rPr lang="en-US" dirty="0"/>
-                        <a:t>10</a:t>
-                      </a:r>
-                    </a:p>
-                  </a:txBody>
-                  <a:tcPr anchor="ctr"/>
-                </a:tc>
-                <a:extLst>
-                  <a:ext uri="{0D108BD9-81ED-4DB2-BD59-A6C34878D82A}">
-                    <a16:rowId xmlns:a16="http://schemas.microsoft.com/office/drawing/2014/main" val="568537164"/>
-                  </a:ext>
-                </a:extLst>
-              </a:tr>
-            </a:tbl>
-          </a:graphicData>
-        </a:graphic>
-      </p:graphicFrame>
-    </p:spTree>
-    <p:extLst>
-      <p:ext uri="{BB962C8B-B14F-4D97-AF65-F5344CB8AC3E}">
-        <p14:creationId xmlns:p14="http://schemas.microsoft.com/office/powerpoint/2010/main" val="752428618"/>
-      </p:ext>
-    </p:extLst>
-  </p:cSld>
-  <p:clrMapOvr>
-    <a:masterClrMapping/>
-  </p:clrMapOvr>
-</p:sld>
-</file>
-
-<file path=ppt/slides/slide27.xml><?xml version="1.0" encoding="utf-8"?>
-<p:sld xmlns:a="http://schemas.openxmlformats.org/drawingml/2006/main" xmlns:r="http://schemas.openxmlformats.org/officeDocument/2006/relationships" xmlns:p="http://schemas.openxmlformats.org/presentationml/2006/main">
-  <p:cSld>
-    <p:spTree>
-      <p:nvGrpSpPr>
-        <p:cNvPr id="1" name=""/>
-        <p:cNvGrpSpPr/>
-        <p:nvPr/>
-      </p:nvGrpSpPr>
-      <p:grpSpPr>
-        <a:xfrm>
-          <a:off x="0" y="0"/>
-          <a:ext cx="0" cy="0"/>
-          <a:chOff x="0" y="0"/>
-          <a:chExt cx="0" cy="0"/>
-        </a:xfrm>
-      </p:grpSpPr>
-      <p:pic>
-        <p:nvPicPr>
-          <p:cNvPr id="11" name="Picture Placeholder 10" descr="A close-up of a plant">
-            <a:extLst>
-              <a:ext uri="{FF2B5EF4-FFF2-40B4-BE49-F238E27FC236}">
-                <a16:creationId xmlns:a16="http://schemas.microsoft.com/office/drawing/2014/main" id="{8DB431A1-9806-9CFE-0E5F-1A5611C2A666}"/>
-              </a:ext>
-            </a:extLst>
-          </p:cNvPr>
-          <p:cNvPicPr>
-            <a:picLocks noGrp="1" noChangeAspect="1"/>
-          </p:cNvPicPr>
-          <p:nvPr>
-            <p:ph type="pic" sz="quarter" idx="13"/>
-          </p:nvPr>
-        </p:nvPicPr>
-        <p:blipFill>
-          <a:blip r:embed="rId3">
-            <a:extLst>
-              <a:ext uri="{28A0092B-C50C-407E-A947-70E740481C1C}">
-                <a14:useLocalDpi xmlns:a14="http://schemas.microsoft.com/office/drawing/2010/main" val="0"/>
-              </a:ext>
-            </a:extLst>
-          </a:blip>
-          <a:srcRect l="23" r="23"/>
-          <a:stretch/>
-        </p:blipFill>
-        <p:spPr>
-          <a:xfrm>
-            <a:off x="0" y="0"/>
-            <a:ext cx="12192000" cy="6880225"/>
-          </a:xfrm>
-        </p:spPr>
-      </p:pic>
-      <p:sp>
-        <p:nvSpPr>
-          <p:cNvPr id="3" name="Title 2">
-            <a:extLst>
-              <a:ext uri="{FF2B5EF4-FFF2-40B4-BE49-F238E27FC236}">
-                <a16:creationId xmlns:a16="http://schemas.microsoft.com/office/drawing/2014/main" id="{9C37279A-330D-886F-340D-494A5005E5FC}"/>
-              </a:ext>
-            </a:extLst>
-          </p:cNvPr>
-          <p:cNvSpPr>
-            <a:spLocks noGrp="1"/>
-          </p:cNvSpPr>
-          <p:nvPr>
-            <p:ph type="title"/>
-          </p:nvPr>
-        </p:nvSpPr>
-        <p:spPr>
-          <a:xfrm>
-            <a:off x="6309359" y="444933"/>
-            <a:ext cx="5477479" cy="3291840"/>
-          </a:xfrm>
-        </p:spPr>
-        <p:txBody>
-          <a:bodyPr/>
-          <a:lstStyle/>
-          <a:p>
-            <a:r>
-              <a:rPr lang="en-US" dirty="0"/>
-              <a:t>Power of communication</a:t>
-            </a:r>
-          </a:p>
-        </p:txBody>
-      </p:sp>
-    </p:spTree>
-    <p:extLst>
-      <p:ext uri="{BB962C8B-B14F-4D97-AF65-F5344CB8AC3E}">
-        <p14:creationId xmlns:p14="http://schemas.microsoft.com/office/powerpoint/2010/main" val="2249372667"/>
-      </p:ext>
-    </p:extLst>
-  </p:cSld>
-  <p:clrMapOvr>
-    <a:masterClrMapping/>
-  </p:clrMapOvr>
-</p:sld>
-</file>
-
-<file path=ppt/slides/slide28.xml><?xml version="1.0" encoding="utf-8"?>
 <p:sld xmlns:a="http://schemas.openxmlformats.org/drawingml/2006/main" xmlns:r="http://schemas.openxmlformats.org/officeDocument/2006/relationships" xmlns:p="http://schemas.openxmlformats.org/presentationml/2006/main">
   <p:cSld>
     <p:spTree>
@@ -20648,17 +18195,20 @@
           <a:p>
             <a:r>
               <a:rPr lang="en-US" dirty="0"/>
-              <a:t>What is text-guided image editing?</a:t>
+              <a:t>Concept</a:t>
             </a:r>
           </a:p>
           <a:p>
             <a:r>
               <a:rPr lang="en-US" dirty="0"/>
-              <a:t>Current limitation</a:t>
-            </a:r>
-          </a:p>
-          <a:p>
-            <a:endParaRPr lang="en-US" dirty="0"/>
+              <a:t>Applications &amp; Challenges</a:t>
+            </a:r>
+          </a:p>
+          <a:p>
+            <a:r>
+              <a:rPr lang="en-US" dirty="0"/>
+              <a:t>Project objective</a:t>
+            </a:r>
           </a:p>
           <a:p>
             <a:endParaRPr lang="en-US" dirty="0"/>
@@ -21055,7 +18605,7 @@
           <a:p>
             <a:r>
               <a:rPr lang="en-US" dirty="0"/>
-              <a:t>What is text-guided image editing?</a:t>
+              <a:t>Concept</a:t>
             </a:r>
           </a:p>
         </p:txBody>
@@ -21078,103 +18628,120 @@
         </p:nvSpPr>
         <p:spPr>
           <a:xfrm>
-            <a:off x="594360" y="2676525"/>
-            <a:ext cx="4490827" cy="3597470"/>
+            <a:off x="594360" y="3558332"/>
+            <a:ext cx="4522585" cy="1756930"/>
           </a:xfrm>
         </p:spPr>
         <p:txBody>
-          <a:bodyPr/>
+          <a:bodyPr>
+            <a:normAutofit/>
+          </a:bodyPr>
           <a:lstStyle/>
           <a:p>
+            <a:pPr marL="342900" indent="-342900">
+              <a:buFont typeface="Arial" panose="020B0604020202020204" pitchFamily="34" charset="0"/>
+              <a:buChar char="•"/>
+            </a:pPr>
             <a:r>
               <a:rPr lang="en-US" dirty="0"/>
-              <a:t>This is a powerful tool in public speaking. It involves varying pitch, tone, and volume to convey emotion, emphasize points, and maintain interest:</a:t>
-            </a:r>
-          </a:p>
-          <a:p>
-            <a:pPr lvl="1"/>
+              <a:t>AI-powered image editing using text prompts instead of manual tools.</a:t>
+            </a:r>
+          </a:p>
+          <a:p>
+            <a:pPr marL="342900" indent="-342900">
+              <a:buFont typeface="Arial" panose="020B0604020202020204" pitchFamily="34" charset="0"/>
+              <a:buChar char="•"/>
+            </a:pPr>
             <a:r>
               <a:rPr lang="en-US" dirty="0"/>
-              <a:t>Pitch variation</a:t>
-            </a:r>
-          </a:p>
-          <a:p>
-            <a:pPr lvl="1"/>
+              <a:t>Example: </a:t>
+            </a:r>
+            <a:r>
+              <a:rPr lang="en-US" i="1" dirty="0"/>
+              <a:t>“A woman in glasses holding a dog in hat holding a dog holding a tiger"</a:t>
+            </a:r>
             <a:r>
               <a:rPr lang="en-US" dirty="0"/>
-              <a:t>Tone inflection</a:t>
-            </a:r>
-          </a:p>
-          <a:p>
-            <a:pPr lvl="1"/>
-            <a:r>
-              <a:rPr lang="en-US" dirty="0"/>
-              <a:t>Volume control</a:t>
+              <a:t> → AI modifies the image accordingly.</a:t>
             </a:r>
           </a:p>
         </p:txBody>
       </p:sp>
       <p:sp>
         <p:nvSpPr>
-          <p:cNvPr id="4" name="Content Placeholder 3">
+          <p:cNvPr id="7" name="AutoShape 2" descr="A visual representation of text-guided image editing. The image consists of three parts: (1) an original image of a landscape with a clear blue sky, (2) a text prompt saying 'Make it a sunset', and (3) the modified output image where the sky has turned into a warm sunset with orange and pink hues. The images are connected with arrows showing the transformation process.">
             <a:extLst>
               <a:ext uri="{FF2B5EF4-FFF2-40B4-BE49-F238E27FC236}">
-                <a16:creationId xmlns:a16="http://schemas.microsoft.com/office/drawing/2014/main" id="{41FC7B50-71A6-D8BE-C032-5EB4CF5706D5}"/>
+                <a16:creationId xmlns:a16="http://schemas.microsoft.com/office/drawing/2014/main" id="{8BD32FAB-FC36-1378-2E6C-24FE3128B7D9}"/>
               </a:ext>
             </a:extLst>
           </p:cNvPr>
           <p:cNvSpPr>
-            <a:spLocks noGrp="1"/>
+            <a:spLocks noChangeAspect="1" noChangeArrowheads="1"/>
           </p:cNvSpPr>
-          <p:nvPr>
-            <p:ph sz="quarter" idx="16"/>
-          </p:nvPr>
+          <p:nvPr/>
         </p:nvSpPr>
+        <p:spPr bwMode="auto">
+          <a:xfrm>
+            <a:off x="5943600" y="3276600"/>
+            <a:ext cx="304800" cy="304800"/>
+          </a:xfrm>
+          <a:prstGeom prst="rect">
+            <a:avLst/>
+          </a:prstGeom>
+          <a:noFill/>
+          <a:extLst>
+            <a:ext uri="{909E8E84-426E-40DD-AFC4-6F175D3DCCD1}">
+              <a14:hiddenFill xmlns:a14="http://schemas.microsoft.com/office/drawing/2010/main">
+                <a:solidFill>
+                  <a:srgbClr val="FFFFFF"/>
+                </a:solidFill>
+              </a14:hiddenFill>
+            </a:ext>
+          </a:extLst>
+        </p:spPr>
+        <p:txBody>
+          <a:bodyPr vert="horz" wrap="square" lIns="91440" tIns="45720" rIns="91440" bIns="45720" numCol="1" anchor="t" anchorCtr="0" compatLnSpc="1">
+            <a:prstTxWarp prst="textNoShape">
+              <a:avLst/>
+            </a:prstTxWarp>
+          </a:bodyPr>
+          <a:lstStyle/>
+          <a:p>
+            <a:endParaRPr lang="en-US"/>
+          </a:p>
+        </p:txBody>
+      </p:sp>
+      <p:pic>
+        <p:nvPicPr>
+          <p:cNvPr id="13" name="Picture 12">
+            <a:extLst>
+              <a:ext uri="{FF2B5EF4-FFF2-40B4-BE49-F238E27FC236}">
+                <a16:creationId xmlns:a16="http://schemas.microsoft.com/office/drawing/2014/main" id="{C77862E2-8BC8-0615-0672-3944F6A7C2E3}"/>
+              </a:ext>
+            </a:extLst>
+          </p:cNvPr>
+          <p:cNvPicPr>
+            <a:picLocks noChangeAspect="1"/>
+          </p:cNvPicPr>
+          <p:nvPr/>
+        </p:nvPicPr>
+        <p:blipFill>
+          <a:blip r:embed="rId3"/>
+          <a:stretch>
+            <a:fillRect/>
+          </a:stretch>
+        </p:blipFill>
         <p:spPr>
           <a:xfrm>
-            <a:off x="5881898" y="2676525"/>
-            <a:ext cx="4490827" cy="3597470"/>
+            <a:off x="5483542" y="2676525"/>
+            <a:ext cx="6298759" cy="3520544"/>
           </a:xfrm>
+          <a:prstGeom prst="rect">
+            <a:avLst/>
+          </a:prstGeom>
         </p:spPr>
-        <p:txBody>
-          <a:bodyPr/>
-          <a:lstStyle/>
-          <a:p>
-            <a:r>
-              <a:rPr lang="en-US" dirty="0"/>
-              <a:t>Effective body language enhances your message, making it more impactful and memorable:</a:t>
-            </a:r>
-          </a:p>
-          <a:p>
-            <a:pPr lvl="1"/>
-            <a:r>
-              <a:rPr lang="en-US" dirty="0"/>
-              <a:t>Meaningful eye contact</a:t>
-            </a:r>
-          </a:p>
-          <a:p>
-            <a:pPr lvl="1"/>
-            <a:r>
-              <a:rPr lang="en-US" dirty="0"/>
-              <a:t>Purposeful gestures</a:t>
-            </a:r>
-          </a:p>
-          <a:p>
-            <a:pPr lvl="1"/>
-            <a:r>
-              <a:rPr lang="en-US" dirty="0"/>
-              <a:t>Maintain good posture</a:t>
-            </a:r>
-          </a:p>
-          <a:p>
-            <a:pPr lvl="1"/>
-            <a:r>
-              <a:rPr lang="en-US" dirty="0"/>
-              <a:t>Control your expressions</a:t>
-            </a:r>
-          </a:p>
-        </p:txBody>
-      </p:sp>
+      </p:pic>
     </p:spTree>
     <p:extLst>
       <p:ext uri="{BB962C8B-B14F-4D97-AF65-F5344CB8AC3E}">
@@ -21239,7 +18806,7 @@
           <a:p>
             <a:r>
               <a:rPr lang="en-US" dirty="0"/>
-              <a:t>Current limitation</a:t>
+              <a:t>Applications &amp; Challenges</a:t>
             </a:r>
           </a:p>
         </p:txBody>
@@ -21263,102 +18830,231 @@
         <p:spPr>
           <a:xfrm>
             <a:off x="594360" y="2676525"/>
-            <a:ext cx="4490827" cy="3597470"/>
+            <a:ext cx="7367385" cy="3597470"/>
           </a:xfrm>
         </p:spPr>
         <p:txBody>
-          <a:bodyPr/>
+          <a:bodyPr>
+            <a:normAutofit fontScale="92500" lnSpcReduction="10000"/>
+          </a:bodyPr>
           <a:lstStyle/>
           <a:p>
-            <a:r>
+            <a:pPr>
+              <a:lnSpc>
+                <a:spcPct val="150000"/>
+              </a:lnSpc>
+            </a:pPr>
+            <a:r>
+              <a:rPr lang="en-US" b="1" dirty="0"/>
+              <a:t>🔹 Applications</a:t>
+            </a:r>
+            <a:br>
               <a:rPr lang="en-US" dirty="0"/>
-              <a:t>This is a powerful tool in public speaking. It involves varying pitch, tone, and volume to convey emotion, emphasize points, and maintain interest:</a:t>
-            </a:r>
-          </a:p>
-          <a:p>
-            <a:pPr lvl="1"/>
+            </a:br>
             <a:r>
               <a:rPr lang="en-US" dirty="0"/>
-              <a:t>Pitch variation</a:t>
-            </a:r>
-          </a:p>
-          <a:p>
-            <a:pPr lvl="1"/>
+              <a:t>	✔ Change image styles (</a:t>
+            </a:r>
+            <a:r>
+              <a:rPr lang="en-US" i="1" dirty="0"/>
+              <a:t>"Make it look like a painting"</a:t>
+            </a:r>
             <a:r>
               <a:rPr lang="en-US" dirty="0"/>
-              <a:t>Tone inflection</a:t>
-            </a:r>
-          </a:p>
-          <a:p>
-            <a:pPr lvl="1"/>
-            <a:r>
+              <a:t>)</a:t>
+            </a:r>
+            <a:br>
               <a:rPr lang="en-US" dirty="0"/>
-              <a:t>Volume control</a:t>
+            </a:br>
+            <a:r>
+              <a:rPr lang="en-US" dirty="0"/>
+              <a:t>	✔ Add/remove objects (</a:t>
+            </a:r>
+            <a:r>
+              <a:rPr lang="en-US" i="1" dirty="0"/>
+              <a:t>"Remove background"</a:t>
+            </a:r>
+            <a:r>
+              <a:rPr lang="en-US" dirty="0"/>
+              <a:t>)</a:t>
+            </a:r>
+            <a:br>
+              <a:rPr lang="en-US" dirty="0"/>
+            </a:br>
+            <a:r>
+              <a:rPr lang="en-US" dirty="0"/>
+              <a:t>	✔ Modify attributes (</a:t>
+            </a:r>
+            <a:r>
+              <a:rPr lang="en-US" i="1" dirty="0"/>
+              <a:t>"Turn this frown into a smile"</a:t>
+            </a:r>
+            <a:r>
+              <a:rPr lang="en-US" dirty="0"/>
+              <a:t>)</a:t>
+            </a:r>
+          </a:p>
+          <a:p>
+            <a:pPr>
+              <a:lnSpc>
+                <a:spcPct val="150000"/>
+              </a:lnSpc>
+            </a:pPr>
+            <a:r>
+              <a:rPr lang="en-US" b="1" dirty="0"/>
+              <a:t>⚠ Challenges</a:t>
+            </a:r>
+            <a:br>
+              <a:rPr lang="en-US" dirty="0"/>
+            </a:br>
+            <a:r>
+              <a:rPr lang="en-US" dirty="0"/>
+              <a:t>	❌ Lack of fine control → AI might misinterpret prompts.</a:t>
+            </a:r>
+            <a:br>
+              <a:rPr lang="en-US" dirty="0"/>
+            </a:br>
+            <a:r>
+              <a:rPr lang="en-US" dirty="0"/>
+              <a:t>	❌ Artifacts &amp; distortions → Unnatural or unwanted changes.</a:t>
+            </a:r>
+            <a:br>
+              <a:rPr lang="en-US" dirty="0"/>
+            </a:br>
+            <a:r>
+              <a:rPr lang="en-US" dirty="0"/>
+              <a:t>	❌ Computational cost → Requires strong hardware.</a:t>
             </a:r>
           </a:p>
         </p:txBody>
       </p:sp>
-      <p:sp>
-        <p:nvSpPr>
-          <p:cNvPr id="4" name="Content Placeholder 3">
+      <p:grpSp>
+        <p:nvGrpSpPr>
+          <p:cNvPr id="13" name="Group 12">
             <a:extLst>
               <a:ext uri="{FF2B5EF4-FFF2-40B4-BE49-F238E27FC236}">
-                <a16:creationId xmlns:a16="http://schemas.microsoft.com/office/drawing/2014/main" id="{1C73DDB3-C3D7-2978-7A59-7D67074C5A51}"/>
+                <a16:creationId xmlns:a16="http://schemas.microsoft.com/office/drawing/2014/main" id="{D46F9073-1846-EDD2-78C2-6252C738ED2C}"/>
               </a:ext>
             </a:extLst>
           </p:cNvPr>
-          <p:cNvSpPr>
-            <a:spLocks noGrp="1"/>
-          </p:cNvSpPr>
-          <p:nvPr>
-            <p:ph sz="quarter" idx="16"/>
-          </p:nvPr>
-        </p:nvSpPr>
-        <p:spPr>
+          <p:cNvGrpSpPr/>
+          <p:nvPr/>
+        </p:nvGrpSpPr>
+        <p:grpSpPr>
           <a:xfrm>
-            <a:off x="5881898" y="2676525"/>
-            <a:ext cx="4490827" cy="3597470"/>
+            <a:off x="8214147" y="1918614"/>
+            <a:ext cx="2233370" cy="4803150"/>
+            <a:chOff x="8214147" y="2030412"/>
+            <a:chExt cx="2233370" cy="4803150"/>
           </a:xfrm>
-        </p:spPr>
-        <p:txBody>
-          <a:bodyPr/>
-          <a:lstStyle/>
-          <a:p>
-            <a:r>
-              <a:rPr lang="en-US" dirty="0"/>
-              <a:t>Effective body language enhances your message, making it more impactful and memorable:</a:t>
-            </a:r>
-          </a:p>
-          <a:p>
-            <a:pPr lvl="1"/>
-            <a:r>
-              <a:rPr lang="en-US" dirty="0"/>
-              <a:t>Meaningful eye contact</a:t>
-            </a:r>
-          </a:p>
-          <a:p>
-            <a:pPr lvl="1"/>
-            <a:r>
-              <a:rPr lang="en-US" dirty="0"/>
-              <a:t>Purposeful gestures</a:t>
-            </a:r>
-          </a:p>
-          <a:p>
-            <a:pPr lvl="1"/>
-            <a:r>
-              <a:rPr lang="en-US" dirty="0"/>
-              <a:t>Maintain good posture</a:t>
-            </a:r>
-          </a:p>
-          <a:p>
-            <a:pPr lvl="1"/>
-            <a:r>
-              <a:rPr lang="en-US" dirty="0"/>
-              <a:t>Control your expressions</a:t>
-            </a:r>
-          </a:p>
-        </p:txBody>
-      </p:sp>
+        </p:grpSpPr>
+        <p:pic>
+          <p:nvPicPr>
+            <p:cNvPr id="8" name="Picture 7">
+              <a:extLst>
+                <a:ext uri="{FF2B5EF4-FFF2-40B4-BE49-F238E27FC236}">
+                  <a16:creationId xmlns:a16="http://schemas.microsoft.com/office/drawing/2014/main" id="{26AB3A28-E2DC-55D2-BDA8-0484FC9B4FC4}"/>
+                </a:ext>
+              </a:extLst>
+            </p:cNvPr>
+            <p:cNvPicPr>
+              <a:picLocks noChangeAspect="1"/>
+            </p:cNvPicPr>
+            <p:nvPr/>
+          </p:nvPicPr>
+          <p:blipFill>
+            <a:blip r:embed="rId3"/>
+            <a:stretch>
+              <a:fillRect/>
+            </a:stretch>
+          </p:blipFill>
+          <p:spPr>
+            <a:xfrm>
+              <a:off x="8214147" y="2030412"/>
+              <a:ext cx="2229161" cy="2076740"/>
+            </a:xfrm>
+            <a:prstGeom prst="rect">
+              <a:avLst/>
+            </a:prstGeom>
+          </p:spPr>
+        </p:pic>
+        <p:pic>
+          <p:nvPicPr>
+            <p:cNvPr id="10" name="Picture 9">
+              <a:extLst>
+                <a:ext uri="{FF2B5EF4-FFF2-40B4-BE49-F238E27FC236}">
+                  <a16:creationId xmlns:a16="http://schemas.microsoft.com/office/drawing/2014/main" id="{90EA2E27-E52E-E4BC-6CA2-C0015ED067D9}"/>
+                </a:ext>
+              </a:extLst>
+            </p:cNvPr>
+            <p:cNvPicPr>
+              <a:picLocks noChangeAspect="1"/>
+            </p:cNvPicPr>
+            <p:nvPr/>
+          </p:nvPicPr>
+          <p:blipFill>
+            <a:blip r:embed="rId4"/>
+            <a:stretch>
+              <a:fillRect/>
+            </a:stretch>
+          </p:blipFill>
+          <p:spPr>
+            <a:xfrm>
+              <a:off x="8214147" y="4843367"/>
+              <a:ext cx="2233370" cy="1990195"/>
+            </a:xfrm>
+            <a:prstGeom prst="rect">
+              <a:avLst/>
+            </a:prstGeom>
+          </p:spPr>
+        </p:pic>
+        <p:sp>
+          <p:nvSpPr>
+            <p:cNvPr id="12" name="Arrow: Down 11">
+              <a:extLst>
+                <a:ext uri="{FF2B5EF4-FFF2-40B4-BE49-F238E27FC236}">
+                  <a16:creationId xmlns:a16="http://schemas.microsoft.com/office/drawing/2014/main" id="{F4538987-ACE0-8364-9BAA-3E0A1A029A48}"/>
+                </a:ext>
+              </a:extLst>
+            </p:cNvPr>
+            <p:cNvSpPr/>
+            <p:nvPr/>
+          </p:nvSpPr>
+          <p:spPr>
+            <a:xfrm>
+              <a:off x="9199418" y="4207439"/>
+              <a:ext cx="471055" cy="526889"/>
+            </a:xfrm>
+            <a:prstGeom prst="downArrow">
+              <a:avLst/>
+            </a:prstGeom>
+          </p:spPr>
+          <p:style>
+            <a:lnRef idx="2">
+              <a:schemeClr val="accent1">
+                <a:shade val="15000"/>
+              </a:schemeClr>
+            </a:lnRef>
+            <a:fillRef idx="1">
+              <a:schemeClr val="accent1"/>
+            </a:fillRef>
+            <a:effectRef idx="0">
+              <a:schemeClr val="accent1"/>
+            </a:effectRef>
+            <a:fontRef idx="minor">
+              <a:schemeClr val="lt1"/>
+            </a:fontRef>
+          </p:style>
+          <p:txBody>
+            <a:bodyPr rtlCol="0" anchor="ctr"/>
+            <a:lstStyle/>
+            <a:p>
+              <a:pPr algn="ctr"/>
+              <a:endParaRPr lang="en-US"/>
+            </a:p>
+          </p:txBody>
+        </p:sp>
+      </p:grpSp>
     </p:spTree>
     <p:extLst>
       <p:ext uri="{BB962C8B-B14F-4D97-AF65-F5344CB8AC3E}">
@@ -21373,6 +19069,183 @@
 </file>
 
 <file path=ppt/slides/slide6.xml><?xml version="1.0" encoding="utf-8"?>
+<p:sld xmlns:a="http://schemas.openxmlformats.org/drawingml/2006/main" xmlns:r="http://schemas.openxmlformats.org/officeDocument/2006/relationships" xmlns:p="http://schemas.openxmlformats.org/presentationml/2006/main">
+  <p:cSld>
+    <p:spTree>
+      <p:nvGrpSpPr>
+        <p:cNvPr id="1" name="">
+          <a:extLst>
+            <a:ext uri="{FF2B5EF4-FFF2-40B4-BE49-F238E27FC236}">
+              <a16:creationId xmlns:a16="http://schemas.microsoft.com/office/drawing/2014/main" id="{283E27CD-38F6-0761-B6CB-EF5DF39D1D2C}"/>
+            </a:ext>
+          </a:extLst>
+        </p:cNvPr>
+        <p:cNvGrpSpPr/>
+        <p:nvPr/>
+      </p:nvGrpSpPr>
+      <p:grpSpPr>
+        <a:xfrm>
+          <a:off x="0" y="0"/>
+          <a:ext cx="0" cy="0"/>
+          <a:chOff x="0" y="0"/>
+          <a:chExt cx="0" cy="0"/>
+        </a:xfrm>
+      </p:grpSpPr>
+      <p:sp>
+        <p:nvSpPr>
+          <p:cNvPr id="2" name="Title 1">
+            <a:extLst>
+              <a:ext uri="{FF2B5EF4-FFF2-40B4-BE49-F238E27FC236}">
+                <a16:creationId xmlns:a16="http://schemas.microsoft.com/office/drawing/2014/main" id="{E4F5BF0A-DE59-B392-A4E0-3AADE5F0D3C5}"/>
+              </a:ext>
+            </a:extLst>
+          </p:cNvPr>
+          <p:cNvSpPr>
+            <a:spLocks noGrp="1"/>
+          </p:cNvSpPr>
+          <p:nvPr>
+            <p:ph type="title"/>
+          </p:nvPr>
+        </p:nvSpPr>
+        <p:spPr>
+          <a:xfrm>
+            <a:off x="594360" y="278129"/>
+            <a:ext cx="9778365" cy="1494596"/>
+          </a:xfrm>
+        </p:spPr>
+        <p:txBody>
+          <a:bodyPr/>
+          <a:lstStyle/>
+          <a:p>
+            <a:r>
+              <a:rPr lang="en-US" dirty="0"/>
+              <a:t>Project objective</a:t>
+            </a:r>
+          </a:p>
+        </p:txBody>
+      </p:sp>
+      <p:sp>
+        <p:nvSpPr>
+          <p:cNvPr id="3" name="Content Placeholder 2">
+            <a:extLst>
+              <a:ext uri="{FF2B5EF4-FFF2-40B4-BE49-F238E27FC236}">
+                <a16:creationId xmlns:a16="http://schemas.microsoft.com/office/drawing/2014/main" id="{6334D0DB-0476-ACB4-6C5F-A80C3A3662EF}"/>
+              </a:ext>
+            </a:extLst>
+          </p:cNvPr>
+          <p:cNvSpPr>
+            <a:spLocks noGrp="1"/>
+          </p:cNvSpPr>
+          <p:nvPr>
+            <p:ph sz="quarter" idx="15"/>
+          </p:nvPr>
+        </p:nvSpPr>
+        <p:spPr>
+          <a:xfrm>
+            <a:off x="594360" y="2676525"/>
+            <a:ext cx="8715895" cy="3597470"/>
+          </a:xfrm>
+        </p:spPr>
+        <p:txBody>
+          <a:bodyPr>
+            <a:normAutofit/>
+          </a:bodyPr>
+          <a:lstStyle/>
+          <a:p>
+            <a:pPr>
+              <a:lnSpc>
+                <a:spcPct val="120000"/>
+              </a:lnSpc>
+              <a:spcBef>
+                <a:spcPts val="0"/>
+              </a:spcBef>
+            </a:pPr>
+            <a:r>
+              <a:rPr lang="en-US" b="1" dirty="0"/>
+              <a:t>Problems:</a:t>
+            </a:r>
+            <a:r>
+              <a:rPr lang="en-US" dirty="0"/>
+              <a:t> </a:t>
+            </a:r>
+          </a:p>
+          <a:p>
+            <a:pPr>
+              <a:lnSpc>
+                <a:spcPct val="120000"/>
+              </a:lnSpc>
+              <a:spcBef>
+                <a:spcPts val="0"/>
+              </a:spcBef>
+            </a:pPr>
+            <a:r>
+              <a:rPr lang="en-US" dirty="0"/>
+              <a:t>❌ Full fine-tuning large models is time-consuming</a:t>
+            </a:r>
+            <a:br>
+              <a:rPr lang="en-US" dirty="0"/>
+            </a:br>
+            <a:r>
+              <a:rPr lang="en-US" dirty="0"/>
+              <a:t>❌ Standard diffusion models struggle with semantic consistency and fine details</a:t>
+            </a:r>
+          </a:p>
+          <a:p>
+            <a:pPr>
+              <a:lnSpc>
+                <a:spcPct val="120000"/>
+              </a:lnSpc>
+              <a:spcBef>
+                <a:spcPts val="0"/>
+              </a:spcBef>
+            </a:pPr>
+            <a:r>
+              <a:rPr lang="en-US" b="1" dirty="0"/>
+              <a:t>Objectives:</a:t>
+            </a:r>
+            <a:r>
+              <a:rPr lang="en-US" dirty="0"/>
+              <a:t> </a:t>
+            </a:r>
+          </a:p>
+          <a:p>
+            <a:pPr>
+              <a:lnSpc>
+                <a:spcPct val="120000"/>
+              </a:lnSpc>
+              <a:spcBef>
+                <a:spcPts val="0"/>
+              </a:spcBef>
+            </a:pPr>
+            <a:r>
+              <a:rPr lang="en-US" dirty="0"/>
+              <a:t>✅ Explore the paper on </a:t>
+            </a:r>
+            <a:r>
+              <a:rPr lang="en-US" b="1" dirty="0"/>
+              <a:t>Contrastive Denoising Score (CDS)</a:t>
+            </a:r>
+            <a:r>
+              <a:rPr lang="en-US" dirty="0"/>
+              <a:t>, which improves diffusion models by enhancing denoising through contrastive learning.</a:t>
+            </a:r>
+          </a:p>
+        </p:txBody>
+      </p:sp>
+    </p:spTree>
+    <p:extLst>
+      <p:ext uri="{BB962C8B-B14F-4D97-AF65-F5344CB8AC3E}">
+        <p14:creationId xmlns:p14="http://schemas.microsoft.com/office/powerpoint/2010/main" val="114842845"/>
+      </p:ext>
+    </p:extLst>
+  </p:cSld>
+  <p:clrMapOvr>
+    <a:masterClrMapping/>
+  </p:clrMapOvr>
+</p:sld>
+</file>
+
+<file path=ppt/slides/slide7.xml><?xml version="1.0" encoding="utf-8"?>
 <p:sld xmlns:a="http://schemas.openxmlformats.org/drawingml/2006/main" xmlns:r="http://schemas.openxmlformats.org/officeDocument/2006/relationships" xmlns:p="http://schemas.openxmlformats.org/presentationml/2006/main">
   <p:cSld>
     <p:spTree>
@@ -21826,7 +19699,7 @@
 </p:sld>
 </file>
 
-<file path=ppt/slides/slide7.xml><?xml version="1.0" encoding="utf-8"?>
+<file path=ppt/slides/slide8.xml><?xml version="1.0" encoding="utf-8"?>
 <p:sld xmlns:a="http://schemas.openxmlformats.org/drawingml/2006/main" xmlns:r="http://schemas.openxmlformats.org/officeDocument/2006/relationships" xmlns:p="http://schemas.openxmlformats.org/presentationml/2006/main">
   <p:cSld>
     <p:spTree>
@@ -22035,7 +19908,7 @@
 </p:sld>
 </file>
 
-<file path=ppt/slides/slide8.xml><?xml version="1.0" encoding="utf-8"?>
+<file path=ppt/slides/slide9.xml><?xml version="1.0" encoding="utf-8"?>
 <p:sld xmlns:a="http://schemas.openxmlformats.org/drawingml/2006/main" xmlns:r="http://schemas.openxmlformats.org/officeDocument/2006/relationships" xmlns:p="http://schemas.openxmlformats.org/presentationml/2006/main">
   <p:cSld>
     <p:spTree>
@@ -22330,206 +20203,6 @@
     <p:extLst>
       <p:ext uri="{BB962C8B-B14F-4D97-AF65-F5344CB8AC3E}">
         <p14:creationId xmlns:p14="http://schemas.microsoft.com/office/powerpoint/2010/main" val="2055674359"/>
-      </p:ext>
-    </p:extLst>
-  </p:cSld>
-  <p:clrMapOvr>
-    <a:masterClrMapping/>
-  </p:clrMapOvr>
-</p:sld>
-</file>
-
-<file path=ppt/slides/slide9.xml><?xml version="1.0" encoding="utf-8"?>
-<p:sld xmlns:a="http://schemas.openxmlformats.org/drawingml/2006/main" xmlns:r="http://schemas.openxmlformats.org/officeDocument/2006/relationships" xmlns:p="http://schemas.openxmlformats.org/presentationml/2006/main">
-  <p:cSld>
-    <p:spTree>
-      <p:nvGrpSpPr>
-        <p:cNvPr id="1" name="">
-          <a:extLst>
-            <a:ext uri="{FF2B5EF4-FFF2-40B4-BE49-F238E27FC236}">
-              <a16:creationId xmlns:a16="http://schemas.microsoft.com/office/drawing/2014/main" id="{4485A68F-D469-C063-3E88-48D06593BC3D}"/>
-            </a:ext>
-          </a:extLst>
-        </p:cNvPr>
-        <p:cNvGrpSpPr/>
-        <p:nvPr/>
-      </p:nvGrpSpPr>
-      <p:grpSpPr>
-        <a:xfrm>
-          <a:off x="0" y="0"/>
-          <a:ext cx="0" cy="0"/>
-          <a:chOff x="0" y="0"/>
-          <a:chExt cx="0" cy="0"/>
-        </a:xfrm>
-      </p:grpSpPr>
-      <p:sp>
-        <p:nvSpPr>
-          <p:cNvPr id="2" name="Title 1">
-            <a:extLst>
-              <a:ext uri="{FF2B5EF4-FFF2-40B4-BE49-F238E27FC236}">
-                <a16:creationId xmlns:a16="http://schemas.microsoft.com/office/drawing/2014/main" id="{4BD0AAA4-E01E-7325-9819-91B114568746}"/>
-              </a:ext>
-            </a:extLst>
-          </p:cNvPr>
-          <p:cNvSpPr>
-            <a:spLocks noGrp="1"/>
-          </p:cNvSpPr>
-          <p:nvPr>
-            <p:ph type="title"/>
-          </p:nvPr>
-        </p:nvSpPr>
-        <p:spPr>
-          <a:xfrm>
-            <a:off x="594360" y="278129"/>
-            <a:ext cx="9778365" cy="1494596"/>
-          </a:xfrm>
-        </p:spPr>
-        <p:txBody>
-          <a:bodyPr anchor="b">
-            <a:normAutofit/>
-          </a:bodyPr>
-          <a:lstStyle/>
-          <a:p>
-            <a:r>
-              <a:rPr lang="en-US" dirty="0"/>
-              <a:t>Latent Diffusion Model (1)</a:t>
-            </a:r>
-          </a:p>
-        </p:txBody>
-      </p:sp>
-      <p:sp>
-        <p:nvSpPr>
-          <p:cNvPr id="3" name="Content Placeholder 2">
-            <a:extLst>
-              <a:ext uri="{FF2B5EF4-FFF2-40B4-BE49-F238E27FC236}">
-                <a16:creationId xmlns:a16="http://schemas.microsoft.com/office/drawing/2014/main" id="{2398E477-5A99-50E6-0B78-0EB53AC2E604}"/>
-              </a:ext>
-            </a:extLst>
-          </p:cNvPr>
-          <p:cNvSpPr>
-            <a:spLocks noGrp="1"/>
-          </p:cNvSpPr>
-          <p:nvPr>
-            <p:ph sz="quarter" idx="15"/>
-          </p:nvPr>
-        </p:nvSpPr>
-        <p:spPr>
-          <a:xfrm>
-            <a:off x="594360" y="2676525"/>
-            <a:ext cx="4490827" cy="3597470"/>
-          </a:xfrm>
-        </p:spPr>
-        <p:txBody>
-          <a:bodyPr>
-            <a:normAutofit/>
-          </a:bodyPr>
-          <a:lstStyle/>
-          <a:p>
-            <a:pPr marL="342900" indent="-342900">
-              <a:buFont typeface="Arial" panose="020B0604020202020204" pitchFamily="34" charset="0"/>
-              <a:buChar char="•"/>
-            </a:pPr>
-            <a:r>
-              <a:rPr lang="en-US" dirty="0"/>
-              <a:t>Proposed in </a:t>
-            </a:r>
-            <a:r>
-              <a:rPr lang="en-US" b="1" dirty="0"/>
-              <a:t>High-resolution image synthesis with latent diffusion models </a:t>
-            </a:r>
-            <a:r>
-              <a:rPr lang="en-US" dirty="0"/>
-              <a:t>by Rombach, R., </a:t>
-            </a:r>
-            <a:r>
-              <a:rPr lang="en-US" dirty="0" err="1"/>
-              <a:t>Blattmann</a:t>
-            </a:r>
-            <a:r>
-              <a:rPr lang="en-US" dirty="0"/>
-              <a:t>, A., Lorenz, D., Esser, P., &amp; </a:t>
-            </a:r>
-            <a:r>
-              <a:rPr lang="en-US" dirty="0" err="1"/>
-              <a:t>Ommer</a:t>
-            </a:r>
-            <a:r>
-              <a:rPr lang="en-US" dirty="0"/>
-              <a:t>, B. (2022).</a:t>
-            </a:r>
-          </a:p>
-          <a:p>
-            <a:pPr marL="342900" indent="-342900">
-              <a:buFont typeface="Arial" panose="020B0604020202020204" pitchFamily="34" charset="0"/>
-              <a:buChar char="•"/>
-            </a:pPr>
-            <a:r>
-              <a:rPr lang="en-US" dirty="0"/>
-              <a:t>Instead of applying diffusion directly to high-dimensional pixel space, the model learns and denoises in a compressed latent space.</a:t>
-            </a:r>
-          </a:p>
-          <a:p>
-            <a:pPr marL="342900" indent="-342900">
-              <a:buFont typeface="Arial" panose="020B0604020202020204" pitchFamily="34" charset="0"/>
-              <a:buChar char="•"/>
-            </a:pPr>
-            <a:r>
-              <a:rPr lang="en-US" dirty="0"/>
-              <a:t>Introduce </a:t>
-            </a:r>
-            <a:r>
-              <a:rPr lang="en-US" b="1" dirty="0"/>
-              <a:t>cross-attention layers</a:t>
-            </a:r>
-            <a:r>
-              <a:rPr lang="en-US" dirty="0"/>
-              <a:t> that enable </a:t>
-            </a:r>
-            <a:r>
-              <a:rPr lang="en-US" b="1" dirty="0"/>
-              <a:t>flexible control</a:t>
-            </a:r>
-            <a:r>
-              <a:rPr lang="en-US" dirty="0"/>
-              <a:t> over image generation.</a:t>
-            </a:r>
-          </a:p>
-        </p:txBody>
-      </p:sp>
-      <p:pic>
-        <p:nvPicPr>
-          <p:cNvPr id="10" name="Picture 9" descr="A collage of different buildings&#10;&#10;AI-generated content may be incorrect.">
-            <a:extLst>
-              <a:ext uri="{FF2B5EF4-FFF2-40B4-BE49-F238E27FC236}">
-                <a16:creationId xmlns:a16="http://schemas.microsoft.com/office/drawing/2014/main" id="{1F8E15B7-231F-6EBD-C40E-BF791629038A}"/>
-              </a:ext>
-            </a:extLst>
-          </p:cNvPr>
-          <p:cNvPicPr>
-            <a:picLocks noChangeAspect="1"/>
-          </p:cNvPicPr>
-          <p:nvPr/>
-        </p:nvPicPr>
-        <p:blipFill>
-          <a:blip r:embed="rId3"/>
-          <a:srcRect l="-223" t="-4" r="59983" b="5"/>
-          <a:stretch/>
-        </p:blipFill>
-        <p:spPr>
-          <a:xfrm>
-            <a:off x="5608320" y="2676525"/>
-            <a:ext cx="5790565" cy="3597470"/>
-          </a:xfrm>
-          <a:prstGeom prst="rect">
-            <a:avLst/>
-          </a:prstGeom>
-          <a:noFill/>
-        </p:spPr>
-      </p:pic>
-    </p:spTree>
-    <p:extLst>
-      <p:ext uri="{BB962C8B-B14F-4D97-AF65-F5344CB8AC3E}">
-        <p14:creationId xmlns:p14="http://schemas.microsoft.com/office/powerpoint/2010/main" val="1128730107"/>
       </p:ext>
     </p:extLst>
   </p:cSld>
